--- a/doc/workshop/ensembleModels/RAVEN_EnsembleModel_2024.pptx
+++ b/doc/workshop/ensembleModels/RAVEN_EnsembleModel_2024.pptx
@@ -5,7 +5,7 @@
     <p:sldMasterId id="2147483692" r:id="rId4"/>
   </p:sldMasterIdLst>
   <p:notesMasterIdLst>
-    <p:notesMasterId r:id="rId36"/>
+    <p:notesMasterId r:id="rId39"/>
   </p:notesMasterIdLst>
   <p:sldIdLst>
     <p:sldId id="256" r:id="rId5"/>
@@ -37,8 +37,11 @@
     <p:sldId id="463" r:id="rId31"/>
     <p:sldId id="462" r:id="rId32"/>
     <p:sldId id="464" r:id="rId33"/>
-    <p:sldId id="442" r:id="rId34"/>
-    <p:sldId id="258" r:id="rId35"/>
+    <p:sldId id="466" r:id="rId34"/>
+    <p:sldId id="467" r:id="rId35"/>
+    <p:sldId id="468" r:id="rId36"/>
+    <p:sldId id="442" r:id="rId37"/>
+    <p:sldId id="258" r:id="rId38"/>
   </p:sldIdLst>
   <p:sldSz cx="12192000" cy="6858000"/>
   <p:notesSz cx="6858000" cy="9144000"/>
@@ -227,7 +230,7 @@
           <a:p>
             <a:fld id="{9909992B-A26C-6A4B-AC27-2602734F2866}" type="datetimeFigureOut">
               <a:rPr lang="en-US" smtClean="0"/>
-              <a:t>7/5/24</a:t>
+              <a:t>7/10/24</a:t>
             </a:fld>
             <a:endParaRPr lang="en-US"/>
           </a:p>
@@ -13500,7 +13503,7 @@
             </a:pPr>
             <a:r>
               <a:rPr lang="en-US" sz="2000" dirty="0"/>
-              <a:t>Aimed to provide to the user an easy way to implement sets of equations directly in RAVEN</a:t>
+              <a:t>Aimed to provide to the user an easy way to implement sets of equations</a:t>
             </a:r>
           </a:p>
           <a:p>
@@ -13561,6 +13564,38 @@
             <a:r>
               <a:rPr lang="en-US" sz="2000" dirty="0"/>
               <a:t>Aimed to assemble multiple models</a:t>
+            </a:r>
+          </a:p>
+          <a:p>
+            <a:pPr algn="just">
+              <a:lnSpc>
+                <a:spcPct val="100000"/>
+              </a:lnSpc>
+              <a:spcBef>
+                <a:spcPts val="600"/>
+              </a:spcBef>
+            </a:pPr>
+            <a:r>
+              <a:rPr lang="en-US" sz="2000" b="1" dirty="0">
+                <a:solidFill>
+                  <a:srgbClr val="00B050"/>
+                </a:solidFill>
+              </a:rPr>
+              <a:t>Logical models:</a:t>
+            </a:r>
+          </a:p>
+          <a:p>
+            <a:pPr lvl="1" algn="just">
+              <a:lnSpc>
+                <a:spcPct val="100000"/>
+              </a:lnSpc>
+              <a:spcBef>
+                <a:spcPts val="600"/>
+              </a:spcBef>
+            </a:pPr>
+            <a:r>
+              <a:rPr lang="en-US" sz="2000" dirty="0"/>
+              <a:t>Select model execution based on logic function</a:t>
             </a:r>
           </a:p>
           <a:p>
@@ -14133,14 +14168,14 @@
           <a:effectLst/>
           <a:extLst>
             <a:ext uri="{909E8E84-426E-40dd-AFC4-6F175D3DCCD1}">
-              <a14:hiddenFill xmlns:a14="http://schemas.microsoft.com/office/drawing/2010/main" xmlns="">
+              <a14:hiddenFill xmlns="" xmlns:a14="http://schemas.microsoft.com/office/drawing/2010/main">
                 <a:solidFill>
                   <a:schemeClr val="accent1"/>
                 </a:solidFill>
               </a14:hiddenFill>
             </a:ext>
             <a:ext uri="{91240B29-F687-4f45-9708-019B960494DF}">
-              <a14:hiddenLine xmlns:a14="http://schemas.microsoft.com/office/drawing/2010/main" xmlns="" w="9525">
+              <a14:hiddenLine xmlns="" xmlns:a14="http://schemas.microsoft.com/office/drawing/2010/main" w="9525">
                 <a:solidFill>
                   <a:schemeClr val="tx1"/>
                 </a:solidFill>
@@ -14150,7 +14185,7 @@
               </a14:hiddenLine>
             </a:ext>
             <a:ext uri="{AF507438-7753-43e0-B8FC-AC1667EBCBE1}">
-              <a14:hiddenEffects xmlns:a14="http://schemas.microsoft.com/office/drawing/2010/main" xmlns="">
+              <a14:hiddenEffects xmlns="" xmlns:a14="http://schemas.microsoft.com/office/drawing/2010/main">
                 <a:effectLst>
                   <a:outerShdw dist="35921" dir="2700000" algn="ctr" rotWithShape="0">
                     <a:schemeClr val="bg2"/>
@@ -14210,14 +14245,14 @@
           <a:effectLst/>
           <a:extLst>
             <a:ext uri="{909E8E84-426E-40dd-AFC4-6F175D3DCCD1}">
-              <a14:hiddenFill xmlns:a14="http://schemas.microsoft.com/office/drawing/2010/main" xmlns="">
+              <a14:hiddenFill xmlns="" xmlns:a14="http://schemas.microsoft.com/office/drawing/2010/main">
                 <a:solidFill>
                   <a:schemeClr val="accent1"/>
                 </a:solidFill>
               </a14:hiddenFill>
             </a:ext>
             <a:ext uri="{91240B29-F687-4f45-9708-019B960494DF}">
-              <a14:hiddenLine xmlns:a14="http://schemas.microsoft.com/office/drawing/2010/main" xmlns="" w="9525">
+              <a14:hiddenLine xmlns="" xmlns:a14="http://schemas.microsoft.com/office/drawing/2010/main" w="9525">
                 <a:solidFill>
                   <a:schemeClr val="tx1"/>
                 </a:solidFill>
@@ -14227,7 +14262,7 @@
               </a14:hiddenLine>
             </a:ext>
             <a:ext uri="{AF507438-7753-43e0-B8FC-AC1667EBCBE1}">
-              <a14:hiddenEffects xmlns:a14="http://schemas.microsoft.com/office/drawing/2010/main" xmlns="">
+              <a14:hiddenEffects xmlns="" xmlns:a14="http://schemas.microsoft.com/office/drawing/2010/main">
                 <a:effectLst>
                   <a:outerShdw dist="35921" dir="2700000" algn="ctr" rotWithShape="0">
                     <a:schemeClr val="bg2"/>
@@ -14604,14 +14639,14 @@
           <a:effectLst/>
           <a:extLst>
             <a:ext uri="{909E8E84-426E-40dd-AFC4-6F175D3DCCD1}">
-              <a14:hiddenFill xmlns:a14="http://schemas.microsoft.com/office/drawing/2010/main" xmlns="">
+              <a14:hiddenFill xmlns="" xmlns:a14="http://schemas.microsoft.com/office/drawing/2010/main">
                 <a:solidFill>
                   <a:schemeClr val="accent1"/>
                 </a:solidFill>
               </a14:hiddenFill>
             </a:ext>
             <a:ext uri="{91240B29-F687-4f45-9708-019B960494DF}">
-              <a14:hiddenLine xmlns:a14="http://schemas.microsoft.com/office/drawing/2010/main" xmlns="" w="9525">
+              <a14:hiddenLine xmlns="" xmlns:a14="http://schemas.microsoft.com/office/drawing/2010/main" w="9525">
                 <a:solidFill>
                   <a:schemeClr val="tx1"/>
                 </a:solidFill>
@@ -14621,7 +14656,7 @@
               </a14:hiddenLine>
             </a:ext>
             <a:ext uri="{AF507438-7753-43e0-B8FC-AC1667EBCBE1}">
-              <a14:hiddenEffects xmlns:a14="http://schemas.microsoft.com/office/drawing/2010/main" xmlns="">
+              <a14:hiddenEffects xmlns="" xmlns:a14="http://schemas.microsoft.com/office/drawing/2010/main">
                 <a:effectLst>
                   <a:outerShdw dist="35921" dir="2700000" algn="ctr" rotWithShape="0">
                     <a:schemeClr val="bg2"/>
@@ -15141,8 +15176,8 @@
           </a:p>
         </p:txBody>
       </p:sp>
-      <mc:AlternateContent xmlns:mc="http://schemas.openxmlformats.org/markup-compatibility/2006">
-        <mc:Choice xmlns:a14="http://schemas.microsoft.com/office/drawing/2010/main" Requires="a14">
+      <mc:AlternateContent xmlns:mc="http://schemas.openxmlformats.org/markup-compatibility/2006" xmlns:a14="http://schemas.microsoft.com/office/drawing/2010/main">
+        <mc:Choice Requires="a14">
           <p:sp>
             <p:nvSpPr>
               <p:cNvPr id="3" name="Content Placeholder 2">
@@ -15489,7 +15524,7 @@
             </p:txBody>
           </p:sp>
         </mc:Choice>
-        <mc:Fallback>
+        <mc:Fallback xmlns="">
           <p:sp>
             <p:nvSpPr>
               <p:cNvPr id="3" name="Content Placeholder 2">
@@ -16935,7 +16970,7 @@
                 <a:latin typeface="Courier"/>
                 <a:cs typeface="Courier"/>
               </a:rPr>
-              <a:t> ’</a:t>
+              <a:t>’</a:t>
             </a:r>
             <a:r>
               <a:rPr lang="en-US" sz="1300" dirty="0" err="1">
@@ -23987,6 +24022,1935 @@
 </file>
 
 <file path=ppt/slides/slide30.xml><?xml version="1.0" encoding="utf-8"?>
+<p:sld xmlns:a="http://schemas.openxmlformats.org/drawingml/2006/main" xmlns:r="http://schemas.openxmlformats.org/officeDocument/2006/relationships" xmlns:p="http://schemas.openxmlformats.org/presentationml/2006/main">
+  <p:cSld>
+    <p:spTree>
+      <p:nvGrpSpPr>
+        <p:cNvPr id="1" name=""/>
+        <p:cNvGrpSpPr/>
+        <p:nvPr/>
+      </p:nvGrpSpPr>
+      <p:grpSpPr>
+        <a:xfrm>
+          <a:off x="0" y="0"/>
+          <a:ext cx="0" cy="0"/>
+          <a:chOff x="0" y="0"/>
+          <a:chExt cx="0" cy="0"/>
+        </a:xfrm>
+      </p:grpSpPr>
+      <p:sp>
+        <p:nvSpPr>
+          <p:cNvPr id="2" name="Title 1">
+            <a:extLst>
+              <a:ext uri="{FF2B5EF4-FFF2-40B4-BE49-F238E27FC236}">
+                <a16:creationId xmlns:a16="http://schemas.microsoft.com/office/drawing/2014/main" id="{19150399-2DDC-E5BB-0801-3DDD17BB18CE}"/>
+              </a:ext>
+            </a:extLst>
+          </p:cNvPr>
+          <p:cNvSpPr>
+            <a:spLocks noGrp="1"/>
+          </p:cNvSpPr>
+          <p:nvPr>
+            <p:ph type="title"/>
+          </p:nvPr>
+        </p:nvSpPr>
+        <p:spPr/>
+        <p:txBody>
+          <a:bodyPr/>
+          <a:lstStyle/>
+          <a:p>
+            <a:r>
+              <a:rPr lang="en-US" dirty="0"/>
+              <a:t>Hybrid Model Application</a:t>
+            </a:r>
+          </a:p>
+        </p:txBody>
+      </p:sp>
+      <p:sp>
+        <p:nvSpPr>
+          <p:cNvPr id="3" name="Content Placeholder 2">
+            <a:extLst>
+              <a:ext uri="{FF2B5EF4-FFF2-40B4-BE49-F238E27FC236}">
+                <a16:creationId xmlns:a16="http://schemas.microsoft.com/office/drawing/2014/main" id="{3AC6EAC5-B77F-36D2-414F-4FC5B705A1CA}"/>
+              </a:ext>
+            </a:extLst>
+          </p:cNvPr>
+          <p:cNvSpPr>
+            <a:spLocks noGrp="1"/>
+          </p:cNvSpPr>
+          <p:nvPr>
+            <p:ph idx="1"/>
+          </p:nvPr>
+        </p:nvSpPr>
+        <p:spPr>
+          <a:xfrm>
+            <a:off x="938150" y="1290321"/>
+            <a:ext cx="10415649" cy="842026"/>
+          </a:xfrm>
+        </p:spPr>
+        <p:txBody>
+          <a:bodyPr/>
+          <a:lstStyle/>
+          <a:p>
+            <a:r>
+              <a:rPr lang="en-US" sz="2000" dirty="0"/>
+              <a:t>Example: automatic model selection for a PWR SBO sequence, using RELAP5-3D and a SVM surrogate model</a:t>
+            </a:r>
+          </a:p>
+          <a:p>
+            <a:endParaRPr lang="en-US" dirty="0"/>
+          </a:p>
+        </p:txBody>
+      </p:sp>
+      <p:sp>
+        <p:nvSpPr>
+          <p:cNvPr id="4" name="Slide Number Placeholder 3">
+            <a:extLst>
+              <a:ext uri="{FF2B5EF4-FFF2-40B4-BE49-F238E27FC236}">
+                <a16:creationId xmlns:a16="http://schemas.microsoft.com/office/drawing/2014/main" id="{7D352D5A-E0E6-32B4-0563-45847C54259D}"/>
+              </a:ext>
+            </a:extLst>
+          </p:cNvPr>
+          <p:cNvSpPr>
+            <a:spLocks noGrp="1"/>
+          </p:cNvSpPr>
+          <p:nvPr>
+            <p:ph type="sldNum" sz="quarter" idx="12"/>
+          </p:nvPr>
+        </p:nvSpPr>
+        <p:spPr/>
+        <p:txBody>
+          <a:bodyPr/>
+          <a:lstStyle/>
+          <a:p>
+            <a:fld id="{82B577FA-F7D9-2C48-919F-F962E3BF952F}" type="slidenum">
+              <a:rPr lang="en-US" smtClean="0"/>
+              <a:t>30</a:t>
+            </a:fld>
+            <a:endParaRPr lang="en-US"/>
+          </a:p>
+        </p:txBody>
+      </p:sp>
+      <p:pic>
+        <p:nvPicPr>
+          <p:cNvPr id="5" name="Picture 4">
+            <a:extLst>
+              <a:ext uri="{FF2B5EF4-FFF2-40B4-BE49-F238E27FC236}">
+                <a16:creationId xmlns:a16="http://schemas.microsoft.com/office/drawing/2014/main" id="{B1F79F4C-28AC-6C51-05D6-8E1554318B8A}"/>
+              </a:ext>
+            </a:extLst>
+          </p:cNvPr>
+          <p:cNvPicPr>
+            <a:picLocks noChangeAspect="1"/>
+          </p:cNvPicPr>
+          <p:nvPr/>
+        </p:nvPicPr>
+        <p:blipFill>
+          <a:blip r:embed="rId2">
+            <a:extLst>
+              <a:ext uri="{28A0092B-C50C-407E-A947-70E740481C1C}">
+                <a14:useLocalDpi xmlns:a14="http://schemas.microsoft.com/office/drawing/2010/main" val="0"/>
+              </a:ext>
+            </a:extLst>
+          </a:blip>
+          <a:stretch>
+            <a:fillRect/>
+          </a:stretch>
+        </p:blipFill>
+        <p:spPr>
+          <a:xfrm>
+            <a:off x="6458493" y="2168013"/>
+            <a:ext cx="5468772" cy="4054262"/>
+          </a:xfrm>
+          <a:prstGeom prst="rect">
+            <a:avLst/>
+          </a:prstGeom>
+        </p:spPr>
+      </p:pic>
+      <p:sp>
+        <p:nvSpPr>
+          <p:cNvPr id="6" name="Content Placeholder 2">
+            <a:extLst>
+              <a:ext uri="{FF2B5EF4-FFF2-40B4-BE49-F238E27FC236}">
+                <a16:creationId xmlns:a16="http://schemas.microsoft.com/office/drawing/2014/main" id="{F952C322-C2D4-A506-8A5C-9E6ED0C43D15}"/>
+              </a:ext>
+            </a:extLst>
+          </p:cNvPr>
+          <p:cNvSpPr txBox="1">
+            <a:spLocks/>
+          </p:cNvSpPr>
+          <p:nvPr/>
+        </p:nvSpPr>
+        <p:spPr>
+          <a:xfrm>
+            <a:off x="938151" y="2002972"/>
+            <a:ext cx="5468772" cy="1940560"/>
+          </a:xfrm>
+          <a:prstGeom prst="rect">
+            <a:avLst/>
+          </a:prstGeom>
+        </p:spPr>
+        <p:txBody>
+          <a:bodyPr vert="horz" lIns="0" tIns="0" rIns="91440" bIns="45720" rtlCol="0">
+            <a:noAutofit/>
+          </a:bodyPr>
+          <a:lstStyle>
+            <a:lvl1pPr marL="228600" indent="-228600" algn="l" defTabSz="914400" rtl="0" eaLnBrk="1" latinLnBrk="0" hangingPunct="1">
+              <a:lnSpc>
+                <a:spcPct val="90000"/>
+              </a:lnSpc>
+              <a:spcBef>
+                <a:spcPts val="1000"/>
+              </a:spcBef>
+              <a:buClr>
+                <a:schemeClr val="bg2"/>
+              </a:buClr>
+              <a:buFont typeface="Arial" panose="020B0604020202020204" pitchFamily="34" charset="0"/>
+              <a:buChar char="•"/>
+              <a:defRPr sz="2200" b="0" i="0" kern="1200">
+                <a:solidFill>
+                  <a:schemeClr val="tx2"/>
+                </a:solidFill>
+                <a:latin typeface="Arial" panose="020B0604020202020204" pitchFamily="34" charset="0"/>
+                <a:ea typeface="+mn-ea"/>
+                <a:cs typeface="Arial" panose="020B0604020202020204" pitchFamily="34" charset="0"/>
+              </a:defRPr>
+            </a:lvl1pPr>
+            <a:lvl2pPr marL="685800" indent="-228600" algn="l" defTabSz="914400" rtl="0" eaLnBrk="1" latinLnBrk="0" hangingPunct="1">
+              <a:lnSpc>
+                <a:spcPct val="90000"/>
+              </a:lnSpc>
+              <a:spcBef>
+                <a:spcPts val="500"/>
+              </a:spcBef>
+              <a:buClr>
+                <a:schemeClr val="bg2"/>
+              </a:buClr>
+              <a:buFont typeface="Arial" panose="020B0604020202020204" pitchFamily="34" charset="0"/>
+              <a:buChar char="−"/>
+              <a:defRPr sz="2200" b="0" i="0" kern="1200">
+                <a:solidFill>
+                  <a:schemeClr val="tx2"/>
+                </a:solidFill>
+                <a:latin typeface="Arial" panose="020B0604020202020204" pitchFamily="34" charset="0"/>
+                <a:ea typeface="+mn-ea"/>
+                <a:cs typeface="Arial" panose="020B0604020202020204" pitchFamily="34" charset="0"/>
+              </a:defRPr>
+            </a:lvl2pPr>
+            <a:lvl3pPr marL="1143000" indent="-228600" algn="l" defTabSz="914400" rtl="0" eaLnBrk="1" latinLnBrk="0" hangingPunct="1">
+              <a:lnSpc>
+                <a:spcPct val="90000"/>
+              </a:lnSpc>
+              <a:spcBef>
+                <a:spcPts val="500"/>
+              </a:spcBef>
+              <a:buClr>
+                <a:schemeClr val="bg2"/>
+              </a:buClr>
+              <a:buFont typeface="Arial" panose="020B0604020202020204" pitchFamily="34" charset="0"/>
+              <a:buChar char="•"/>
+              <a:defRPr sz="2200" b="0" i="0" kern="1200">
+                <a:solidFill>
+                  <a:schemeClr val="tx2"/>
+                </a:solidFill>
+                <a:latin typeface="Arial" panose="020B0604020202020204" pitchFamily="34" charset="0"/>
+                <a:ea typeface="+mn-ea"/>
+                <a:cs typeface="Arial" panose="020B0604020202020204" pitchFamily="34" charset="0"/>
+              </a:defRPr>
+            </a:lvl3pPr>
+            <a:lvl4pPr marL="1600200" indent="-228600" algn="l" defTabSz="914400" rtl="0" eaLnBrk="1" latinLnBrk="0" hangingPunct="1">
+              <a:lnSpc>
+                <a:spcPct val="90000"/>
+              </a:lnSpc>
+              <a:spcBef>
+                <a:spcPts val="500"/>
+              </a:spcBef>
+              <a:buClr>
+                <a:schemeClr val="bg2"/>
+              </a:buClr>
+              <a:buFont typeface="Arial" panose="020B0604020202020204" pitchFamily="34" charset="0"/>
+              <a:buChar char="−"/>
+              <a:defRPr sz="2200" b="0" i="0" kern="1200">
+                <a:solidFill>
+                  <a:schemeClr val="tx2"/>
+                </a:solidFill>
+                <a:latin typeface="Arial" panose="020B0604020202020204" pitchFamily="34" charset="0"/>
+                <a:ea typeface="+mn-ea"/>
+                <a:cs typeface="Arial" panose="020B0604020202020204" pitchFamily="34" charset="0"/>
+              </a:defRPr>
+            </a:lvl4pPr>
+            <a:lvl5pPr marL="2057400" indent="-228600" algn="l" defTabSz="914400" rtl="0" eaLnBrk="1" latinLnBrk="0" hangingPunct="1">
+              <a:lnSpc>
+                <a:spcPct val="90000"/>
+              </a:lnSpc>
+              <a:spcBef>
+                <a:spcPts val="500"/>
+              </a:spcBef>
+              <a:buClr>
+                <a:schemeClr val="bg2"/>
+              </a:buClr>
+              <a:buFont typeface="Arial" panose="020B0604020202020204" pitchFamily="34" charset="0"/>
+              <a:buChar char="•"/>
+              <a:defRPr sz="2200" b="0" i="0" kern="1200">
+                <a:solidFill>
+                  <a:schemeClr val="tx2"/>
+                </a:solidFill>
+                <a:latin typeface="Arial" panose="020B0604020202020204" pitchFamily="34" charset="0"/>
+                <a:ea typeface="+mn-ea"/>
+                <a:cs typeface="Arial" panose="020B0604020202020204" pitchFamily="34" charset="0"/>
+              </a:defRPr>
+            </a:lvl5pPr>
+            <a:lvl6pPr marL="2514600" indent="-228600" algn="l" defTabSz="914400" rtl="0" eaLnBrk="1" latinLnBrk="0" hangingPunct="1">
+              <a:lnSpc>
+                <a:spcPct val="90000"/>
+              </a:lnSpc>
+              <a:spcBef>
+                <a:spcPts val="500"/>
+              </a:spcBef>
+              <a:buFont typeface="Arial" panose="020B0604020202020204" pitchFamily="34" charset="0"/>
+              <a:buChar char="•"/>
+              <a:defRPr sz="1800" kern="1200">
+                <a:solidFill>
+                  <a:schemeClr val="tx1"/>
+                </a:solidFill>
+                <a:latin typeface="+mn-lt"/>
+                <a:ea typeface="+mn-ea"/>
+                <a:cs typeface="+mn-cs"/>
+              </a:defRPr>
+            </a:lvl6pPr>
+            <a:lvl7pPr marL="2971800" indent="-228600" algn="l" defTabSz="914400" rtl="0" eaLnBrk="1" latinLnBrk="0" hangingPunct="1">
+              <a:lnSpc>
+                <a:spcPct val="90000"/>
+              </a:lnSpc>
+              <a:spcBef>
+                <a:spcPts val="500"/>
+              </a:spcBef>
+              <a:buFont typeface="Arial" panose="020B0604020202020204" pitchFamily="34" charset="0"/>
+              <a:buChar char="•"/>
+              <a:defRPr sz="1800" kern="1200">
+                <a:solidFill>
+                  <a:schemeClr val="tx1"/>
+                </a:solidFill>
+                <a:latin typeface="+mn-lt"/>
+                <a:ea typeface="+mn-ea"/>
+                <a:cs typeface="+mn-cs"/>
+              </a:defRPr>
+            </a:lvl7pPr>
+            <a:lvl8pPr marL="3429000" indent="-228600" algn="l" defTabSz="914400" rtl="0" eaLnBrk="1" latinLnBrk="0" hangingPunct="1">
+              <a:lnSpc>
+                <a:spcPct val="90000"/>
+              </a:lnSpc>
+              <a:spcBef>
+                <a:spcPts val="500"/>
+              </a:spcBef>
+              <a:buFont typeface="Arial" panose="020B0604020202020204" pitchFamily="34" charset="0"/>
+              <a:buChar char="•"/>
+              <a:defRPr sz="1800" kern="1200">
+                <a:solidFill>
+                  <a:schemeClr val="tx1"/>
+                </a:solidFill>
+                <a:latin typeface="+mn-lt"/>
+                <a:ea typeface="+mn-ea"/>
+                <a:cs typeface="+mn-cs"/>
+              </a:defRPr>
+            </a:lvl8pPr>
+            <a:lvl9pPr marL="3886200" indent="-228600" algn="l" defTabSz="914400" rtl="0" eaLnBrk="1" latinLnBrk="0" hangingPunct="1">
+              <a:lnSpc>
+                <a:spcPct val="90000"/>
+              </a:lnSpc>
+              <a:spcBef>
+                <a:spcPts val="500"/>
+              </a:spcBef>
+              <a:buFont typeface="Arial" panose="020B0604020202020204" pitchFamily="34" charset="0"/>
+              <a:buChar char="•"/>
+              <a:defRPr sz="1800" kern="1200">
+                <a:solidFill>
+                  <a:schemeClr val="tx1"/>
+                </a:solidFill>
+                <a:latin typeface="+mn-lt"/>
+                <a:ea typeface="+mn-ea"/>
+                <a:cs typeface="+mn-cs"/>
+              </a:defRPr>
+            </a:lvl9pPr>
+          </a:lstStyle>
+          <a:p>
+            <a:r>
+              <a:rPr lang="en-US" sz="2000" dirty="0"/>
+              <a:t>Analysis: 1000 Monte Carlo samples</a:t>
+            </a:r>
+          </a:p>
+          <a:p>
+            <a:pPr lvl="1"/>
+            <a:r>
+              <a:rPr lang="en-US" sz="2000" dirty="0"/>
+              <a:t>200 were run using the RELAP5-3D model</a:t>
+            </a:r>
+          </a:p>
+          <a:p>
+            <a:r>
+              <a:rPr lang="en-US" sz="2000" dirty="0"/>
+              <a:t>Computational time reduction: 800*4 = 3200 CPU hours </a:t>
+            </a:r>
+          </a:p>
+          <a:p>
+            <a:endParaRPr lang="en-US" dirty="0"/>
+          </a:p>
+        </p:txBody>
+      </p:sp>
+    </p:spTree>
+    <p:extLst>
+      <p:ext uri="{BB962C8B-B14F-4D97-AF65-F5344CB8AC3E}">
+        <p14:creationId xmlns:p14="http://schemas.microsoft.com/office/powerpoint/2010/main" val="261107202"/>
+      </p:ext>
+    </p:extLst>
+  </p:cSld>
+  <p:clrMapOvr>
+    <a:masterClrMapping/>
+  </p:clrMapOvr>
+</p:sld>
+</file>
+
+<file path=ppt/slides/slide31.xml><?xml version="1.0" encoding="utf-8"?>
+<p:sld xmlns:a="http://schemas.openxmlformats.org/drawingml/2006/main" xmlns:r="http://schemas.openxmlformats.org/officeDocument/2006/relationships" xmlns:p="http://schemas.openxmlformats.org/presentationml/2006/main">
+  <p:cSld>
+    <p:spTree>
+      <p:nvGrpSpPr>
+        <p:cNvPr id="1" name=""/>
+        <p:cNvGrpSpPr/>
+        <p:nvPr/>
+      </p:nvGrpSpPr>
+      <p:grpSpPr>
+        <a:xfrm>
+          <a:off x="0" y="0"/>
+          <a:ext cx="0" cy="0"/>
+          <a:chOff x="0" y="0"/>
+          <a:chExt cx="0" cy="0"/>
+        </a:xfrm>
+      </p:grpSpPr>
+      <p:sp>
+        <p:nvSpPr>
+          <p:cNvPr id="2" name="Title 1">
+            <a:extLst>
+              <a:ext uri="{FF2B5EF4-FFF2-40B4-BE49-F238E27FC236}">
+                <a16:creationId xmlns:a16="http://schemas.microsoft.com/office/drawing/2014/main" id="{5BA4EE74-8D29-150C-40ED-7DEA2304FEE5}"/>
+              </a:ext>
+            </a:extLst>
+          </p:cNvPr>
+          <p:cNvSpPr>
+            <a:spLocks noGrp="1"/>
+          </p:cNvSpPr>
+          <p:nvPr>
+            <p:ph type="title"/>
+          </p:nvPr>
+        </p:nvSpPr>
+        <p:spPr/>
+        <p:txBody>
+          <a:bodyPr/>
+          <a:lstStyle/>
+          <a:p>
+            <a:r>
+              <a:rPr lang="en-US" dirty="0"/>
+              <a:t>RAVEN Logical Model</a:t>
+            </a:r>
+          </a:p>
+        </p:txBody>
+      </p:sp>
+      <p:sp>
+        <p:nvSpPr>
+          <p:cNvPr id="3" name="Content Placeholder 2">
+            <a:extLst>
+              <a:ext uri="{FF2B5EF4-FFF2-40B4-BE49-F238E27FC236}">
+                <a16:creationId xmlns:a16="http://schemas.microsoft.com/office/drawing/2014/main" id="{94E3173B-F598-DC13-03C5-CA466BA7A407}"/>
+              </a:ext>
+            </a:extLst>
+          </p:cNvPr>
+          <p:cNvSpPr>
+            <a:spLocks noGrp="1"/>
+          </p:cNvSpPr>
+          <p:nvPr>
+            <p:ph idx="1"/>
+          </p:nvPr>
+        </p:nvSpPr>
+        <p:spPr>
+          <a:xfrm>
+            <a:off x="938150" y="1290321"/>
+            <a:ext cx="10975176" cy="2138680"/>
+          </a:xfrm>
+        </p:spPr>
+        <p:txBody>
+          <a:bodyPr/>
+          <a:lstStyle/>
+          <a:p>
+            <a:r>
+              <a:rPr lang="en-US" dirty="0"/>
+              <a:t>The </a:t>
+            </a:r>
+            <a:r>
+              <a:rPr lang="en-US" dirty="0" err="1"/>
+              <a:t>LogicalModel</a:t>
+            </a:r>
+            <a:r>
+              <a:rPr lang="en-US" dirty="0"/>
+              <a:t> is a model that execute a RAVEN model via a user provided control function</a:t>
+            </a:r>
+          </a:p>
+          <a:p>
+            <a:pPr lvl="1"/>
+            <a:r>
+              <a:rPr lang="en-US" dirty="0"/>
+              <a:t>Control function utilizes the inputs generated by RAVEN</a:t>
+            </a:r>
+          </a:p>
+          <a:p>
+            <a:pPr lvl="1"/>
+            <a:r>
+              <a:rPr lang="en-US" dirty="0"/>
+              <a:t>Control function determines which model to execute </a:t>
+            </a:r>
+          </a:p>
+          <a:p>
+            <a:pPr lvl="1"/>
+            <a:r>
+              <a:rPr lang="en-US" dirty="0"/>
+              <a:t>All models listed under </a:t>
+            </a:r>
+            <a:r>
+              <a:rPr lang="en-US" dirty="0" err="1"/>
+              <a:t>LogicalModel</a:t>
+            </a:r>
+            <a:r>
+              <a:rPr lang="en-US" dirty="0"/>
+              <a:t> should have the same inputs and outputs</a:t>
+            </a:r>
+          </a:p>
+        </p:txBody>
+      </p:sp>
+      <p:sp>
+        <p:nvSpPr>
+          <p:cNvPr id="4" name="Slide Number Placeholder 3">
+            <a:extLst>
+              <a:ext uri="{FF2B5EF4-FFF2-40B4-BE49-F238E27FC236}">
+                <a16:creationId xmlns:a16="http://schemas.microsoft.com/office/drawing/2014/main" id="{B5DA4A1F-0EE7-989D-613F-FD79DEBBDA65}"/>
+              </a:ext>
+            </a:extLst>
+          </p:cNvPr>
+          <p:cNvSpPr>
+            <a:spLocks noGrp="1"/>
+          </p:cNvSpPr>
+          <p:nvPr>
+            <p:ph type="sldNum" sz="quarter" idx="12"/>
+          </p:nvPr>
+        </p:nvSpPr>
+        <p:spPr/>
+        <p:txBody>
+          <a:bodyPr/>
+          <a:lstStyle/>
+          <a:p>
+            <a:fld id="{82B577FA-F7D9-2C48-919F-F962E3BF952F}" type="slidenum">
+              <a:rPr lang="en-US" smtClean="0"/>
+              <a:t>31</a:t>
+            </a:fld>
+            <a:endParaRPr lang="en-US"/>
+          </a:p>
+        </p:txBody>
+      </p:sp>
+      <p:pic>
+        <p:nvPicPr>
+          <p:cNvPr id="5" name="Picture 4">
+            <a:extLst>
+              <a:ext uri="{FF2B5EF4-FFF2-40B4-BE49-F238E27FC236}">
+                <a16:creationId xmlns:a16="http://schemas.microsoft.com/office/drawing/2014/main" id="{724018A4-CEDD-575B-CBDE-ED4E80BB10C7}"/>
+              </a:ext>
+            </a:extLst>
+          </p:cNvPr>
+          <p:cNvPicPr>
+            <a:picLocks noChangeAspect="1"/>
+          </p:cNvPicPr>
+          <p:nvPr/>
+        </p:nvPicPr>
+        <p:blipFill>
+          <a:blip r:embed="rId2"/>
+          <a:stretch>
+            <a:fillRect/>
+          </a:stretch>
+        </p:blipFill>
+        <p:spPr>
+          <a:xfrm>
+            <a:off x="2116183" y="3717736"/>
+            <a:ext cx="5943600" cy="1924996"/>
+          </a:xfrm>
+          <a:prstGeom prst="rect">
+            <a:avLst/>
+          </a:prstGeom>
+        </p:spPr>
+      </p:pic>
+      <p:sp>
+        <p:nvSpPr>
+          <p:cNvPr id="7" name="TextBox 6">
+            <a:extLst>
+              <a:ext uri="{FF2B5EF4-FFF2-40B4-BE49-F238E27FC236}">
+                <a16:creationId xmlns:a16="http://schemas.microsoft.com/office/drawing/2014/main" id="{11D1515E-48B5-2322-3C6F-D1C6CD4401B8}"/>
+              </a:ext>
+            </a:extLst>
+          </p:cNvPr>
+          <p:cNvSpPr txBox="1"/>
+          <p:nvPr/>
+        </p:nvSpPr>
+        <p:spPr>
+          <a:xfrm>
+            <a:off x="3287490" y="5954545"/>
+            <a:ext cx="1800493" cy="369332"/>
+          </a:xfrm>
+          <a:prstGeom prst="rect">
+            <a:avLst/>
+          </a:prstGeom>
+          <a:noFill/>
+        </p:spPr>
+        <p:txBody>
+          <a:bodyPr wrap="none" rtlCol="0">
+            <a:spAutoFit/>
+          </a:bodyPr>
+          <a:lstStyle/>
+          <a:p>
+            <a:r>
+              <a:rPr lang="en-US" dirty="0"/>
+              <a:t>Control function</a:t>
+            </a:r>
+          </a:p>
+        </p:txBody>
+      </p:sp>
+      <p:pic>
+        <p:nvPicPr>
+          <p:cNvPr id="1028" name="Picture 4" descr="Wavy Arrow Icon Element Different Kinds Stock Illustration 1022333833 |  Shutterstock">
+            <a:extLst>
+              <a:ext uri="{FF2B5EF4-FFF2-40B4-BE49-F238E27FC236}">
+                <a16:creationId xmlns:a16="http://schemas.microsoft.com/office/drawing/2014/main" id="{010E47D1-B586-2634-6EBE-FF86F866CB8C}"/>
+              </a:ext>
+            </a:extLst>
+          </p:cNvPr>
+          <p:cNvPicPr>
+            <a:picLocks noChangeAspect="1" noChangeArrowheads="1"/>
+          </p:cNvPicPr>
+          <p:nvPr/>
+        </p:nvPicPr>
+        <p:blipFill rotWithShape="1">
+          <a:blip r:embed="rId3">
+            <a:clrChange>
+              <a:clrFrom>
+                <a:srgbClr val="FFFFFF"/>
+              </a:clrFrom>
+              <a:clrTo>
+                <a:srgbClr val="FFFFFF">
+                  <a:alpha val="0"/>
+                </a:srgbClr>
+              </a:clrTo>
+            </a:clrChange>
+            <a:extLst>
+              <a:ext uri="{28A0092B-C50C-407E-A947-70E740481C1C}">
+                <a14:useLocalDpi xmlns:a14="http://schemas.microsoft.com/office/drawing/2010/main" val="0"/>
+              </a:ext>
+            </a:extLst>
+          </a:blip>
+          <a:srcRect l="22846" t="38385" r="22626" b="44962"/>
+          <a:stretch/>
+        </p:blipFill>
+        <p:spPr bwMode="auto">
+          <a:xfrm rot="16200000">
+            <a:off x="3493430" y="5166620"/>
+            <a:ext cx="1274311" cy="301537"/>
+          </a:xfrm>
+          <a:prstGeom prst="rect">
+            <a:avLst/>
+          </a:prstGeom>
+          <a:noFill/>
+          <a:extLst>
+            <a:ext uri="{909E8E84-426E-40DD-AFC4-6F175D3DCCD1}">
+              <a14:hiddenFill xmlns:a14="http://schemas.microsoft.com/office/drawing/2010/main">
+                <a:solidFill>
+                  <a:srgbClr val="FFFFFF"/>
+                </a:solidFill>
+              </a14:hiddenFill>
+            </a:ext>
+          </a:extLst>
+        </p:spPr>
+      </p:pic>
+    </p:spTree>
+    <p:extLst>
+      <p:ext uri="{BB962C8B-B14F-4D97-AF65-F5344CB8AC3E}">
+        <p14:creationId xmlns:p14="http://schemas.microsoft.com/office/powerpoint/2010/main" val="742772454"/>
+      </p:ext>
+    </p:extLst>
+  </p:cSld>
+  <p:clrMapOvr>
+    <a:masterClrMapping/>
+  </p:clrMapOvr>
+</p:sld>
+</file>
+
+<file path=ppt/slides/slide32.xml><?xml version="1.0" encoding="utf-8"?>
+<p:sld xmlns:a="http://schemas.openxmlformats.org/drawingml/2006/main" xmlns:r="http://schemas.openxmlformats.org/officeDocument/2006/relationships" xmlns:p="http://schemas.openxmlformats.org/presentationml/2006/main">
+  <p:cSld>
+    <p:spTree>
+      <p:nvGrpSpPr>
+        <p:cNvPr id="1" name=""/>
+        <p:cNvGrpSpPr/>
+        <p:nvPr/>
+      </p:nvGrpSpPr>
+      <p:grpSpPr>
+        <a:xfrm>
+          <a:off x="0" y="0"/>
+          <a:ext cx="0" cy="0"/>
+          <a:chOff x="0" y="0"/>
+          <a:chExt cx="0" cy="0"/>
+        </a:xfrm>
+      </p:grpSpPr>
+      <p:sp>
+        <p:nvSpPr>
+          <p:cNvPr id="2" name="Title 1">
+            <a:extLst>
+              <a:ext uri="{FF2B5EF4-FFF2-40B4-BE49-F238E27FC236}">
+                <a16:creationId xmlns:a16="http://schemas.microsoft.com/office/drawing/2014/main" id="{F5C6C006-3115-6810-2FCD-9E22A580ADE1}"/>
+              </a:ext>
+            </a:extLst>
+          </p:cNvPr>
+          <p:cNvSpPr>
+            <a:spLocks noGrp="1"/>
+          </p:cNvSpPr>
+          <p:nvPr>
+            <p:ph type="title"/>
+          </p:nvPr>
+        </p:nvSpPr>
+        <p:spPr/>
+        <p:txBody>
+          <a:bodyPr/>
+          <a:lstStyle/>
+          <a:p>
+            <a:r>
+              <a:rPr lang="en-US" dirty="0"/>
+              <a:t>RAVEN Logical Model</a:t>
+            </a:r>
+          </a:p>
+        </p:txBody>
+      </p:sp>
+      <p:sp>
+        <p:nvSpPr>
+          <p:cNvPr id="4" name="Slide Number Placeholder 3">
+            <a:extLst>
+              <a:ext uri="{FF2B5EF4-FFF2-40B4-BE49-F238E27FC236}">
+                <a16:creationId xmlns:a16="http://schemas.microsoft.com/office/drawing/2014/main" id="{F1ECC1AD-4513-DBE0-4E00-2719F96C3B7C}"/>
+              </a:ext>
+            </a:extLst>
+          </p:cNvPr>
+          <p:cNvSpPr>
+            <a:spLocks noGrp="1"/>
+          </p:cNvSpPr>
+          <p:nvPr>
+            <p:ph type="sldNum" sz="quarter" idx="12"/>
+          </p:nvPr>
+        </p:nvSpPr>
+        <p:spPr/>
+        <p:txBody>
+          <a:bodyPr/>
+          <a:lstStyle/>
+          <a:p>
+            <a:fld id="{82B577FA-F7D9-2C48-919F-F962E3BF952F}" type="slidenum">
+              <a:rPr lang="en-US" smtClean="0"/>
+              <a:t>32</a:t>
+            </a:fld>
+            <a:endParaRPr lang="en-US"/>
+          </a:p>
+        </p:txBody>
+      </p:sp>
+      <p:pic>
+        <p:nvPicPr>
+          <p:cNvPr id="9" name="Content Placeholder 5">
+            <a:extLst>
+              <a:ext uri="{FF2B5EF4-FFF2-40B4-BE49-F238E27FC236}">
+                <a16:creationId xmlns:a16="http://schemas.microsoft.com/office/drawing/2014/main" id="{FD89BA4E-D6A3-C8B4-BBC3-21019B3D2705}"/>
+              </a:ext>
+            </a:extLst>
+          </p:cNvPr>
+          <p:cNvPicPr>
+            <a:picLocks noGrp="1" noChangeAspect="1"/>
+          </p:cNvPicPr>
+          <p:nvPr>
+            <p:ph idx="1"/>
+          </p:nvPr>
+        </p:nvPicPr>
+        <p:blipFill>
+          <a:blip r:embed="rId2"/>
+          <a:stretch>
+            <a:fillRect/>
+          </a:stretch>
+        </p:blipFill>
+        <p:spPr>
+          <a:xfrm>
+            <a:off x="1176203" y="1210490"/>
+            <a:ext cx="6647836" cy="3483775"/>
+          </a:xfrm>
+        </p:spPr>
+      </p:pic>
+      <p:pic>
+        <p:nvPicPr>
+          <p:cNvPr id="11" name="Picture 10" descr="A close-up of a computer code&#10;&#10;Description automatically generated">
+            <a:extLst>
+              <a:ext uri="{FF2B5EF4-FFF2-40B4-BE49-F238E27FC236}">
+                <a16:creationId xmlns:a16="http://schemas.microsoft.com/office/drawing/2014/main" id="{4AA3797A-8835-95E4-6E0B-0FD7CDBC2152}"/>
+              </a:ext>
+            </a:extLst>
+          </p:cNvPr>
+          <p:cNvPicPr>
+            <a:picLocks noChangeAspect="1"/>
+          </p:cNvPicPr>
+          <p:nvPr/>
+        </p:nvPicPr>
+        <p:blipFill>
+          <a:blip r:embed="rId3"/>
+          <a:stretch>
+            <a:fillRect/>
+          </a:stretch>
+        </p:blipFill>
+        <p:spPr>
+          <a:xfrm>
+            <a:off x="3940659" y="4955685"/>
+            <a:ext cx="3883379" cy="1084880"/>
+          </a:xfrm>
+          <a:prstGeom prst="rect">
+            <a:avLst/>
+          </a:prstGeom>
+        </p:spPr>
+      </p:pic>
+      <p:sp>
+        <p:nvSpPr>
+          <p:cNvPr id="12" name="Rectangle 11">
+            <a:extLst>
+              <a:ext uri="{FF2B5EF4-FFF2-40B4-BE49-F238E27FC236}">
+                <a16:creationId xmlns:a16="http://schemas.microsoft.com/office/drawing/2014/main" id="{B2EF93A6-3FC2-EE92-1021-F4DE2418B666}"/>
+              </a:ext>
+            </a:extLst>
+          </p:cNvPr>
+          <p:cNvSpPr/>
+          <p:nvPr/>
+        </p:nvSpPr>
+        <p:spPr bwMode="auto">
+          <a:xfrm>
+            <a:off x="9804197" y="1108482"/>
+            <a:ext cx="1914796" cy="4909141"/>
+          </a:xfrm>
+          <a:prstGeom prst="rect">
+            <a:avLst/>
+          </a:prstGeom>
+          <a:solidFill>
+            <a:schemeClr val="accent5">
+              <a:lumMod val="60000"/>
+              <a:lumOff val="40000"/>
+            </a:schemeClr>
+          </a:solidFill>
+          <a:ln w="9525" cap="flat" cmpd="sng" algn="ctr">
+            <a:solidFill>
+              <a:schemeClr val="tx1"/>
+            </a:solidFill>
+            <a:prstDash val="solid"/>
+            <a:round/>
+            <a:headEnd type="none" w="med" len="med"/>
+            <a:tailEnd type="none" w="med" len="med"/>
+          </a:ln>
+          <a:effectLst/>
+        </p:spPr>
+        <p:txBody>
+          <a:bodyPr vert="horz" wrap="square" lIns="91440" tIns="45720" rIns="91440" bIns="45720" numCol="1" rtlCol="0" anchor="t" anchorCtr="0" compatLnSpc="1">
+            <a:prstTxWarp prst="textNoShape">
+              <a:avLst/>
+            </a:prstTxWarp>
+          </a:bodyPr>
+          <a:lstStyle/>
+          <a:p>
+            <a:pPr marL="0" marR="0" indent="0" algn="l" defTabSz="914400" rtl="0" eaLnBrk="0" fontAlgn="base" latinLnBrk="0" hangingPunct="0">
+              <a:lnSpc>
+                <a:spcPct val="100000"/>
+              </a:lnSpc>
+              <a:spcBef>
+                <a:spcPct val="0"/>
+              </a:spcBef>
+              <a:spcAft>
+                <a:spcPct val="0"/>
+              </a:spcAft>
+              <a:buClrTx/>
+              <a:buSzTx/>
+              <a:buFontTx/>
+              <a:buNone/>
+              <a:tabLst/>
+            </a:pPr>
+            <a:endParaRPr kumimoji="0" lang="en-US" sz="2400" b="0" i="0" u="none" strike="noStrike" cap="none" normalizeH="0" baseline="0">
+              <a:ln>
+                <a:noFill/>
+              </a:ln>
+              <a:solidFill>
+                <a:schemeClr val="tx1"/>
+              </a:solidFill>
+              <a:effectLst/>
+              <a:latin typeface="Times New Roman" pitchFamily="18" charset="0"/>
+            </a:endParaRPr>
+          </a:p>
+        </p:txBody>
+      </p:sp>
+      <p:sp>
+        <p:nvSpPr>
+          <p:cNvPr id="13" name="Rectangle 12">
+            <a:extLst>
+              <a:ext uri="{FF2B5EF4-FFF2-40B4-BE49-F238E27FC236}">
+                <a16:creationId xmlns:a16="http://schemas.microsoft.com/office/drawing/2014/main" id="{7A12AE94-F1E4-771A-E2B9-A0BF757D23B5}"/>
+              </a:ext>
+            </a:extLst>
+          </p:cNvPr>
+          <p:cNvSpPr/>
+          <p:nvPr/>
+        </p:nvSpPr>
+        <p:spPr bwMode="auto">
+          <a:xfrm>
+            <a:off x="9882323" y="1206993"/>
+            <a:ext cx="1752708" cy="339937"/>
+          </a:xfrm>
+          <a:prstGeom prst="rect">
+            <a:avLst/>
+          </a:prstGeom>
+          <a:solidFill>
+            <a:schemeClr val="accent5">
+              <a:lumMod val="20000"/>
+              <a:lumOff val="80000"/>
+            </a:schemeClr>
+          </a:solidFill>
+          <a:ln w="9525" cap="flat" cmpd="sng" algn="ctr">
+            <a:solidFill>
+              <a:schemeClr val="tx1"/>
+            </a:solidFill>
+            <a:prstDash val="solid"/>
+            <a:round/>
+            <a:headEnd type="none" w="med" len="med"/>
+            <a:tailEnd type="none" w="med" len="med"/>
+          </a:ln>
+          <a:effectLst/>
+        </p:spPr>
+        <p:txBody>
+          <a:bodyPr vert="horz" wrap="none" lIns="91440" tIns="45720" rIns="91440" bIns="45720" numCol="1" rtlCol="0" anchor="ctr" anchorCtr="0" compatLnSpc="1">
+            <a:prstTxWarp prst="textNoShape">
+              <a:avLst/>
+            </a:prstTxWarp>
+          </a:bodyPr>
+          <a:lstStyle/>
+          <a:p>
+            <a:pPr marL="0" marR="0" indent="0" algn="ctr" defTabSz="914400" rtl="0" eaLnBrk="0" fontAlgn="base" latinLnBrk="0" hangingPunct="0">
+              <a:lnSpc>
+                <a:spcPct val="100000"/>
+              </a:lnSpc>
+              <a:spcBef>
+                <a:spcPct val="0"/>
+              </a:spcBef>
+              <a:spcAft>
+                <a:spcPct val="0"/>
+              </a:spcAft>
+              <a:buClrTx/>
+              <a:buSzTx/>
+              <a:buFontTx/>
+              <a:buNone/>
+              <a:tabLst/>
+            </a:pPr>
+            <a:r>
+              <a:rPr kumimoji="0" lang="en-US" sz="1600" b="0" i="0" u="none" strike="noStrike" cap="none" normalizeH="0" baseline="0" dirty="0">
+                <a:ln>
+                  <a:noFill/>
+                </a:ln>
+                <a:solidFill>
+                  <a:schemeClr val="tx1"/>
+                </a:solidFill>
+                <a:effectLst/>
+                <a:latin typeface="+mj-lt"/>
+              </a:rPr>
+              <a:t>Distributions</a:t>
+            </a:r>
+          </a:p>
+        </p:txBody>
+      </p:sp>
+      <p:sp>
+        <p:nvSpPr>
+          <p:cNvPr id="14" name="Rectangle 13">
+            <a:extLst>
+              <a:ext uri="{FF2B5EF4-FFF2-40B4-BE49-F238E27FC236}">
+                <a16:creationId xmlns:a16="http://schemas.microsoft.com/office/drawing/2014/main" id="{AD783C96-CA9E-BB20-A40D-3BE8C9EB74DB}"/>
+              </a:ext>
+            </a:extLst>
+          </p:cNvPr>
+          <p:cNvSpPr/>
+          <p:nvPr/>
+        </p:nvSpPr>
+        <p:spPr bwMode="auto">
+          <a:xfrm>
+            <a:off x="9882323" y="3135967"/>
+            <a:ext cx="1752708" cy="339937"/>
+          </a:xfrm>
+          <a:prstGeom prst="rect">
+            <a:avLst/>
+          </a:prstGeom>
+          <a:solidFill>
+            <a:schemeClr val="accent5">
+              <a:lumMod val="20000"/>
+              <a:lumOff val="80000"/>
+            </a:schemeClr>
+          </a:solidFill>
+          <a:ln w="9525" cap="flat" cmpd="sng" algn="ctr">
+            <a:solidFill>
+              <a:schemeClr val="tx1"/>
+            </a:solidFill>
+            <a:prstDash val="solid"/>
+            <a:round/>
+            <a:headEnd type="none" w="med" len="med"/>
+            <a:tailEnd type="none" w="med" len="med"/>
+          </a:ln>
+          <a:effectLst/>
+        </p:spPr>
+        <p:txBody>
+          <a:bodyPr vert="horz" wrap="none" lIns="91440" tIns="45720" rIns="91440" bIns="45720" numCol="1" rtlCol="0" anchor="ctr" anchorCtr="0" compatLnSpc="1">
+            <a:prstTxWarp prst="textNoShape">
+              <a:avLst/>
+            </a:prstTxWarp>
+          </a:bodyPr>
+          <a:lstStyle/>
+          <a:p>
+            <a:pPr marL="0" marR="0" indent="0" algn="ctr" defTabSz="914400" rtl="0" eaLnBrk="0" fontAlgn="base" latinLnBrk="0" hangingPunct="0">
+              <a:lnSpc>
+                <a:spcPct val="100000"/>
+              </a:lnSpc>
+              <a:spcBef>
+                <a:spcPct val="0"/>
+              </a:spcBef>
+              <a:spcAft>
+                <a:spcPct val="0"/>
+              </a:spcAft>
+              <a:buClrTx/>
+              <a:buSzTx/>
+              <a:buFontTx/>
+              <a:buNone/>
+              <a:tabLst/>
+            </a:pPr>
+            <a:r>
+              <a:rPr kumimoji="0" lang="en-US" sz="1600" b="0" i="0" u="none" strike="noStrike" cap="none" normalizeH="0" baseline="0" dirty="0" err="1">
+                <a:ln>
+                  <a:noFill/>
+                </a:ln>
+                <a:solidFill>
+                  <a:schemeClr val="tx1"/>
+                </a:solidFill>
+                <a:effectLst/>
+                <a:latin typeface="+mj-lt"/>
+              </a:rPr>
+              <a:t>Outstreams</a:t>
+            </a:r>
+            <a:endParaRPr kumimoji="0" lang="en-US" sz="1600" b="0" i="0" u="none" strike="noStrike" cap="none" normalizeH="0" baseline="0" dirty="0">
+              <a:ln>
+                <a:noFill/>
+              </a:ln>
+              <a:solidFill>
+                <a:schemeClr val="tx1"/>
+              </a:solidFill>
+              <a:effectLst/>
+              <a:latin typeface="+mj-lt"/>
+            </a:endParaRPr>
+          </a:p>
+        </p:txBody>
+      </p:sp>
+      <p:sp>
+        <p:nvSpPr>
+          <p:cNvPr id="15" name="Rectangle 14">
+            <a:extLst>
+              <a:ext uri="{FF2B5EF4-FFF2-40B4-BE49-F238E27FC236}">
+                <a16:creationId xmlns:a16="http://schemas.microsoft.com/office/drawing/2014/main" id="{44ED08D4-A1E6-AA03-8548-CFFB1663C40B}"/>
+              </a:ext>
+            </a:extLst>
+          </p:cNvPr>
+          <p:cNvSpPr/>
+          <p:nvPr/>
+        </p:nvSpPr>
+        <p:spPr bwMode="auto">
+          <a:xfrm>
+            <a:off x="9882323" y="1690321"/>
+            <a:ext cx="1752708" cy="339937"/>
+          </a:xfrm>
+          <a:prstGeom prst="rect">
+            <a:avLst/>
+          </a:prstGeom>
+          <a:solidFill>
+            <a:schemeClr val="accent5">
+              <a:lumMod val="20000"/>
+              <a:lumOff val="80000"/>
+            </a:schemeClr>
+          </a:solidFill>
+          <a:ln w="9525" cap="flat" cmpd="sng" algn="ctr">
+            <a:solidFill>
+              <a:schemeClr val="tx1"/>
+            </a:solidFill>
+            <a:prstDash val="solid"/>
+            <a:round/>
+            <a:headEnd type="none" w="med" len="med"/>
+            <a:tailEnd type="none" w="med" len="med"/>
+          </a:ln>
+          <a:effectLst/>
+        </p:spPr>
+        <p:txBody>
+          <a:bodyPr vert="horz" wrap="none" lIns="91440" tIns="45720" rIns="91440" bIns="45720" numCol="1" rtlCol="0" anchor="ctr" anchorCtr="0" compatLnSpc="1">
+            <a:prstTxWarp prst="textNoShape">
+              <a:avLst/>
+            </a:prstTxWarp>
+          </a:bodyPr>
+          <a:lstStyle/>
+          <a:p>
+            <a:pPr marL="0" marR="0" indent="0" algn="ctr" defTabSz="914400" rtl="0" eaLnBrk="0" fontAlgn="base" latinLnBrk="0" hangingPunct="0">
+              <a:lnSpc>
+                <a:spcPct val="100000"/>
+              </a:lnSpc>
+              <a:spcBef>
+                <a:spcPct val="0"/>
+              </a:spcBef>
+              <a:spcAft>
+                <a:spcPct val="0"/>
+              </a:spcAft>
+              <a:buClrTx/>
+              <a:buSzTx/>
+              <a:buFontTx/>
+              <a:buNone/>
+              <a:tabLst/>
+            </a:pPr>
+            <a:r>
+              <a:rPr lang="en-US" sz="1600" dirty="0">
+                <a:latin typeface="+mj-lt"/>
+              </a:rPr>
+              <a:t>Samplers</a:t>
+            </a:r>
+            <a:endParaRPr kumimoji="0" lang="en-US" sz="1600" b="0" i="0" u="none" strike="noStrike" cap="none" normalizeH="0" baseline="0" dirty="0">
+              <a:ln>
+                <a:noFill/>
+              </a:ln>
+              <a:solidFill>
+                <a:schemeClr val="tx1"/>
+              </a:solidFill>
+              <a:effectLst/>
+              <a:latin typeface="+mj-lt"/>
+            </a:endParaRPr>
+          </a:p>
+        </p:txBody>
+      </p:sp>
+      <p:sp>
+        <p:nvSpPr>
+          <p:cNvPr id="16" name="Rectangle 15">
+            <a:extLst>
+              <a:ext uri="{FF2B5EF4-FFF2-40B4-BE49-F238E27FC236}">
+                <a16:creationId xmlns:a16="http://schemas.microsoft.com/office/drawing/2014/main" id="{1BDD9C75-63D9-0F04-EFA2-AA9ADE73292D}"/>
+              </a:ext>
+            </a:extLst>
+          </p:cNvPr>
+          <p:cNvSpPr/>
+          <p:nvPr/>
+        </p:nvSpPr>
+        <p:spPr bwMode="auto">
+          <a:xfrm>
+            <a:off x="9882323" y="3623026"/>
+            <a:ext cx="1752708" cy="339937"/>
+          </a:xfrm>
+          <a:prstGeom prst="rect">
+            <a:avLst/>
+          </a:prstGeom>
+          <a:solidFill>
+            <a:schemeClr val="accent5">
+              <a:lumMod val="20000"/>
+              <a:lumOff val="80000"/>
+            </a:schemeClr>
+          </a:solidFill>
+          <a:ln w="9525" cap="flat" cmpd="sng" algn="ctr">
+            <a:solidFill>
+              <a:schemeClr val="tx1"/>
+            </a:solidFill>
+            <a:prstDash val="solid"/>
+            <a:round/>
+            <a:headEnd type="none" w="med" len="med"/>
+            <a:tailEnd type="none" w="med" len="med"/>
+          </a:ln>
+          <a:effectLst/>
+        </p:spPr>
+        <p:txBody>
+          <a:bodyPr vert="horz" wrap="none" lIns="91440" tIns="45720" rIns="91440" bIns="45720" numCol="1" rtlCol="0" anchor="ctr" anchorCtr="0" compatLnSpc="1">
+            <a:prstTxWarp prst="textNoShape">
+              <a:avLst/>
+            </a:prstTxWarp>
+          </a:bodyPr>
+          <a:lstStyle/>
+          <a:p>
+            <a:pPr algn="ctr"/>
+            <a:r>
+              <a:rPr kumimoji="0" lang="en-US" sz="1600" b="0" i="0" u="none" strike="noStrike" cap="none" normalizeH="0" baseline="0" dirty="0">
+                <a:ln>
+                  <a:noFill/>
+                </a:ln>
+                <a:solidFill>
+                  <a:schemeClr val="tx1"/>
+                </a:solidFill>
+                <a:effectLst/>
+                <a:latin typeface="+mj-lt"/>
+              </a:rPr>
+              <a:t>Models</a:t>
+            </a:r>
+            <a:endParaRPr lang="en-US" sz="1600" dirty="0">
+              <a:latin typeface="+mj-lt"/>
+            </a:endParaRPr>
+          </a:p>
+        </p:txBody>
+      </p:sp>
+      <p:sp>
+        <p:nvSpPr>
+          <p:cNvPr id="17" name="Rectangle 16">
+            <a:extLst>
+              <a:ext uri="{FF2B5EF4-FFF2-40B4-BE49-F238E27FC236}">
+                <a16:creationId xmlns:a16="http://schemas.microsoft.com/office/drawing/2014/main" id="{12D0F304-D318-4597-7643-ABF8670C1FD1}"/>
+              </a:ext>
+            </a:extLst>
+          </p:cNvPr>
+          <p:cNvSpPr/>
+          <p:nvPr/>
+        </p:nvSpPr>
+        <p:spPr bwMode="auto">
+          <a:xfrm>
+            <a:off x="9882323" y="4544418"/>
+            <a:ext cx="1752708" cy="339937"/>
+          </a:xfrm>
+          <a:prstGeom prst="rect">
+            <a:avLst/>
+          </a:prstGeom>
+          <a:solidFill>
+            <a:schemeClr val="accent5">
+              <a:lumMod val="20000"/>
+              <a:lumOff val="80000"/>
+            </a:schemeClr>
+          </a:solidFill>
+          <a:ln w="9525" cap="flat" cmpd="sng" algn="ctr">
+            <a:solidFill>
+              <a:schemeClr val="tx1"/>
+            </a:solidFill>
+            <a:prstDash val="solid"/>
+            <a:round/>
+            <a:headEnd type="none" w="med" len="med"/>
+            <a:tailEnd type="none" w="med" len="med"/>
+          </a:ln>
+          <a:effectLst/>
+        </p:spPr>
+        <p:txBody>
+          <a:bodyPr vert="horz" wrap="none" lIns="91440" tIns="45720" rIns="91440" bIns="45720" numCol="1" rtlCol="0" anchor="ctr" anchorCtr="0" compatLnSpc="1">
+            <a:prstTxWarp prst="textNoShape">
+              <a:avLst/>
+            </a:prstTxWarp>
+          </a:bodyPr>
+          <a:lstStyle/>
+          <a:p>
+            <a:pPr algn="ctr"/>
+            <a:r>
+              <a:rPr lang="en-US" sz="1600" dirty="0" err="1">
+                <a:latin typeface="+mj-lt"/>
+              </a:rPr>
+              <a:t>RunInfo</a:t>
+            </a:r>
+            <a:endParaRPr kumimoji="0" lang="en-US" sz="1600" b="0" i="0" u="none" strike="noStrike" cap="none" normalizeH="0" baseline="0" dirty="0">
+              <a:ln>
+                <a:noFill/>
+              </a:ln>
+              <a:solidFill>
+                <a:schemeClr val="tx1"/>
+              </a:solidFill>
+              <a:effectLst/>
+              <a:latin typeface="+mj-lt"/>
+            </a:endParaRPr>
+          </a:p>
+        </p:txBody>
+      </p:sp>
+      <p:sp>
+        <p:nvSpPr>
+          <p:cNvPr id="18" name="Rectangle 17">
+            <a:extLst>
+              <a:ext uri="{FF2B5EF4-FFF2-40B4-BE49-F238E27FC236}">
+                <a16:creationId xmlns:a16="http://schemas.microsoft.com/office/drawing/2014/main" id="{0066CD47-0F7C-7234-F8FC-2191DBFE8B65}"/>
+              </a:ext>
+            </a:extLst>
+          </p:cNvPr>
+          <p:cNvSpPr/>
+          <p:nvPr/>
+        </p:nvSpPr>
+        <p:spPr bwMode="auto">
+          <a:xfrm>
+            <a:off x="9882323" y="5021738"/>
+            <a:ext cx="1752708" cy="339937"/>
+          </a:xfrm>
+          <a:prstGeom prst="rect">
+            <a:avLst/>
+          </a:prstGeom>
+          <a:solidFill>
+            <a:schemeClr val="accent5">
+              <a:lumMod val="20000"/>
+              <a:lumOff val="80000"/>
+            </a:schemeClr>
+          </a:solidFill>
+          <a:ln w="9525" cap="flat" cmpd="sng" algn="ctr">
+            <a:solidFill>
+              <a:schemeClr val="tx1"/>
+            </a:solidFill>
+            <a:prstDash val="solid"/>
+            <a:round/>
+            <a:headEnd type="none" w="med" len="med"/>
+            <a:tailEnd type="none" w="med" len="med"/>
+          </a:ln>
+          <a:effectLst/>
+        </p:spPr>
+        <p:txBody>
+          <a:bodyPr vert="horz" wrap="none" lIns="91440" tIns="45720" rIns="91440" bIns="45720" numCol="1" rtlCol="0" anchor="ctr" anchorCtr="0" compatLnSpc="1">
+            <a:prstTxWarp prst="textNoShape">
+              <a:avLst/>
+            </a:prstTxWarp>
+          </a:bodyPr>
+          <a:lstStyle/>
+          <a:p>
+            <a:pPr marL="0" marR="0" indent="0" algn="ctr" defTabSz="914400" rtl="0" eaLnBrk="0" fontAlgn="base" latinLnBrk="0" hangingPunct="0">
+              <a:lnSpc>
+                <a:spcPct val="100000"/>
+              </a:lnSpc>
+              <a:spcBef>
+                <a:spcPct val="0"/>
+              </a:spcBef>
+              <a:spcAft>
+                <a:spcPct val="0"/>
+              </a:spcAft>
+              <a:buClrTx/>
+              <a:buSzTx/>
+              <a:buFontTx/>
+              <a:buNone/>
+              <a:tabLst/>
+            </a:pPr>
+            <a:r>
+              <a:rPr kumimoji="0" lang="en-US" sz="1600" b="0" i="0" u="none" strike="noStrike" cap="none" normalizeH="0" baseline="0" dirty="0">
+                <a:ln>
+                  <a:noFill/>
+                </a:ln>
+                <a:solidFill>
+                  <a:schemeClr val="tx1"/>
+                </a:solidFill>
+                <a:effectLst/>
+                <a:latin typeface="+mj-lt"/>
+              </a:rPr>
+              <a:t>Steps</a:t>
+            </a:r>
+          </a:p>
+        </p:txBody>
+      </p:sp>
+      <p:sp>
+        <p:nvSpPr>
+          <p:cNvPr id="19" name="Rectangle 18">
+            <a:extLst>
+              <a:ext uri="{FF2B5EF4-FFF2-40B4-BE49-F238E27FC236}">
+                <a16:creationId xmlns:a16="http://schemas.microsoft.com/office/drawing/2014/main" id="{D64AC4CA-26F4-A13C-9C3F-033FDDB9ABA9}"/>
+              </a:ext>
+            </a:extLst>
+          </p:cNvPr>
+          <p:cNvSpPr/>
+          <p:nvPr/>
+        </p:nvSpPr>
+        <p:spPr bwMode="auto">
+          <a:xfrm>
+            <a:off x="9882323" y="4090625"/>
+            <a:ext cx="1752708" cy="339937"/>
+          </a:xfrm>
+          <a:prstGeom prst="rect">
+            <a:avLst/>
+          </a:prstGeom>
+          <a:solidFill>
+            <a:schemeClr val="accent5">
+              <a:lumMod val="20000"/>
+              <a:lumOff val="80000"/>
+            </a:schemeClr>
+          </a:solidFill>
+          <a:ln w="9525" cap="flat" cmpd="sng" algn="ctr">
+            <a:solidFill>
+              <a:schemeClr val="tx1"/>
+            </a:solidFill>
+            <a:prstDash val="solid"/>
+            <a:round/>
+            <a:headEnd type="none" w="med" len="med"/>
+            <a:tailEnd type="none" w="med" len="med"/>
+          </a:ln>
+          <a:effectLst/>
+        </p:spPr>
+        <p:txBody>
+          <a:bodyPr vert="horz" wrap="none" lIns="91440" tIns="45720" rIns="91440" bIns="45720" numCol="1" rtlCol="0" anchor="ctr" anchorCtr="0" compatLnSpc="1">
+            <a:prstTxWarp prst="textNoShape">
+              <a:avLst/>
+            </a:prstTxWarp>
+          </a:bodyPr>
+          <a:lstStyle/>
+          <a:p>
+            <a:pPr algn="ctr"/>
+            <a:r>
+              <a:rPr lang="en-US" sz="1600" dirty="0">
+                <a:latin typeface="+mj-lt"/>
+              </a:rPr>
+              <a:t>Databases</a:t>
+            </a:r>
+          </a:p>
+        </p:txBody>
+      </p:sp>
+      <p:sp>
+        <p:nvSpPr>
+          <p:cNvPr id="20" name="Rectangle 19">
+            <a:extLst>
+              <a:ext uri="{FF2B5EF4-FFF2-40B4-BE49-F238E27FC236}">
+                <a16:creationId xmlns:a16="http://schemas.microsoft.com/office/drawing/2014/main" id="{3E607DB6-F0BF-158E-ED30-7E82B0963403}"/>
+              </a:ext>
+            </a:extLst>
+          </p:cNvPr>
+          <p:cNvSpPr/>
+          <p:nvPr/>
+        </p:nvSpPr>
+        <p:spPr bwMode="auto">
+          <a:xfrm>
+            <a:off x="9882323" y="2164116"/>
+            <a:ext cx="1752708" cy="339937"/>
+          </a:xfrm>
+          <a:prstGeom prst="rect">
+            <a:avLst/>
+          </a:prstGeom>
+          <a:solidFill>
+            <a:schemeClr val="accent5">
+              <a:lumMod val="20000"/>
+              <a:lumOff val="80000"/>
+            </a:schemeClr>
+          </a:solidFill>
+          <a:ln w="9525" cap="flat" cmpd="sng" algn="ctr">
+            <a:solidFill>
+              <a:schemeClr val="tx1"/>
+            </a:solidFill>
+            <a:prstDash val="solid"/>
+            <a:round/>
+            <a:headEnd type="none" w="med" len="med"/>
+            <a:tailEnd type="none" w="med" len="med"/>
+          </a:ln>
+          <a:effectLst/>
+        </p:spPr>
+        <p:txBody>
+          <a:bodyPr vert="horz" wrap="none" lIns="91440" tIns="45720" rIns="91440" bIns="45720" numCol="1" rtlCol="0" anchor="ctr" anchorCtr="0" compatLnSpc="1">
+            <a:prstTxWarp prst="textNoShape">
+              <a:avLst/>
+            </a:prstTxWarp>
+          </a:bodyPr>
+          <a:lstStyle/>
+          <a:p>
+            <a:pPr marL="0" marR="0" indent="0" algn="ctr" defTabSz="914400" rtl="0" eaLnBrk="0" fontAlgn="base" latinLnBrk="0" hangingPunct="0">
+              <a:lnSpc>
+                <a:spcPct val="100000"/>
+              </a:lnSpc>
+              <a:spcBef>
+                <a:spcPct val="0"/>
+              </a:spcBef>
+              <a:spcAft>
+                <a:spcPct val="0"/>
+              </a:spcAft>
+              <a:buClrTx/>
+              <a:buSzTx/>
+              <a:buFontTx/>
+              <a:buNone/>
+              <a:tabLst/>
+            </a:pPr>
+            <a:r>
+              <a:rPr lang="en-US" sz="1600" dirty="0">
+                <a:latin typeface="+mj-lt"/>
+              </a:rPr>
+              <a:t>Optimizers</a:t>
+            </a:r>
+            <a:endParaRPr kumimoji="0" lang="en-US" sz="1600" b="0" i="0" u="none" strike="noStrike" cap="none" normalizeH="0" baseline="0" dirty="0">
+              <a:ln>
+                <a:noFill/>
+              </a:ln>
+              <a:solidFill>
+                <a:schemeClr val="tx1"/>
+              </a:solidFill>
+              <a:effectLst/>
+              <a:latin typeface="+mj-lt"/>
+            </a:endParaRPr>
+          </a:p>
+        </p:txBody>
+      </p:sp>
+      <p:sp>
+        <p:nvSpPr>
+          <p:cNvPr id="21" name="Rectangle 20">
+            <a:extLst>
+              <a:ext uri="{FF2B5EF4-FFF2-40B4-BE49-F238E27FC236}">
+                <a16:creationId xmlns:a16="http://schemas.microsoft.com/office/drawing/2014/main" id="{5C7FE0E4-58E7-0DFE-070D-35ADC3802327}"/>
+              </a:ext>
+            </a:extLst>
+          </p:cNvPr>
+          <p:cNvSpPr/>
+          <p:nvPr/>
+        </p:nvSpPr>
+        <p:spPr bwMode="auto">
+          <a:xfrm>
+            <a:off x="9882323" y="2676501"/>
+            <a:ext cx="1752708" cy="339937"/>
+          </a:xfrm>
+          <a:prstGeom prst="rect">
+            <a:avLst/>
+          </a:prstGeom>
+          <a:solidFill>
+            <a:schemeClr val="accent5">
+              <a:lumMod val="20000"/>
+              <a:lumOff val="80000"/>
+            </a:schemeClr>
+          </a:solidFill>
+          <a:ln w="9525" cap="flat" cmpd="sng" algn="ctr">
+            <a:solidFill>
+              <a:schemeClr val="tx1"/>
+            </a:solidFill>
+            <a:prstDash val="solid"/>
+            <a:round/>
+            <a:headEnd type="none" w="med" len="med"/>
+            <a:tailEnd type="none" w="med" len="med"/>
+          </a:ln>
+          <a:effectLst/>
+        </p:spPr>
+        <p:txBody>
+          <a:bodyPr vert="horz" wrap="none" lIns="91440" tIns="45720" rIns="91440" bIns="45720" numCol="1" rtlCol="0" anchor="ctr" anchorCtr="0" compatLnSpc="1">
+            <a:prstTxWarp prst="textNoShape">
+              <a:avLst/>
+            </a:prstTxWarp>
+          </a:bodyPr>
+          <a:lstStyle/>
+          <a:p>
+            <a:pPr algn="ctr" eaLnBrk="0" fontAlgn="base" hangingPunct="0">
+              <a:spcBef>
+                <a:spcPct val="0"/>
+              </a:spcBef>
+              <a:spcAft>
+                <a:spcPct val="0"/>
+              </a:spcAft>
+            </a:pPr>
+            <a:r>
+              <a:rPr lang="en-US" sz="1600" dirty="0" err="1">
+                <a:latin typeface="+mj-lt"/>
+              </a:rPr>
+              <a:t>DataObjects</a:t>
+            </a:r>
+            <a:endParaRPr kumimoji="0" lang="en-US" sz="1600" b="0" i="0" u="none" strike="noStrike" cap="none" normalizeH="0" baseline="0" dirty="0">
+              <a:ln>
+                <a:noFill/>
+              </a:ln>
+              <a:solidFill>
+                <a:schemeClr val="tx1"/>
+              </a:solidFill>
+              <a:effectLst/>
+              <a:latin typeface="+mj-lt"/>
+            </a:endParaRPr>
+          </a:p>
+        </p:txBody>
+      </p:sp>
+      <p:sp>
+        <p:nvSpPr>
+          <p:cNvPr id="22" name="Rectangle 21">
+            <a:extLst>
+              <a:ext uri="{FF2B5EF4-FFF2-40B4-BE49-F238E27FC236}">
+                <a16:creationId xmlns:a16="http://schemas.microsoft.com/office/drawing/2014/main" id="{E25588AA-91E7-D632-D37C-A76B41093C7D}"/>
+              </a:ext>
+            </a:extLst>
+          </p:cNvPr>
+          <p:cNvSpPr/>
+          <p:nvPr/>
+        </p:nvSpPr>
+        <p:spPr bwMode="auto">
+          <a:xfrm>
+            <a:off x="9691875" y="3520713"/>
+            <a:ext cx="2133601" cy="509450"/>
+          </a:xfrm>
+          <a:prstGeom prst="rect">
+            <a:avLst/>
+          </a:prstGeom>
+          <a:solidFill>
+            <a:srgbClr val="FF0000">
+              <a:alpha val="23000"/>
+            </a:srgbClr>
+          </a:solidFill>
+          <a:ln w="9525" cap="flat" cmpd="sng" algn="ctr">
+            <a:noFill/>
+            <a:prstDash val="solid"/>
+            <a:round/>
+            <a:headEnd type="none" w="med" len="med"/>
+            <a:tailEnd type="none" w="med" len="med"/>
+          </a:ln>
+          <a:effectLst/>
+        </p:spPr>
+        <p:txBody>
+          <a:bodyPr vert="horz" wrap="square" lIns="91440" tIns="45720" rIns="91440" bIns="45720" numCol="1" rtlCol="0" anchor="t" anchorCtr="0" compatLnSpc="1">
+            <a:prstTxWarp prst="textNoShape">
+              <a:avLst/>
+            </a:prstTxWarp>
+          </a:bodyPr>
+          <a:lstStyle/>
+          <a:p>
+            <a:pPr marL="0" marR="0" indent="0" algn="l" defTabSz="914400" rtl="0" eaLnBrk="0" fontAlgn="base" latinLnBrk="0" hangingPunct="0">
+              <a:lnSpc>
+                <a:spcPct val="100000"/>
+              </a:lnSpc>
+              <a:spcBef>
+                <a:spcPct val="0"/>
+              </a:spcBef>
+              <a:spcAft>
+                <a:spcPct val="0"/>
+              </a:spcAft>
+              <a:buClrTx/>
+              <a:buSzTx/>
+              <a:buFontTx/>
+              <a:buNone/>
+              <a:tabLst/>
+            </a:pPr>
+            <a:endParaRPr kumimoji="0" lang="en-US" sz="2400" b="0" i="0" u="none" strike="noStrike" cap="none" normalizeH="0" baseline="0" dirty="0">
+              <a:ln>
+                <a:noFill/>
+              </a:ln>
+              <a:solidFill>
+                <a:schemeClr val="tx1"/>
+              </a:solidFill>
+              <a:effectLst/>
+              <a:latin typeface="Times New Roman" pitchFamily="18" charset="0"/>
+            </a:endParaRPr>
+          </a:p>
+        </p:txBody>
+      </p:sp>
+      <p:sp>
+        <p:nvSpPr>
+          <p:cNvPr id="23" name="Rectangle 22">
+            <a:extLst>
+              <a:ext uri="{FF2B5EF4-FFF2-40B4-BE49-F238E27FC236}">
+                <a16:creationId xmlns:a16="http://schemas.microsoft.com/office/drawing/2014/main" id="{D16F8843-80AA-93CF-4E42-3E955F884C1E}"/>
+              </a:ext>
+            </a:extLst>
+          </p:cNvPr>
+          <p:cNvSpPr/>
+          <p:nvPr/>
+        </p:nvSpPr>
+        <p:spPr bwMode="auto">
+          <a:xfrm>
+            <a:off x="9882323" y="5481038"/>
+            <a:ext cx="1752708" cy="339937"/>
+          </a:xfrm>
+          <a:prstGeom prst="rect">
+            <a:avLst/>
+          </a:prstGeom>
+          <a:solidFill>
+            <a:schemeClr val="accent5">
+              <a:lumMod val="20000"/>
+              <a:lumOff val="80000"/>
+            </a:schemeClr>
+          </a:solidFill>
+          <a:ln w="9525" cap="flat" cmpd="sng" algn="ctr">
+            <a:solidFill>
+              <a:schemeClr val="tx1"/>
+            </a:solidFill>
+            <a:prstDash val="solid"/>
+            <a:round/>
+            <a:headEnd type="none" w="med" len="med"/>
+            <a:tailEnd type="none" w="med" len="med"/>
+          </a:ln>
+          <a:effectLst/>
+        </p:spPr>
+        <p:txBody>
+          <a:bodyPr vert="horz" wrap="none" lIns="91440" tIns="45720" rIns="91440" bIns="45720" numCol="1" rtlCol="0" anchor="ctr" anchorCtr="0" compatLnSpc="1">
+            <a:prstTxWarp prst="textNoShape">
+              <a:avLst/>
+            </a:prstTxWarp>
+          </a:bodyPr>
+          <a:lstStyle/>
+          <a:p>
+            <a:pPr marL="0" marR="0" indent="0" algn="ctr" defTabSz="914400" rtl="0" eaLnBrk="0" fontAlgn="base" latinLnBrk="0" hangingPunct="0">
+              <a:lnSpc>
+                <a:spcPct val="100000"/>
+              </a:lnSpc>
+              <a:spcBef>
+                <a:spcPct val="0"/>
+              </a:spcBef>
+              <a:spcAft>
+                <a:spcPct val="0"/>
+              </a:spcAft>
+              <a:buClrTx/>
+              <a:buSzTx/>
+              <a:buFontTx/>
+              <a:buNone/>
+              <a:tabLst/>
+            </a:pPr>
+            <a:r>
+              <a:rPr kumimoji="0" lang="en-US" sz="1600" b="0" i="0" u="none" strike="noStrike" cap="none" normalizeH="0" baseline="0" dirty="0">
+                <a:ln>
+                  <a:noFill/>
+                </a:ln>
+                <a:solidFill>
+                  <a:schemeClr val="tx1"/>
+                </a:solidFill>
+                <a:effectLst/>
+                <a:latin typeface="+mj-lt"/>
+              </a:rPr>
+              <a:t>Functions</a:t>
+            </a:r>
+          </a:p>
+        </p:txBody>
+      </p:sp>
+      <p:sp>
+        <p:nvSpPr>
+          <p:cNvPr id="24" name="Rectangle 23">
+            <a:extLst>
+              <a:ext uri="{FF2B5EF4-FFF2-40B4-BE49-F238E27FC236}">
+                <a16:creationId xmlns:a16="http://schemas.microsoft.com/office/drawing/2014/main" id="{E52B3E6D-3C53-EBF3-2701-F7558F0EE61E}"/>
+              </a:ext>
+            </a:extLst>
+          </p:cNvPr>
+          <p:cNvSpPr/>
+          <p:nvPr/>
+        </p:nvSpPr>
+        <p:spPr bwMode="auto">
+          <a:xfrm>
+            <a:off x="9691876" y="5403415"/>
+            <a:ext cx="2133601" cy="509450"/>
+          </a:xfrm>
+          <a:prstGeom prst="rect">
+            <a:avLst/>
+          </a:prstGeom>
+          <a:solidFill>
+            <a:srgbClr val="FF0000">
+              <a:alpha val="23000"/>
+            </a:srgbClr>
+          </a:solidFill>
+          <a:ln w="9525" cap="flat" cmpd="sng" algn="ctr">
+            <a:noFill/>
+            <a:prstDash val="solid"/>
+            <a:round/>
+            <a:headEnd type="none" w="med" len="med"/>
+            <a:tailEnd type="none" w="med" len="med"/>
+          </a:ln>
+          <a:effectLst/>
+        </p:spPr>
+        <p:txBody>
+          <a:bodyPr vert="horz" wrap="square" lIns="91440" tIns="45720" rIns="91440" bIns="45720" numCol="1" rtlCol="0" anchor="t" anchorCtr="0" compatLnSpc="1">
+            <a:prstTxWarp prst="textNoShape">
+              <a:avLst/>
+            </a:prstTxWarp>
+          </a:bodyPr>
+          <a:lstStyle/>
+          <a:p>
+            <a:pPr marL="0" marR="0" indent="0" algn="l" defTabSz="914400" rtl="0" eaLnBrk="0" fontAlgn="base" latinLnBrk="0" hangingPunct="0">
+              <a:lnSpc>
+                <a:spcPct val="100000"/>
+              </a:lnSpc>
+              <a:spcBef>
+                <a:spcPct val="0"/>
+              </a:spcBef>
+              <a:spcAft>
+                <a:spcPct val="0"/>
+              </a:spcAft>
+              <a:buClrTx/>
+              <a:buSzTx/>
+              <a:buFontTx/>
+              <a:buNone/>
+              <a:tabLst/>
+            </a:pPr>
+            <a:endParaRPr kumimoji="0" lang="en-US" sz="2400" b="0" i="0" u="none" strike="noStrike" cap="none" normalizeH="0" baseline="0">
+              <a:ln>
+                <a:noFill/>
+              </a:ln>
+              <a:solidFill>
+                <a:schemeClr val="tx1"/>
+              </a:solidFill>
+              <a:effectLst/>
+              <a:latin typeface="Times New Roman" pitchFamily="18" charset="0"/>
+            </a:endParaRPr>
+          </a:p>
+        </p:txBody>
+      </p:sp>
+      <p:pic>
+        <p:nvPicPr>
+          <p:cNvPr id="28" name="Picture 27" descr="A screenshot of a computer program&#10;&#10;Description automatically generated">
+            <a:extLst>
+              <a:ext uri="{FF2B5EF4-FFF2-40B4-BE49-F238E27FC236}">
+                <a16:creationId xmlns:a16="http://schemas.microsoft.com/office/drawing/2014/main" id="{48E1F156-BAD2-1263-8783-C5CC055541F8}"/>
+              </a:ext>
+            </a:extLst>
+          </p:cNvPr>
+          <p:cNvPicPr>
+            <a:picLocks noChangeAspect="1"/>
+          </p:cNvPicPr>
+          <p:nvPr/>
+        </p:nvPicPr>
+        <p:blipFill rotWithShape="1">
+          <a:blip r:embed="rId4"/>
+          <a:srcRect l="4267" t="5767" r="5486" b="11273"/>
+          <a:stretch/>
+        </p:blipFill>
+        <p:spPr>
+          <a:xfrm>
+            <a:off x="269287" y="5021739"/>
+            <a:ext cx="2589823" cy="1418295"/>
+          </a:xfrm>
+          <a:prstGeom prst="rect">
+            <a:avLst/>
+          </a:prstGeom>
+        </p:spPr>
+      </p:pic>
+      <p:cxnSp>
+        <p:nvCxnSpPr>
+          <p:cNvPr id="29" name="Elbow Connector 28">
+            <a:extLst>
+              <a:ext uri="{FF2B5EF4-FFF2-40B4-BE49-F238E27FC236}">
+                <a16:creationId xmlns:a16="http://schemas.microsoft.com/office/drawing/2014/main" id="{E6A3B4A4-15B3-40E2-067D-97BCCB863C18}"/>
+              </a:ext>
+            </a:extLst>
+          </p:cNvPr>
+          <p:cNvCxnSpPr>
+            <a:cxnSpLocks/>
+            <a:stCxn id="24" idx="1"/>
+            <a:endCxn id="11" idx="3"/>
+          </p:cNvCxnSpPr>
+          <p:nvPr/>
+        </p:nvCxnSpPr>
+        <p:spPr bwMode="auto">
+          <a:xfrm rot="10800000">
+            <a:off x="7824038" y="5498126"/>
+            <a:ext cx="1867838" cy="160015"/>
+          </a:xfrm>
+          <a:prstGeom prst="bentConnector3">
+            <a:avLst>
+              <a:gd name="adj1" fmla="val 50000"/>
+            </a:avLst>
+          </a:prstGeom>
+          <a:solidFill>
+            <a:schemeClr val="accent1"/>
+          </a:solidFill>
+          <a:ln w="19050" cap="flat" cmpd="sng" algn="ctr">
+            <a:solidFill>
+              <a:srgbClr val="FF0000"/>
+            </a:solidFill>
+            <a:prstDash val="solid"/>
+            <a:round/>
+            <a:headEnd type="none" w="med" len="med"/>
+            <a:tailEnd type="arrow"/>
+          </a:ln>
+          <a:effectLst/>
+        </p:spPr>
+      </p:cxnSp>
+      <p:cxnSp>
+        <p:nvCxnSpPr>
+          <p:cNvPr id="32" name="Elbow Connector 31">
+            <a:extLst>
+              <a:ext uri="{FF2B5EF4-FFF2-40B4-BE49-F238E27FC236}">
+                <a16:creationId xmlns:a16="http://schemas.microsoft.com/office/drawing/2014/main" id="{0FAF4824-E0DB-43F3-2DB8-C67F9AD6B913}"/>
+              </a:ext>
+            </a:extLst>
+          </p:cNvPr>
+          <p:cNvCxnSpPr>
+            <a:cxnSpLocks/>
+            <a:stCxn id="22" idx="1"/>
+            <a:endCxn id="9" idx="3"/>
+          </p:cNvCxnSpPr>
+          <p:nvPr/>
+        </p:nvCxnSpPr>
+        <p:spPr bwMode="auto">
+          <a:xfrm rot="10800000">
+            <a:off x="7824039" y="2952378"/>
+            <a:ext cx="1867836" cy="823060"/>
+          </a:xfrm>
+          <a:prstGeom prst="bentConnector3">
+            <a:avLst>
+              <a:gd name="adj1" fmla="val 50000"/>
+            </a:avLst>
+          </a:prstGeom>
+          <a:solidFill>
+            <a:schemeClr val="accent1"/>
+          </a:solidFill>
+          <a:ln w="19050" cap="flat" cmpd="sng" algn="ctr">
+            <a:solidFill>
+              <a:srgbClr val="FF0000"/>
+            </a:solidFill>
+            <a:prstDash val="solid"/>
+            <a:round/>
+            <a:headEnd type="none" w="med" len="med"/>
+            <a:tailEnd type="arrow"/>
+          </a:ln>
+          <a:effectLst/>
+        </p:spPr>
+      </p:cxnSp>
+      <p:sp>
+        <p:nvSpPr>
+          <p:cNvPr id="38" name="Rectangular Callout 37">
+            <a:extLst>
+              <a:ext uri="{FF2B5EF4-FFF2-40B4-BE49-F238E27FC236}">
+                <a16:creationId xmlns:a16="http://schemas.microsoft.com/office/drawing/2014/main" id="{34238CA7-91FE-B221-8038-9A8231F4691F}"/>
+              </a:ext>
+            </a:extLst>
+          </p:cNvPr>
+          <p:cNvSpPr/>
+          <p:nvPr/>
+        </p:nvSpPr>
+        <p:spPr>
+          <a:xfrm>
+            <a:off x="269287" y="5021738"/>
+            <a:ext cx="2589823" cy="1418295"/>
+          </a:xfrm>
+          <a:prstGeom prst="wedgeRectCallout">
+            <a:avLst>
+              <a:gd name="adj1" fmla="val 96456"/>
+              <a:gd name="adj2" fmla="val -28703"/>
+            </a:avLst>
+          </a:prstGeom>
+          <a:noFill/>
+          <a:ln>
+            <a:solidFill>
+              <a:schemeClr val="tx1"/>
+            </a:solidFill>
+          </a:ln>
+        </p:spPr>
+        <p:style>
+          <a:lnRef idx="2">
+            <a:schemeClr val="accent1">
+              <a:shade val="15000"/>
+            </a:schemeClr>
+          </a:lnRef>
+          <a:fillRef idx="1">
+            <a:schemeClr val="accent1"/>
+          </a:fillRef>
+          <a:effectRef idx="0">
+            <a:schemeClr val="accent1"/>
+          </a:effectRef>
+          <a:fontRef idx="minor">
+            <a:schemeClr val="lt1"/>
+          </a:fontRef>
+        </p:style>
+        <p:txBody>
+          <a:bodyPr rtlCol="0" anchor="ctr"/>
+          <a:lstStyle/>
+          <a:p>
+            <a:pPr algn="ctr"/>
+            <a:endParaRPr lang="en-US" dirty="0"/>
+          </a:p>
+        </p:txBody>
+      </p:sp>
+    </p:spTree>
+    <p:extLst>
+      <p:ext uri="{BB962C8B-B14F-4D97-AF65-F5344CB8AC3E}">
+        <p14:creationId xmlns:p14="http://schemas.microsoft.com/office/powerpoint/2010/main" val="3129018544"/>
+      </p:ext>
+    </p:extLst>
+  </p:cSld>
+  <p:clrMapOvr>
+    <a:masterClrMapping/>
+  </p:clrMapOvr>
+</p:sld>
+</file>
+
+<file path=ppt/slides/slide33.xml><?xml version="1.0" encoding="utf-8"?>
 <p:sld xmlns:a="http://schemas.openxmlformats.org/drawingml/2006/main" xmlns:r="http://schemas.openxmlformats.org/officeDocument/2006/relationships" xmlns:p="http://schemas.openxmlformats.org/presentationml/2006/main" show="0">
   <p:cSld>
     <p:spTree>
@@ -24142,7 +26106,7 @@
           <a:p>
             <a:fld id="{82B577FA-F7D9-2C48-919F-F962E3BF952F}" type="slidenum">
               <a:rPr lang="en-US" smtClean="0"/>
-              <a:t>30</a:t>
+              <a:t>33</a:t>
             </a:fld>
             <a:endParaRPr lang="en-US"/>
           </a:p>
@@ -24161,7 +26125,7 @@
 </p:sld>
 </file>
 
-<file path=ppt/slides/slide31.xml><?xml version="1.0" encoding="utf-8"?>
+<file path=ppt/slides/slide34.xml><?xml version="1.0" encoding="utf-8"?>
 <p:sld xmlns:a="http://schemas.openxmlformats.org/drawingml/2006/main" xmlns:r="http://schemas.openxmlformats.org/officeDocument/2006/relationships" xmlns:p="http://schemas.openxmlformats.org/presentationml/2006/main">
   <p:cSld>
     <p:spTree>
@@ -29396,8 +31360,8 @@
           </a:p>
         </p:txBody>
       </p:sp>
-      <mc:AlternateContent xmlns:mc="http://schemas.openxmlformats.org/markup-compatibility/2006">
-        <mc:Choice xmlns:a14="http://schemas.microsoft.com/office/drawing/2010/main" Requires="a14">
+      <mc:AlternateContent xmlns:mc="http://schemas.openxmlformats.org/markup-compatibility/2006" xmlns:a14="http://schemas.microsoft.com/office/drawing/2010/main">
+        <mc:Choice Requires="a14">
           <p:sp>
             <p:nvSpPr>
               <p:cNvPr id="3" name="Content Placeholder 2">
@@ -29665,7 +31629,7 @@
             </p:txBody>
           </p:sp>
         </mc:Choice>
-        <mc:Fallback>
+        <mc:Fallback xmlns="">
           <p:sp>
             <p:nvSpPr>
               <p:cNvPr id="3" name="Content Placeholder 2">
@@ -30806,15 +32770,6 @@
 </file>
 
 <file path=customXml/item1.xml><?xml version="1.0" encoding="utf-8"?>
-<?mso-contentType ?>
-<FormTemplates xmlns="http://schemas.microsoft.com/sharepoint/v3/contenttype/forms">
-  <Display>DocumentLibraryForm</Display>
-  <Edit>DocumentLibraryForm</Edit>
-  <New>DocumentLibraryForm</New>
-</FormTemplates>
-</file>
-
-<file path=customXml/item2.xml><?xml version="1.0" encoding="utf-8"?>
 <ct:contentTypeSchema xmlns:ct="http://schemas.microsoft.com/office/2006/metadata/contentType" xmlns:ma="http://schemas.microsoft.com/office/2006/metadata/properties/metaAttributes" ct:_="" ma:_="" ma:contentTypeName="Document" ma:contentTypeID="0x010100803797F432E2A042A124C0139981475A" ma:contentTypeVersion="14" ma:contentTypeDescription="Create a new document." ma:contentTypeScope="" ma:versionID="f98a91b6c1e71bbba55439f0a80a0573">
   <xsd:schema xmlns:xsd="http://www.w3.org/2001/XMLSchema" xmlns:xs="http://www.w3.org/2001/XMLSchema" xmlns:p="http://schemas.microsoft.com/office/2006/metadata/properties" xmlns:ns2="2391d807-f94f-4c4f-bb14-493106c624c2" xmlns:ns3="42ea9b75-b306-4826-8769-4c6ad6718b67" targetNamespace="http://schemas.microsoft.com/office/2006/metadata/properties" ma:root="true" ma:fieldsID="e10204a60157ce1d68d66ae7a68b8f6a" ns2:_="" ns3:_="">
     <xsd:import namespace="2391d807-f94f-4c4f-bb14-493106c624c2"/>
@@ -31029,6 +32984,15 @@
 </ct:contentTypeSchema>
 </file>
 
+<file path=customXml/item2.xml><?xml version="1.0" encoding="utf-8"?>
+<?mso-contentType ?>
+<FormTemplates xmlns="http://schemas.microsoft.com/sharepoint/v3/contenttype/forms">
+  <Display>DocumentLibraryForm</Display>
+  <Edit>DocumentLibraryForm</Edit>
+  <New>DocumentLibraryForm</New>
+</FormTemplates>
+</file>
+
 <file path=customXml/item3.xml><?xml version="1.0" encoding="utf-8"?>
 <p:properties xmlns:p="http://schemas.microsoft.com/office/2006/metadata/properties" xmlns:xsi="http://www.w3.org/2001/XMLSchema-instance" xmlns:pc="http://schemas.microsoft.com/office/infopath/2007/PartnerControls">
   <documentManagement>
@@ -31048,14 +33012,6 @@
 </file>
 
 <file path=customXml/itemProps1.xml><?xml version="1.0" encoding="utf-8"?>
-<ds:datastoreItem xmlns:ds="http://schemas.openxmlformats.org/officeDocument/2006/customXml" ds:itemID="{0322932C-873F-4D0F-B9E0-AE16472CDC1C}">
-  <ds:schemaRefs>
-    <ds:schemaRef ds:uri="http://schemas.microsoft.com/sharepoint/v3/contenttype/forms"/>
-  </ds:schemaRefs>
-</ds:datastoreItem>
-</file>
-
-<file path=customXml/itemProps2.xml><?xml version="1.0" encoding="utf-8"?>
 <ds:datastoreItem xmlns:ds="http://schemas.openxmlformats.org/officeDocument/2006/customXml" ds:itemID="{3B66F687-86D8-437A-89D4-2FE37FABFF26}">
   <ds:schemaRefs>
     <ds:schemaRef ds:uri="http://schemas.microsoft.com/office/2006/metadata/contentType"/>
@@ -31074,6 +33030,14 @@
 </ds:datastoreItem>
 </file>
 
+<file path=customXml/itemProps2.xml><?xml version="1.0" encoding="utf-8"?>
+<ds:datastoreItem xmlns:ds="http://schemas.openxmlformats.org/officeDocument/2006/customXml" ds:itemID="{0322932C-873F-4D0F-B9E0-AE16472CDC1C}">
+  <ds:schemaRefs>
+    <ds:schemaRef ds:uri="http://schemas.microsoft.com/sharepoint/v3/contenttype/forms"/>
+  </ds:schemaRefs>
+</ds:datastoreItem>
+</file>
+
 <file path=customXml/itemProps3.xml><?xml version="1.0" encoding="utf-8"?>
 <ds:datastoreItem xmlns:ds="http://schemas.openxmlformats.org/officeDocument/2006/customXml" ds:itemID="{21A68D4D-9402-4485-B11D-8DDDCEB2E4C5}">
   <ds:schemaRefs>

--- a/doc/workshop/ensembleModels/RAVEN_EnsembleModel_2024.pptx
+++ b/doc/workshop/ensembleModels/RAVEN_EnsembleModel_2024.pptx
@@ -230,7 +230,7 @@
           <a:p>
             <a:fld id="{9909992B-A26C-6A4B-AC27-2602734F2866}" type="datetimeFigureOut">
               <a:rPr lang="en-US" smtClean="0"/>
-              <a:t>7/10/24</a:t>
+              <a:t>7/17/24</a:t>
             </a:fld>
             <a:endParaRPr lang="en-US"/>
           </a:p>
@@ -6304,8 +6304,8 @@
         </p:nvSpPr>
         <p:spPr>
           <a:xfrm>
-            <a:off x="2375452" y="2217074"/>
-            <a:ext cx="9816547" cy="2292350"/>
+            <a:off x="2272938" y="2217074"/>
+            <a:ext cx="9919062" cy="2292350"/>
           </a:xfrm>
         </p:spPr>
         <p:txBody>
@@ -6314,7 +6314,7 @@
           <a:p>
             <a:r>
               <a:rPr lang="en-US" dirty="0"/>
-              <a:t>RAVEN Ensemble and Hybrid Models</a:t>
+              <a:t>Ensemble, Logical, and Hybrid Models</a:t>
             </a:r>
           </a:p>
           <a:p>
@@ -6327,6 +6327,53 @@
           </a:p>
         </p:txBody>
       </p:sp>
+      <p:pic>
+        <p:nvPicPr>
+          <p:cNvPr id="1026" name="Picture 2" descr="RAVEN - Overview">
+            <a:extLst>
+              <a:ext uri="{FF2B5EF4-FFF2-40B4-BE49-F238E27FC236}">
+                <a16:creationId xmlns:a16="http://schemas.microsoft.com/office/drawing/2014/main" id="{BE1D5927-0207-E223-6158-7112D5E053AD}"/>
+              </a:ext>
+            </a:extLst>
+          </p:cNvPr>
+          <p:cNvPicPr>
+            <a:picLocks noChangeAspect="1" noChangeArrowheads="1"/>
+          </p:cNvPicPr>
+          <p:nvPr/>
+        </p:nvPicPr>
+        <p:blipFill>
+          <a:blip r:embed="rId2">
+            <a:extLst>
+              <a:ext uri="{28A0092B-C50C-407E-A947-70E740481C1C}">
+                <a14:useLocalDpi xmlns:a14="http://schemas.microsoft.com/office/drawing/2010/main" val="0"/>
+              </a:ext>
+            </a:extLst>
+          </a:blip>
+          <a:srcRect/>
+          <a:stretch>
+            <a:fillRect/>
+          </a:stretch>
+        </p:blipFill>
+        <p:spPr bwMode="auto">
+          <a:xfrm>
+            <a:off x="9962606" y="0"/>
+            <a:ext cx="2229394" cy="964039"/>
+          </a:xfrm>
+          <a:prstGeom prst="rect">
+            <a:avLst/>
+          </a:prstGeom>
+          <a:noFill/>
+          <a:extLst>
+            <a:ext uri="{909E8E84-426E-40DD-AFC4-6F175D3DCCD1}">
+              <a14:hiddenFill xmlns:a14="http://schemas.microsoft.com/office/drawing/2010/main">
+                <a:solidFill>
+                  <a:srgbClr val="FFFFFF"/>
+                </a:solidFill>
+              </a14:hiddenFill>
+            </a:ext>
+          </a:extLst>
+        </p:spPr>
+      </p:pic>
     </p:spTree>
     <p:extLst>
       <p:ext uri="{BB962C8B-B14F-4D97-AF65-F5344CB8AC3E}">
@@ -14168,14 +14215,14 @@
           <a:effectLst/>
           <a:extLst>
             <a:ext uri="{909E8E84-426E-40dd-AFC4-6F175D3DCCD1}">
-              <a14:hiddenFill xmlns="" xmlns:a14="http://schemas.microsoft.com/office/drawing/2010/main">
+              <a14:hiddenFill xmlns:a14="http://schemas.microsoft.com/office/drawing/2010/main" xmlns="">
                 <a:solidFill>
                   <a:schemeClr val="accent1"/>
                 </a:solidFill>
               </a14:hiddenFill>
             </a:ext>
             <a:ext uri="{91240B29-F687-4f45-9708-019B960494DF}">
-              <a14:hiddenLine xmlns="" xmlns:a14="http://schemas.microsoft.com/office/drawing/2010/main" w="9525">
+              <a14:hiddenLine xmlns:a14="http://schemas.microsoft.com/office/drawing/2010/main" xmlns="" w="9525">
                 <a:solidFill>
                   <a:schemeClr val="tx1"/>
                 </a:solidFill>
@@ -14185,7 +14232,7 @@
               </a14:hiddenLine>
             </a:ext>
             <a:ext uri="{AF507438-7753-43e0-B8FC-AC1667EBCBE1}">
-              <a14:hiddenEffects xmlns="" xmlns:a14="http://schemas.microsoft.com/office/drawing/2010/main">
+              <a14:hiddenEffects xmlns:a14="http://schemas.microsoft.com/office/drawing/2010/main" xmlns="">
                 <a:effectLst>
                   <a:outerShdw dist="35921" dir="2700000" algn="ctr" rotWithShape="0">
                     <a:schemeClr val="bg2"/>
@@ -14245,14 +14292,14 @@
           <a:effectLst/>
           <a:extLst>
             <a:ext uri="{909E8E84-426E-40dd-AFC4-6F175D3DCCD1}">
-              <a14:hiddenFill xmlns="" xmlns:a14="http://schemas.microsoft.com/office/drawing/2010/main">
+              <a14:hiddenFill xmlns:a14="http://schemas.microsoft.com/office/drawing/2010/main" xmlns="">
                 <a:solidFill>
                   <a:schemeClr val="accent1"/>
                 </a:solidFill>
               </a14:hiddenFill>
             </a:ext>
             <a:ext uri="{91240B29-F687-4f45-9708-019B960494DF}">
-              <a14:hiddenLine xmlns="" xmlns:a14="http://schemas.microsoft.com/office/drawing/2010/main" w="9525">
+              <a14:hiddenLine xmlns:a14="http://schemas.microsoft.com/office/drawing/2010/main" xmlns="" w="9525">
                 <a:solidFill>
                   <a:schemeClr val="tx1"/>
                 </a:solidFill>
@@ -14262,7 +14309,7 @@
               </a14:hiddenLine>
             </a:ext>
             <a:ext uri="{AF507438-7753-43e0-B8FC-AC1667EBCBE1}">
-              <a14:hiddenEffects xmlns="" xmlns:a14="http://schemas.microsoft.com/office/drawing/2010/main">
+              <a14:hiddenEffects xmlns:a14="http://schemas.microsoft.com/office/drawing/2010/main" xmlns="">
                 <a:effectLst>
                   <a:outerShdw dist="35921" dir="2700000" algn="ctr" rotWithShape="0">
                     <a:schemeClr val="bg2"/>
@@ -14639,14 +14686,14 @@
           <a:effectLst/>
           <a:extLst>
             <a:ext uri="{909E8E84-426E-40dd-AFC4-6F175D3DCCD1}">
-              <a14:hiddenFill xmlns="" xmlns:a14="http://schemas.microsoft.com/office/drawing/2010/main">
+              <a14:hiddenFill xmlns:a14="http://schemas.microsoft.com/office/drawing/2010/main" xmlns="">
                 <a:solidFill>
                   <a:schemeClr val="accent1"/>
                 </a:solidFill>
               </a14:hiddenFill>
             </a:ext>
             <a:ext uri="{91240B29-F687-4f45-9708-019B960494DF}">
-              <a14:hiddenLine xmlns="" xmlns:a14="http://schemas.microsoft.com/office/drawing/2010/main" w="9525">
+              <a14:hiddenLine xmlns:a14="http://schemas.microsoft.com/office/drawing/2010/main" xmlns="" w="9525">
                 <a:solidFill>
                   <a:schemeClr val="tx1"/>
                 </a:solidFill>
@@ -14656,7 +14703,7 @@
               </a14:hiddenLine>
             </a:ext>
             <a:ext uri="{AF507438-7753-43e0-B8FC-AC1667EBCBE1}">
-              <a14:hiddenEffects xmlns="" xmlns:a14="http://schemas.microsoft.com/office/drawing/2010/main">
+              <a14:hiddenEffects xmlns:a14="http://schemas.microsoft.com/office/drawing/2010/main" xmlns="">
                 <a:effectLst>
                   <a:outerShdw dist="35921" dir="2700000" algn="ctr" rotWithShape="0">
                     <a:schemeClr val="bg2"/>
@@ -21691,27 +21738,7 @@
                 <a:latin typeface="Courier"/>
                 <a:cs typeface="Courier"/>
               </a:rPr>
-              <a:t>’</a:t>
-            </a:r>
-            <a:r>
-              <a:rPr lang="en-US" sz="1400" dirty="0" err="1">
-                <a:solidFill>
-                  <a:srgbClr val="1A4DB2"/>
-                </a:solidFill>
-                <a:latin typeface="Courier"/>
-                <a:cs typeface="Courier"/>
-              </a:rPr>
-              <a:t>skl</a:t>
-            </a:r>
-            <a:r>
-              <a:rPr lang="en-US" sz="1400" dirty="0">
-                <a:solidFill>
-                  <a:srgbClr val="1A4DB2"/>
-                </a:solidFill>
-                <a:latin typeface="Courier"/>
-                <a:cs typeface="Courier"/>
-              </a:rPr>
-              <a:t>’ </a:t>
+              <a:t>’SKL’ </a:t>
             </a:r>
             <a:r>
               <a:rPr lang="en-US" sz="1400" dirty="0">
@@ -29974,7 +30001,7 @@
 </file>
 
 <file path=ppt/slides/slide8.xml><?xml version="1.0" encoding="utf-8"?>
-<p:sld xmlns:a="http://schemas.openxmlformats.org/drawingml/2006/main" xmlns:r="http://schemas.openxmlformats.org/officeDocument/2006/relationships" xmlns:p="http://schemas.openxmlformats.org/presentationml/2006/main">
+<p:sld xmlns:a="http://schemas.openxmlformats.org/drawingml/2006/main" xmlns:r="http://schemas.openxmlformats.org/officeDocument/2006/relationships" xmlns:p="http://schemas.openxmlformats.org/presentationml/2006/main" show="0">
   <p:cSld>
     <p:spTree>
       <p:nvGrpSpPr>
@@ -32770,6 +32797,15 @@
 </file>
 
 <file path=customXml/item1.xml><?xml version="1.0" encoding="utf-8"?>
+<?mso-contentType ?>
+<FormTemplates xmlns="http://schemas.microsoft.com/sharepoint/v3/contenttype/forms">
+  <Display>DocumentLibraryForm</Display>
+  <Edit>DocumentLibraryForm</Edit>
+  <New>DocumentLibraryForm</New>
+</FormTemplates>
+</file>
+
+<file path=customXml/item2.xml><?xml version="1.0" encoding="utf-8"?>
 <ct:contentTypeSchema xmlns:ct="http://schemas.microsoft.com/office/2006/metadata/contentType" xmlns:ma="http://schemas.microsoft.com/office/2006/metadata/properties/metaAttributes" ct:_="" ma:_="" ma:contentTypeName="Document" ma:contentTypeID="0x010100803797F432E2A042A124C0139981475A" ma:contentTypeVersion="14" ma:contentTypeDescription="Create a new document." ma:contentTypeScope="" ma:versionID="f98a91b6c1e71bbba55439f0a80a0573">
   <xsd:schema xmlns:xsd="http://www.w3.org/2001/XMLSchema" xmlns:xs="http://www.w3.org/2001/XMLSchema" xmlns:p="http://schemas.microsoft.com/office/2006/metadata/properties" xmlns:ns2="2391d807-f94f-4c4f-bb14-493106c624c2" xmlns:ns3="42ea9b75-b306-4826-8769-4c6ad6718b67" targetNamespace="http://schemas.microsoft.com/office/2006/metadata/properties" ma:root="true" ma:fieldsID="e10204a60157ce1d68d66ae7a68b8f6a" ns2:_="" ns3:_="">
     <xsd:import namespace="2391d807-f94f-4c4f-bb14-493106c624c2"/>
@@ -32984,15 +33020,6 @@
 </ct:contentTypeSchema>
 </file>
 
-<file path=customXml/item2.xml><?xml version="1.0" encoding="utf-8"?>
-<?mso-contentType ?>
-<FormTemplates xmlns="http://schemas.microsoft.com/sharepoint/v3/contenttype/forms">
-  <Display>DocumentLibraryForm</Display>
-  <Edit>DocumentLibraryForm</Edit>
-  <New>DocumentLibraryForm</New>
-</FormTemplates>
-</file>
-
 <file path=customXml/item3.xml><?xml version="1.0" encoding="utf-8"?>
 <p:properties xmlns:p="http://schemas.microsoft.com/office/2006/metadata/properties" xmlns:xsi="http://www.w3.org/2001/XMLSchema-instance" xmlns:pc="http://schemas.microsoft.com/office/infopath/2007/PartnerControls">
   <documentManagement>
@@ -33012,6 +33039,14 @@
 </file>
 
 <file path=customXml/itemProps1.xml><?xml version="1.0" encoding="utf-8"?>
+<ds:datastoreItem xmlns:ds="http://schemas.openxmlformats.org/officeDocument/2006/customXml" ds:itemID="{0322932C-873F-4D0F-B9E0-AE16472CDC1C}">
+  <ds:schemaRefs>
+    <ds:schemaRef ds:uri="http://schemas.microsoft.com/sharepoint/v3/contenttype/forms"/>
+  </ds:schemaRefs>
+</ds:datastoreItem>
+</file>
+
+<file path=customXml/itemProps2.xml><?xml version="1.0" encoding="utf-8"?>
 <ds:datastoreItem xmlns:ds="http://schemas.openxmlformats.org/officeDocument/2006/customXml" ds:itemID="{3B66F687-86D8-437A-89D4-2FE37FABFF26}">
   <ds:schemaRefs>
     <ds:schemaRef ds:uri="http://schemas.microsoft.com/office/2006/metadata/contentType"/>
@@ -33030,14 +33065,6 @@
 </ds:datastoreItem>
 </file>
 
-<file path=customXml/itemProps2.xml><?xml version="1.0" encoding="utf-8"?>
-<ds:datastoreItem xmlns:ds="http://schemas.openxmlformats.org/officeDocument/2006/customXml" ds:itemID="{0322932C-873F-4D0F-B9E0-AE16472CDC1C}">
-  <ds:schemaRefs>
-    <ds:schemaRef ds:uri="http://schemas.microsoft.com/sharepoint/v3/contenttype/forms"/>
-  </ds:schemaRefs>
-</ds:datastoreItem>
-</file>
-
 <file path=customXml/itemProps3.xml><?xml version="1.0" encoding="utf-8"?>
 <ds:datastoreItem xmlns:ds="http://schemas.openxmlformats.org/officeDocument/2006/customXml" ds:itemID="{21A68D4D-9402-4485-B11D-8DDDCEB2E4C5}">
   <ds:schemaRefs>

--- a/doc/workshop/ensembleModels/RAVEN_EnsembleModel_2024.pptx
+++ b/doc/workshop/ensembleModels/RAVEN_EnsembleModel_2024.pptx
@@ -5,7 +5,7 @@
     <p:sldMasterId id="2147483692" r:id="rId4"/>
   </p:sldMasterIdLst>
   <p:notesMasterIdLst>
-    <p:notesMasterId r:id="rId39"/>
+    <p:notesMasterId r:id="rId37"/>
   </p:notesMasterIdLst>
   <p:sldIdLst>
     <p:sldId id="256" r:id="rId5"/>
@@ -30,18 +30,16 @@
     <p:sldId id="457" r:id="rId24"/>
     <p:sldId id="458" r:id="rId25"/>
     <p:sldId id="459" r:id="rId26"/>
-    <p:sldId id="437" r:id="rId27"/>
-    <p:sldId id="426" r:id="rId28"/>
-    <p:sldId id="460" r:id="rId29"/>
-    <p:sldId id="461" r:id="rId30"/>
-    <p:sldId id="463" r:id="rId31"/>
-    <p:sldId id="462" r:id="rId32"/>
-    <p:sldId id="464" r:id="rId33"/>
-    <p:sldId id="466" r:id="rId34"/>
-    <p:sldId id="467" r:id="rId35"/>
-    <p:sldId id="468" r:id="rId36"/>
-    <p:sldId id="442" r:id="rId37"/>
-    <p:sldId id="258" r:id="rId38"/>
+    <p:sldId id="426" r:id="rId27"/>
+    <p:sldId id="460" r:id="rId28"/>
+    <p:sldId id="461" r:id="rId29"/>
+    <p:sldId id="463" r:id="rId30"/>
+    <p:sldId id="464" r:id="rId31"/>
+    <p:sldId id="466" r:id="rId32"/>
+    <p:sldId id="467" r:id="rId33"/>
+    <p:sldId id="468" r:id="rId34"/>
+    <p:sldId id="442" r:id="rId35"/>
+    <p:sldId id="258" r:id="rId36"/>
   </p:sldIdLst>
   <p:sldSz cx="12192000" cy="6858000"/>
   <p:notesSz cx="6858000" cy="9144000"/>
@@ -230,7 +228,7 @@
           <a:p>
             <a:fld id="{9909992B-A26C-6A4B-AC27-2602734F2866}" type="datetimeFigureOut">
               <a:rPr lang="en-US" smtClean="0"/>
-              <a:t>7/17/24</a:t>
+              <a:t>7/18/24</a:t>
             </a:fld>
             <a:endParaRPr lang="en-US"/>
           </a:p>
@@ -648,7 +646,7 @@
             <a:fld id="{55ECFD52-9CA0-4306-99FC-201DA20A9336}" type="slidenum">
               <a:rPr lang="en-US" smtClean="0"/>
               <a:pPr/>
-              <a:t>24</a:t>
+              <a:t>23</a:t>
             </a:fld>
             <a:endParaRPr lang="en-US"/>
           </a:p>
@@ -12714,32 +12712,32 @@
           <a:lstStyle/>
           <a:p>
             <a:r>
-              <a:rPr lang="en-US" dirty="0"/>
+              <a:rPr lang="en-US" sz="2000" dirty="0"/>
               <a:t>/raven/doc/workshop/</a:t>
             </a:r>
             <a:r>
-              <a:rPr lang="en-US" dirty="0" err="1"/>
+              <a:rPr lang="en-US" sz="2000" dirty="0" err="1"/>
               <a:t>ensembleModels</a:t>
             </a:r>
             <a:r>
-              <a:rPr lang="en-US" dirty="0"/>
+              <a:rPr lang="en-US" sz="2000" dirty="0"/>
               <a:t>/inputs/</a:t>
             </a:r>
             <a:r>
-              <a:rPr lang="en-US" dirty="0" err="1"/>
+              <a:rPr lang="en-US" sz="2000" dirty="0" err="1"/>
               <a:t>ensembleExample</a:t>
             </a:r>
             <a:r>
-              <a:rPr lang="en-US" dirty="0"/>
+              <a:rPr lang="en-US" sz="2000" dirty="0"/>
               <a:t>/1_ensemble_model.xml</a:t>
             </a:r>
           </a:p>
           <a:p>
-            <a:endParaRPr lang="en-US" dirty="0"/>
-          </a:p>
-          <a:p>
-            <a:r>
-              <a:rPr lang="en-US" dirty="0"/>
+            <a:endParaRPr lang="en-US" sz="2000" dirty="0"/>
+          </a:p>
+          <a:p>
+            <a:r>
+              <a:rPr lang="en-US" sz="2000" dirty="0"/>
               <a:t>Create an ensemble model: section 15.6</a:t>
             </a:r>
           </a:p>
@@ -12747,50 +12745,50 @@
             <a:pPr marL="0" indent="0">
               <a:buNone/>
             </a:pPr>
-            <a:endParaRPr lang="en-US" dirty="0"/>
-          </a:p>
-          <a:p>
-            <a:r>
-              <a:rPr lang="en-US" dirty="0"/>
+            <a:endParaRPr lang="en-US" sz="2000" dirty="0"/>
+          </a:p>
+          <a:p>
+            <a:r>
+              <a:rPr lang="en-US" sz="2000" dirty="0"/>
               <a:t>Add </a:t>
             </a:r>
             <a:r>
-              <a:rPr lang="en-US" dirty="0" err="1"/>
+              <a:rPr lang="en-US" sz="2000" dirty="0" err="1"/>
               <a:t>DataObjects</a:t>
             </a:r>
             <a:r>
-              <a:rPr lang="en-US" dirty="0"/>
+              <a:rPr lang="en-US" sz="2000" dirty="0"/>
               <a:t> for </a:t>
             </a:r>
             <a:r>
-              <a:rPr lang="en-US" dirty="0" err="1"/>
+              <a:rPr lang="en-US" sz="2000" dirty="0" err="1"/>
               <a:t>TargetEvaluation</a:t>
             </a:r>
-            <a:endParaRPr lang="en-US" dirty="0"/>
-          </a:p>
-          <a:p>
-            <a:endParaRPr lang="en-US" dirty="0"/>
-          </a:p>
-          <a:p>
-            <a:r>
-              <a:rPr lang="en-US" dirty="0"/>
+            <a:endParaRPr lang="en-US" sz="2000" dirty="0"/>
+          </a:p>
+          <a:p>
+            <a:endParaRPr lang="en-US" sz="2000" dirty="0"/>
+          </a:p>
+          <a:p>
+            <a:r>
+              <a:rPr lang="en-US" sz="2000" dirty="0"/>
               <a:t>Plot using </a:t>
             </a:r>
             <a:r>
-              <a:rPr lang="en-US" dirty="0" err="1"/>
+              <a:rPr lang="en-US" sz="2000" dirty="0" err="1"/>
               <a:t>OutStreams</a:t>
             </a:r>
-            <a:endParaRPr lang="en-US" dirty="0"/>
+            <a:endParaRPr lang="en-US" sz="2000" dirty="0"/>
           </a:p>
           <a:p>
             <a:pPr lvl="1"/>
             <a:r>
-              <a:rPr lang="en-US" dirty="0"/>
+              <a:rPr lang="en-US" sz="2000" dirty="0"/>
               <a:t>r ~ f(v0, angle, t)</a:t>
             </a:r>
           </a:p>
           <a:p>
-            <a:endParaRPr lang="en-US" dirty="0"/>
+            <a:endParaRPr lang="en-US" sz="2000" dirty="0"/>
           </a:p>
         </p:txBody>
       </p:sp>
@@ -12870,7 +12868,7 @@
           <a:p>
             <a:r>
               <a:rPr lang="en-US" dirty="0"/>
-              <a:t>Create A Ensemble Model</a:t>
+              <a:t>Create An Ensemble Model</a:t>
             </a:r>
           </a:p>
         </p:txBody>
@@ -13314,7 +13312,7 @@
           <a:lstStyle/>
           <a:p>
             <a:r>
-              <a:rPr lang="en-US" sz="2000" dirty="0" err="1"/>
+              <a:rPr lang="en-US" sz="2000" i="1" dirty="0" err="1"/>
               <a:t>HybridModel</a:t>
             </a:r>
             <a:r>
@@ -13322,7 +13320,7 @@
               <a:t> leverages the </a:t>
             </a:r>
             <a:r>
-              <a:rPr lang="en-US" sz="2000" dirty="0" err="1"/>
+              <a:rPr lang="en-US" sz="2000" i="1" dirty="0" err="1"/>
               <a:t>EnsembleModel</a:t>
             </a:r>
             <a:r>
@@ -13339,7 +13337,7 @@
           </a:p>
           <a:p>
             <a:r>
-              <a:rPr lang="en-US" sz="2000" dirty="0" err="1"/>
+              <a:rPr lang="en-US" sz="2000" i="1" dirty="0" err="1"/>
               <a:t>HybridModel</a:t>
             </a:r>
             <a:r>
@@ -13351,7 +13349,7 @@
             <a:pPr lvl="1"/>
             <a:r>
               <a:rPr lang="en-US" sz="2000" dirty="0"/>
-              <a:t>Low fidelity model (i.e., surrogate models), and </a:t>
+              <a:t>Low fidelity model (i.e., ROM), and </a:t>
             </a:r>
           </a:p>
           <a:p>
@@ -13363,7 +13361,7 @@
           </a:p>
           <a:p>
             <a:r>
-              <a:rPr lang="en-US" sz="2000" dirty="0" err="1"/>
+              <a:rPr lang="en-US" sz="2000" i="1" dirty="0" err="1"/>
               <a:t>HybridModel</a:t>
             </a:r>
             <a:r>
@@ -13834,7 +13832,7 @@
         <p:spPr>
           <a:xfrm>
             <a:off x="938150" y="1451113"/>
-            <a:ext cx="10415649" cy="1793819"/>
+            <a:ext cx="10415649" cy="2338349"/>
           </a:xfrm>
         </p:spPr>
         <p:txBody>
@@ -13849,33 +13847,44 @@
           <a:p>
             <a:r>
               <a:rPr lang="en-US" sz="2000" dirty="0"/>
-              <a:t>Partition original dataset in two portions</a:t>
-            </a:r>
-          </a:p>
-          <a:p>
-            <a:pPr lvl="1"/>
+              <a:t>Workflow</a:t>
+            </a:r>
+          </a:p>
+          <a:p>
+            <a:pPr marL="914400" lvl="1" indent="-457200">
+              <a:buFont typeface="+mj-lt"/>
+              <a:buAutoNum type="arabicPeriod"/>
+            </a:pPr>
             <a:r>
               <a:rPr lang="en-US" sz="2000" dirty="0"/>
-              <a:t>Training and testing</a:t>
-            </a:r>
-          </a:p>
-          <a:p>
+              <a:t>Partition original dataset in two portions: training and testing</a:t>
+            </a:r>
+          </a:p>
+          <a:p>
+            <a:pPr marL="914400" lvl="1" indent="-457200">
+              <a:buFont typeface="+mj-lt"/>
+              <a:buAutoNum type="arabicPeriod"/>
+            </a:pPr>
             <a:r>
               <a:rPr lang="en-US" sz="2000" dirty="0"/>
               <a:t>Train ROM on training set</a:t>
             </a:r>
           </a:p>
           <a:p>
+            <a:pPr marL="914400" lvl="1" indent="-457200">
+              <a:buFont typeface="+mj-lt"/>
+              <a:buAutoNum type="arabicPeriod"/>
+            </a:pPr>
             <a:r>
               <a:rPr lang="en-US" sz="2000" dirty="0"/>
               <a:t>Test ROM on training set</a:t>
             </a:r>
           </a:p>
           <a:p>
-            <a:pPr lvl="1"/>
+            <a:pPr lvl="2"/>
             <a:r>
               <a:rPr lang="en-US" sz="2000" b="0" dirty="0"/>
-              <a:t>Compute a score (e.g. R</a:t>
+              <a:t>Compute a score (e.g., R</a:t>
             </a:r>
             <a:r>
               <a:rPr lang="en-US" sz="2000" b="0" baseline="30000" dirty="0"/>
@@ -15195,6 +15204,42 @@
           <a:chExt cx="0" cy="0"/>
         </a:xfrm>
       </p:grpSpPr>
+      <p:pic>
+        <p:nvPicPr>
+          <p:cNvPr id="6" name="Picture 5" descr="Screen Shot 2018-07-31 at 9.43.07 PM.png">
+            <a:extLst>
+              <a:ext uri="{FF2B5EF4-FFF2-40B4-BE49-F238E27FC236}">
+                <a16:creationId xmlns:a16="http://schemas.microsoft.com/office/drawing/2014/main" id="{389D0C22-1B40-29F6-F0CE-47FE29B45ACB}"/>
+              </a:ext>
+            </a:extLst>
+          </p:cNvPr>
+          <p:cNvPicPr>
+            <a:picLocks noChangeAspect="1"/>
+          </p:cNvPicPr>
+          <p:nvPr/>
+        </p:nvPicPr>
+        <p:blipFill>
+          <a:blip r:embed="rId2">
+            <a:extLst>
+              <a:ext uri="{28A0092B-C50C-407E-A947-70E740481C1C}">
+                <a14:useLocalDpi xmlns:a14="http://schemas.microsoft.com/office/drawing/2010/main" val="0"/>
+              </a:ext>
+            </a:extLst>
+          </a:blip>
+          <a:stretch>
+            <a:fillRect/>
+          </a:stretch>
+        </p:blipFill>
+        <p:spPr>
+          <a:xfrm>
+            <a:off x="3627260" y="4139457"/>
+            <a:ext cx="6651252" cy="2535980"/>
+          </a:xfrm>
+          <a:prstGeom prst="rect">
+            <a:avLst/>
+          </a:prstGeom>
+        </p:spPr>
+      </p:pic>
       <p:sp>
         <p:nvSpPr>
           <p:cNvPr id="2" name="Title 1">
@@ -15218,13 +15263,13 @@
           <a:p>
             <a:r>
               <a:rPr lang="en-US" dirty="0"/>
-              <a:t>Projectile Model</a:t>
+              <a:t>External Model and ROM</a:t>
             </a:r>
           </a:p>
         </p:txBody>
       </p:sp>
-      <mc:AlternateContent xmlns:mc="http://schemas.openxmlformats.org/markup-compatibility/2006" xmlns:a14="http://schemas.microsoft.com/office/drawing/2010/main">
-        <mc:Choice Requires="a14">
+      <mc:AlternateContent xmlns:mc="http://schemas.openxmlformats.org/markup-compatibility/2006">
+        <mc:Choice xmlns:a14="http://schemas.microsoft.com/office/drawing/2010/main" Requires="a14">
           <p:sp>
             <p:nvSpPr>
               <p:cNvPr id="3" name="Content Placeholder 2">
@@ -15456,122 +15501,37 @@
                 </a:r>
               </a:p>
               <a:p>
+                <a:endParaRPr lang="en-US" sz="2000" dirty="0"/>
+              </a:p>
+              <a:p>
+                <a:r>
+                  <a:rPr lang="en-US" sz="2000" dirty="0"/>
+                  <a:t>ROM: </a:t>
+                </a:r>
+                <a:r>
+                  <a:rPr lang="en-US" sz="2000" dirty="0" err="1"/>
+                  <a:t>NDinvDistWeight</a:t>
+                </a:r>
+                <a:endParaRPr lang="en-US" sz="2000" dirty="0"/>
+              </a:p>
+              <a:p>
                 <a:pPr lvl="1"/>
                 <a:r>
-                  <a:rPr lang="en-US" sz="2000" dirty="0">
-                    <a:solidFill>
-                      <a:schemeClr val="tx2"/>
-                    </a:solidFill>
-                  </a:rPr>
-                  <a:t>Output variables</a:t>
+                  <a:rPr lang="en-US" sz="2000" dirty="0"/>
+                  <a:t>Interpolating function</a:t>
                 </a:r>
               </a:p>
               <a:p>
-                <a:pPr lvl="2"/>
-                <a14:m>
-                  <m:oMath xmlns:m="http://schemas.openxmlformats.org/officeDocument/2006/math">
-                    <m:r>
-                      <a:rPr lang="en-US" sz="2000" i="1">
-                        <a:solidFill>
-                          <a:schemeClr val="tx2"/>
-                        </a:solidFill>
-                        <a:latin typeface="Cambria Math" panose="02040503050406030204" pitchFamily="18" charset="0"/>
-                      </a:rPr>
-                      <m:t>𝑥</m:t>
-                    </m:r>
-                  </m:oMath>
-                </a14:m>
-                <a:r>
-                  <a:rPr lang="en-US" sz="2000" dirty="0">
-                    <a:solidFill>
-                      <a:schemeClr val="tx2"/>
-                    </a:solidFill>
-                  </a:rPr>
-                  <a:t>, the horizontal position</a:t>
-                </a:r>
-              </a:p>
-              <a:p>
-                <a:pPr lvl="2"/>
-                <a14:m>
-                  <m:oMath xmlns:m="http://schemas.openxmlformats.org/officeDocument/2006/math">
-                    <m:r>
-                      <a:rPr lang="en-US" sz="2000" i="1">
-                        <a:solidFill>
-                          <a:schemeClr val="tx2"/>
-                        </a:solidFill>
-                        <a:latin typeface="Cambria Math" panose="02040503050406030204" pitchFamily="18" charset="0"/>
-                      </a:rPr>
-                      <m:t>𝑦</m:t>
-                    </m:r>
-                  </m:oMath>
-                </a14:m>
-                <a:r>
-                  <a:rPr lang="en-US" sz="2000" dirty="0">
-                    <a:solidFill>
-                      <a:schemeClr val="tx2"/>
-                    </a:solidFill>
-                  </a:rPr>
-                  <a:t>, the vertical position</a:t>
-                </a:r>
-              </a:p>
-              <a:p>
-                <a:pPr lvl="2"/>
-                <a14:m>
-                  <m:oMath xmlns:m="http://schemas.openxmlformats.org/officeDocument/2006/math">
-                    <m:r>
-                      <a:rPr lang="en-US" sz="2000" i="1">
-                        <a:solidFill>
-                          <a:schemeClr val="tx2"/>
-                        </a:solidFill>
-                        <a:latin typeface="Cambria Math" panose="02040503050406030204" pitchFamily="18" charset="0"/>
-                      </a:rPr>
-                      <m:t>𝑟</m:t>
-                    </m:r>
-                  </m:oMath>
-                </a14:m>
-                <a:r>
-                  <a:rPr lang="en-US" sz="2000" dirty="0">
-                    <a:solidFill>
-                      <a:schemeClr val="tx2"/>
-                    </a:solidFill>
-                  </a:rPr>
-                  <a:t>, the range</a:t>
-                </a:r>
-              </a:p>
-              <a:p>
-                <a:pPr lvl="2"/>
-                <a14:m>
-                  <m:oMath xmlns:m="http://schemas.openxmlformats.org/officeDocument/2006/math">
-                    <m:r>
-                      <a:rPr lang="en-US" sz="2000" i="1">
-                        <a:solidFill>
-                          <a:schemeClr val="tx2"/>
-                        </a:solidFill>
-                        <a:latin typeface="Cambria Math" panose="02040503050406030204" pitchFamily="18" charset="0"/>
-                      </a:rPr>
-                      <m:t>𝑡</m:t>
-                    </m:r>
-                  </m:oMath>
-                </a14:m>
-                <a:r>
-                  <a:rPr lang="en-US" sz="2000" dirty="0">
-                    <a:solidFill>
-                      <a:schemeClr val="tx2"/>
-                    </a:solidFill>
-                  </a:rPr>
-                  <a:t>, the time of flight</a:t>
-                </a:r>
-                <a:endParaRPr lang="en-US" sz="2000" b="1" dirty="0">
+                <a:endParaRPr lang="en-US" sz="2000" dirty="0">
                   <a:solidFill>
                     <a:schemeClr val="tx2"/>
                   </a:solidFill>
-                  <a:latin typeface="Lucida Console" panose="020B0609040504020204" pitchFamily="49" charset="0"/>
                 </a:endParaRPr>
               </a:p>
             </p:txBody>
           </p:sp>
         </mc:Choice>
-        <mc:Fallback xmlns="">
+        <mc:Fallback>
           <p:sp>
             <p:nvSpPr>
               <p:cNvPr id="3" name="Content Placeholder 2">
@@ -15594,7 +15554,7 @@
                 <a:ext cx="10415649" cy="4858787"/>
               </a:xfrm>
               <a:blipFill>
-                <a:blip r:embed="rId2"/>
+                <a:blip r:embed="rId3"/>
                 <a:stretch>
                   <a:fillRect l="-1340" t="-2083"/>
                 </a:stretch>
@@ -15644,6 +15604,340 @@
           </a:p>
         </p:txBody>
       </p:sp>
+      <mc:AlternateContent xmlns:mc="http://schemas.openxmlformats.org/markup-compatibility/2006">
+        <mc:Choice xmlns:a14="http://schemas.microsoft.com/office/drawing/2010/main" Requires="a14">
+          <p:sp>
+            <p:nvSpPr>
+              <p:cNvPr id="5" name="Content Placeholder 2">
+                <a:extLst>
+                  <a:ext uri="{FF2B5EF4-FFF2-40B4-BE49-F238E27FC236}">
+                    <a16:creationId xmlns:a16="http://schemas.microsoft.com/office/drawing/2014/main" id="{9CE41F84-5A3C-0674-7A77-52645E537078}"/>
+                  </a:ext>
+                </a:extLst>
+              </p:cNvPr>
+              <p:cNvSpPr txBox="1">
+                <a:spLocks/>
+              </p:cNvSpPr>
+              <p:nvPr/>
+            </p:nvSpPr>
+            <p:spPr>
+              <a:xfrm>
+                <a:off x="5636425" y="1574576"/>
+                <a:ext cx="4927072" cy="1760807"/>
+              </a:xfrm>
+              <a:prstGeom prst="rect">
+                <a:avLst/>
+              </a:prstGeom>
+            </p:spPr>
+            <p:txBody>
+              <a:bodyPr vert="horz" lIns="0" tIns="0" rIns="91440" bIns="45720" rtlCol="0">
+                <a:noAutofit/>
+              </a:bodyPr>
+              <a:lstStyle>
+                <a:lvl1pPr marL="228600" indent="-228600" algn="l" defTabSz="914400" rtl="0" eaLnBrk="1" latinLnBrk="0" hangingPunct="1">
+                  <a:lnSpc>
+                    <a:spcPct val="90000"/>
+                  </a:lnSpc>
+                  <a:spcBef>
+                    <a:spcPts val="1000"/>
+                  </a:spcBef>
+                  <a:buClr>
+                    <a:schemeClr val="bg2"/>
+                  </a:buClr>
+                  <a:buFont typeface="Arial" panose="020B0604020202020204" pitchFamily="34" charset="0"/>
+                  <a:buChar char="•"/>
+                  <a:defRPr sz="2200" b="0" i="0" kern="1200">
+                    <a:solidFill>
+                      <a:schemeClr val="tx2"/>
+                    </a:solidFill>
+                    <a:latin typeface="Arial" panose="020B0604020202020204" pitchFamily="34" charset="0"/>
+                    <a:ea typeface="+mn-ea"/>
+                    <a:cs typeface="Arial" panose="020B0604020202020204" pitchFamily="34" charset="0"/>
+                  </a:defRPr>
+                </a:lvl1pPr>
+                <a:lvl2pPr marL="685800" indent="-228600" algn="l" defTabSz="914400" rtl="0" eaLnBrk="1" latinLnBrk="0" hangingPunct="1">
+                  <a:lnSpc>
+                    <a:spcPct val="90000"/>
+                  </a:lnSpc>
+                  <a:spcBef>
+                    <a:spcPts val="500"/>
+                  </a:spcBef>
+                  <a:buClr>
+                    <a:schemeClr val="bg2"/>
+                  </a:buClr>
+                  <a:buFont typeface="Arial" panose="020B0604020202020204" pitchFamily="34" charset="0"/>
+                  <a:buChar char="−"/>
+                  <a:defRPr sz="2200" b="0" i="0" kern="1200">
+                    <a:solidFill>
+                      <a:schemeClr val="tx2"/>
+                    </a:solidFill>
+                    <a:latin typeface="Arial" panose="020B0604020202020204" pitchFamily="34" charset="0"/>
+                    <a:ea typeface="+mn-ea"/>
+                    <a:cs typeface="Arial" panose="020B0604020202020204" pitchFamily="34" charset="0"/>
+                  </a:defRPr>
+                </a:lvl2pPr>
+                <a:lvl3pPr marL="1143000" indent="-228600" algn="l" defTabSz="914400" rtl="0" eaLnBrk="1" latinLnBrk="0" hangingPunct="1">
+                  <a:lnSpc>
+                    <a:spcPct val="90000"/>
+                  </a:lnSpc>
+                  <a:spcBef>
+                    <a:spcPts val="500"/>
+                  </a:spcBef>
+                  <a:buClr>
+                    <a:schemeClr val="bg2"/>
+                  </a:buClr>
+                  <a:buFont typeface="Arial" panose="020B0604020202020204" pitchFamily="34" charset="0"/>
+                  <a:buChar char="•"/>
+                  <a:defRPr sz="2200" b="0" i="0" kern="1200">
+                    <a:solidFill>
+                      <a:schemeClr val="tx2"/>
+                    </a:solidFill>
+                    <a:latin typeface="Arial" panose="020B0604020202020204" pitchFamily="34" charset="0"/>
+                    <a:ea typeface="+mn-ea"/>
+                    <a:cs typeface="Arial" panose="020B0604020202020204" pitchFamily="34" charset="0"/>
+                  </a:defRPr>
+                </a:lvl3pPr>
+                <a:lvl4pPr marL="1600200" indent="-228600" algn="l" defTabSz="914400" rtl="0" eaLnBrk="1" latinLnBrk="0" hangingPunct="1">
+                  <a:lnSpc>
+                    <a:spcPct val="90000"/>
+                  </a:lnSpc>
+                  <a:spcBef>
+                    <a:spcPts val="500"/>
+                  </a:spcBef>
+                  <a:buClr>
+                    <a:schemeClr val="bg2"/>
+                  </a:buClr>
+                  <a:buFont typeface="Arial" panose="020B0604020202020204" pitchFamily="34" charset="0"/>
+                  <a:buChar char="−"/>
+                  <a:defRPr sz="2200" b="0" i="0" kern="1200">
+                    <a:solidFill>
+                      <a:schemeClr val="tx2"/>
+                    </a:solidFill>
+                    <a:latin typeface="Arial" panose="020B0604020202020204" pitchFamily="34" charset="0"/>
+                    <a:ea typeface="+mn-ea"/>
+                    <a:cs typeface="Arial" panose="020B0604020202020204" pitchFamily="34" charset="0"/>
+                  </a:defRPr>
+                </a:lvl4pPr>
+                <a:lvl5pPr marL="2057400" indent="-228600" algn="l" defTabSz="914400" rtl="0" eaLnBrk="1" latinLnBrk="0" hangingPunct="1">
+                  <a:lnSpc>
+                    <a:spcPct val="90000"/>
+                  </a:lnSpc>
+                  <a:spcBef>
+                    <a:spcPts val="500"/>
+                  </a:spcBef>
+                  <a:buClr>
+                    <a:schemeClr val="bg2"/>
+                  </a:buClr>
+                  <a:buFont typeface="Arial" panose="020B0604020202020204" pitchFamily="34" charset="0"/>
+                  <a:buChar char="•"/>
+                  <a:defRPr sz="2200" b="0" i="0" kern="1200">
+                    <a:solidFill>
+                      <a:schemeClr val="tx2"/>
+                    </a:solidFill>
+                    <a:latin typeface="Arial" panose="020B0604020202020204" pitchFamily="34" charset="0"/>
+                    <a:ea typeface="+mn-ea"/>
+                    <a:cs typeface="Arial" panose="020B0604020202020204" pitchFamily="34" charset="0"/>
+                  </a:defRPr>
+                </a:lvl5pPr>
+                <a:lvl6pPr marL="2514600" indent="-228600" algn="l" defTabSz="914400" rtl="0" eaLnBrk="1" latinLnBrk="0" hangingPunct="1">
+                  <a:lnSpc>
+                    <a:spcPct val="90000"/>
+                  </a:lnSpc>
+                  <a:spcBef>
+                    <a:spcPts val="500"/>
+                  </a:spcBef>
+                  <a:buFont typeface="Arial" panose="020B0604020202020204" pitchFamily="34" charset="0"/>
+                  <a:buChar char="•"/>
+                  <a:defRPr sz="1800" kern="1200">
+                    <a:solidFill>
+                      <a:schemeClr val="tx1"/>
+                    </a:solidFill>
+                    <a:latin typeface="+mn-lt"/>
+                    <a:ea typeface="+mn-ea"/>
+                    <a:cs typeface="+mn-cs"/>
+                  </a:defRPr>
+                </a:lvl6pPr>
+                <a:lvl7pPr marL="2971800" indent="-228600" algn="l" defTabSz="914400" rtl="0" eaLnBrk="1" latinLnBrk="0" hangingPunct="1">
+                  <a:lnSpc>
+                    <a:spcPct val="90000"/>
+                  </a:lnSpc>
+                  <a:spcBef>
+                    <a:spcPts val="500"/>
+                  </a:spcBef>
+                  <a:buFont typeface="Arial" panose="020B0604020202020204" pitchFamily="34" charset="0"/>
+                  <a:buChar char="•"/>
+                  <a:defRPr sz="1800" kern="1200">
+                    <a:solidFill>
+                      <a:schemeClr val="tx1"/>
+                    </a:solidFill>
+                    <a:latin typeface="+mn-lt"/>
+                    <a:ea typeface="+mn-ea"/>
+                    <a:cs typeface="+mn-cs"/>
+                  </a:defRPr>
+                </a:lvl7pPr>
+                <a:lvl8pPr marL="3429000" indent="-228600" algn="l" defTabSz="914400" rtl="0" eaLnBrk="1" latinLnBrk="0" hangingPunct="1">
+                  <a:lnSpc>
+                    <a:spcPct val="90000"/>
+                  </a:lnSpc>
+                  <a:spcBef>
+                    <a:spcPts val="500"/>
+                  </a:spcBef>
+                  <a:buFont typeface="Arial" panose="020B0604020202020204" pitchFamily="34" charset="0"/>
+                  <a:buChar char="•"/>
+                  <a:defRPr sz="1800" kern="1200">
+                    <a:solidFill>
+                      <a:schemeClr val="tx1"/>
+                    </a:solidFill>
+                    <a:latin typeface="+mn-lt"/>
+                    <a:ea typeface="+mn-ea"/>
+                    <a:cs typeface="+mn-cs"/>
+                  </a:defRPr>
+                </a:lvl8pPr>
+                <a:lvl9pPr marL="3886200" indent="-228600" algn="l" defTabSz="914400" rtl="0" eaLnBrk="1" latinLnBrk="0" hangingPunct="1">
+                  <a:lnSpc>
+                    <a:spcPct val="90000"/>
+                  </a:lnSpc>
+                  <a:spcBef>
+                    <a:spcPts val="500"/>
+                  </a:spcBef>
+                  <a:buFont typeface="Arial" panose="020B0604020202020204" pitchFamily="34" charset="0"/>
+                  <a:buChar char="•"/>
+                  <a:defRPr sz="1800" kern="1200">
+                    <a:solidFill>
+                      <a:schemeClr val="tx1"/>
+                    </a:solidFill>
+                    <a:latin typeface="+mn-lt"/>
+                    <a:ea typeface="+mn-ea"/>
+                    <a:cs typeface="+mn-cs"/>
+                  </a:defRPr>
+                </a:lvl9pPr>
+              </a:lstStyle>
+              <a:p>
+                <a:pPr lvl="1"/>
+                <a:r>
+                  <a:rPr lang="en-US" sz="2000" dirty="0"/>
+                  <a:t>Output variables</a:t>
+                </a:r>
+              </a:p>
+              <a:p>
+                <a:pPr lvl="2"/>
+                <a14:m>
+                  <m:oMath xmlns:m="http://schemas.openxmlformats.org/officeDocument/2006/math">
+                    <m:r>
+                      <a:rPr lang="en-US" sz="2000" i="1">
+                        <a:latin typeface="Cambria Math" panose="02040503050406030204" pitchFamily="18" charset="0"/>
+                      </a:rPr>
+                      <m:t>𝑥</m:t>
+                    </m:r>
+                  </m:oMath>
+                </a14:m>
+                <a:r>
+                  <a:rPr lang="en-US" sz="2000" dirty="0"/>
+                  <a:t>, the horizontal position</a:t>
+                </a:r>
+              </a:p>
+              <a:p>
+                <a:pPr lvl="2"/>
+                <a14:m>
+                  <m:oMath xmlns:m="http://schemas.openxmlformats.org/officeDocument/2006/math">
+                    <m:r>
+                      <a:rPr lang="en-US" sz="2000" i="1">
+                        <a:latin typeface="Cambria Math" panose="02040503050406030204" pitchFamily="18" charset="0"/>
+                      </a:rPr>
+                      <m:t>𝑦</m:t>
+                    </m:r>
+                  </m:oMath>
+                </a14:m>
+                <a:r>
+                  <a:rPr lang="en-US" sz="2000" dirty="0"/>
+                  <a:t>, the vertical position</a:t>
+                </a:r>
+              </a:p>
+              <a:p>
+                <a:pPr lvl="2"/>
+                <a14:m>
+                  <m:oMath xmlns:m="http://schemas.openxmlformats.org/officeDocument/2006/math">
+                    <m:r>
+                      <a:rPr lang="en-US" sz="2000" i="1">
+                        <a:latin typeface="Cambria Math" panose="02040503050406030204" pitchFamily="18" charset="0"/>
+                      </a:rPr>
+                      <m:t>𝑟</m:t>
+                    </m:r>
+                  </m:oMath>
+                </a14:m>
+                <a:r>
+                  <a:rPr lang="en-US" sz="2000" dirty="0"/>
+                  <a:t>, the range</a:t>
+                </a:r>
+              </a:p>
+              <a:p>
+                <a:pPr lvl="2"/>
+                <a14:m>
+                  <m:oMath xmlns:m="http://schemas.openxmlformats.org/officeDocument/2006/math">
+                    <m:r>
+                      <a:rPr lang="en-US" sz="2000" i="1">
+                        <a:latin typeface="Cambria Math" panose="02040503050406030204" pitchFamily="18" charset="0"/>
+                      </a:rPr>
+                      <m:t>𝑡</m:t>
+                    </m:r>
+                  </m:oMath>
+                </a14:m>
+                <a:r>
+                  <a:rPr lang="en-US" sz="2000" dirty="0"/>
+                  <a:t>, the time of flight</a:t>
+                </a:r>
+                <a:endParaRPr lang="en-US" sz="2000" b="1" dirty="0">
+                  <a:latin typeface="Lucida Console" panose="020B0609040504020204" pitchFamily="49" charset="0"/>
+                </a:endParaRPr>
+              </a:p>
+            </p:txBody>
+          </p:sp>
+        </mc:Choice>
+        <mc:Fallback>
+          <p:sp>
+            <p:nvSpPr>
+              <p:cNvPr id="5" name="Content Placeholder 2">
+                <a:extLst>
+                  <a:ext uri="{FF2B5EF4-FFF2-40B4-BE49-F238E27FC236}">
+                    <a16:creationId xmlns:a16="http://schemas.microsoft.com/office/drawing/2014/main" id="{9CE41F84-5A3C-0674-7A77-52645E537078}"/>
+                  </a:ext>
+                </a:extLst>
+              </p:cNvPr>
+              <p:cNvSpPr txBox="1">
+                <a:spLocks noRot="1" noChangeAspect="1" noMove="1" noResize="1" noEditPoints="1" noAdjustHandles="1" noChangeArrowheads="1" noChangeShapeType="1" noTextEdit="1"/>
+              </p:cNvSpPr>
+              <p:nvPr/>
+            </p:nvSpPr>
+            <p:spPr>
+              <a:xfrm>
+                <a:off x="5636425" y="1574576"/>
+                <a:ext cx="4927072" cy="1760807"/>
+              </a:xfrm>
+              <a:prstGeom prst="rect">
+                <a:avLst/>
+              </a:prstGeom>
+              <a:blipFill>
+                <a:blip r:embed="rId4"/>
+                <a:stretch>
+                  <a:fillRect t="-5714" b="-714"/>
+                </a:stretch>
+              </a:blipFill>
+            </p:spPr>
+            <p:txBody>
+              <a:bodyPr/>
+              <a:lstStyle/>
+              <a:p>
+                <a:r>
+                  <a:rPr lang="en-US">
+                    <a:noFill/>
+                  </a:rPr>
+                  <a:t> </a:t>
+                </a:r>
+              </a:p>
+            </p:txBody>
+          </p:sp>
+        </mc:Fallback>
+      </mc:AlternateContent>
     </p:spTree>
     <p:extLst>
       <p:ext uri="{BB962C8B-B14F-4D97-AF65-F5344CB8AC3E}">
@@ -15658,157 +15952,6 @@
 </file>
 
 <file path=ppt/slides/slide23.xml><?xml version="1.0" encoding="utf-8"?>
-<p:sld xmlns:a="http://schemas.openxmlformats.org/drawingml/2006/main" xmlns:r="http://schemas.openxmlformats.org/officeDocument/2006/relationships" xmlns:p="http://schemas.openxmlformats.org/presentationml/2006/main">
-  <p:cSld>
-    <p:spTree>
-      <p:nvGrpSpPr>
-        <p:cNvPr id="1" name=""/>
-        <p:cNvGrpSpPr/>
-        <p:nvPr/>
-      </p:nvGrpSpPr>
-      <p:grpSpPr>
-        <a:xfrm>
-          <a:off x="0" y="0"/>
-          <a:ext cx="0" cy="0"/>
-          <a:chOff x="0" y="0"/>
-          <a:chExt cx="0" cy="0"/>
-        </a:xfrm>
-      </p:grpSpPr>
-      <p:sp>
-        <p:nvSpPr>
-          <p:cNvPr id="2" name="Title 1"/>
-          <p:cNvSpPr>
-            <a:spLocks noGrp="1"/>
-          </p:cNvSpPr>
-          <p:nvPr>
-            <p:ph type="title"/>
-          </p:nvPr>
-        </p:nvSpPr>
-        <p:spPr/>
-        <p:txBody>
-          <a:bodyPr/>
-          <a:lstStyle/>
-          <a:p>
-            <a:r>
-              <a:rPr lang="en-US" dirty="0"/>
-              <a:t>ROM: Inverse Distance Weight</a:t>
-            </a:r>
-          </a:p>
-        </p:txBody>
-      </p:sp>
-      <p:sp>
-        <p:nvSpPr>
-          <p:cNvPr id="3" name="Content Placeholder 2"/>
-          <p:cNvSpPr>
-            <a:spLocks noGrp="1"/>
-          </p:cNvSpPr>
-          <p:nvPr>
-            <p:ph idx="1"/>
-          </p:nvPr>
-        </p:nvSpPr>
-        <p:spPr>
-          <a:xfrm>
-            <a:off x="938150" y="1381539"/>
-            <a:ext cx="10415649" cy="4709700"/>
-          </a:xfrm>
-        </p:spPr>
-        <p:txBody>
-          <a:bodyPr/>
-          <a:lstStyle/>
-          <a:p>
-            <a:r>
-              <a:rPr lang="en-US" dirty="0" err="1"/>
-              <a:t>NDinvDistWeight</a:t>
-            </a:r>
-            <a:endParaRPr lang="en-US" dirty="0"/>
-          </a:p>
-          <a:p>
-            <a:pPr lvl="1"/>
-            <a:r>
-              <a:rPr lang="en-US" dirty="0"/>
-              <a:t>Interpolating function</a:t>
-            </a:r>
-          </a:p>
-        </p:txBody>
-      </p:sp>
-      <p:pic>
-        <p:nvPicPr>
-          <p:cNvPr id="5" name="Picture 4" descr="Screen Shot 2018-07-31 at 9.43.07 PM.png"/>
-          <p:cNvPicPr>
-            <a:picLocks noChangeAspect="1"/>
-          </p:cNvPicPr>
-          <p:nvPr/>
-        </p:nvPicPr>
-        <p:blipFill>
-          <a:blip r:embed="rId2">
-            <a:extLst>
-              <a:ext uri="{28A0092B-C50C-407E-A947-70E740481C1C}">
-                <a14:useLocalDpi xmlns:a14="http://schemas.microsoft.com/office/drawing/2010/main" val="0"/>
-              </a:ext>
-            </a:extLst>
-          </a:blip>
-          <a:stretch>
-            <a:fillRect/>
-          </a:stretch>
-        </p:blipFill>
-        <p:spPr>
-          <a:xfrm>
-            <a:off x="2722873" y="2386858"/>
-            <a:ext cx="7159259" cy="2729672"/>
-          </a:xfrm>
-          <a:prstGeom prst="rect">
-            <a:avLst/>
-          </a:prstGeom>
-        </p:spPr>
-      </p:pic>
-      <p:sp>
-        <p:nvSpPr>
-          <p:cNvPr id="6" name="Slide Number Placeholder 15">
-            <a:extLst>
-              <a:ext uri="{FF2B5EF4-FFF2-40B4-BE49-F238E27FC236}">
-                <a16:creationId xmlns:a16="http://schemas.microsoft.com/office/drawing/2014/main" id="{3AF6DEFB-F45F-33CB-7357-7B0E0AEE95D1}"/>
-              </a:ext>
-            </a:extLst>
-          </p:cNvPr>
-          <p:cNvSpPr>
-            <a:spLocks noGrp="1"/>
-          </p:cNvSpPr>
-          <p:nvPr>
-            <p:ph type="sldNum" sz="quarter" idx="12"/>
-          </p:nvPr>
-        </p:nvSpPr>
-        <p:spPr>
-          <a:xfrm>
-            <a:off x="155020" y="6492875"/>
-            <a:ext cx="434428" cy="365125"/>
-          </a:xfrm>
-        </p:spPr>
-        <p:txBody>
-          <a:bodyPr/>
-          <a:lstStyle/>
-          <a:p>
-            <a:fld id="{82B577FA-F7D9-2C48-919F-F962E3BF952F}" type="slidenum">
-              <a:rPr lang="en-US" smtClean="0"/>
-              <a:t>23</a:t>
-            </a:fld>
-            <a:endParaRPr lang="en-US"/>
-          </a:p>
-        </p:txBody>
-      </p:sp>
-    </p:spTree>
-    <p:extLst>
-      <p:ext uri="{BB962C8B-B14F-4D97-AF65-F5344CB8AC3E}">
-        <p14:creationId xmlns:p14="http://schemas.microsoft.com/office/powerpoint/2010/main" val="1290463395"/>
-      </p:ext>
-    </p:extLst>
-  </p:cSld>
-  <p:clrMapOvr>
-    <a:masterClrMapping/>
-  </p:clrMapOvr>
-</p:sld>
-</file>
-
-<file path=ppt/slides/slide24.xml><?xml version="1.0" encoding="utf-8"?>
 <p:sld xmlns:a="http://schemas.openxmlformats.org/drawingml/2006/main" xmlns:r="http://schemas.openxmlformats.org/officeDocument/2006/relationships" xmlns:p="http://schemas.openxmlformats.org/presentationml/2006/main" show="0">
   <p:cSld>
     <p:spTree>
@@ -16169,7 +16312,7 @@
           <a:p>
             <a:fld id="{82B577FA-F7D9-2C48-919F-F962E3BF952F}" type="slidenum">
               <a:rPr lang="en-US" smtClean="0"/>
-              <a:t>24</a:t>
+              <a:t>23</a:t>
             </a:fld>
             <a:endParaRPr lang="en-US"/>
           </a:p>
@@ -16472,7 +16615,7 @@
 </p:sld>
 </file>
 
-<file path=ppt/slides/slide25.xml><?xml version="1.0" encoding="utf-8"?>
+<file path=ppt/slides/slide24.xml><?xml version="1.0" encoding="utf-8"?>
 <p:sld xmlns:a="http://schemas.openxmlformats.org/drawingml/2006/main" xmlns:r="http://schemas.openxmlformats.org/officeDocument/2006/relationships" xmlns:p="http://schemas.openxmlformats.org/presentationml/2006/main">
   <p:cSld>
     <p:spTree>
@@ -17119,8 +17262,8 @@
         </p:nvSpPr>
         <p:spPr bwMode="auto">
           <a:xfrm>
-            <a:off x="7002832" y="5433230"/>
-            <a:ext cx="1773311" cy="536539"/>
+            <a:off x="7281506" y="5433230"/>
+            <a:ext cx="1845077" cy="784690"/>
           </a:xfrm>
           <a:prstGeom prst="rect">
             <a:avLst/>
@@ -17161,7 +17304,7 @@
               <a:rPr lang="en-US" sz="1600" dirty="0">
                 <a:latin typeface="+mj-lt"/>
               </a:rPr>
-              <a:t>List of employed models</a:t>
+              <a:t>Cross validation processor (see next slide)</a:t>
             </a:r>
           </a:p>
         </p:txBody>
@@ -17224,7 +17367,7 @@
           <a:p>
             <a:fld id="{82B577FA-F7D9-2C48-919F-F962E3BF952F}" type="slidenum">
               <a:rPr lang="en-US" smtClean="0"/>
-              <a:t>25</a:t>
+              <a:t>24</a:t>
             </a:fld>
             <a:endParaRPr lang="en-US"/>
           </a:p>
@@ -17822,7 +17965,7 @@
 </p:sld>
 </file>
 
-<file path=ppt/slides/slide26.xml><?xml version="1.0" encoding="utf-8"?>
+<file path=ppt/slides/slide25.xml><?xml version="1.0" encoding="utf-8"?>
 <p:sld xmlns:a="http://schemas.openxmlformats.org/drawingml/2006/main" xmlns:r="http://schemas.openxmlformats.org/officeDocument/2006/relationships" xmlns:p="http://schemas.openxmlformats.org/presentationml/2006/main">
   <p:cSld>
     <p:spTree>
@@ -17881,7 +18024,7 @@
         </p:nvSpPr>
         <p:spPr>
           <a:xfrm>
-            <a:off x="1710174" y="2779236"/>
+            <a:off x="1701466" y="2265491"/>
             <a:ext cx="7533409" cy="2031325"/>
           </a:xfrm>
           <a:prstGeom prst="rect">
@@ -18459,7 +18602,7 @@
         </p:nvSpPr>
         <p:spPr bwMode="auto">
           <a:xfrm>
-            <a:off x="7703452" y="3066107"/>
+            <a:off x="7694744" y="2552362"/>
             <a:ext cx="2428560" cy="685578"/>
           </a:xfrm>
           <a:prstGeom prst="rect">
@@ -18523,7 +18666,7 @@
         </p:nvCxnSpPr>
         <p:spPr bwMode="auto">
           <a:xfrm flipH="1">
-            <a:off x="5274892" y="3408896"/>
+            <a:off x="5266184" y="2895151"/>
             <a:ext cx="2428560" cy="147580"/>
           </a:xfrm>
           <a:prstGeom prst="straightConnector1">
@@ -18544,67 +18687,6 @@
           <a:effectLst/>
         </p:spPr>
       </p:cxnSp>
-      <p:sp>
-        <p:nvSpPr>
-          <p:cNvPr id="14" name="Rectangle 13">
-            <a:extLst>
-              <a:ext uri="{FF2B5EF4-FFF2-40B4-BE49-F238E27FC236}">
-                <a16:creationId xmlns:a16="http://schemas.microsoft.com/office/drawing/2014/main" id="{6487495E-5C67-E0F4-BC29-327CB3B53066}"/>
-              </a:ext>
-            </a:extLst>
-          </p:cNvPr>
-          <p:cNvSpPr/>
-          <p:nvPr/>
-        </p:nvSpPr>
-        <p:spPr bwMode="auto">
-          <a:xfrm>
-            <a:off x="6395170" y="5230818"/>
-            <a:ext cx="2068074" cy="404823"/>
-          </a:xfrm>
-          <a:prstGeom prst="rect">
-            <a:avLst/>
-          </a:prstGeom>
-          <a:solidFill>
-            <a:schemeClr val="bg1">
-              <a:lumMod val="65000"/>
-            </a:schemeClr>
-          </a:solidFill>
-          <a:ln w="9525" cap="flat" cmpd="sng" algn="ctr">
-            <a:solidFill>
-              <a:schemeClr val="tx1"/>
-            </a:solidFill>
-            <a:prstDash val="solid"/>
-            <a:round/>
-            <a:headEnd type="none" w="med" len="med"/>
-            <a:tailEnd type="none" w="med" len="med"/>
-          </a:ln>
-          <a:effectLst/>
-        </p:spPr>
-        <p:txBody>
-          <a:bodyPr vert="horz" wrap="square" lIns="91440" tIns="45720" rIns="91440" bIns="45720" numCol="1" rtlCol="0" anchor="ctr" anchorCtr="0" compatLnSpc="1">
-            <a:prstTxWarp prst="textNoShape">
-              <a:avLst/>
-            </a:prstTxWarp>
-          </a:bodyPr>
-          <a:lstStyle/>
-          <a:p>
-            <a:pPr algn="ctr" eaLnBrk="0" fontAlgn="base" hangingPunct="0">
-              <a:spcBef>
-                <a:spcPct val="0"/>
-              </a:spcBef>
-              <a:spcAft>
-                <a:spcPct val="0"/>
-              </a:spcAft>
-            </a:pPr>
-            <a:r>
-              <a:rPr lang="en-US" sz="1600" dirty="0">
-                <a:latin typeface="+mj-lt"/>
-              </a:rPr>
-              <a:t>Validation Metric</a:t>
-            </a:r>
-          </a:p>
-        </p:txBody>
-      </p:sp>
       <p:cxnSp>
         <p:nvCxnSpPr>
           <p:cNvPr id="15" name="Straight Arrow Connector 14">
@@ -18616,13 +18698,14 @@
           </p:cNvPr>
           <p:cNvCxnSpPr>
             <a:cxnSpLocks/>
+            <a:stCxn id="14" idx="1"/>
           </p:cNvCxnSpPr>
           <p:nvPr/>
         </p:nvCxnSpPr>
         <p:spPr bwMode="auto">
           <a:xfrm flipH="1" flipV="1">
-            <a:off x="6485496" y="4662923"/>
-            <a:ext cx="497702" cy="559338"/>
+            <a:off x="5582194" y="4118847"/>
+            <a:ext cx="1196153" cy="676019"/>
           </a:xfrm>
           <a:prstGeom prst="straightConnector1">
             <a:avLst/>
@@ -18665,7 +18748,7 @@
           <a:p>
             <a:fld id="{82B577FA-F7D9-2C48-919F-F962E3BF952F}" type="slidenum">
               <a:rPr lang="en-US" smtClean="0"/>
-              <a:t>26</a:t>
+              <a:t>25</a:t>
             </a:fld>
             <a:endParaRPr lang="en-US"/>
           </a:p>
@@ -19180,10 +19263,2684 @@
       </p:sp>
       <p:sp>
         <p:nvSpPr>
-          <p:cNvPr id="33" name="Rectangle 32">
-            <a:extLst>
-              <a:ext uri="{FF2B5EF4-FFF2-40B4-BE49-F238E27FC236}">
-                <a16:creationId xmlns:a16="http://schemas.microsoft.com/office/drawing/2014/main" id="{6F0EF481-8C16-A6F0-0F48-8957C2C8E8D8}"/>
+          <p:cNvPr id="4" name="TextBox 3">
+            <a:extLst>
+              <a:ext uri="{FF2B5EF4-FFF2-40B4-BE49-F238E27FC236}">
+                <a16:creationId xmlns:a16="http://schemas.microsoft.com/office/drawing/2014/main" id="{9AFF8201-466C-3C8A-F580-8C1E865D9CA3}"/>
+              </a:ext>
+            </a:extLst>
+          </p:cNvPr>
+          <p:cNvSpPr txBox="1"/>
+          <p:nvPr/>
+        </p:nvSpPr>
+        <p:spPr>
+          <a:xfrm>
+            <a:off x="1701466" y="5229627"/>
+            <a:ext cx="7533409" cy="1169551"/>
+          </a:xfrm>
+          <a:prstGeom prst="rect">
+            <a:avLst/>
+          </a:prstGeom>
+          <a:solidFill>
+            <a:schemeClr val="bg1">
+              <a:lumMod val="85000"/>
+            </a:schemeClr>
+          </a:solidFill>
+          <a:ln>
+            <a:noFill/>
+          </a:ln>
+        </p:spPr>
+        <p:txBody>
+          <a:bodyPr wrap="square" rtlCol="0">
+            <a:spAutoFit/>
+          </a:bodyPr>
+          <a:lstStyle/>
+          <a:p>
+            <a:r>
+              <a:rPr lang="en-US" sz="1400" dirty="0">
+                <a:solidFill>
+                  <a:srgbClr val="008000"/>
+                </a:solidFill>
+                <a:latin typeface="Courier"/>
+                <a:cs typeface="Courier"/>
+              </a:rPr>
+              <a:t>&lt;Metrics&gt;</a:t>
+            </a:r>
+          </a:p>
+          <a:p>
+            <a:r>
+              <a:rPr lang="en-US" sz="1400" dirty="0">
+                <a:solidFill>
+                  <a:srgbClr val="008000"/>
+                </a:solidFill>
+                <a:latin typeface="Courier"/>
+                <a:cs typeface="Courier"/>
+              </a:rPr>
+              <a:t>  &lt;SKL </a:t>
+            </a:r>
+            <a:r>
+              <a:rPr lang="en-US" sz="1400" dirty="0">
+                <a:solidFill>
+                  <a:srgbClr val="660066"/>
+                </a:solidFill>
+                <a:latin typeface="Courier"/>
+                <a:cs typeface="Courier"/>
+              </a:rPr>
+              <a:t>name</a:t>
+            </a:r>
+            <a:r>
+              <a:rPr lang="en-US" sz="1400" dirty="0">
+                <a:solidFill>
+                  <a:srgbClr val="008000"/>
+                </a:solidFill>
+                <a:latin typeface="Courier"/>
+                <a:cs typeface="Courier"/>
+              </a:rPr>
+              <a:t>=</a:t>
+            </a:r>
+            <a:r>
+              <a:rPr lang="en-US" sz="1400" dirty="0">
+                <a:solidFill>
+                  <a:srgbClr val="1A4DB2"/>
+                </a:solidFill>
+                <a:latin typeface="Courier"/>
+                <a:cs typeface="Courier"/>
+              </a:rPr>
+              <a:t>’m1’ </a:t>
+            </a:r>
+            <a:r>
+              <a:rPr lang="en-US" sz="1400" dirty="0">
+                <a:solidFill>
+                  <a:srgbClr val="660066"/>
+                </a:solidFill>
+                <a:latin typeface="Courier"/>
+                <a:cs typeface="Courier"/>
+              </a:rPr>
+              <a:t>subtype</a:t>
+            </a:r>
+            <a:r>
+              <a:rPr lang="en-US" sz="1400" dirty="0">
+                <a:solidFill>
+                  <a:srgbClr val="008000"/>
+                </a:solidFill>
+                <a:latin typeface="Courier"/>
+                <a:cs typeface="Courier"/>
+              </a:rPr>
+              <a:t>=</a:t>
+            </a:r>
+            <a:r>
+              <a:rPr lang="en-US" sz="1400" dirty="0">
+                <a:solidFill>
+                  <a:srgbClr val="1A4DB2"/>
+                </a:solidFill>
+                <a:latin typeface="Courier"/>
+                <a:cs typeface="Courier"/>
+              </a:rPr>
+              <a:t>’SKL’ </a:t>
+            </a:r>
+            <a:r>
+              <a:rPr lang="en-US" sz="1400" dirty="0">
+                <a:solidFill>
+                  <a:srgbClr val="008000"/>
+                </a:solidFill>
+                <a:latin typeface="Courier"/>
+                <a:cs typeface="Courier"/>
+              </a:rPr>
+              <a:t>&gt;</a:t>
+            </a:r>
+            <a:endParaRPr lang="en-US" sz="1400" dirty="0">
+              <a:solidFill>
+                <a:srgbClr val="000000"/>
+              </a:solidFill>
+              <a:latin typeface="Courier"/>
+              <a:cs typeface="Courier"/>
+            </a:endParaRPr>
+          </a:p>
+          <a:p>
+            <a:r>
+              <a:rPr lang="en-US" sz="1400" dirty="0">
+                <a:solidFill>
+                  <a:srgbClr val="000000"/>
+                </a:solidFill>
+                <a:latin typeface="Courier"/>
+                <a:cs typeface="Courier"/>
+              </a:rPr>
+              <a:t>   </a:t>
+            </a:r>
+            <a:r>
+              <a:rPr lang="en-US" sz="1400" dirty="0">
+                <a:solidFill>
+                  <a:srgbClr val="008000"/>
+                </a:solidFill>
+                <a:latin typeface="Courier"/>
+                <a:cs typeface="Courier"/>
+              </a:rPr>
+              <a:t> &lt;</a:t>
+            </a:r>
+            <a:r>
+              <a:rPr lang="en-US" sz="1400" dirty="0" err="1">
+                <a:solidFill>
+                  <a:srgbClr val="008000"/>
+                </a:solidFill>
+                <a:latin typeface="Courier"/>
+                <a:cs typeface="Courier"/>
+              </a:rPr>
+              <a:t>metricType</a:t>
+            </a:r>
+            <a:r>
+              <a:rPr lang="en-US" sz="1400" dirty="0">
+                <a:solidFill>
+                  <a:srgbClr val="008000"/>
+                </a:solidFill>
+                <a:latin typeface="Courier"/>
+                <a:cs typeface="Courier"/>
+              </a:rPr>
+              <a:t>&gt;</a:t>
+            </a:r>
+            <a:r>
+              <a:rPr lang="en-US" sz="1400" dirty="0" err="1">
+                <a:solidFill>
+                  <a:srgbClr val="000000"/>
+                </a:solidFill>
+                <a:latin typeface="Courier"/>
+                <a:cs typeface="Courier"/>
+              </a:rPr>
+              <a:t>regression|mean_absolute_error</a:t>
+            </a:r>
+            <a:r>
+              <a:rPr lang="en-US" sz="1400" dirty="0">
+                <a:solidFill>
+                  <a:srgbClr val="008000"/>
+                </a:solidFill>
+                <a:latin typeface="Courier"/>
+                <a:cs typeface="Courier"/>
+              </a:rPr>
+              <a:t>&lt;/</a:t>
+            </a:r>
+            <a:r>
+              <a:rPr lang="en-US" sz="1400" dirty="0" err="1">
+                <a:solidFill>
+                  <a:srgbClr val="008000"/>
+                </a:solidFill>
+                <a:latin typeface="Courier"/>
+                <a:cs typeface="Courier"/>
+              </a:rPr>
+              <a:t>metricType</a:t>
+            </a:r>
+            <a:r>
+              <a:rPr lang="en-US" sz="1400" dirty="0">
+                <a:solidFill>
+                  <a:srgbClr val="008000"/>
+                </a:solidFill>
+                <a:latin typeface="Courier"/>
+                <a:cs typeface="Courier"/>
+              </a:rPr>
+              <a:t>&gt;</a:t>
+            </a:r>
+            <a:endParaRPr lang="en-US" sz="1400" dirty="0">
+              <a:solidFill>
+                <a:srgbClr val="000000"/>
+              </a:solidFill>
+              <a:latin typeface="Courier"/>
+              <a:cs typeface="Courier"/>
+            </a:endParaRPr>
+          </a:p>
+          <a:p>
+            <a:r>
+              <a:rPr lang="en-US" sz="1400" dirty="0">
+                <a:solidFill>
+                  <a:srgbClr val="000000"/>
+                </a:solidFill>
+                <a:latin typeface="Courier"/>
+                <a:cs typeface="Courier"/>
+              </a:rPr>
+              <a:t>  </a:t>
+            </a:r>
+            <a:r>
+              <a:rPr lang="en-US" sz="1400" dirty="0">
+                <a:solidFill>
+                  <a:srgbClr val="008000"/>
+                </a:solidFill>
+                <a:latin typeface="Courier"/>
+                <a:cs typeface="Courier"/>
+              </a:rPr>
+              <a:t>&lt;/SKL&gt;</a:t>
+            </a:r>
+          </a:p>
+          <a:p>
+            <a:r>
+              <a:rPr lang="en-US" sz="1400" dirty="0">
+                <a:solidFill>
+                  <a:srgbClr val="008000"/>
+                </a:solidFill>
+                <a:latin typeface="Courier"/>
+                <a:cs typeface="Courier"/>
+              </a:rPr>
+              <a:t>&lt;/Metrics&gt;</a:t>
+            </a:r>
+          </a:p>
+        </p:txBody>
+      </p:sp>
+      <p:sp>
+        <p:nvSpPr>
+          <p:cNvPr id="7" name="Rectangle 6">
+            <a:extLst>
+              <a:ext uri="{FF2B5EF4-FFF2-40B4-BE49-F238E27FC236}">
+                <a16:creationId xmlns:a16="http://schemas.microsoft.com/office/drawing/2014/main" id="{159D20A0-FC95-EDBD-F246-04191CD73E9B}"/>
+              </a:ext>
+            </a:extLst>
+          </p:cNvPr>
+          <p:cNvSpPr/>
+          <p:nvPr/>
+        </p:nvSpPr>
+        <p:spPr bwMode="auto">
+          <a:xfrm>
+            <a:off x="9460845" y="1424770"/>
+            <a:ext cx="1389721" cy="311335"/>
+          </a:xfrm>
+          <a:prstGeom prst="rect">
+            <a:avLst/>
+          </a:prstGeom>
+          <a:solidFill>
+            <a:schemeClr val="bg1">
+              <a:lumMod val="65000"/>
+            </a:schemeClr>
+          </a:solidFill>
+          <a:ln>
+            <a:headEnd type="none" w="med" len="med"/>
+            <a:tailEnd type="none" w="med" len="med"/>
+          </a:ln>
+        </p:spPr>
+        <p:style>
+          <a:lnRef idx="2">
+            <a:schemeClr val="accent4"/>
+          </a:lnRef>
+          <a:fillRef idx="1">
+            <a:schemeClr val="lt1"/>
+          </a:fillRef>
+          <a:effectRef idx="0">
+            <a:schemeClr val="accent4"/>
+          </a:effectRef>
+          <a:fontRef idx="minor">
+            <a:schemeClr val="dk1"/>
+          </a:fontRef>
+        </p:style>
+        <p:txBody>
+          <a:bodyPr vert="horz" wrap="square" lIns="91440" tIns="45720" rIns="91440" bIns="45720" numCol="1" rtlCol="0" anchor="ctr" anchorCtr="0" compatLnSpc="1">
+            <a:prstTxWarp prst="textNoShape">
+              <a:avLst/>
+            </a:prstTxWarp>
+          </a:bodyPr>
+          <a:lstStyle/>
+          <a:p>
+            <a:pPr algn="ctr" eaLnBrk="0" fontAlgn="base" hangingPunct="0">
+              <a:spcBef>
+                <a:spcPct val="0"/>
+              </a:spcBef>
+              <a:spcAft>
+                <a:spcPct val="0"/>
+              </a:spcAft>
+            </a:pPr>
+            <a:r>
+              <a:rPr lang="en-US" sz="1600" dirty="0">
+                <a:solidFill>
+                  <a:schemeClr val="tx1"/>
+                </a:solidFill>
+                <a:latin typeface="+mj-lt"/>
+              </a:rPr>
+              <a:t>Metrics</a:t>
+            </a:r>
+          </a:p>
+        </p:txBody>
+      </p:sp>
+      <p:sp>
+        <p:nvSpPr>
+          <p:cNvPr id="14" name="Rectangle 13">
+            <a:extLst>
+              <a:ext uri="{FF2B5EF4-FFF2-40B4-BE49-F238E27FC236}">
+                <a16:creationId xmlns:a16="http://schemas.microsoft.com/office/drawing/2014/main" id="{6487495E-5C67-E0F4-BC29-327CB3B53066}"/>
+              </a:ext>
+            </a:extLst>
+          </p:cNvPr>
+          <p:cNvSpPr/>
+          <p:nvPr/>
+        </p:nvSpPr>
+        <p:spPr bwMode="auto">
+          <a:xfrm>
+            <a:off x="6778347" y="4592454"/>
+            <a:ext cx="2068074" cy="404823"/>
+          </a:xfrm>
+          <a:prstGeom prst="rect">
+            <a:avLst/>
+          </a:prstGeom>
+          <a:solidFill>
+            <a:schemeClr val="bg1">
+              <a:lumMod val="65000"/>
+            </a:schemeClr>
+          </a:solidFill>
+          <a:ln w="9525" cap="flat" cmpd="sng" algn="ctr">
+            <a:solidFill>
+              <a:schemeClr val="tx1"/>
+            </a:solidFill>
+            <a:prstDash val="solid"/>
+            <a:round/>
+            <a:headEnd type="none" w="med" len="med"/>
+            <a:tailEnd type="none" w="med" len="med"/>
+          </a:ln>
+          <a:effectLst/>
+        </p:spPr>
+        <p:txBody>
+          <a:bodyPr vert="horz" wrap="square" lIns="91440" tIns="45720" rIns="91440" bIns="45720" numCol="1" rtlCol="0" anchor="ctr" anchorCtr="0" compatLnSpc="1">
+            <a:prstTxWarp prst="textNoShape">
+              <a:avLst/>
+            </a:prstTxWarp>
+          </a:bodyPr>
+          <a:lstStyle/>
+          <a:p>
+            <a:pPr algn="ctr" eaLnBrk="0" fontAlgn="base" hangingPunct="0">
+              <a:spcBef>
+                <a:spcPct val="0"/>
+              </a:spcBef>
+              <a:spcAft>
+                <a:spcPct val="0"/>
+              </a:spcAft>
+            </a:pPr>
+            <a:r>
+              <a:rPr lang="en-US" sz="1600" dirty="0">
+                <a:latin typeface="+mj-lt"/>
+              </a:rPr>
+              <a:t>Validation Metric</a:t>
+            </a:r>
+          </a:p>
+        </p:txBody>
+      </p:sp>
+      <p:cxnSp>
+        <p:nvCxnSpPr>
+          <p:cNvPr id="8" name="Straight Arrow Connector 7">
+            <a:extLst>
+              <a:ext uri="{FF2B5EF4-FFF2-40B4-BE49-F238E27FC236}">
+                <a16:creationId xmlns:a16="http://schemas.microsoft.com/office/drawing/2014/main" id="{D7721A6A-26D5-656B-4CBA-0659B1B7AD36}"/>
+              </a:ext>
+            </a:extLst>
+          </p:cNvPr>
+          <p:cNvCxnSpPr>
+            <a:cxnSpLocks/>
+            <a:stCxn id="14" idx="1"/>
+          </p:cNvCxnSpPr>
+          <p:nvPr/>
+        </p:nvCxnSpPr>
+        <p:spPr bwMode="auto">
+          <a:xfrm flipH="1">
+            <a:off x="5266184" y="4794866"/>
+            <a:ext cx="1512163" cy="702937"/>
+          </a:xfrm>
+          <a:prstGeom prst="straightConnector1">
+            <a:avLst/>
+          </a:prstGeom>
+          <a:solidFill>
+            <a:schemeClr val="accent1"/>
+          </a:solidFill>
+          <a:ln w="9525" cap="flat" cmpd="sng" algn="ctr">
+            <a:solidFill>
+              <a:schemeClr val="tx1"/>
+            </a:solidFill>
+            <a:prstDash val="solid"/>
+            <a:round/>
+            <a:headEnd type="none" w="med" len="med"/>
+            <a:tailEnd type="arrow"/>
+          </a:ln>
+          <a:effectLst/>
+        </p:spPr>
+      </p:cxnSp>
+    </p:spTree>
+    <p:extLst>
+      <p:ext uri="{BB962C8B-B14F-4D97-AF65-F5344CB8AC3E}">
+        <p14:creationId xmlns:p14="http://schemas.microsoft.com/office/powerpoint/2010/main" val="3643863298"/>
+      </p:ext>
+    </p:extLst>
+  </p:cSld>
+  <p:clrMapOvr>
+    <a:masterClrMapping/>
+  </p:clrMapOvr>
+</p:sld>
+</file>
+
+<file path=ppt/slides/slide26.xml><?xml version="1.0" encoding="utf-8"?>
+<p:sld xmlns:a="http://schemas.openxmlformats.org/drawingml/2006/main" xmlns:r="http://schemas.openxmlformats.org/officeDocument/2006/relationships" xmlns:p="http://schemas.openxmlformats.org/presentationml/2006/main">
+  <p:cSld>
+    <p:spTree>
+      <p:nvGrpSpPr>
+        <p:cNvPr id="1" name=""/>
+        <p:cNvGrpSpPr/>
+        <p:nvPr/>
+      </p:nvGrpSpPr>
+      <p:grpSpPr>
+        <a:xfrm>
+          <a:off x="0" y="0"/>
+          <a:ext cx="0" cy="0"/>
+          <a:chOff x="0" y="0"/>
+          <a:chExt cx="0" cy="0"/>
+        </a:xfrm>
+      </p:grpSpPr>
+      <p:sp>
+        <p:nvSpPr>
+          <p:cNvPr id="2" name="Title 1">
+            <a:extLst>
+              <a:ext uri="{FF2B5EF4-FFF2-40B4-BE49-F238E27FC236}">
+                <a16:creationId xmlns:a16="http://schemas.microsoft.com/office/drawing/2014/main" id="{126F7DA8-8075-E4F5-5606-8DC49D9EDA88}"/>
+              </a:ext>
+            </a:extLst>
+          </p:cNvPr>
+          <p:cNvSpPr>
+            <a:spLocks noGrp="1"/>
+          </p:cNvSpPr>
+          <p:nvPr>
+            <p:ph type="title"/>
+          </p:nvPr>
+        </p:nvSpPr>
+        <p:spPr/>
+        <p:txBody>
+          <a:bodyPr/>
+          <a:lstStyle/>
+          <a:p>
+            <a:r>
+              <a:rPr lang="en-US" dirty="0"/>
+              <a:t>Create a Hybrid model</a:t>
+            </a:r>
+          </a:p>
+        </p:txBody>
+      </p:sp>
+      <p:sp>
+        <p:nvSpPr>
+          <p:cNvPr id="12" name="TextBox 11">
+            <a:extLst>
+              <a:ext uri="{FF2B5EF4-FFF2-40B4-BE49-F238E27FC236}">
+                <a16:creationId xmlns:a16="http://schemas.microsoft.com/office/drawing/2014/main" id="{D564E725-5DF3-7693-D14E-30AA4CC99795}"/>
+              </a:ext>
+            </a:extLst>
+          </p:cNvPr>
+          <p:cNvSpPr txBox="1"/>
+          <p:nvPr/>
+        </p:nvSpPr>
+        <p:spPr>
+          <a:xfrm>
+            <a:off x="1586100" y="2284023"/>
+            <a:ext cx="7533409" cy="4185761"/>
+          </a:xfrm>
+          <a:prstGeom prst="rect">
+            <a:avLst/>
+          </a:prstGeom>
+          <a:solidFill>
+            <a:schemeClr val="bg1">
+              <a:lumMod val="85000"/>
+            </a:schemeClr>
+          </a:solidFill>
+          <a:ln>
+            <a:noFill/>
+          </a:ln>
+        </p:spPr>
+        <p:txBody>
+          <a:bodyPr wrap="square" rtlCol="0">
+            <a:spAutoFit/>
+          </a:bodyPr>
+          <a:lstStyle/>
+          <a:p>
+            <a:r>
+              <a:rPr lang="en-US" sz="1400" dirty="0">
+                <a:solidFill>
+                  <a:srgbClr val="008000"/>
+                </a:solidFill>
+                <a:latin typeface="Courier"/>
+                <a:cs typeface="Courier"/>
+              </a:rPr>
+              <a:t>&lt;</a:t>
+            </a:r>
+            <a:r>
+              <a:rPr lang="en-US" sz="1400" dirty="0" err="1">
+                <a:solidFill>
+                  <a:srgbClr val="008000"/>
+                </a:solidFill>
+                <a:latin typeface="Courier"/>
+                <a:cs typeface="Courier"/>
+              </a:rPr>
+              <a:t>HybridModel</a:t>
+            </a:r>
+            <a:r>
+              <a:rPr lang="en-US" sz="1400" dirty="0">
+                <a:solidFill>
+                  <a:srgbClr val="008000"/>
+                </a:solidFill>
+                <a:latin typeface="Courier"/>
+                <a:cs typeface="Courier"/>
+              </a:rPr>
+              <a:t> </a:t>
+            </a:r>
+            <a:r>
+              <a:rPr lang="en-US" sz="1400" dirty="0">
+                <a:solidFill>
+                  <a:srgbClr val="660066"/>
+                </a:solidFill>
+                <a:latin typeface="Courier"/>
+                <a:cs typeface="Courier"/>
+              </a:rPr>
+              <a:t>name</a:t>
+            </a:r>
+            <a:r>
+              <a:rPr lang="en-US" sz="1400" dirty="0">
+                <a:solidFill>
+                  <a:srgbClr val="008000"/>
+                </a:solidFill>
+                <a:latin typeface="Courier"/>
+                <a:cs typeface="Courier"/>
+              </a:rPr>
+              <a:t>=</a:t>
+            </a:r>
+            <a:r>
+              <a:rPr lang="en-US" sz="1400" dirty="0">
+                <a:solidFill>
+                  <a:srgbClr val="1A4DB2"/>
+                </a:solidFill>
+                <a:latin typeface="Courier"/>
+                <a:cs typeface="Courier"/>
+              </a:rPr>
+              <a:t>’hybrid’ </a:t>
+            </a:r>
+            <a:r>
+              <a:rPr lang="en-US" sz="1400" dirty="0" err="1">
+                <a:solidFill>
+                  <a:srgbClr val="660066"/>
+                </a:solidFill>
+                <a:latin typeface="Courier"/>
+                <a:cs typeface="Courier"/>
+              </a:rPr>
+              <a:t>subType</a:t>
+            </a:r>
+            <a:r>
+              <a:rPr lang="en-US" sz="1400" dirty="0">
+                <a:solidFill>
+                  <a:srgbClr val="008000"/>
+                </a:solidFill>
+                <a:latin typeface="Courier"/>
+                <a:cs typeface="Courier"/>
+              </a:rPr>
+              <a:t>=</a:t>
+            </a:r>
+            <a:r>
+              <a:rPr lang="en-US" sz="1400" dirty="0">
+                <a:solidFill>
+                  <a:srgbClr val="1A4DB2"/>
+                </a:solidFill>
+                <a:latin typeface="Courier"/>
+                <a:cs typeface="Courier"/>
+              </a:rPr>
+              <a:t>’’ </a:t>
+            </a:r>
+            <a:r>
+              <a:rPr lang="en-US" sz="1400" dirty="0">
+                <a:solidFill>
+                  <a:srgbClr val="008000"/>
+                </a:solidFill>
+                <a:latin typeface="Courier"/>
+                <a:cs typeface="Courier"/>
+              </a:rPr>
+              <a:t>&gt;</a:t>
+            </a:r>
+          </a:p>
+          <a:p>
+            <a:r>
+              <a:rPr lang="en-US" sz="1400" dirty="0">
+                <a:solidFill>
+                  <a:srgbClr val="008000"/>
+                </a:solidFill>
+                <a:latin typeface="Courier"/>
+                <a:cs typeface="Courier"/>
+              </a:rPr>
+              <a:t>  &lt;Model </a:t>
+            </a:r>
+            <a:r>
+              <a:rPr lang="en-US" sz="1400" dirty="0">
+                <a:solidFill>
+                  <a:srgbClr val="660066"/>
+                </a:solidFill>
+                <a:latin typeface="Courier"/>
+                <a:cs typeface="Courier"/>
+              </a:rPr>
+              <a:t>class</a:t>
+            </a:r>
+            <a:r>
+              <a:rPr lang="en-US" sz="1400" dirty="0">
+                <a:solidFill>
+                  <a:srgbClr val="008000"/>
+                </a:solidFill>
+                <a:latin typeface="Courier"/>
+                <a:cs typeface="Courier"/>
+              </a:rPr>
+              <a:t>=</a:t>
+            </a:r>
+            <a:r>
+              <a:rPr lang="en-US" sz="1400" dirty="0">
+                <a:solidFill>
+                  <a:srgbClr val="1A4DB2"/>
+                </a:solidFill>
+                <a:latin typeface="Courier"/>
+                <a:cs typeface="Courier"/>
+              </a:rPr>
+              <a:t>’Models’ </a:t>
+            </a:r>
+            <a:r>
+              <a:rPr lang="en-US" sz="1400" dirty="0">
+                <a:solidFill>
+                  <a:srgbClr val="660066"/>
+                </a:solidFill>
+                <a:latin typeface="Courier"/>
+                <a:cs typeface="Courier"/>
+              </a:rPr>
+              <a:t>type</a:t>
+            </a:r>
+            <a:r>
+              <a:rPr lang="en-US" sz="1400" dirty="0">
+                <a:solidFill>
+                  <a:srgbClr val="008000"/>
+                </a:solidFill>
+                <a:latin typeface="Courier"/>
+                <a:cs typeface="Courier"/>
+              </a:rPr>
+              <a:t>=</a:t>
+            </a:r>
+            <a:r>
+              <a:rPr lang="en-US" sz="1400" dirty="0">
+                <a:solidFill>
+                  <a:srgbClr val="1A4DB2"/>
+                </a:solidFill>
+                <a:latin typeface="Courier"/>
+                <a:cs typeface="Courier"/>
+              </a:rPr>
+              <a:t>’</a:t>
+            </a:r>
+            <a:r>
+              <a:rPr lang="en-US" sz="1400" dirty="0" err="1">
+                <a:solidFill>
+                  <a:srgbClr val="1A4DB2"/>
+                </a:solidFill>
+                <a:latin typeface="Courier"/>
+                <a:cs typeface="Courier"/>
+              </a:rPr>
+              <a:t>ExternalModel</a:t>
+            </a:r>
+            <a:r>
+              <a:rPr lang="en-US" sz="1400" dirty="0">
+                <a:solidFill>
+                  <a:srgbClr val="1A4DB2"/>
+                </a:solidFill>
+                <a:latin typeface="Courier"/>
+                <a:cs typeface="Courier"/>
+              </a:rPr>
+              <a:t>’</a:t>
+            </a:r>
+            <a:r>
+              <a:rPr lang="en-US" sz="1400" dirty="0">
+                <a:solidFill>
+                  <a:srgbClr val="008000"/>
+                </a:solidFill>
+                <a:latin typeface="Courier"/>
+                <a:cs typeface="Courier"/>
+              </a:rPr>
+              <a:t>&gt;</a:t>
+            </a:r>
+            <a:r>
+              <a:rPr lang="en-US" sz="1400" dirty="0">
+                <a:solidFill>
+                  <a:srgbClr val="000000"/>
+                </a:solidFill>
+                <a:latin typeface="Courier"/>
+                <a:cs typeface="Courier"/>
+              </a:rPr>
+              <a:t>projectile</a:t>
+            </a:r>
+            <a:r>
+              <a:rPr lang="en-US" sz="1400" dirty="0">
+                <a:solidFill>
+                  <a:srgbClr val="008000"/>
+                </a:solidFill>
+                <a:latin typeface="Courier"/>
+                <a:cs typeface="Courier"/>
+              </a:rPr>
+              <a:t>&lt;/Model&gt;</a:t>
+            </a:r>
+          </a:p>
+          <a:p>
+            <a:r>
+              <a:rPr lang="en-US" sz="1400" dirty="0">
+                <a:solidFill>
+                  <a:srgbClr val="008000"/>
+                </a:solidFill>
+                <a:latin typeface="Courier"/>
+                <a:cs typeface="Courier"/>
+              </a:rPr>
+              <a:t>  &lt;ROM   </a:t>
+            </a:r>
+            <a:r>
+              <a:rPr lang="en-US" sz="1400" dirty="0">
+                <a:solidFill>
+                  <a:srgbClr val="660066"/>
+                </a:solidFill>
+                <a:latin typeface="Courier"/>
+                <a:cs typeface="Courier"/>
+              </a:rPr>
+              <a:t>class</a:t>
+            </a:r>
+            <a:r>
+              <a:rPr lang="en-US" sz="1400" dirty="0">
+                <a:solidFill>
+                  <a:srgbClr val="008000"/>
+                </a:solidFill>
+                <a:latin typeface="Courier"/>
+                <a:cs typeface="Courier"/>
+              </a:rPr>
+              <a:t>=</a:t>
+            </a:r>
+            <a:r>
+              <a:rPr lang="en-US" sz="1400" dirty="0">
+                <a:solidFill>
+                  <a:srgbClr val="1A4DB2"/>
+                </a:solidFill>
+                <a:latin typeface="Courier"/>
+                <a:cs typeface="Courier"/>
+              </a:rPr>
+              <a:t>’Models’ </a:t>
+            </a:r>
+            <a:r>
+              <a:rPr lang="en-US" sz="1400" dirty="0">
+                <a:solidFill>
+                  <a:srgbClr val="660066"/>
+                </a:solidFill>
+                <a:latin typeface="Courier"/>
+                <a:cs typeface="Courier"/>
+              </a:rPr>
+              <a:t>type</a:t>
+            </a:r>
+            <a:r>
+              <a:rPr lang="en-US" sz="1400" dirty="0">
+                <a:solidFill>
+                  <a:srgbClr val="008000"/>
+                </a:solidFill>
+                <a:latin typeface="Courier"/>
+                <a:cs typeface="Courier"/>
+              </a:rPr>
+              <a:t>=</a:t>
+            </a:r>
+            <a:r>
+              <a:rPr lang="en-US" sz="1400" dirty="0">
+                <a:solidFill>
+                  <a:srgbClr val="1A4DB2"/>
+                </a:solidFill>
+                <a:latin typeface="Courier"/>
+                <a:cs typeface="Courier"/>
+              </a:rPr>
+              <a:t>’ROM’          </a:t>
+            </a:r>
+            <a:r>
+              <a:rPr lang="en-US" sz="1400" dirty="0">
+                <a:solidFill>
+                  <a:srgbClr val="008000"/>
+                </a:solidFill>
+                <a:latin typeface="Courier"/>
+                <a:cs typeface="Courier"/>
+              </a:rPr>
+              <a:t>&gt;</a:t>
+            </a:r>
+            <a:r>
+              <a:rPr lang="en-US" sz="1400" dirty="0">
+                <a:solidFill>
+                  <a:srgbClr val="000000"/>
+                </a:solidFill>
+                <a:latin typeface="Courier"/>
+                <a:cs typeface="Courier"/>
+              </a:rPr>
+              <a:t>IDW</a:t>
+            </a:r>
+            <a:r>
+              <a:rPr lang="en-US" sz="1400" dirty="0">
+                <a:solidFill>
+                  <a:srgbClr val="008000"/>
+                </a:solidFill>
+                <a:latin typeface="Courier"/>
+                <a:cs typeface="Courier"/>
+              </a:rPr>
+              <a:t>&lt;/ROM&gt; </a:t>
+            </a:r>
+          </a:p>
+          <a:p>
+            <a:r>
+              <a:rPr lang="en-US" sz="1400" dirty="0">
+                <a:solidFill>
+                  <a:srgbClr val="008000"/>
+                </a:solidFill>
+                <a:latin typeface="Courier"/>
+                <a:cs typeface="Courier"/>
+              </a:rPr>
+              <a:t>  </a:t>
+            </a:r>
+          </a:p>
+          <a:p>
+            <a:r>
+              <a:rPr lang="en-US" sz="1400" dirty="0">
+                <a:solidFill>
+                  <a:srgbClr val="008000"/>
+                </a:solidFill>
+                <a:latin typeface="Courier"/>
+                <a:cs typeface="Courier"/>
+              </a:rPr>
+              <a:t>  &lt;</a:t>
+            </a:r>
+            <a:r>
+              <a:rPr lang="en-US" sz="1400" dirty="0" err="1">
+                <a:solidFill>
+                  <a:srgbClr val="008000"/>
+                </a:solidFill>
+                <a:latin typeface="Courier"/>
+                <a:cs typeface="Courier"/>
+              </a:rPr>
+              <a:t>TargetEvaluation</a:t>
+            </a:r>
+            <a:r>
+              <a:rPr lang="en-US" sz="1400" dirty="0">
+                <a:solidFill>
+                  <a:srgbClr val="008000"/>
+                </a:solidFill>
+                <a:latin typeface="Courier"/>
+                <a:cs typeface="Courier"/>
+              </a:rPr>
+              <a:t> </a:t>
+            </a:r>
+            <a:r>
+              <a:rPr lang="en-US" sz="1400" dirty="0">
+                <a:solidFill>
+                  <a:srgbClr val="660066"/>
+                </a:solidFill>
+                <a:latin typeface="Courier"/>
+                <a:cs typeface="Courier"/>
+              </a:rPr>
+              <a:t>class</a:t>
+            </a:r>
+            <a:r>
+              <a:rPr lang="en-US" sz="1400" dirty="0">
+                <a:solidFill>
+                  <a:srgbClr val="008000"/>
+                </a:solidFill>
+                <a:latin typeface="Courier"/>
+                <a:cs typeface="Courier"/>
+              </a:rPr>
+              <a:t>=</a:t>
+            </a:r>
+            <a:r>
+              <a:rPr lang="en-US" sz="1400" dirty="0">
+                <a:solidFill>
+                  <a:srgbClr val="1A4DB2"/>
+                </a:solidFill>
+                <a:latin typeface="Courier"/>
+                <a:cs typeface="Courier"/>
+              </a:rPr>
+              <a:t>’</a:t>
+            </a:r>
+            <a:r>
+              <a:rPr lang="en-US" sz="1400" dirty="0" err="1">
+                <a:solidFill>
+                  <a:srgbClr val="1A4DB2"/>
+                </a:solidFill>
+                <a:latin typeface="Courier"/>
+                <a:cs typeface="Courier"/>
+              </a:rPr>
+              <a:t>DataObjects</a:t>
+            </a:r>
+            <a:r>
+              <a:rPr lang="en-US" sz="1400" dirty="0">
+                <a:solidFill>
+                  <a:srgbClr val="1A4DB2"/>
+                </a:solidFill>
+                <a:latin typeface="Courier"/>
+                <a:cs typeface="Courier"/>
+              </a:rPr>
+              <a:t>’ </a:t>
+            </a:r>
+            <a:r>
+              <a:rPr lang="en-US" sz="1400" dirty="0">
+                <a:solidFill>
+                  <a:srgbClr val="660066"/>
+                </a:solidFill>
+                <a:latin typeface="Courier"/>
+                <a:cs typeface="Courier"/>
+              </a:rPr>
+              <a:t>type</a:t>
+            </a:r>
+            <a:r>
+              <a:rPr lang="en-US" sz="1400" dirty="0">
+                <a:solidFill>
+                  <a:srgbClr val="008000"/>
+                </a:solidFill>
+                <a:latin typeface="Courier"/>
+                <a:cs typeface="Courier"/>
+              </a:rPr>
+              <a:t>=</a:t>
+            </a:r>
+            <a:r>
+              <a:rPr lang="en-US" sz="1400" dirty="0">
+                <a:solidFill>
+                  <a:srgbClr val="1A4DB2"/>
+                </a:solidFill>
+                <a:latin typeface="Courier"/>
+                <a:cs typeface="Courier"/>
+              </a:rPr>
+              <a:t>’</a:t>
+            </a:r>
+            <a:r>
+              <a:rPr lang="en-US" sz="1400" dirty="0" err="1">
+                <a:solidFill>
+                  <a:srgbClr val="1A4DB2"/>
+                </a:solidFill>
+                <a:latin typeface="Courier"/>
+                <a:cs typeface="Courier"/>
+              </a:rPr>
+              <a:t>PointSet</a:t>
+            </a:r>
+            <a:r>
+              <a:rPr lang="en-US" sz="1400" dirty="0">
+                <a:solidFill>
+                  <a:srgbClr val="1A4DB2"/>
+                </a:solidFill>
+                <a:latin typeface="Courier"/>
+                <a:cs typeface="Courier"/>
+              </a:rPr>
+              <a:t>’</a:t>
+            </a:r>
+            <a:r>
+              <a:rPr lang="en-US" sz="1400" dirty="0">
+                <a:solidFill>
+                  <a:srgbClr val="008000"/>
+                </a:solidFill>
+                <a:latin typeface="Courier"/>
+                <a:cs typeface="Courier"/>
+              </a:rPr>
+              <a:t>&gt;   </a:t>
+            </a:r>
+          </a:p>
+          <a:p>
+            <a:r>
+              <a:rPr lang="en-US" sz="1400" dirty="0">
+                <a:solidFill>
+                  <a:srgbClr val="008000"/>
+                </a:solidFill>
+                <a:latin typeface="Courier"/>
+                <a:cs typeface="Courier"/>
+              </a:rPr>
+              <a:t>    </a:t>
+            </a:r>
+            <a:r>
+              <a:rPr lang="en-US" sz="1400" dirty="0" err="1">
+                <a:solidFill>
+                  <a:srgbClr val="000000"/>
+                </a:solidFill>
+                <a:latin typeface="Courier"/>
+                <a:cs typeface="Courier"/>
+              </a:rPr>
+              <a:t>projectileContainer</a:t>
+            </a:r>
+            <a:r>
+              <a:rPr lang="en-US" sz="1400" dirty="0">
+                <a:solidFill>
+                  <a:srgbClr val="008000"/>
+                </a:solidFill>
+                <a:latin typeface="Courier"/>
+                <a:cs typeface="Courier"/>
+              </a:rPr>
+              <a:t>&lt;/</a:t>
+            </a:r>
+            <a:r>
+              <a:rPr lang="en-US" sz="1400" dirty="0" err="1">
+                <a:solidFill>
+                  <a:srgbClr val="008000"/>
+                </a:solidFill>
+                <a:latin typeface="Courier"/>
+                <a:cs typeface="Courier"/>
+              </a:rPr>
+              <a:t>TargetEvaluation</a:t>
+            </a:r>
+            <a:r>
+              <a:rPr lang="en-US" sz="1400" dirty="0">
+                <a:solidFill>
+                  <a:srgbClr val="008000"/>
+                </a:solidFill>
+                <a:latin typeface="Courier"/>
+                <a:cs typeface="Courier"/>
+              </a:rPr>
+              <a:t>&gt;</a:t>
+            </a:r>
+          </a:p>
+          <a:p>
+            <a:r>
+              <a:rPr lang="en-US" sz="1400" dirty="0">
+                <a:solidFill>
+                  <a:srgbClr val="008000"/>
+                </a:solidFill>
+                <a:latin typeface="Courier"/>
+                <a:cs typeface="Courier"/>
+              </a:rPr>
+              <a:t>  </a:t>
+            </a:r>
+          </a:p>
+          <a:p>
+            <a:r>
+              <a:rPr lang="en-US" sz="1400" dirty="0">
+                <a:solidFill>
+                  <a:srgbClr val="008000"/>
+                </a:solidFill>
+                <a:latin typeface="Courier"/>
+                <a:cs typeface="Courier"/>
+              </a:rPr>
+              <a:t>  &lt;CV </a:t>
+            </a:r>
+            <a:r>
+              <a:rPr lang="en-US" sz="1400" dirty="0">
+                <a:solidFill>
+                  <a:srgbClr val="660066"/>
+                </a:solidFill>
+                <a:latin typeface="Courier"/>
+                <a:cs typeface="Courier"/>
+              </a:rPr>
+              <a:t>class</a:t>
+            </a:r>
+            <a:r>
+              <a:rPr lang="en-US" sz="1400" dirty="0">
+                <a:solidFill>
+                  <a:srgbClr val="008000"/>
+                </a:solidFill>
+                <a:latin typeface="Courier"/>
+                <a:cs typeface="Courier"/>
+              </a:rPr>
+              <a:t>=</a:t>
+            </a:r>
+            <a:r>
+              <a:rPr lang="en-US" sz="1400" dirty="0">
+                <a:solidFill>
+                  <a:srgbClr val="1A4DB2"/>
+                </a:solidFill>
+                <a:latin typeface="Courier"/>
+                <a:cs typeface="Courier"/>
+              </a:rPr>
+              <a:t>’Models’ </a:t>
+            </a:r>
+            <a:r>
+              <a:rPr lang="en-US" sz="1400" dirty="0">
+                <a:solidFill>
+                  <a:srgbClr val="660066"/>
+                </a:solidFill>
+                <a:latin typeface="Courier"/>
+                <a:cs typeface="Courier"/>
+              </a:rPr>
+              <a:t>type</a:t>
+            </a:r>
+            <a:r>
+              <a:rPr lang="en-US" sz="1400" dirty="0">
+                <a:solidFill>
+                  <a:srgbClr val="008000"/>
+                </a:solidFill>
+                <a:latin typeface="Courier"/>
+                <a:cs typeface="Courier"/>
+              </a:rPr>
+              <a:t>=</a:t>
+            </a:r>
+            <a:r>
+              <a:rPr lang="en-US" sz="1400" dirty="0">
+                <a:solidFill>
+                  <a:srgbClr val="1A4DB2"/>
+                </a:solidFill>
+                <a:latin typeface="Courier"/>
+                <a:cs typeface="Courier"/>
+              </a:rPr>
+              <a:t>’</a:t>
+            </a:r>
+            <a:r>
+              <a:rPr lang="en-US" sz="1400" dirty="0" err="1">
+                <a:solidFill>
+                  <a:srgbClr val="1A4DB2"/>
+                </a:solidFill>
+                <a:latin typeface="Courier"/>
+                <a:cs typeface="Courier"/>
+              </a:rPr>
+              <a:t>PostProcessor</a:t>
+            </a:r>
+            <a:r>
+              <a:rPr lang="en-US" sz="1400" dirty="0">
+                <a:solidFill>
+                  <a:srgbClr val="1A4DB2"/>
+                </a:solidFill>
+                <a:latin typeface="Courier"/>
+                <a:cs typeface="Courier"/>
+              </a:rPr>
+              <a:t>’</a:t>
+            </a:r>
+            <a:r>
+              <a:rPr lang="en-US" sz="1400" dirty="0">
+                <a:solidFill>
+                  <a:srgbClr val="008000"/>
+                </a:solidFill>
+                <a:latin typeface="Courier"/>
+                <a:cs typeface="Courier"/>
+              </a:rPr>
+              <a:t>&gt;</a:t>
+            </a:r>
+            <a:r>
+              <a:rPr lang="en-US" sz="1400" dirty="0">
+                <a:solidFill>
+                  <a:srgbClr val="000000"/>
+                </a:solidFill>
+                <a:latin typeface="Courier"/>
+                <a:cs typeface="Courier"/>
+              </a:rPr>
+              <a:t>pp1</a:t>
+            </a:r>
+            <a:r>
+              <a:rPr lang="en-US" sz="1400" dirty="0">
+                <a:solidFill>
+                  <a:srgbClr val="008000"/>
+                </a:solidFill>
+                <a:latin typeface="Courier"/>
+                <a:cs typeface="Courier"/>
+              </a:rPr>
+              <a:t>&lt;/CV&gt; </a:t>
+            </a:r>
+          </a:p>
+          <a:p>
+            <a:r>
+              <a:rPr lang="en-US" sz="1400" dirty="0">
+                <a:solidFill>
+                  <a:srgbClr val="008000"/>
+                </a:solidFill>
+                <a:latin typeface="Courier"/>
+                <a:cs typeface="Courier"/>
+              </a:rPr>
+              <a:t>  </a:t>
+            </a:r>
+          </a:p>
+          <a:p>
+            <a:r>
+              <a:rPr lang="en-US" sz="1400" dirty="0">
+                <a:solidFill>
+                  <a:srgbClr val="008000"/>
+                </a:solidFill>
+                <a:latin typeface="Courier"/>
+                <a:cs typeface="Courier"/>
+              </a:rPr>
+              <a:t>  &lt;settings&gt;</a:t>
+            </a:r>
+            <a:endParaRPr lang="en-US" sz="1400" dirty="0">
+              <a:solidFill>
+                <a:srgbClr val="000000"/>
+              </a:solidFill>
+              <a:latin typeface="Courier"/>
+              <a:cs typeface="Courier"/>
+            </a:endParaRPr>
+          </a:p>
+          <a:p>
+            <a:r>
+              <a:rPr lang="en-US" sz="1400" dirty="0">
+                <a:solidFill>
+                  <a:srgbClr val="000000"/>
+                </a:solidFill>
+                <a:latin typeface="Courier"/>
+                <a:cs typeface="Courier"/>
+              </a:rPr>
+              <a:t>    </a:t>
+            </a:r>
+            <a:r>
+              <a:rPr lang="en-US" sz="1400" dirty="0">
+                <a:solidFill>
+                  <a:srgbClr val="008000"/>
+                </a:solidFill>
+                <a:latin typeface="Courier"/>
+                <a:cs typeface="Courier"/>
+              </a:rPr>
+              <a:t>&lt;tolerance&gt;</a:t>
+            </a:r>
+            <a:r>
+              <a:rPr lang="en-US" sz="1400" dirty="0">
+                <a:solidFill>
+                  <a:srgbClr val="000000"/>
+                </a:solidFill>
+                <a:latin typeface="Courier"/>
+                <a:cs typeface="Courier"/>
+              </a:rPr>
+              <a:t>0.005</a:t>
+            </a:r>
+            <a:r>
+              <a:rPr lang="en-US" sz="1400" dirty="0">
+                <a:solidFill>
+                  <a:srgbClr val="008000"/>
+                </a:solidFill>
+                <a:latin typeface="Courier"/>
+                <a:cs typeface="Courier"/>
+              </a:rPr>
+              <a:t>&lt;/tolerance&gt;</a:t>
+            </a:r>
+          </a:p>
+          <a:p>
+            <a:r>
+              <a:rPr lang="en-US" sz="1400" dirty="0">
+                <a:solidFill>
+                  <a:srgbClr val="000000"/>
+                </a:solidFill>
+                <a:latin typeface="Courier"/>
+                <a:cs typeface="Courier"/>
+              </a:rPr>
+              <a:t>    </a:t>
+            </a:r>
+            <a:r>
+              <a:rPr lang="en-US" sz="1400" dirty="0">
+                <a:solidFill>
+                  <a:srgbClr val="008000"/>
+                </a:solidFill>
+                <a:latin typeface="Courier"/>
+                <a:cs typeface="Courier"/>
+              </a:rPr>
+              <a:t>&lt;</a:t>
+            </a:r>
+            <a:r>
+              <a:rPr lang="en-US" sz="1400" dirty="0" err="1">
+                <a:solidFill>
+                  <a:srgbClr val="008000"/>
+                </a:solidFill>
+                <a:latin typeface="Courier"/>
+                <a:cs typeface="Courier"/>
+              </a:rPr>
+              <a:t>maxTrainSize</a:t>
+            </a:r>
+            <a:r>
+              <a:rPr lang="en-US" sz="1400" dirty="0">
+                <a:solidFill>
+                  <a:srgbClr val="008000"/>
+                </a:solidFill>
+                <a:latin typeface="Courier"/>
+                <a:cs typeface="Courier"/>
+              </a:rPr>
+              <a:t>&gt;</a:t>
+            </a:r>
+            <a:r>
+              <a:rPr lang="en-US" sz="1400" dirty="0">
+                <a:solidFill>
+                  <a:srgbClr val="000000"/>
+                </a:solidFill>
+                <a:latin typeface="Courier"/>
+                <a:cs typeface="Courier"/>
+              </a:rPr>
+              <a:t>1000</a:t>
+            </a:r>
+            <a:r>
+              <a:rPr lang="en-US" sz="1400" dirty="0">
+                <a:solidFill>
+                  <a:srgbClr val="008000"/>
+                </a:solidFill>
+                <a:latin typeface="Courier"/>
+                <a:cs typeface="Courier"/>
+              </a:rPr>
+              <a:t>&lt;/</a:t>
+            </a:r>
+            <a:r>
+              <a:rPr lang="en-US" sz="1400" dirty="0" err="1">
+                <a:solidFill>
+                  <a:srgbClr val="008000"/>
+                </a:solidFill>
+                <a:latin typeface="Courier"/>
+                <a:cs typeface="Courier"/>
+              </a:rPr>
+              <a:t>maxTrainSize</a:t>
+            </a:r>
+            <a:r>
+              <a:rPr lang="en-US" sz="1400" dirty="0">
+                <a:solidFill>
+                  <a:srgbClr val="008000"/>
+                </a:solidFill>
+                <a:latin typeface="Courier"/>
+                <a:cs typeface="Courier"/>
+              </a:rPr>
+              <a:t>&gt;</a:t>
+            </a:r>
+          </a:p>
+          <a:p>
+            <a:r>
+              <a:rPr lang="en-US" sz="1400" dirty="0">
+                <a:solidFill>
+                  <a:srgbClr val="000000"/>
+                </a:solidFill>
+                <a:latin typeface="Courier"/>
+                <a:cs typeface="Courier"/>
+              </a:rPr>
+              <a:t>    </a:t>
+            </a:r>
+            <a:r>
+              <a:rPr lang="en-US" sz="1400" dirty="0">
+                <a:solidFill>
+                  <a:srgbClr val="008000"/>
+                </a:solidFill>
+                <a:latin typeface="Courier"/>
+                <a:cs typeface="Courier"/>
+              </a:rPr>
+              <a:t>&lt;</a:t>
+            </a:r>
+            <a:r>
+              <a:rPr lang="en-US" sz="1400" dirty="0" err="1">
+                <a:solidFill>
+                  <a:srgbClr val="008000"/>
+                </a:solidFill>
+                <a:latin typeface="Courier"/>
+                <a:cs typeface="Courier"/>
+              </a:rPr>
+              <a:t>minInitialTrainSize</a:t>
+            </a:r>
+            <a:r>
+              <a:rPr lang="en-US" sz="1400" dirty="0">
+                <a:solidFill>
+                  <a:srgbClr val="008000"/>
+                </a:solidFill>
+                <a:latin typeface="Courier"/>
+                <a:cs typeface="Courier"/>
+              </a:rPr>
+              <a:t>&gt;</a:t>
+            </a:r>
+            <a:r>
+              <a:rPr lang="en-US" sz="1400" dirty="0">
+                <a:solidFill>
+                  <a:srgbClr val="000000"/>
+                </a:solidFill>
+                <a:latin typeface="Courier"/>
+                <a:cs typeface="Courier"/>
+              </a:rPr>
+              <a:t>10</a:t>
+            </a:r>
+            <a:r>
+              <a:rPr lang="en-US" sz="1400" dirty="0">
+                <a:solidFill>
+                  <a:srgbClr val="008000"/>
+                </a:solidFill>
+                <a:latin typeface="Courier"/>
+                <a:cs typeface="Courier"/>
+              </a:rPr>
+              <a:t>&lt;/</a:t>
+            </a:r>
+            <a:r>
+              <a:rPr lang="en-US" sz="1400" dirty="0" err="1">
+                <a:solidFill>
+                  <a:srgbClr val="008000"/>
+                </a:solidFill>
+                <a:latin typeface="Courier"/>
+                <a:cs typeface="Courier"/>
+              </a:rPr>
+              <a:t>minInitialTrainSize</a:t>
+            </a:r>
+            <a:r>
+              <a:rPr lang="en-US" sz="1400" dirty="0">
+                <a:solidFill>
+                  <a:srgbClr val="008000"/>
+                </a:solidFill>
+                <a:latin typeface="Courier"/>
+                <a:cs typeface="Courier"/>
+              </a:rPr>
+              <a:t>&gt;</a:t>
+            </a:r>
+            <a:endParaRPr lang="en-US" sz="1400" dirty="0">
+              <a:solidFill>
+                <a:srgbClr val="000000"/>
+              </a:solidFill>
+              <a:latin typeface="Courier"/>
+              <a:cs typeface="Courier"/>
+            </a:endParaRPr>
+          </a:p>
+          <a:p>
+            <a:r>
+              <a:rPr lang="en-US" sz="1400" dirty="0">
+                <a:solidFill>
+                  <a:srgbClr val="000000"/>
+                </a:solidFill>
+                <a:latin typeface="Courier"/>
+                <a:cs typeface="Courier"/>
+              </a:rPr>
+              <a:t>  </a:t>
+            </a:r>
+            <a:r>
+              <a:rPr lang="en-US" sz="1400" dirty="0">
+                <a:solidFill>
+                  <a:srgbClr val="008000"/>
+                </a:solidFill>
+                <a:latin typeface="Courier"/>
+                <a:cs typeface="Courier"/>
+              </a:rPr>
+              <a:t>&lt;/settings&gt;</a:t>
+            </a:r>
+          </a:p>
+          <a:p>
+            <a:r>
+              <a:rPr lang="en-US" sz="1400" dirty="0">
+                <a:solidFill>
+                  <a:srgbClr val="008000"/>
+                </a:solidFill>
+                <a:latin typeface="Courier"/>
+                <a:cs typeface="Courier"/>
+              </a:rPr>
+              <a:t>  </a:t>
+            </a:r>
+          </a:p>
+          <a:p>
+            <a:r>
+              <a:rPr lang="en-US" sz="1400" dirty="0">
+                <a:solidFill>
+                  <a:srgbClr val="008000"/>
+                </a:solidFill>
+                <a:latin typeface="Courier"/>
+                <a:cs typeface="Courier"/>
+              </a:rPr>
+              <a:t>  &lt;</a:t>
+            </a:r>
+            <a:r>
+              <a:rPr lang="en-US" sz="1400" dirty="0" err="1">
+                <a:solidFill>
+                  <a:srgbClr val="008000"/>
+                </a:solidFill>
+                <a:latin typeface="Courier"/>
+                <a:cs typeface="Courier"/>
+              </a:rPr>
+              <a:t>validationMethod</a:t>
+            </a:r>
+            <a:r>
+              <a:rPr lang="en-US" sz="1400" dirty="0">
+                <a:solidFill>
+                  <a:srgbClr val="008000"/>
+                </a:solidFill>
+                <a:latin typeface="Courier"/>
+                <a:cs typeface="Courier"/>
+              </a:rPr>
+              <a:t> </a:t>
+            </a:r>
+            <a:r>
+              <a:rPr lang="en-US" sz="1400" dirty="0">
+                <a:solidFill>
+                  <a:srgbClr val="660066"/>
+                </a:solidFill>
+                <a:latin typeface="Courier"/>
+                <a:cs typeface="Courier"/>
+              </a:rPr>
+              <a:t>name</a:t>
+            </a:r>
+            <a:r>
+              <a:rPr lang="en-US" sz="1400" dirty="0">
+                <a:solidFill>
+                  <a:srgbClr val="008000"/>
+                </a:solidFill>
+                <a:latin typeface="Courier"/>
+                <a:cs typeface="Courier"/>
+              </a:rPr>
+              <a:t>=</a:t>
+            </a:r>
+            <a:r>
+              <a:rPr lang="en-US" sz="1400" dirty="0">
+                <a:solidFill>
+                  <a:srgbClr val="1A4DB2"/>
+                </a:solidFill>
+                <a:latin typeface="Courier"/>
+                <a:cs typeface="Courier"/>
+              </a:rPr>
+              <a:t>’</a:t>
+            </a:r>
+            <a:r>
+              <a:rPr lang="en-US" sz="1400" dirty="0" err="1">
+                <a:solidFill>
+                  <a:srgbClr val="1A4DB2"/>
+                </a:solidFill>
+                <a:latin typeface="Courier"/>
+                <a:cs typeface="Courier"/>
+              </a:rPr>
+              <a:t>CrowdingDistance</a:t>
+            </a:r>
+            <a:r>
+              <a:rPr lang="en-US" sz="1400" dirty="0">
+                <a:solidFill>
+                  <a:srgbClr val="1A4DB2"/>
+                </a:solidFill>
+                <a:latin typeface="Courier"/>
+                <a:cs typeface="Courier"/>
+              </a:rPr>
+              <a:t>’</a:t>
+            </a:r>
+            <a:r>
+              <a:rPr lang="en-US" sz="1400" dirty="0">
+                <a:solidFill>
+                  <a:srgbClr val="008000"/>
+                </a:solidFill>
+                <a:latin typeface="Courier"/>
+                <a:cs typeface="Courier"/>
+              </a:rPr>
+              <a:t>&gt;</a:t>
+            </a:r>
+            <a:endParaRPr lang="en-US" sz="1400" dirty="0">
+              <a:solidFill>
+                <a:srgbClr val="000000"/>
+              </a:solidFill>
+              <a:latin typeface="Courier"/>
+              <a:cs typeface="Courier"/>
+            </a:endParaRPr>
+          </a:p>
+          <a:p>
+            <a:r>
+              <a:rPr lang="en-US" sz="1400" dirty="0">
+                <a:solidFill>
+                  <a:srgbClr val="000000"/>
+                </a:solidFill>
+                <a:latin typeface="Courier"/>
+                <a:cs typeface="Courier"/>
+              </a:rPr>
+              <a:t>    </a:t>
+            </a:r>
+            <a:r>
+              <a:rPr lang="en-US" sz="1400" dirty="0">
+                <a:solidFill>
+                  <a:srgbClr val="008000"/>
+                </a:solidFill>
+                <a:latin typeface="Courier"/>
+                <a:cs typeface="Courier"/>
+              </a:rPr>
+              <a:t>&lt;threshold&gt;</a:t>
+            </a:r>
+            <a:r>
+              <a:rPr lang="en-US" sz="1400" dirty="0">
+                <a:solidFill>
+                  <a:srgbClr val="000000"/>
+                </a:solidFill>
+                <a:latin typeface="Courier"/>
+                <a:cs typeface="Courier"/>
+              </a:rPr>
+              <a:t>0.2</a:t>
+            </a:r>
+            <a:r>
+              <a:rPr lang="en-US" sz="1400" dirty="0">
+                <a:solidFill>
+                  <a:srgbClr val="008000"/>
+                </a:solidFill>
+                <a:latin typeface="Courier"/>
+                <a:cs typeface="Courier"/>
+              </a:rPr>
+              <a:t>&lt;/threshold&gt;</a:t>
+            </a:r>
+          </a:p>
+          <a:p>
+            <a:r>
+              <a:rPr lang="en-US" sz="1400" dirty="0">
+                <a:solidFill>
+                  <a:srgbClr val="008000"/>
+                </a:solidFill>
+                <a:latin typeface="Courier"/>
+                <a:cs typeface="Courier"/>
+              </a:rPr>
+              <a:t>  &lt;/</a:t>
+            </a:r>
+            <a:r>
+              <a:rPr lang="en-US" sz="1400" dirty="0" err="1">
+                <a:solidFill>
+                  <a:srgbClr val="008000"/>
+                </a:solidFill>
+                <a:latin typeface="Courier"/>
+                <a:cs typeface="Courier"/>
+              </a:rPr>
+              <a:t>validationMethod</a:t>
+            </a:r>
+            <a:r>
+              <a:rPr lang="en-US" sz="1400" dirty="0">
+                <a:solidFill>
+                  <a:srgbClr val="008000"/>
+                </a:solidFill>
+                <a:latin typeface="Courier"/>
+                <a:cs typeface="Courier"/>
+              </a:rPr>
+              <a:t>&gt;</a:t>
+            </a:r>
+          </a:p>
+          <a:p>
+            <a:r>
+              <a:rPr lang="en-US" sz="1400" dirty="0">
+                <a:solidFill>
+                  <a:srgbClr val="008000"/>
+                </a:solidFill>
+                <a:latin typeface="Courier"/>
+                <a:cs typeface="Courier"/>
+              </a:rPr>
+              <a:t>&lt;/</a:t>
+            </a:r>
+            <a:r>
+              <a:rPr lang="en-US" sz="1400" dirty="0" err="1">
+                <a:solidFill>
+                  <a:srgbClr val="008000"/>
+                </a:solidFill>
+                <a:latin typeface="Courier"/>
+                <a:cs typeface="Courier"/>
+              </a:rPr>
+              <a:t>HybridModel</a:t>
+            </a:r>
+            <a:r>
+              <a:rPr lang="en-US" sz="1400" dirty="0">
+                <a:solidFill>
+                  <a:srgbClr val="008000"/>
+                </a:solidFill>
+                <a:latin typeface="Courier"/>
+                <a:cs typeface="Courier"/>
+              </a:rPr>
+              <a:t>&gt;</a:t>
+            </a:r>
+          </a:p>
+        </p:txBody>
+      </p:sp>
+      <p:sp>
+        <p:nvSpPr>
+          <p:cNvPr id="13" name="Rectangle 12">
+            <a:extLst>
+              <a:ext uri="{FF2B5EF4-FFF2-40B4-BE49-F238E27FC236}">
+                <a16:creationId xmlns:a16="http://schemas.microsoft.com/office/drawing/2014/main" id="{ABF40831-5CEB-C269-CDBD-EA09E943FF88}"/>
+              </a:ext>
+            </a:extLst>
+          </p:cNvPr>
+          <p:cNvSpPr/>
+          <p:nvPr/>
+        </p:nvSpPr>
+        <p:spPr bwMode="auto">
+          <a:xfrm>
+            <a:off x="8823536" y="2435322"/>
+            <a:ext cx="2597124" cy="586581"/>
+          </a:xfrm>
+          <a:prstGeom prst="rect">
+            <a:avLst/>
+          </a:prstGeom>
+          <a:solidFill>
+            <a:schemeClr val="bg1">
+              <a:lumMod val="65000"/>
+            </a:schemeClr>
+          </a:solidFill>
+          <a:ln w="9525" cap="flat" cmpd="sng" algn="ctr">
+            <a:solidFill>
+              <a:schemeClr val="tx1"/>
+            </a:solidFill>
+            <a:prstDash val="solid"/>
+            <a:round/>
+            <a:headEnd type="none" w="med" len="med"/>
+            <a:tailEnd type="none" w="med" len="med"/>
+          </a:ln>
+          <a:effectLst/>
+        </p:spPr>
+        <p:txBody>
+          <a:bodyPr vert="horz" wrap="square" lIns="91440" tIns="45720" rIns="91440" bIns="45720" numCol="1" rtlCol="0" anchor="t" anchorCtr="0" compatLnSpc="1">
+            <a:prstTxWarp prst="textNoShape">
+              <a:avLst/>
+            </a:prstTxWarp>
+          </a:bodyPr>
+          <a:lstStyle/>
+          <a:p>
+            <a:pPr algn="ctr" eaLnBrk="0" fontAlgn="base" hangingPunct="0">
+              <a:spcBef>
+                <a:spcPct val="0"/>
+              </a:spcBef>
+              <a:spcAft>
+                <a:spcPct val="0"/>
+              </a:spcAft>
+            </a:pPr>
+            <a:r>
+              <a:rPr lang="en-US" sz="1600" dirty="0">
+                <a:latin typeface="+mj-lt"/>
+              </a:rPr>
+              <a:t>The coupled models (high fidelity model and ROM)</a:t>
+            </a:r>
+          </a:p>
+        </p:txBody>
+      </p:sp>
+      <p:sp>
+        <p:nvSpPr>
+          <p:cNvPr id="14" name="Right Brace 13">
+            <a:extLst>
+              <a:ext uri="{FF2B5EF4-FFF2-40B4-BE49-F238E27FC236}">
+                <a16:creationId xmlns:a16="http://schemas.microsoft.com/office/drawing/2014/main" id="{CCE7C779-3348-05AF-C108-67936504AD00}"/>
+              </a:ext>
+            </a:extLst>
+          </p:cNvPr>
+          <p:cNvSpPr/>
+          <p:nvPr/>
+        </p:nvSpPr>
+        <p:spPr bwMode="auto">
+          <a:xfrm>
+            <a:off x="8477884" y="2532220"/>
+            <a:ext cx="259773" cy="457701"/>
+          </a:xfrm>
+          <a:prstGeom prst="rightBrace">
+            <a:avLst/>
+          </a:prstGeom>
+          <a:noFill/>
+          <a:ln w="9525" cap="flat" cmpd="sng" algn="ctr">
+            <a:solidFill>
+              <a:schemeClr val="tx1"/>
+            </a:solidFill>
+            <a:prstDash val="solid"/>
+            <a:round/>
+            <a:headEnd type="none" w="med" len="med"/>
+            <a:tailEnd type="none" w="med" len="med"/>
+          </a:ln>
+          <a:effectLst/>
+        </p:spPr>
+        <p:txBody>
+          <a:bodyPr vert="horz" wrap="square" lIns="91440" tIns="45720" rIns="91440" bIns="45720" numCol="1" rtlCol="0" anchor="t" anchorCtr="0" compatLnSpc="1">
+            <a:prstTxWarp prst="textNoShape">
+              <a:avLst/>
+            </a:prstTxWarp>
+          </a:bodyPr>
+          <a:lstStyle/>
+          <a:p>
+            <a:pPr eaLnBrk="0" fontAlgn="base" hangingPunct="0">
+              <a:spcBef>
+                <a:spcPct val="0"/>
+              </a:spcBef>
+              <a:spcAft>
+                <a:spcPct val="0"/>
+              </a:spcAft>
+            </a:pPr>
+            <a:endParaRPr lang="en-US" sz="2400">
+              <a:latin typeface="Times New Roman" pitchFamily="18" charset="0"/>
+            </a:endParaRPr>
+          </a:p>
+        </p:txBody>
+      </p:sp>
+      <p:sp>
+        <p:nvSpPr>
+          <p:cNvPr id="15" name="Rectangle 14">
+            <a:extLst>
+              <a:ext uri="{FF2B5EF4-FFF2-40B4-BE49-F238E27FC236}">
+                <a16:creationId xmlns:a16="http://schemas.microsoft.com/office/drawing/2014/main" id="{6BB837F0-DEBD-7441-677C-4F3F46F43926}"/>
+              </a:ext>
+            </a:extLst>
+          </p:cNvPr>
+          <p:cNvSpPr/>
+          <p:nvPr/>
+        </p:nvSpPr>
+        <p:spPr bwMode="auto">
+          <a:xfrm>
+            <a:off x="8163256" y="3573517"/>
+            <a:ext cx="2321864" cy="814229"/>
+          </a:xfrm>
+          <a:prstGeom prst="rect">
+            <a:avLst/>
+          </a:prstGeom>
+          <a:solidFill>
+            <a:schemeClr val="bg1">
+              <a:lumMod val="65000"/>
+            </a:schemeClr>
+          </a:solidFill>
+          <a:ln w="9525" cap="flat" cmpd="sng" algn="ctr">
+            <a:solidFill>
+              <a:schemeClr val="tx1"/>
+            </a:solidFill>
+            <a:prstDash val="solid"/>
+            <a:round/>
+            <a:headEnd type="none" w="med" len="med"/>
+            <a:tailEnd type="none" w="med" len="med"/>
+          </a:ln>
+          <a:effectLst/>
+        </p:spPr>
+        <p:txBody>
+          <a:bodyPr vert="horz" wrap="square" lIns="91440" tIns="45720" rIns="91440" bIns="45720" numCol="1" rtlCol="0" anchor="t" anchorCtr="0" compatLnSpc="1">
+            <a:prstTxWarp prst="textNoShape">
+              <a:avLst/>
+            </a:prstTxWarp>
+          </a:bodyPr>
+          <a:lstStyle/>
+          <a:p>
+            <a:pPr algn="ctr" eaLnBrk="0" fontAlgn="base" hangingPunct="0">
+              <a:spcBef>
+                <a:spcPct val="0"/>
+              </a:spcBef>
+              <a:spcAft>
+                <a:spcPct val="0"/>
+              </a:spcAft>
+            </a:pPr>
+            <a:r>
+              <a:rPr lang="en-US" sz="1600" dirty="0">
+                <a:latin typeface="+mj-lt"/>
+              </a:rPr>
+              <a:t>Cross validation processor: measure ROM accuracy</a:t>
+            </a:r>
+          </a:p>
+        </p:txBody>
+      </p:sp>
+      <p:cxnSp>
+        <p:nvCxnSpPr>
+          <p:cNvPr id="16" name="Straight Arrow Connector 15">
+            <a:extLst>
+              <a:ext uri="{FF2B5EF4-FFF2-40B4-BE49-F238E27FC236}">
+                <a16:creationId xmlns:a16="http://schemas.microsoft.com/office/drawing/2014/main" id="{74AA577C-29E8-0E41-FE5D-9084116E7EAB}"/>
+              </a:ext>
+            </a:extLst>
+          </p:cNvPr>
+          <p:cNvCxnSpPr>
+            <a:cxnSpLocks/>
+            <a:stCxn id="15" idx="1"/>
+          </p:cNvCxnSpPr>
+          <p:nvPr/>
+        </p:nvCxnSpPr>
+        <p:spPr bwMode="auto">
+          <a:xfrm flipH="1" flipV="1">
+            <a:off x="7166670" y="3974047"/>
+            <a:ext cx="996586" cy="6585"/>
+          </a:xfrm>
+          <a:prstGeom prst="straightConnector1">
+            <a:avLst/>
+          </a:prstGeom>
+          <a:solidFill>
+            <a:schemeClr val="accent1"/>
+          </a:solidFill>
+          <a:ln w="9525" cap="flat" cmpd="sng" algn="ctr">
+            <a:solidFill>
+              <a:schemeClr val="tx1"/>
+            </a:solidFill>
+            <a:prstDash val="solid"/>
+            <a:round/>
+            <a:headEnd type="none" w="med" len="med"/>
+            <a:tailEnd type="arrow"/>
+          </a:ln>
+          <a:effectLst/>
+        </p:spPr>
+      </p:cxnSp>
+      <p:sp>
+        <p:nvSpPr>
+          <p:cNvPr id="17" name="Rectangle 16">
+            <a:extLst>
+              <a:ext uri="{FF2B5EF4-FFF2-40B4-BE49-F238E27FC236}">
+                <a16:creationId xmlns:a16="http://schemas.microsoft.com/office/drawing/2014/main" id="{4814BA9D-DBAB-05F0-9000-9AEE42696D82}"/>
+              </a:ext>
+            </a:extLst>
+          </p:cNvPr>
+          <p:cNvSpPr/>
+          <p:nvPr/>
+        </p:nvSpPr>
+        <p:spPr bwMode="auto">
+          <a:xfrm>
+            <a:off x="6659045" y="6145821"/>
+            <a:ext cx="2801800" cy="539807"/>
+          </a:xfrm>
+          <a:prstGeom prst="rect">
+            <a:avLst/>
+          </a:prstGeom>
+          <a:solidFill>
+            <a:schemeClr val="bg1">
+              <a:lumMod val="65000"/>
+            </a:schemeClr>
+          </a:solidFill>
+          <a:ln w="9525" cap="flat" cmpd="sng" algn="ctr">
+            <a:solidFill>
+              <a:schemeClr val="tx1"/>
+            </a:solidFill>
+            <a:prstDash val="solid"/>
+            <a:round/>
+            <a:headEnd type="none" w="med" len="med"/>
+            <a:tailEnd type="none" w="med" len="med"/>
+          </a:ln>
+          <a:effectLst/>
+        </p:spPr>
+        <p:txBody>
+          <a:bodyPr vert="horz" wrap="square" lIns="91440" tIns="45720" rIns="91440" bIns="45720" numCol="1" rtlCol="0" anchor="t" anchorCtr="0" compatLnSpc="1">
+            <a:prstTxWarp prst="textNoShape">
+              <a:avLst/>
+            </a:prstTxWarp>
+          </a:bodyPr>
+          <a:lstStyle/>
+          <a:p>
+            <a:pPr algn="ctr" eaLnBrk="0" fontAlgn="base" hangingPunct="0">
+              <a:spcBef>
+                <a:spcPct val="0"/>
+              </a:spcBef>
+              <a:spcAft>
+                <a:spcPct val="0"/>
+              </a:spcAft>
+            </a:pPr>
+            <a:r>
+              <a:rPr lang="en-US" sz="1600" dirty="0">
+                <a:latin typeface="+mj-lt"/>
+              </a:rPr>
+              <a:t>Local validation metric: high vs. low fidelity model</a:t>
+            </a:r>
+          </a:p>
+        </p:txBody>
+      </p:sp>
+      <p:cxnSp>
+        <p:nvCxnSpPr>
+          <p:cNvPr id="18" name="Straight Arrow Connector 17">
+            <a:extLst>
+              <a:ext uri="{FF2B5EF4-FFF2-40B4-BE49-F238E27FC236}">
+                <a16:creationId xmlns:a16="http://schemas.microsoft.com/office/drawing/2014/main" id="{298C8FE9-854C-3BD7-90F4-DF9A6D5AF56E}"/>
+              </a:ext>
+            </a:extLst>
+          </p:cNvPr>
+          <p:cNvCxnSpPr>
+            <a:cxnSpLocks/>
+          </p:cNvCxnSpPr>
+          <p:nvPr/>
+        </p:nvCxnSpPr>
+        <p:spPr bwMode="auto">
+          <a:xfrm flipH="1" flipV="1">
+            <a:off x="5722706" y="5859444"/>
+            <a:ext cx="936339" cy="579177"/>
+          </a:xfrm>
+          <a:prstGeom prst="straightConnector1">
+            <a:avLst/>
+          </a:prstGeom>
+          <a:solidFill>
+            <a:schemeClr val="accent1"/>
+          </a:solidFill>
+          <a:ln w="9525" cap="flat" cmpd="sng" algn="ctr">
+            <a:solidFill>
+              <a:schemeClr val="tx1"/>
+            </a:solidFill>
+            <a:prstDash val="solid"/>
+            <a:round/>
+            <a:headEnd type="none" w="med" len="med"/>
+            <a:tailEnd type="arrow"/>
+          </a:ln>
+          <a:effectLst/>
+        </p:spPr>
+      </p:cxnSp>
+      <p:sp>
+        <p:nvSpPr>
+          <p:cNvPr id="19" name="Rectangle 18">
+            <a:extLst>
+              <a:ext uri="{FF2B5EF4-FFF2-40B4-BE49-F238E27FC236}">
+                <a16:creationId xmlns:a16="http://schemas.microsoft.com/office/drawing/2014/main" id="{5A0BCA6F-5D11-2354-22AF-D7A30DFDBB34}"/>
+              </a:ext>
+            </a:extLst>
+          </p:cNvPr>
+          <p:cNvSpPr/>
+          <p:nvPr/>
+        </p:nvSpPr>
+        <p:spPr bwMode="auto">
+          <a:xfrm>
+            <a:off x="7987030" y="4782020"/>
+            <a:ext cx="1249430" cy="368896"/>
+          </a:xfrm>
+          <a:prstGeom prst="rect">
+            <a:avLst/>
+          </a:prstGeom>
+          <a:solidFill>
+            <a:schemeClr val="bg1">
+              <a:lumMod val="65000"/>
+            </a:schemeClr>
+          </a:solidFill>
+          <a:ln w="9525" cap="flat" cmpd="sng" algn="ctr">
+            <a:solidFill>
+              <a:schemeClr val="tx1"/>
+            </a:solidFill>
+            <a:prstDash val="solid"/>
+            <a:round/>
+            <a:headEnd type="none" w="med" len="med"/>
+            <a:tailEnd type="none" w="med" len="med"/>
+          </a:ln>
+          <a:effectLst/>
+        </p:spPr>
+        <p:txBody>
+          <a:bodyPr vert="horz" wrap="square" lIns="91440" tIns="45720" rIns="91440" bIns="45720" numCol="1" rtlCol="0" anchor="t" anchorCtr="0" compatLnSpc="1">
+            <a:prstTxWarp prst="textNoShape">
+              <a:avLst/>
+            </a:prstTxWarp>
+          </a:bodyPr>
+          <a:lstStyle/>
+          <a:p>
+            <a:pPr algn="ctr" eaLnBrk="0" fontAlgn="base" hangingPunct="0">
+              <a:spcBef>
+                <a:spcPct val="0"/>
+              </a:spcBef>
+              <a:spcAft>
+                <a:spcPct val="0"/>
+              </a:spcAft>
+            </a:pPr>
+            <a:r>
+              <a:rPr lang="en-US" sz="1600" dirty="0">
+                <a:latin typeface="+mj-lt"/>
+              </a:rPr>
+              <a:t>Settings</a:t>
+            </a:r>
+          </a:p>
+        </p:txBody>
+      </p:sp>
+      <p:cxnSp>
+        <p:nvCxnSpPr>
+          <p:cNvPr id="20" name="Straight Arrow Connector 19">
+            <a:extLst>
+              <a:ext uri="{FF2B5EF4-FFF2-40B4-BE49-F238E27FC236}">
+                <a16:creationId xmlns:a16="http://schemas.microsoft.com/office/drawing/2014/main" id="{7D5916CA-B4C7-4873-5001-9F10243DE394}"/>
+              </a:ext>
+            </a:extLst>
+          </p:cNvPr>
+          <p:cNvCxnSpPr>
+            <a:cxnSpLocks/>
+          </p:cNvCxnSpPr>
+          <p:nvPr/>
+        </p:nvCxnSpPr>
+        <p:spPr bwMode="auto">
+          <a:xfrm flipH="1" flipV="1">
+            <a:off x="7485722" y="4788980"/>
+            <a:ext cx="501308" cy="177489"/>
+          </a:xfrm>
+          <a:prstGeom prst="straightConnector1">
+            <a:avLst/>
+          </a:prstGeom>
+          <a:solidFill>
+            <a:schemeClr val="accent1"/>
+          </a:solidFill>
+          <a:ln w="9525" cap="flat" cmpd="sng" algn="ctr">
+            <a:solidFill>
+              <a:schemeClr val="tx1"/>
+            </a:solidFill>
+            <a:prstDash val="solid"/>
+            <a:round/>
+            <a:headEnd type="none" w="med" len="med"/>
+            <a:tailEnd type="arrow"/>
+          </a:ln>
+          <a:effectLst/>
+        </p:spPr>
+      </p:cxnSp>
+      <p:sp>
+        <p:nvSpPr>
+          <p:cNvPr id="21" name="Right Brace 20">
+            <a:extLst>
+              <a:ext uri="{FF2B5EF4-FFF2-40B4-BE49-F238E27FC236}">
+                <a16:creationId xmlns:a16="http://schemas.microsoft.com/office/drawing/2014/main" id="{09F544D9-31D2-EAAC-BEAC-D9FAD186367D}"/>
+              </a:ext>
+            </a:extLst>
+          </p:cNvPr>
+          <p:cNvSpPr/>
+          <p:nvPr/>
+        </p:nvSpPr>
+        <p:spPr bwMode="auto">
+          <a:xfrm>
+            <a:off x="7166670" y="4331958"/>
+            <a:ext cx="259773" cy="936976"/>
+          </a:xfrm>
+          <a:prstGeom prst="rightBrace">
+            <a:avLst/>
+          </a:prstGeom>
+          <a:noFill/>
+          <a:ln w="9525" cap="flat" cmpd="sng" algn="ctr">
+            <a:solidFill>
+              <a:schemeClr val="tx1"/>
+            </a:solidFill>
+            <a:prstDash val="solid"/>
+            <a:round/>
+            <a:headEnd type="none" w="med" len="med"/>
+            <a:tailEnd type="none" w="med" len="med"/>
+          </a:ln>
+          <a:effectLst/>
+        </p:spPr>
+        <p:txBody>
+          <a:bodyPr vert="horz" wrap="square" lIns="91440" tIns="45720" rIns="91440" bIns="45720" numCol="1" rtlCol="0" anchor="t" anchorCtr="0" compatLnSpc="1">
+            <a:prstTxWarp prst="textNoShape">
+              <a:avLst/>
+            </a:prstTxWarp>
+          </a:bodyPr>
+          <a:lstStyle/>
+          <a:p>
+            <a:pPr eaLnBrk="0" fontAlgn="base" hangingPunct="0">
+              <a:spcBef>
+                <a:spcPct val="0"/>
+              </a:spcBef>
+              <a:spcAft>
+                <a:spcPct val="0"/>
+              </a:spcAft>
+            </a:pPr>
+            <a:endParaRPr lang="en-US" sz="2400">
+              <a:latin typeface="Times New Roman" pitchFamily="18" charset="0"/>
+            </a:endParaRPr>
+          </a:p>
+        </p:txBody>
+      </p:sp>
+      <p:sp>
+        <p:nvSpPr>
+          <p:cNvPr id="3" name="Slide Number Placeholder 2">
+            <a:extLst>
+              <a:ext uri="{FF2B5EF4-FFF2-40B4-BE49-F238E27FC236}">
+                <a16:creationId xmlns:a16="http://schemas.microsoft.com/office/drawing/2014/main" id="{EB8112E9-3051-3D39-2BFA-51D18C08647F}"/>
+              </a:ext>
+            </a:extLst>
+          </p:cNvPr>
+          <p:cNvSpPr>
+            <a:spLocks noGrp="1"/>
+          </p:cNvSpPr>
+          <p:nvPr>
+            <p:ph type="sldNum" sz="quarter" idx="12"/>
+          </p:nvPr>
+        </p:nvSpPr>
+        <p:spPr/>
+        <p:txBody>
+          <a:bodyPr/>
+          <a:lstStyle/>
+          <a:p>
+            <a:fld id="{82B577FA-F7D9-2C48-919F-F962E3BF952F}" type="slidenum">
+              <a:rPr lang="en-US" smtClean="0"/>
+              <a:t>26</a:t>
+            </a:fld>
+            <a:endParaRPr lang="en-US"/>
+          </a:p>
+        </p:txBody>
+      </p:sp>
+      <p:sp>
+        <p:nvSpPr>
+          <p:cNvPr id="25" name="Rectangle 24">
+            <a:extLst>
+              <a:ext uri="{FF2B5EF4-FFF2-40B4-BE49-F238E27FC236}">
+                <a16:creationId xmlns:a16="http://schemas.microsoft.com/office/drawing/2014/main" id="{782CE247-AEF3-19CF-739C-A0A5F791A592}"/>
+              </a:ext>
+            </a:extLst>
+          </p:cNvPr>
+          <p:cNvSpPr/>
+          <p:nvPr/>
+        </p:nvSpPr>
+        <p:spPr bwMode="auto">
+          <a:xfrm>
+            <a:off x="2512241" y="1422974"/>
+            <a:ext cx="1389721" cy="311335"/>
+          </a:xfrm>
+          <a:prstGeom prst="rect">
+            <a:avLst/>
+          </a:prstGeom>
+          <a:solidFill>
+            <a:schemeClr val="bg1">
+              <a:lumMod val="65000"/>
+            </a:schemeClr>
+          </a:solidFill>
+          <a:ln>
+            <a:headEnd type="none" w="med" len="med"/>
+            <a:tailEnd type="none" w="med" len="med"/>
+          </a:ln>
+        </p:spPr>
+        <p:style>
+          <a:lnRef idx="2">
+            <a:schemeClr val="accent4"/>
+          </a:lnRef>
+          <a:fillRef idx="1">
+            <a:schemeClr val="lt1"/>
+          </a:fillRef>
+          <a:effectRef idx="0">
+            <a:schemeClr val="accent4"/>
+          </a:effectRef>
+          <a:fontRef idx="minor">
+            <a:schemeClr val="dk1"/>
+          </a:fontRef>
+        </p:style>
+        <p:txBody>
+          <a:bodyPr vert="horz" wrap="square" lIns="91440" tIns="45720" rIns="91440" bIns="45720" numCol="1" rtlCol="0" anchor="ctr" anchorCtr="0" compatLnSpc="1">
+            <a:prstTxWarp prst="textNoShape">
+              <a:avLst/>
+            </a:prstTxWarp>
+          </a:bodyPr>
+          <a:lstStyle/>
+          <a:p>
+            <a:pPr algn="ctr" eaLnBrk="0" fontAlgn="base" hangingPunct="0">
+              <a:spcBef>
+                <a:spcPct val="0"/>
+              </a:spcBef>
+              <a:spcAft>
+                <a:spcPct val="0"/>
+              </a:spcAft>
+            </a:pPr>
+            <a:r>
+              <a:rPr lang="en-US" sz="1600" dirty="0">
+                <a:solidFill>
+                  <a:schemeClr val="tx1"/>
+                </a:solidFill>
+                <a:latin typeface="+mj-lt"/>
+              </a:rPr>
+              <a:t>Models</a:t>
+            </a:r>
+          </a:p>
+        </p:txBody>
+      </p:sp>
+      <p:sp>
+        <p:nvSpPr>
+          <p:cNvPr id="26" name="Rectangle 25">
+            <a:extLst>
+              <a:ext uri="{FF2B5EF4-FFF2-40B4-BE49-F238E27FC236}">
+                <a16:creationId xmlns:a16="http://schemas.microsoft.com/office/drawing/2014/main" id="{2FAB243B-C7A9-0229-6EEA-416E83DAA302}"/>
+              </a:ext>
+            </a:extLst>
+          </p:cNvPr>
+          <p:cNvSpPr/>
+          <p:nvPr/>
+        </p:nvSpPr>
+        <p:spPr bwMode="auto">
+          <a:xfrm>
+            <a:off x="1122520" y="1422974"/>
+            <a:ext cx="1389721" cy="311335"/>
+          </a:xfrm>
+          <a:prstGeom prst="rect">
+            <a:avLst/>
+          </a:prstGeom>
+          <a:solidFill>
+            <a:srgbClr val="D9D9D9"/>
+          </a:solidFill>
+          <a:ln>
+            <a:headEnd type="none" w="med" len="med"/>
+            <a:tailEnd type="none" w="med" len="med"/>
+          </a:ln>
+        </p:spPr>
+        <p:style>
+          <a:lnRef idx="2">
+            <a:schemeClr val="accent4"/>
+          </a:lnRef>
+          <a:fillRef idx="1">
+            <a:schemeClr val="lt1"/>
+          </a:fillRef>
+          <a:effectRef idx="0">
+            <a:schemeClr val="accent4"/>
+          </a:effectRef>
+          <a:fontRef idx="minor">
+            <a:schemeClr val="dk1"/>
+          </a:fontRef>
+        </p:style>
+        <p:txBody>
+          <a:bodyPr vert="horz" wrap="square" lIns="91440" tIns="45720" rIns="91440" bIns="45720" numCol="1" rtlCol="0" anchor="ctr" anchorCtr="0" compatLnSpc="1">
+            <a:prstTxWarp prst="textNoShape">
+              <a:avLst/>
+            </a:prstTxWarp>
+          </a:bodyPr>
+          <a:lstStyle/>
+          <a:p>
+            <a:pPr algn="ctr" eaLnBrk="0" fontAlgn="base" hangingPunct="0">
+              <a:spcBef>
+                <a:spcPct val="0"/>
+              </a:spcBef>
+              <a:spcAft>
+                <a:spcPct val="0"/>
+              </a:spcAft>
+            </a:pPr>
+            <a:r>
+              <a:rPr lang="en-US" sz="1600" dirty="0">
+                <a:latin typeface="+mj-lt"/>
+              </a:rPr>
+              <a:t>Distributions</a:t>
+            </a:r>
+            <a:endParaRPr lang="en-US" sz="1600" dirty="0">
+              <a:solidFill>
+                <a:schemeClr val="tx1"/>
+              </a:solidFill>
+              <a:latin typeface="+mj-lt"/>
+            </a:endParaRPr>
+          </a:p>
+        </p:txBody>
+      </p:sp>
+      <p:sp>
+        <p:nvSpPr>
+          <p:cNvPr id="27" name="Rectangle 26">
+            <a:extLst>
+              <a:ext uri="{FF2B5EF4-FFF2-40B4-BE49-F238E27FC236}">
+                <a16:creationId xmlns:a16="http://schemas.microsoft.com/office/drawing/2014/main" id="{BACDBB76-C078-72F5-F42A-8336C3F4C680}"/>
+              </a:ext>
+            </a:extLst>
+          </p:cNvPr>
+          <p:cNvSpPr/>
+          <p:nvPr/>
+        </p:nvSpPr>
+        <p:spPr bwMode="auto">
+          <a:xfrm>
+            <a:off x="3901962" y="1422974"/>
+            <a:ext cx="1389721" cy="311335"/>
+          </a:xfrm>
+          <a:prstGeom prst="rect">
+            <a:avLst/>
+          </a:prstGeom>
+          <a:solidFill>
+            <a:srgbClr val="D9D9D9"/>
+          </a:solidFill>
+          <a:ln>
+            <a:headEnd type="none" w="med" len="med"/>
+            <a:tailEnd type="none" w="med" len="med"/>
+          </a:ln>
+        </p:spPr>
+        <p:style>
+          <a:lnRef idx="2">
+            <a:schemeClr val="accent4"/>
+          </a:lnRef>
+          <a:fillRef idx="1">
+            <a:schemeClr val="lt1"/>
+          </a:fillRef>
+          <a:effectRef idx="0">
+            <a:schemeClr val="accent4"/>
+          </a:effectRef>
+          <a:fontRef idx="minor">
+            <a:schemeClr val="dk1"/>
+          </a:fontRef>
+        </p:style>
+        <p:txBody>
+          <a:bodyPr vert="horz" wrap="square" lIns="91440" tIns="45720" rIns="91440" bIns="45720" numCol="1" rtlCol="0" anchor="ctr" anchorCtr="0" compatLnSpc="1">
+            <a:prstTxWarp prst="textNoShape">
+              <a:avLst/>
+            </a:prstTxWarp>
+          </a:bodyPr>
+          <a:lstStyle/>
+          <a:p>
+            <a:pPr algn="ctr" eaLnBrk="0" fontAlgn="base" hangingPunct="0">
+              <a:spcBef>
+                <a:spcPct val="0"/>
+              </a:spcBef>
+              <a:spcAft>
+                <a:spcPct val="0"/>
+              </a:spcAft>
+            </a:pPr>
+            <a:r>
+              <a:rPr lang="en-US" sz="1600" dirty="0">
+                <a:solidFill>
+                  <a:schemeClr val="tx1"/>
+                </a:solidFill>
+                <a:latin typeface="+mj-lt"/>
+              </a:rPr>
+              <a:t>Samplers</a:t>
+            </a:r>
+          </a:p>
+        </p:txBody>
+      </p:sp>
+      <p:sp>
+        <p:nvSpPr>
+          <p:cNvPr id="28" name="Rectangle 27">
+            <a:extLst>
+              <a:ext uri="{FF2B5EF4-FFF2-40B4-BE49-F238E27FC236}">
+                <a16:creationId xmlns:a16="http://schemas.microsoft.com/office/drawing/2014/main" id="{B100BCEC-CB68-2732-2F82-3FAEDD06711C}"/>
+              </a:ext>
+            </a:extLst>
+          </p:cNvPr>
+          <p:cNvSpPr/>
+          <p:nvPr/>
+        </p:nvSpPr>
+        <p:spPr bwMode="auto">
+          <a:xfrm>
+            <a:off x="4596822" y="1736105"/>
+            <a:ext cx="1389721" cy="311335"/>
+          </a:xfrm>
+          <a:prstGeom prst="rect">
+            <a:avLst/>
+          </a:prstGeom>
+          <a:solidFill>
+            <a:srgbClr val="D9D9D9"/>
+          </a:solidFill>
+          <a:ln>
+            <a:headEnd type="none" w="med" len="med"/>
+            <a:tailEnd type="none" w="med" len="med"/>
+          </a:ln>
+        </p:spPr>
+        <p:style>
+          <a:lnRef idx="2">
+            <a:schemeClr val="accent4"/>
+          </a:lnRef>
+          <a:fillRef idx="1">
+            <a:schemeClr val="lt1"/>
+          </a:fillRef>
+          <a:effectRef idx="0">
+            <a:schemeClr val="accent4"/>
+          </a:effectRef>
+          <a:fontRef idx="minor">
+            <a:schemeClr val="dk1"/>
+          </a:fontRef>
+        </p:style>
+        <p:txBody>
+          <a:bodyPr vert="horz" wrap="square" lIns="91440" tIns="45720" rIns="91440" bIns="45720" numCol="1" rtlCol="0" anchor="ctr" anchorCtr="0" compatLnSpc="1">
+            <a:prstTxWarp prst="textNoShape">
+              <a:avLst/>
+            </a:prstTxWarp>
+          </a:bodyPr>
+          <a:lstStyle/>
+          <a:p>
+            <a:pPr algn="ctr" eaLnBrk="0" fontAlgn="base" hangingPunct="0">
+              <a:spcBef>
+                <a:spcPct val="0"/>
+              </a:spcBef>
+              <a:spcAft>
+                <a:spcPct val="0"/>
+              </a:spcAft>
+            </a:pPr>
+            <a:r>
+              <a:rPr lang="en-US" sz="1600" dirty="0">
+                <a:solidFill>
+                  <a:schemeClr val="tx1"/>
+                </a:solidFill>
+                <a:latin typeface="+mj-lt"/>
+              </a:rPr>
+              <a:t>Steps</a:t>
+            </a:r>
+          </a:p>
+        </p:txBody>
+      </p:sp>
+      <p:sp>
+        <p:nvSpPr>
+          <p:cNvPr id="29" name="Rectangle 28">
+            <a:extLst>
+              <a:ext uri="{FF2B5EF4-FFF2-40B4-BE49-F238E27FC236}">
+                <a16:creationId xmlns:a16="http://schemas.microsoft.com/office/drawing/2014/main" id="{D403A0F2-8AE3-04A8-B15E-4F9C2E94B35D}"/>
+              </a:ext>
+            </a:extLst>
+          </p:cNvPr>
+          <p:cNvSpPr/>
+          <p:nvPr/>
+        </p:nvSpPr>
+        <p:spPr bwMode="auto">
+          <a:xfrm>
+            <a:off x="5291683" y="1422974"/>
+            <a:ext cx="1389721" cy="311335"/>
+          </a:xfrm>
+          <a:prstGeom prst="rect">
+            <a:avLst/>
+          </a:prstGeom>
+          <a:solidFill>
+            <a:srgbClr val="D9D9D9"/>
+          </a:solidFill>
+          <a:ln>
+            <a:headEnd type="none" w="med" len="med"/>
+            <a:tailEnd type="none" w="med" len="med"/>
+          </a:ln>
+        </p:spPr>
+        <p:style>
+          <a:lnRef idx="2">
+            <a:schemeClr val="accent4"/>
+          </a:lnRef>
+          <a:fillRef idx="1">
+            <a:schemeClr val="lt1"/>
+          </a:fillRef>
+          <a:effectRef idx="0">
+            <a:schemeClr val="accent4"/>
+          </a:effectRef>
+          <a:fontRef idx="minor">
+            <a:schemeClr val="dk1"/>
+          </a:fontRef>
+        </p:style>
+        <p:txBody>
+          <a:bodyPr vert="horz" wrap="square" lIns="91440" tIns="45720" rIns="91440" bIns="45720" numCol="1" rtlCol="0" anchor="ctr" anchorCtr="0" compatLnSpc="1">
+            <a:prstTxWarp prst="textNoShape">
+              <a:avLst/>
+            </a:prstTxWarp>
+          </a:bodyPr>
+          <a:lstStyle/>
+          <a:p>
+            <a:pPr algn="ctr" eaLnBrk="0" fontAlgn="base" hangingPunct="0">
+              <a:spcBef>
+                <a:spcPct val="0"/>
+              </a:spcBef>
+              <a:spcAft>
+                <a:spcPct val="0"/>
+              </a:spcAft>
+            </a:pPr>
+            <a:r>
+              <a:rPr lang="en-US" sz="1600" dirty="0">
+                <a:solidFill>
+                  <a:schemeClr val="tx1"/>
+                </a:solidFill>
+                <a:latin typeface="+mj-lt"/>
+              </a:rPr>
+              <a:t>Databases</a:t>
+            </a:r>
+          </a:p>
+        </p:txBody>
+      </p:sp>
+      <p:sp>
+        <p:nvSpPr>
+          <p:cNvPr id="30" name="Rectangle 29">
+            <a:extLst>
+              <a:ext uri="{FF2B5EF4-FFF2-40B4-BE49-F238E27FC236}">
+                <a16:creationId xmlns:a16="http://schemas.microsoft.com/office/drawing/2014/main" id="{C1F4ADD3-9BB8-9F18-6699-7FB6B852676F}"/>
+              </a:ext>
+            </a:extLst>
+          </p:cNvPr>
+          <p:cNvSpPr/>
+          <p:nvPr/>
+        </p:nvSpPr>
+        <p:spPr bwMode="auto">
+          <a:xfrm>
+            <a:off x="6681404" y="1422974"/>
+            <a:ext cx="1389721" cy="311335"/>
+          </a:xfrm>
+          <a:prstGeom prst="rect">
+            <a:avLst/>
+          </a:prstGeom>
+          <a:solidFill>
+            <a:srgbClr val="D9D9D9"/>
+          </a:solidFill>
+          <a:ln>
+            <a:headEnd type="none" w="med" len="med"/>
+            <a:tailEnd type="none" w="med" len="med"/>
+          </a:ln>
+        </p:spPr>
+        <p:style>
+          <a:lnRef idx="2">
+            <a:schemeClr val="accent4"/>
+          </a:lnRef>
+          <a:fillRef idx="1">
+            <a:schemeClr val="lt1"/>
+          </a:fillRef>
+          <a:effectRef idx="0">
+            <a:schemeClr val="accent4"/>
+          </a:effectRef>
+          <a:fontRef idx="minor">
+            <a:schemeClr val="dk1"/>
+          </a:fontRef>
+        </p:style>
+        <p:txBody>
+          <a:bodyPr vert="horz" wrap="square" lIns="91440" tIns="45720" rIns="91440" bIns="45720" numCol="1" rtlCol="0" anchor="ctr" anchorCtr="0" compatLnSpc="1">
+            <a:prstTxWarp prst="textNoShape">
+              <a:avLst/>
+            </a:prstTxWarp>
+          </a:bodyPr>
+          <a:lstStyle/>
+          <a:p>
+            <a:pPr algn="ctr" eaLnBrk="0" fontAlgn="base" hangingPunct="0">
+              <a:spcBef>
+                <a:spcPct val="0"/>
+              </a:spcBef>
+              <a:spcAft>
+                <a:spcPct val="0"/>
+              </a:spcAft>
+            </a:pPr>
+            <a:r>
+              <a:rPr lang="en-US" sz="1600" dirty="0" err="1">
+                <a:solidFill>
+                  <a:schemeClr val="tx1"/>
+                </a:solidFill>
+                <a:latin typeface="+mj-lt"/>
+              </a:rPr>
+              <a:t>DataObjects</a:t>
+            </a:r>
+            <a:endParaRPr lang="en-US" sz="1600" dirty="0">
+              <a:solidFill>
+                <a:schemeClr val="tx1"/>
+              </a:solidFill>
+              <a:latin typeface="+mj-lt"/>
+            </a:endParaRPr>
+          </a:p>
+        </p:txBody>
+      </p:sp>
+      <p:sp>
+        <p:nvSpPr>
+          <p:cNvPr id="31" name="Rectangle 30">
+            <a:extLst>
+              <a:ext uri="{FF2B5EF4-FFF2-40B4-BE49-F238E27FC236}">
+                <a16:creationId xmlns:a16="http://schemas.microsoft.com/office/drawing/2014/main" id="{F95143AB-FF44-A2BF-7BC6-BF4D0E69B570}"/>
+              </a:ext>
+            </a:extLst>
+          </p:cNvPr>
+          <p:cNvSpPr/>
+          <p:nvPr/>
+        </p:nvSpPr>
+        <p:spPr bwMode="auto">
+          <a:xfrm>
+            <a:off x="8071125" y="1424770"/>
+            <a:ext cx="1389721" cy="311335"/>
+          </a:xfrm>
+          <a:prstGeom prst="rect">
+            <a:avLst/>
+          </a:prstGeom>
+          <a:solidFill>
+            <a:srgbClr val="D9D9D9"/>
+          </a:solidFill>
+          <a:ln>
+            <a:headEnd type="none" w="med" len="med"/>
+            <a:tailEnd type="none" w="med" len="med"/>
+          </a:ln>
+        </p:spPr>
+        <p:style>
+          <a:lnRef idx="2">
+            <a:schemeClr val="accent4"/>
+          </a:lnRef>
+          <a:fillRef idx="1">
+            <a:schemeClr val="lt1"/>
+          </a:fillRef>
+          <a:effectRef idx="0">
+            <a:schemeClr val="accent4"/>
+          </a:effectRef>
+          <a:fontRef idx="minor">
+            <a:schemeClr val="dk1"/>
+          </a:fontRef>
+        </p:style>
+        <p:txBody>
+          <a:bodyPr vert="horz" wrap="square" lIns="91440" tIns="45720" rIns="91440" bIns="45720" numCol="1" rtlCol="0" anchor="ctr" anchorCtr="0" compatLnSpc="1">
+            <a:prstTxWarp prst="textNoShape">
+              <a:avLst/>
+            </a:prstTxWarp>
+          </a:bodyPr>
+          <a:lstStyle/>
+          <a:p>
+            <a:pPr algn="ctr" eaLnBrk="0" fontAlgn="base" hangingPunct="0">
+              <a:spcBef>
+                <a:spcPct val="0"/>
+              </a:spcBef>
+              <a:spcAft>
+                <a:spcPct val="0"/>
+              </a:spcAft>
+            </a:pPr>
+            <a:r>
+              <a:rPr lang="en-US" sz="1600" dirty="0" err="1">
+                <a:solidFill>
+                  <a:schemeClr val="tx1"/>
+                </a:solidFill>
+                <a:latin typeface="+mj-lt"/>
+              </a:rPr>
+              <a:t>OutStreams</a:t>
+            </a:r>
+            <a:endParaRPr lang="en-US" sz="1600" dirty="0">
+              <a:solidFill>
+                <a:schemeClr val="tx1"/>
+              </a:solidFill>
+              <a:latin typeface="+mj-lt"/>
+            </a:endParaRPr>
+          </a:p>
+        </p:txBody>
+      </p:sp>
+      <p:sp>
+        <p:nvSpPr>
+          <p:cNvPr id="32" name="Rectangle 31">
+            <a:extLst>
+              <a:ext uri="{FF2B5EF4-FFF2-40B4-BE49-F238E27FC236}">
+                <a16:creationId xmlns:a16="http://schemas.microsoft.com/office/drawing/2014/main" id="{B71C982E-DE9F-8DB3-EE57-34E4AB93748A}"/>
               </a:ext>
             </a:extLst>
           </p:cNvPr>
@@ -19253,7 +22010,7 @@
     </p:spTree>
     <p:extLst>
       <p:ext uri="{BB962C8B-B14F-4D97-AF65-F5344CB8AC3E}">
-        <p14:creationId xmlns:p14="http://schemas.microsoft.com/office/powerpoint/2010/main" val="3643863298"/>
+        <p14:creationId xmlns:p14="http://schemas.microsoft.com/office/powerpoint/2010/main" val="1188995753"/>
       </p:ext>
     </p:extLst>
   </p:cSld>
@@ -19285,7 +22042,7 @@
           <p:cNvPr id="2" name="Title 1">
             <a:extLst>
               <a:ext uri="{FF2B5EF4-FFF2-40B4-BE49-F238E27FC236}">
-                <a16:creationId xmlns:a16="http://schemas.microsoft.com/office/drawing/2014/main" id="{126F7DA8-8075-E4F5-5606-8DC49D9EDA88}"/>
+                <a16:creationId xmlns:a16="http://schemas.microsoft.com/office/drawing/2014/main" id="{CE8E0ADF-F83F-A52A-7F1B-A847C3919125}"/>
               </a:ext>
             </a:extLst>
           </p:cNvPr>
@@ -19310,10 +22067,10 @@
       </p:sp>
       <p:sp>
         <p:nvSpPr>
-          <p:cNvPr id="12" name="TextBox 11">
-            <a:extLst>
-              <a:ext uri="{FF2B5EF4-FFF2-40B4-BE49-F238E27FC236}">
-                <a16:creationId xmlns:a16="http://schemas.microsoft.com/office/drawing/2014/main" id="{D564E725-5DF3-7693-D14E-30AA4CC99795}"/>
+          <p:cNvPr id="11" name="TextBox 10">
+            <a:extLst>
+              <a:ext uri="{FF2B5EF4-FFF2-40B4-BE49-F238E27FC236}">
+                <a16:creationId xmlns:a16="http://schemas.microsoft.com/office/drawing/2014/main" id="{4FB15588-1581-46DE-6D22-81DBEE78444F}"/>
               </a:ext>
             </a:extLst>
           </p:cNvPr>
@@ -19322,8 +22079,8 @@
         </p:nvSpPr>
         <p:spPr>
           <a:xfrm>
-            <a:off x="1586100" y="2284023"/>
-            <a:ext cx="7533409" cy="4185761"/>
+            <a:off x="3974363" y="2810631"/>
+            <a:ext cx="6270647" cy="2462213"/>
           </a:xfrm>
           <a:prstGeom prst="rect">
             <a:avLst/>
@@ -19361,7 +22118,7 @@
                 <a:latin typeface="Courier"/>
                 <a:cs typeface="Courier"/>
               </a:rPr>
-              <a:t>HybridModel</a:t>
+              <a:t>DataObjects</a:t>
             </a:r>
             <a:r>
               <a:rPr lang="en-US" sz="1400" dirty="0">
@@ -19371,6 +22128,38 @@
                 <a:latin typeface="Courier"/>
                 <a:cs typeface="Courier"/>
               </a:rPr>
+              <a:t>&gt;</a:t>
+            </a:r>
+          </a:p>
+          <a:p>
+            <a:r>
+              <a:rPr lang="en-US" sz="1400" dirty="0">
+                <a:solidFill>
+                  <a:srgbClr val="008000"/>
+                </a:solidFill>
+                <a:latin typeface="Courier"/>
+                <a:cs typeface="Courier"/>
+              </a:rPr>
+              <a:t>   &lt;</a:t>
+            </a:r>
+            <a:r>
+              <a:rPr lang="en-US" sz="1400" dirty="0" err="1">
+                <a:solidFill>
+                  <a:srgbClr val="008000"/>
+                </a:solidFill>
+                <a:latin typeface="Courier"/>
+                <a:cs typeface="Courier"/>
+              </a:rPr>
+              <a:t>PointSet</a:t>
+            </a:r>
+            <a:r>
+              <a:rPr lang="en-US" sz="1400" dirty="0">
+                <a:solidFill>
+                  <a:srgbClr val="008000"/>
+                </a:solidFill>
+                <a:latin typeface="Courier"/>
+                <a:cs typeface="Courier"/>
+              </a:rPr>
               <a:t> </a:t>
             </a:r>
             <a:r>
@@ -19401,639 +22190,136 @@
                 <a:latin typeface="Courier"/>
                 <a:cs typeface="Courier"/>
               </a:rPr>
-              <a:t>’hybrid’ </a:t>
+              <a:t>’</a:t>
             </a:r>
             <a:r>
               <a:rPr lang="en-US" sz="1400" dirty="0" err="1">
                 <a:solidFill>
-                  <a:srgbClr val="660066"/>
-                </a:solidFill>
-                <a:latin typeface="Courier"/>
-                <a:cs typeface="Courier"/>
-              </a:rPr>
-              <a:t>subType</a:t>
+                  <a:srgbClr val="1A4DB2"/>
+                </a:solidFill>
+                <a:latin typeface="Courier"/>
+                <a:cs typeface="Courier"/>
+              </a:rPr>
+              <a:t>outMC</a:t>
             </a:r>
             <a:r>
               <a:rPr lang="en-US" sz="1400" dirty="0">
                 <a:solidFill>
+                  <a:srgbClr val="1A4DB2"/>
+                </a:solidFill>
+                <a:latin typeface="Courier"/>
+                <a:cs typeface="Courier"/>
+              </a:rPr>
+              <a:t>’</a:t>
+            </a:r>
+            <a:r>
+              <a:rPr lang="en-US" sz="1400" dirty="0">
+                <a:solidFill>
                   <a:srgbClr val="008000"/>
                 </a:solidFill>
                 <a:latin typeface="Courier"/>
                 <a:cs typeface="Courier"/>
               </a:rPr>
-              <a:t>=</a:t>
-            </a:r>
+              <a:t>&gt;</a:t>
+            </a:r>
+          </a:p>
+          <a:p>
             <a:r>
               <a:rPr lang="en-US" sz="1400" dirty="0">
                 <a:solidFill>
-                  <a:srgbClr val="1A4DB2"/>
-                </a:solidFill>
-                <a:latin typeface="Courier"/>
-                <a:cs typeface="Courier"/>
-              </a:rPr>
-              <a:t>’’ </a:t>
+                  <a:srgbClr val="008000"/>
+                </a:solidFill>
+                <a:latin typeface="Courier"/>
+                <a:cs typeface="Courier"/>
+              </a:rPr>
+              <a:t>      &lt;Input&gt;</a:t>
             </a:r>
             <a:r>
               <a:rPr lang="en-US" sz="1400" dirty="0">
                 <a:solidFill>
+                  <a:srgbClr val="000000"/>
+                </a:solidFill>
+                <a:latin typeface="Courier"/>
+                <a:cs typeface="Courier"/>
+              </a:rPr>
+              <a:t>angle</a:t>
+            </a:r>
+            <a:r>
+              <a:rPr lang="en-US" sz="1400" dirty="0">
+                <a:solidFill>
                   <a:srgbClr val="008000"/>
                 </a:solidFill>
                 <a:latin typeface="Courier"/>
                 <a:cs typeface="Courier"/>
               </a:rPr>
+              <a:t>&lt;/Input&gt;</a:t>
+            </a:r>
+          </a:p>
+          <a:p>
+            <a:r>
+              <a:rPr lang="en-US" sz="1400" dirty="0">
+                <a:solidFill>
+                  <a:srgbClr val="008000"/>
+                </a:solidFill>
+                <a:latin typeface="Courier"/>
+                <a:cs typeface="Courier"/>
+              </a:rPr>
+              <a:t>      &lt;Output&gt;</a:t>
+            </a:r>
+            <a:r>
+              <a:rPr lang="en-US" sz="1400" dirty="0">
+                <a:latin typeface="Courier"/>
+                <a:cs typeface="Courier"/>
+              </a:rPr>
+              <a:t>r</a:t>
+            </a:r>
+            <a:r>
+              <a:rPr lang="en-US" sz="1400" dirty="0">
+                <a:solidFill>
+                  <a:srgbClr val="008000"/>
+                </a:solidFill>
+                <a:latin typeface="Courier"/>
+                <a:cs typeface="Courier"/>
+              </a:rPr>
+              <a:t>&lt;/Output&gt;</a:t>
+            </a:r>
+          </a:p>
+          <a:p>
+            <a:r>
+              <a:rPr lang="en-US" sz="1400" dirty="0">
+                <a:solidFill>
+                  <a:srgbClr val="008000"/>
+                </a:solidFill>
+                <a:latin typeface="Courier"/>
+                <a:cs typeface="Courier"/>
+              </a:rPr>
+              <a:t>    &lt;/</a:t>
+            </a:r>
+            <a:r>
+              <a:rPr lang="en-US" sz="1400" dirty="0" err="1">
+                <a:solidFill>
+                  <a:srgbClr val="008000"/>
+                </a:solidFill>
+                <a:latin typeface="Courier"/>
+                <a:cs typeface="Courier"/>
+              </a:rPr>
+              <a:t>PointSet</a:t>
+            </a:r>
+            <a:r>
+              <a:rPr lang="en-US" sz="1400" dirty="0">
+                <a:solidFill>
+                  <a:srgbClr val="008000"/>
+                </a:solidFill>
+                <a:latin typeface="Courier"/>
+                <a:cs typeface="Courier"/>
+              </a:rPr>
               <a:t>&gt;</a:t>
             </a:r>
           </a:p>
           <a:p>
-            <a:r>
-              <a:rPr lang="en-US" sz="1400" dirty="0">
-                <a:solidFill>
-                  <a:srgbClr val="008000"/>
-                </a:solidFill>
-                <a:latin typeface="Courier"/>
-                <a:cs typeface="Courier"/>
-              </a:rPr>
-              <a:t>  &lt;Model </a:t>
-            </a:r>
-            <a:r>
-              <a:rPr lang="en-US" sz="1400" dirty="0">
-                <a:solidFill>
-                  <a:srgbClr val="660066"/>
-                </a:solidFill>
-                <a:latin typeface="Courier"/>
-                <a:cs typeface="Courier"/>
-              </a:rPr>
-              <a:t>class</a:t>
-            </a:r>
-            <a:r>
-              <a:rPr lang="en-US" sz="1400" dirty="0">
-                <a:solidFill>
-                  <a:srgbClr val="008000"/>
-                </a:solidFill>
-                <a:latin typeface="Courier"/>
-                <a:cs typeface="Courier"/>
-              </a:rPr>
-              <a:t>=</a:t>
-            </a:r>
-            <a:r>
-              <a:rPr lang="en-US" sz="1400" dirty="0">
-                <a:solidFill>
-                  <a:srgbClr val="1A4DB2"/>
-                </a:solidFill>
-                <a:latin typeface="Courier"/>
-                <a:cs typeface="Courier"/>
-              </a:rPr>
-              <a:t>’Models’ </a:t>
-            </a:r>
-            <a:r>
-              <a:rPr lang="en-US" sz="1400" dirty="0">
-                <a:solidFill>
-                  <a:srgbClr val="660066"/>
-                </a:solidFill>
-                <a:latin typeface="Courier"/>
-                <a:cs typeface="Courier"/>
-              </a:rPr>
-              <a:t>type</a:t>
-            </a:r>
-            <a:r>
-              <a:rPr lang="en-US" sz="1400" dirty="0">
-                <a:solidFill>
-                  <a:srgbClr val="008000"/>
-                </a:solidFill>
-                <a:latin typeface="Courier"/>
-                <a:cs typeface="Courier"/>
-              </a:rPr>
-              <a:t>=</a:t>
-            </a:r>
-            <a:r>
-              <a:rPr lang="en-US" sz="1400" dirty="0">
-                <a:solidFill>
-                  <a:srgbClr val="1A4DB2"/>
-                </a:solidFill>
-                <a:latin typeface="Courier"/>
-                <a:cs typeface="Courier"/>
-              </a:rPr>
-              <a:t>’</a:t>
-            </a:r>
-            <a:r>
-              <a:rPr lang="en-US" sz="1400" dirty="0" err="1">
-                <a:solidFill>
-                  <a:srgbClr val="1A4DB2"/>
-                </a:solidFill>
-                <a:latin typeface="Courier"/>
-                <a:cs typeface="Courier"/>
-              </a:rPr>
-              <a:t>ExternalModel</a:t>
-            </a:r>
-            <a:r>
-              <a:rPr lang="en-US" sz="1400" dirty="0">
-                <a:solidFill>
-                  <a:srgbClr val="1A4DB2"/>
-                </a:solidFill>
-                <a:latin typeface="Courier"/>
-                <a:cs typeface="Courier"/>
-              </a:rPr>
-              <a:t>’</a:t>
-            </a:r>
-            <a:r>
-              <a:rPr lang="en-US" sz="1400" dirty="0">
-                <a:solidFill>
-                  <a:srgbClr val="008000"/>
-                </a:solidFill>
-                <a:latin typeface="Courier"/>
-                <a:cs typeface="Courier"/>
-              </a:rPr>
-              <a:t>&gt;</a:t>
-            </a:r>
-            <a:r>
-              <a:rPr lang="en-US" sz="1400" dirty="0">
-                <a:solidFill>
-                  <a:srgbClr val="000000"/>
-                </a:solidFill>
-                <a:latin typeface="Courier"/>
-                <a:cs typeface="Courier"/>
-              </a:rPr>
-              <a:t>projectile</a:t>
-            </a:r>
-            <a:r>
-              <a:rPr lang="en-US" sz="1400" dirty="0">
-                <a:solidFill>
-                  <a:srgbClr val="008000"/>
-                </a:solidFill>
-                <a:latin typeface="Courier"/>
-                <a:cs typeface="Courier"/>
-              </a:rPr>
-              <a:t>&lt;/Model&gt;</a:t>
-            </a:r>
-          </a:p>
-          <a:p>
-            <a:r>
-              <a:rPr lang="en-US" sz="1400" dirty="0">
-                <a:solidFill>
-                  <a:srgbClr val="008000"/>
-                </a:solidFill>
-                <a:latin typeface="Courier"/>
-                <a:cs typeface="Courier"/>
-              </a:rPr>
-              <a:t>  &lt;ROM   </a:t>
-            </a:r>
-            <a:r>
-              <a:rPr lang="en-US" sz="1400" dirty="0">
-                <a:solidFill>
-                  <a:srgbClr val="660066"/>
-                </a:solidFill>
-                <a:latin typeface="Courier"/>
-                <a:cs typeface="Courier"/>
-              </a:rPr>
-              <a:t>class</a:t>
-            </a:r>
-            <a:r>
-              <a:rPr lang="en-US" sz="1400" dirty="0">
-                <a:solidFill>
-                  <a:srgbClr val="008000"/>
-                </a:solidFill>
-                <a:latin typeface="Courier"/>
-                <a:cs typeface="Courier"/>
-              </a:rPr>
-              <a:t>=</a:t>
-            </a:r>
-            <a:r>
-              <a:rPr lang="en-US" sz="1400" dirty="0">
-                <a:solidFill>
-                  <a:srgbClr val="1A4DB2"/>
-                </a:solidFill>
-                <a:latin typeface="Courier"/>
-                <a:cs typeface="Courier"/>
-              </a:rPr>
-              <a:t>’Models’ </a:t>
-            </a:r>
-            <a:r>
-              <a:rPr lang="en-US" sz="1400" dirty="0">
-                <a:solidFill>
-                  <a:srgbClr val="660066"/>
-                </a:solidFill>
-                <a:latin typeface="Courier"/>
-                <a:cs typeface="Courier"/>
-              </a:rPr>
-              <a:t>type</a:t>
-            </a:r>
-            <a:r>
-              <a:rPr lang="en-US" sz="1400" dirty="0">
-                <a:solidFill>
-                  <a:srgbClr val="008000"/>
-                </a:solidFill>
-                <a:latin typeface="Courier"/>
-                <a:cs typeface="Courier"/>
-              </a:rPr>
-              <a:t>=</a:t>
-            </a:r>
-            <a:r>
-              <a:rPr lang="en-US" sz="1400" dirty="0">
-                <a:solidFill>
-                  <a:srgbClr val="1A4DB2"/>
-                </a:solidFill>
-                <a:latin typeface="Courier"/>
-                <a:cs typeface="Courier"/>
-              </a:rPr>
-              <a:t>’ROM’          </a:t>
-            </a:r>
-            <a:r>
-              <a:rPr lang="en-US" sz="1400" dirty="0">
-                <a:solidFill>
-                  <a:srgbClr val="008000"/>
-                </a:solidFill>
-                <a:latin typeface="Courier"/>
-                <a:cs typeface="Courier"/>
-              </a:rPr>
-              <a:t>&gt;</a:t>
-            </a:r>
-            <a:r>
-              <a:rPr lang="en-US" sz="1400" dirty="0">
-                <a:solidFill>
-                  <a:srgbClr val="000000"/>
-                </a:solidFill>
-                <a:latin typeface="Courier"/>
-                <a:cs typeface="Courier"/>
-              </a:rPr>
-              <a:t>IDW</a:t>
-            </a:r>
-            <a:r>
-              <a:rPr lang="en-US" sz="1400" dirty="0">
-                <a:solidFill>
-                  <a:srgbClr val="008000"/>
-                </a:solidFill>
-                <a:latin typeface="Courier"/>
-                <a:cs typeface="Courier"/>
-              </a:rPr>
-              <a:t>&lt;/ROM&gt; </a:t>
-            </a:r>
-          </a:p>
-          <a:p>
-            <a:r>
-              <a:rPr lang="en-US" sz="1400" dirty="0">
-                <a:solidFill>
-                  <a:srgbClr val="008000"/>
-                </a:solidFill>
-                <a:latin typeface="Courier"/>
-                <a:cs typeface="Courier"/>
-              </a:rPr>
-              <a:t>  </a:t>
-            </a:r>
-          </a:p>
-          <a:p>
-            <a:r>
-              <a:rPr lang="en-US" sz="1400" dirty="0">
-                <a:solidFill>
-                  <a:srgbClr val="008000"/>
-                </a:solidFill>
-                <a:latin typeface="Courier"/>
-                <a:cs typeface="Courier"/>
-              </a:rPr>
-              <a:t>  &lt;</a:t>
-            </a:r>
-            <a:r>
-              <a:rPr lang="en-US" sz="1400" dirty="0" err="1">
-                <a:solidFill>
-                  <a:srgbClr val="008000"/>
-                </a:solidFill>
-                <a:latin typeface="Courier"/>
-                <a:cs typeface="Courier"/>
-              </a:rPr>
-              <a:t>TargetEvaluation</a:t>
-            </a:r>
-            <a:r>
-              <a:rPr lang="en-US" sz="1400" dirty="0">
-                <a:solidFill>
-                  <a:srgbClr val="008000"/>
-                </a:solidFill>
-                <a:latin typeface="Courier"/>
-                <a:cs typeface="Courier"/>
-              </a:rPr>
-              <a:t> </a:t>
-            </a:r>
-            <a:r>
-              <a:rPr lang="en-US" sz="1400" dirty="0">
-                <a:solidFill>
-                  <a:srgbClr val="660066"/>
-                </a:solidFill>
-                <a:latin typeface="Courier"/>
-                <a:cs typeface="Courier"/>
-              </a:rPr>
-              <a:t>class</a:t>
-            </a:r>
-            <a:r>
-              <a:rPr lang="en-US" sz="1400" dirty="0">
-                <a:solidFill>
-                  <a:srgbClr val="008000"/>
-                </a:solidFill>
-                <a:latin typeface="Courier"/>
-                <a:cs typeface="Courier"/>
-              </a:rPr>
-              <a:t>=</a:t>
-            </a:r>
-            <a:r>
-              <a:rPr lang="en-US" sz="1400" dirty="0">
-                <a:solidFill>
-                  <a:srgbClr val="1A4DB2"/>
-                </a:solidFill>
-                <a:latin typeface="Courier"/>
-                <a:cs typeface="Courier"/>
-              </a:rPr>
-              <a:t>’</a:t>
-            </a:r>
-            <a:r>
-              <a:rPr lang="en-US" sz="1400" dirty="0" err="1">
-                <a:solidFill>
-                  <a:srgbClr val="1A4DB2"/>
-                </a:solidFill>
-                <a:latin typeface="Courier"/>
-                <a:cs typeface="Courier"/>
-              </a:rPr>
-              <a:t>DataObjects</a:t>
-            </a:r>
-            <a:r>
-              <a:rPr lang="en-US" sz="1400" dirty="0">
-                <a:solidFill>
-                  <a:srgbClr val="1A4DB2"/>
-                </a:solidFill>
-                <a:latin typeface="Courier"/>
-                <a:cs typeface="Courier"/>
-              </a:rPr>
-              <a:t>’ </a:t>
-            </a:r>
-            <a:r>
-              <a:rPr lang="en-US" sz="1400" dirty="0">
-                <a:solidFill>
-                  <a:srgbClr val="660066"/>
-                </a:solidFill>
-                <a:latin typeface="Courier"/>
-                <a:cs typeface="Courier"/>
-              </a:rPr>
-              <a:t>type</a:t>
-            </a:r>
-            <a:r>
-              <a:rPr lang="en-US" sz="1400" dirty="0">
-                <a:solidFill>
-                  <a:srgbClr val="008000"/>
-                </a:solidFill>
-                <a:latin typeface="Courier"/>
-                <a:cs typeface="Courier"/>
-              </a:rPr>
-              <a:t>=</a:t>
-            </a:r>
-            <a:r>
-              <a:rPr lang="en-US" sz="1400" dirty="0">
-                <a:solidFill>
-                  <a:srgbClr val="1A4DB2"/>
-                </a:solidFill>
-                <a:latin typeface="Courier"/>
-                <a:cs typeface="Courier"/>
-              </a:rPr>
-              <a:t>’</a:t>
-            </a:r>
-            <a:r>
-              <a:rPr lang="en-US" sz="1400" dirty="0" err="1">
-                <a:solidFill>
-                  <a:srgbClr val="1A4DB2"/>
-                </a:solidFill>
-                <a:latin typeface="Courier"/>
-                <a:cs typeface="Courier"/>
-              </a:rPr>
-              <a:t>PointSet</a:t>
-            </a:r>
-            <a:r>
-              <a:rPr lang="en-US" sz="1400" dirty="0">
-                <a:solidFill>
-                  <a:srgbClr val="1A4DB2"/>
-                </a:solidFill>
-                <a:latin typeface="Courier"/>
-                <a:cs typeface="Courier"/>
-              </a:rPr>
-              <a:t>’</a:t>
-            </a:r>
-            <a:r>
-              <a:rPr lang="en-US" sz="1400" dirty="0">
-                <a:solidFill>
-                  <a:srgbClr val="008000"/>
-                </a:solidFill>
-                <a:latin typeface="Courier"/>
-                <a:cs typeface="Courier"/>
-              </a:rPr>
-              <a:t>&gt;   </a:t>
-            </a:r>
-          </a:p>
-          <a:p>
-            <a:r>
-              <a:rPr lang="en-US" sz="1400" dirty="0">
-                <a:solidFill>
-                  <a:srgbClr val="008000"/>
-                </a:solidFill>
-                <a:latin typeface="Courier"/>
-                <a:cs typeface="Courier"/>
-              </a:rPr>
-              <a:t>    </a:t>
-            </a:r>
-            <a:r>
-              <a:rPr lang="en-US" sz="1400" dirty="0" err="1">
-                <a:solidFill>
-                  <a:srgbClr val="000000"/>
-                </a:solidFill>
-                <a:latin typeface="Courier"/>
-                <a:cs typeface="Courier"/>
-              </a:rPr>
-              <a:t>projectileContainer</a:t>
-            </a:r>
-            <a:r>
-              <a:rPr lang="en-US" sz="1400" dirty="0">
-                <a:solidFill>
-                  <a:srgbClr val="008000"/>
-                </a:solidFill>
-                <a:latin typeface="Courier"/>
-                <a:cs typeface="Courier"/>
-              </a:rPr>
-              <a:t>&lt;/</a:t>
-            </a:r>
-            <a:r>
-              <a:rPr lang="en-US" sz="1400" dirty="0" err="1">
-                <a:solidFill>
-                  <a:srgbClr val="008000"/>
-                </a:solidFill>
-                <a:latin typeface="Courier"/>
-                <a:cs typeface="Courier"/>
-              </a:rPr>
-              <a:t>TargetEvaluation</a:t>
-            </a:r>
-            <a:r>
-              <a:rPr lang="en-US" sz="1400" dirty="0">
-                <a:solidFill>
-                  <a:srgbClr val="008000"/>
-                </a:solidFill>
-                <a:latin typeface="Courier"/>
-                <a:cs typeface="Courier"/>
-              </a:rPr>
-              <a:t>&gt;</a:t>
-            </a:r>
-          </a:p>
-          <a:p>
-            <a:r>
-              <a:rPr lang="en-US" sz="1400" dirty="0">
-                <a:solidFill>
-                  <a:srgbClr val="008000"/>
-                </a:solidFill>
-                <a:latin typeface="Courier"/>
-                <a:cs typeface="Courier"/>
-              </a:rPr>
-              <a:t>  </a:t>
-            </a:r>
-          </a:p>
-          <a:p>
-            <a:r>
-              <a:rPr lang="en-US" sz="1400" dirty="0">
-                <a:solidFill>
-                  <a:srgbClr val="008000"/>
-                </a:solidFill>
-                <a:latin typeface="Courier"/>
-                <a:cs typeface="Courier"/>
-              </a:rPr>
-              <a:t>  &lt;CV </a:t>
-            </a:r>
-            <a:r>
-              <a:rPr lang="en-US" sz="1400" dirty="0">
-                <a:solidFill>
-                  <a:srgbClr val="660066"/>
-                </a:solidFill>
-                <a:latin typeface="Courier"/>
-                <a:cs typeface="Courier"/>
-              </a:rPr>
-              <a:t>class</a:t>
-            </a:r>
-            <a:r>
-              <a:rPr lang="en-US" sz="1400" dirty="0">
-                <a:solidFill>
-                  <a:srgbClr val="008000"/>
-                </a:solidFill>
-                <a:latin typeface="Courier"/>
-                <a:cs typeface="Courier"/>
-              </a:rPr>
-              <a:t>=</a:t>
-            </a:r>
-            <a:r>
-              <a:rPr lang="en-US" sz="1400" dirty="0">
-                <a:solidFill>
-                  <a:srgbClr val="1A4DB2"/>
-                </a:solidFill>
-                <a:latin typeface="Courier"/>
-                <a:cs typeface="Courier"/>
-              </a:rPr>
-              <a:t>’Models’ </a:t>
-            </a:r>
-            <a:r>
-              <a:rPr lang="en-US" sz="1400" dirty="0">
-                <a:solidFill>
-                  <a:srgbClr val="660066"/>
-                </a:solidFill>
-                <a:latin typeface="Courier"/>
-                <a:cs typeface="Courier"/>
-              </a:rPr>
-              <a:t>type</a:t>
-            </a:r>
-            <a:r>
-              <a:rPr lang="en-US" sz="1400" dirty="0">
-                <a:solidFill>
-                  <a:srgbClr val="008000"/>
-                </a:solidFill>
-                <a:latin typeface="Courier"/>
-                <a:cs typeface="Courier"/>
-              </a:rPr>
-              <a:t>=</a:t>
-            </a:r>
-            <a:r>
-              <a:rPr lang="en-US" sz="1400" dirty="0">
-                <a:solidFill>
-                  <a:srgbClr val="1A4DB2"/>
-                </a:solidFill>
-                <a:latin typeface="Courier"/>
-                <a:cs typeface="Courier"/>
-              </a:rPr>
-              <a:t>’</a:t>
-            </a:r>
-            <a:r>
-              <a:rPr lang="en-US" sz="1400" dirty="0" err="1">
-                <a:solidFill>
-                  <a:srgbClr val="1A4DB2"/>
-                </a:solidFill>
-                <a:latin typeface="Courier"/>
-                <a:cs typeface="Courier"/>
-              </a:rPr>
-              <a:t>PostProcessor</a:t>
-            </a:r>
-            <a:r>
-              <a:rPr lang="en-US" sz="1400" dirty="0">
-                <a:solidFill>
-                  <a:srgbClr val="1A4DB2"/>
-                </a:solidFill>
-                <a:latin typeface="Courier"/>
-                <a:cs typeface="Courier"/>
-              </a:rPr>
-              <a:t>’</a:t>
-            </a:r>
-            <a:r>
-              <a:rPr lang="en-US" sz="1400" dirty="0">
-                <a:solidFill>
-                  <a:srgbClr val="008000"/>
-                </a:solidFill>
-                <a:latin typeface="Courier"/>
-                <a:cs typeface="Courier"/>
-              </a:rPr>
-              <a:t>&gt;</a:t>
-            </a:r>
-            <a:r>
-              <a:rPr lang="en-US" sz="1400" dirty="0">
-                <a:solidFill>
-                  <a:srgbClr val="000000"/>
-                </a:solidFill>
-                <a:latin typeface="Courier"/>
-                <a:cs typeface="Courier"/>
-              </a:rPr>
-              <a:t>pp1</a:t>
-            </a:r>
-            <a:r>
-              <a:rPr lang="en-US" sz="1400" dirty="0">
-                <a:solidFill>
-                  <a:srgbClr val="008000"/>
-                </a:solidFill>
-                <a:latin typeface="Courier"/>
-                <a:cs typeface="Courier"/>
-              </a:rPr>
-              <a:t>&lt;/CV&gt; </a:t>
-            </a:r>
-          </a:p>
-          <a:p>
-            <a:r>
-              <a:rPr lang="en-US" sz="1400" dirty="0">
-                <a:solidFill>
-                  <a:srgbClr val="008000"/>
-                </a:solidFill>
-                <a:latin typeface="Courier"/>
-                <a:cs typeface="Courier"/>
-              </a:rPr>
-              <a:t>  </a:t>
-            </a:r>
-          </a:p>
-          <a:p>
-            <a:r>
-              <a:rPr lang="en-US" sz="1400" dirty="0">
-                <a:solidFill>
-                  <a:srgbClr val="008000"/>
-                </a:solidFill>
-                <a:latin typeface="Courier"/>
-                <a:cs typeface="Courier"/>
-              </a:rPr>
-              <a:t>  &lt;settings&gt;</a:t>
-            </a:r>
             <a:endParaRPr lang="en-US" sz="1400" dirty="0">
               <a:solidFill>
-                <a:srgbClr val="000000"/>
+                <a:srgbClr val="008000"/>
               </a:solidFill>
               <a:latin typeface="Courier"/>
               <a:cs typeface="Courier"/>
@@ -20043,12 +22329,114 @@
             <a:r>
               <a:rPr lang="en-US" sz="1400" dirty="0">
                 <a:solidFill>
+                  <a:srgbClr val="008000"/>
+                </a:solidFill>
+                <a:latin typeface="Courier"/>
+                <a:cs typeface="Courier"/>
+              </a:rPr>
+              <a:t>   &lt;</a:t>
+            </a:r>
+            <a:r>
+              <a:rPr lang="en-US" sz="1400" dirty="0" err="1">
+                <a:solidFill>
+                  <a:srgbClr val="008000"/>
+                </a:solidFill>
+                <a:latin typeface="Courier"/>
+                <a:cs typeface="Courier"/>
+              </a:rPr>
+              <a:t>PointSet</a:t>
+            </a:r>
+            <a:r>
+              <a:rPr lang="en-US" sz="1400" dirty="0">
+                <a:solidFill>
+                  <a:srgbClr val="008000"/>
+                </a:solidFill>
+                <a:latin typeface="Courier"/>
+                <a:cs typeface="Courier"/>
+              </a:rPr>
+              <a:t>  </a:t>
+            </a:r>
+            <a:r>
+              <a:rPr lang="en-US" sz="1400" dirty="0">
+                <a:solidFill>
+                  <a:srgbClr val="660066"/>
+                </a:solidFill>
+                <a:latin typeface="Courier"/>
+                <a:cs typeface="Courier"/>
+              </a:rPr>
+              <a:t>name</a:t>
+            </a:r>
+            <a:r>
+              <a:rPr lang="en-US" sz="1400" dirty="0">
+                <a:solidFill>
+                  <a:srgbClr val="008000"/>
+                </a:solidFill>
+                <a:latin typeface="Courier"/>
+                <a:cs typeface="Courier"/>
+              </a:rPr>
+              <a:t>=</a:t>
+            </a:r>
+            <a:r>
+              <a:rPr lang="en-US" sz="1400" dirty="0">
+                <a:solidFill>
+                  <a:srgbClr val="1A4DB2"/>
+                </a:solidFill>
+                <a:latin typeface="Courier"/>
+                <a:cs typeface="Courier"/>
+              </a:rPr>
+              <a:t>’</a:t>
+            </a:r>
+            <a:r>
+              <a:rPr lang="en-US" sz="1400" dirty="0" err="1">
+                <a:solidFill>
+                  <a:srgbClr val="1A4DB2"/>
+                </a:solidFill>
+                <a:latin typeface="Courier"/>
+                <a:cs typeface="Courier"/>
+              </a:rPr>
+              <a:t>projectileContainer</a:t>
+            </a:r>
+            <a:r>
+              <a:rPr lang="en-US" sz="1400" dirty="0">
+                <a:solidFill>
+                  <a:srgbClr val="1A4DB2"/>
+                </a:solidFill>
+                <a:latin typeface="Courier"/>
+                <a:cs typeface="Courier"/>
+              </a:rPr>
+              <a:t>’</a:t>
+            </a:r>
+            <a:r>
+              <a:rPr lang="en-US" sz="1400" dirty="0">
+                <a:solidFill>
+                  <a:srgbClr val="008000"/>
+                </a:solidFill>
+                <a:latin typeface="Courier"/>
+                <a:cs typeface="Courier"/>
+              </a:rPr>
+              <a:t>&gt;</a:t>
+            </a:r>
+          </a:p>
+          <a:p>
+            <a:r>
+              <a:rPr lang="en-US" sz="1400" dirty="0">
+                <a:solidFill>
+                  <a:srgbClr val="008000"/>
+                </a:solidFill>
+                <a:latin typeface="Courier"/>
+                <a:cs typeface="Courier"/>
+              </a:rPr>
+              <a:t>      &lt;Input&gt;</a:t>
+            </a:r>
+            <a:r>
+              <a:rPr lang="en-US" sz="1400" dirty="0">
+                <a:solidFill>
                   <a:srgbClr val="000000"/>
                 </a:solidFill>
                 <a:latin typeface="Courier"/>
                 <a:cs typeface="Courier"/>
               </a:rPr>
-              <a:t>    </a:t>
+              <a:t>angle</a:t>
             </a:r>
             <a:r>
               <a:rPr lang="en-US" sz="1400" dirty="0">
@@ -20058,39 +22446,58 @@
                 <a:latin typeface="Courier"/>
                 <a:cs typeface="Courier"/>
               </a:rPr>
-              <a:t>&lt;tolerance&gt;</a:t>
-            </a:r>
+              <a:t>&lt;/Input&gt;</a:t>
+            </a:r>
+          </a:p>
+          <a:p>
             <a:r>
               <a:rPr lang="en-US" sz="1400" dirty="0">
                 <a:solidFill>
-                  <a:srgbClr val="000000"/>
-                </a:solidFill>
-                <a:latin typeface="Courier"/>
-                <a:cs typeface="Courier"/>
-              </a:rPr>
-              <a:t>0.005</a:t>
+                  <a:srgbClr val="008000"/>
+                </a:solidFill>
+                <a:latin typeface="Courier"/>
+                <a:cs typeface="Courier"/>
+              </a:rPr>
+              <a:t>      &lt;Output&gt;</a:t>
             </a:r>
             <a:r>
               <a:rPr lang="en-US" sz="1400" dirty="0">
+                <a:latin typeface="Courier"/>
+                <a:cs typeface="Courier"/>
+              </a:rPr>
+              <a:t>r</a:t>
+            </a:r>
+            <a:r>
+              <a:rPr lang="en-US" sz="1400" dirty="0">
                 <a:solidFill>
                   <a:srgbClr val="008000"/>
                 </a:solidFill>
                 <a:latin typeface="Courier"/>
                 <a:cs typeface="Courier"/>
               </a:rPr>
-              <a:t>&lt;/tolerance&gt;</a:t>
+              <a:t>&lt;/Output&gt;</a:t>
             </a:r>
           </a:p>
           <a:p>
             <a:r>
               <a:rPr lang="en-US" sz="1400" dirty="0">
                 <a:solidFill>
-                  <a:srgbClr val="000000"/>
-                </a:solidFill>
-                <a:latin typeface="Courier"/>
-                <a:cs typeface="Courier"/>
-              </a:rPr>
-              <a:t>    </a:t>
+                  <a:srgbClr val="008000"/>
+                </a:solidFill>
+                <a:latin typeface="Courier"/>
+                <a:cs typeface="Courier"/>
+              </a:rPr>
+              <a:t>   &lt;/</a:t>
+            </a:r>
+            <a:r>
+              <a:rPr lang="en-US" sz="1400" dirty="0" err="1">
+                <a:solidFill>
+                  <a:srgbClr val="008000"/>
+                </a:solidFill>
+                <a:latin typeface="Courier"/>
+                <a:cs typeface="Courier"/>
+              </a:rPr>
+              <a:t>PointSet</a:t>
             </a:r>
             <a:r>
               <a:rPr lang="en-US" sz="1400" dirty="0">
@@ -20100,7 +22507,19 @@
                 <a:latin typeface="Courier"/>
                 <a:cs typeface="Courier"/>
               </a:rPr>
-              <a:t>&lt;</a:t>
+              <a:t>&gt;</a:t>
+            </a:r>
+          </a:p>
+          <a:p>
+            <a:r>
+              <a:rPr lang="en-US" sz="1400" dirty="0">
+                <a:solidFill>
+                  <a:srgbClr val="008000"/>
+                </a:solidFill>
+                <a:latin typeface="Courier"/>
+                <a:cs typeface="Courier"/>
+              </a:rPr>
+              <a:t>&lt;/</a:t>
             </a:r>
             <a:r>
               <a:rPr lang="en-US" sz="1400" dirty="0" err="1">
@@ -20110,375 +22529,7 @@
                 <a:latin typeface="Courier"/>
                 <a:cs typeface="Courier"/>
               </a:rPr>
-              <a:t>maxTrainSize</a:t>
-            </a:r>
-            <a:r>
-              <a:rPr lang="en-US" sz="1400" dirty="0">
-                <a:solidFill>
-                  <a:srgbClr val="008000"/>
-                </a:solidFill>
-                <a:latin typeface="Courier"/>
-                <a:cs typeface="Courier"/>
-              </a:rPr>
-              <a:t>&gt;</a:t>
-            </a:r>
-            <a:r>
-              <a:rPr lang="en-US" sz="1400" dirty="0">
-                <a:solidFill>
-                  <a:srgbClr val="000000"/>
-                </a:solidFill>
-                <a:latin typeface="Courier"/>
-                <a:cs typeface="Courier"/>
-              </a:rPr>
-              <a:t>1000</a:t>
-            </a:r>
-            <a:r>
-              <a:rPr lang="en-US" sz="1400" dirty="0">
-                <a:solidFill>
-                  <a:srgbClr val="008000"/>
-                </a:solidFill>
-                <a:latin typeface="Courier"/>
-                <a:cs typeface="Courier"/>
-              </a:rPr>
-              <a:t>&lt;/</a:t>
-            </a:r>
-            <a:r>
-              <a:rPr lang="en-US" sz="1400" dirty="0" err="1">
-                <a:solidFill>
-                  <a:srgbClr val="008000"/>
-                </a:solidFill>
-                <a:latin typeface="Courier"/>
-                <a:cs typeface="Courier"/>
-              </a:rPr>
-              <a:t>maxTrainSize</a:t>
-            </a:r>
-            <a:r>
-              <a:rPr lang="en-US" sz="1400" dirty="0">
-                <a:solidFill>
-                  <a:srgbClr val="008000"/>
-                </a:solidFill>
-                <a:latin typeface="Courier"/>
-                <a:cs typeface="Courier"/>
-              </a:rPr>
-              <a:t>&gt;</a:t>
-            </a:r>
-          </a:p>
-          <a:p>
-            <a:r>
-              <a:rPr lang="en-US" sz="1400" dirty="0">
-                <a:solidFill>
-                  <a:srgbClr val="000000"/>
-                </a:solidFill>
-                <a:latin typeface="Courier"/>
-                <a:cs typeface="Courier"/>
-              </a:rPr>
-              <a:t>    </a:t>
-            </a:r>
-            <a:r>
-              <a:rPr lang="en-US" sz="1400" dirty="0">
-                <a:solidFill>
-                  <a:srgbClr val="008000"/>
-                </a:solidFill>
-                <a:latin typeface="Courier"/>
-                <a:cs typeface="Courier"/>
-              </a:rPr>
-              <a:t>&lt;</a:t>
-            </a:r>
-            <a:r>
-              <a:rPr lang="en-US" sz="1400" dirty="0" err="1">
-                <a:solidFill>
-                  <a:srgbClr val="008000"/>
-                </a:solidFill>
-                <a:latin typeface="Courier"/>
-                <a:cs typeface="Courier"/>
-              </a:rPr>
-              <a:t>minInitialTrainSize</a:t>
-            </a:r>
-            <a:r>
-              <a:rPr lang="en-US" sz="1400" dirty="0">
-                <a:solidFill>
-                  <a:srgbClr val="008000"/>
-                </a:solidFill>
-                <a:latin typeface="Courier"/>
-                <a:cs typeface="Courier"/>
-              </a:rPr>
-              <a:t>&gt;</a:t>
-            </a:r>
-            <a:r>
-              <a:rPr lang="en-US" sz="1400" dirty="0">
-                <a:solidFill>
-                  <a:srgbClr val="000000"/>
-                </a:solidFill>
-                <a:latin typeface="Courier"/>
-                <a:cs typeface="Courier"/>
-              </a:rPr>
-              <a:t>10</a:t>
-            </a:r>
-            <a:r>
-              <a:rPr lang="en-US" sz="1400" dirty="0">
-                <a:solidFill>
-                  <a:srgbClr val="008000"/>
-                </a:solidFill>
-                <a:latin typeface="Courier"/>
-                <a:cs typeface="Courier"/>
-              </a:rPr>
-              <a:t>&lt;/</a:t>
-            </a:r>
-            <a:r>
-              <a:rPr lang="en-US" sz="1400" dirty="0" err="1">
-                <a:solidFill>
-                  <a:srgbClr val="008000"/>
-                </a:solidFill>
-                <a:latin typeface="Courier"/>
-                <a:cs typeface="Courier"/>
-              </a:rPr>
-              <a:t>minInitialTrainSize</a:t>
-            </a:r>
-            <a:r>
-              <a:rPr lang="en-US" sz="1400" dirty="0">
-                <a:solidFill>
-                  <a:srgbClr val="008000"/>
-                </a:solidFill>
-                <a:latin typeface="Courier"/>
-                <a:cs typeface="Courier"/>
-              </a:rPr>
-              <a:t>&gt;</a:t>
-            </a:r>
-            <a:endParaRPr lang="en-US" sz="1400" dirty="0">
-              <a:solidFill>
-                <a:srgbClr val="000000"/>
-              </a:solidFill>
-              <a:latin typeface="Courier"/>
-              <a:cs typeface="Courier"/>
-            </a:endParaRPr>
-          </a:p>
-          <a:p>
-            <a:r>
-              <a:rPr lang="en-US" sz="1400" dirty="0">
-                <a:solidFill>
-                  <a:srgbClr val="000000"/>
-                </a:solidFill>
-                <a:latin typeface="Courier"/>
-                <a:cs typeface="Courier"/>
-              </a:rPr>
-              <a:t>  </a:t>
-            </a:r>
-            <a:r>
-              <a:rPr lang="en-US" sz="1400" dirty="0">
-                <a:solidFill>
-                  <a:srgbClr val="008000"/>
-                </a:solidFill>
-                <a:latin typeface="Courier"/>
-                <a:cs typeface="Courier"/>
-              </a:rPr>
-              <a:t>&lt;/settings&gt;</a:t>
-            </a:r>
-          </a:p>
-          <a:p>
-            <a:r>
-              <a:rPr lang="en-US" sz="1400" dirty="0">
-                <a:solidFill>
-                  <a:srgbClr val="008000"/>
-                </a:solidFill>
-                <a:latin typeface="Courier"/>
-                <a:cs typeface="Courier"/>
-              </a:rPr>
-              <a:t>  </a:t>
-            </a:r>
-          </a:p>
-          <a:p>
-            <a:r>
-              <a:rPr lang="en-US" sz="1400" dirty="0">
-                <a:solidFill>
-                  <a:srgbClr val="008000"/>
-                </a:solidFill>
-                <a:latin typeface="Courier"/>
-                <a:cs typeface="Courier"/>
-              </a:rPr>
-              <a:t>  &lt;</a:t>
-            </a:r>
-            <a:r>
-              <a:rPr lang="en-US" sz="1400" dirty="0" err="1">
-                <a:solidFill>
-                  <a:srgbClr val="008000"/>
-                </a:solidFill>
-                <a:latin typeface="Courier"/>
-                <a:cs typeface="Courier"/>
-              </a:rPr>
-              <a:t>validationMethod</a:t>
-            </a:r>
-            <a:r>
-              <a:rPr lang="en-US" sz="1400" dirty="0">
-                <a:solidFill>
-                  <a:srgbClr val="008000"/>
-                </a:solidFill>
-                <a:latin typeface="Courier"/>
-                <a:cs typeface="Courier"/>
-              </a:rPr>
-              <a:t> </a:t>
-            </a:r>
-            <a:r>
-              <a:rPr lang="en-US" sz="1400" dirty="0">
-                <a:solidFill>
-                  <a:srgbClr val="660066"/>
-                </a:solidFill>
-                <a:latin typeface="Courier"/>
-                <a:cs typeface="Courier"/>
-              </a:rPr>
-              <a:t>name</a:t>
-            </a:r>
-            <a:r>
-              <a:rPr lang="en-US" sz="1400" dirty="0">
-                <a:solidFill>
-                  <a:srgbClr val="008000"/>
-                </a:solidFill>
-                <a:latin typeface="Courier"/>
-                <a:cs typeface="Courier"/>
-              </a:rPr>
-              <a:t>=</a:t>
-            </a:r>
-            <a:r>
-              <a:rPr lang="en-US" sz="1400" dirty="0">
-                <a:solidFill>
-                  <a:srgbClr val="1A4DB2"/>
-                </a:solidFill>
-                <a:latin typeface="Courier"/>
-                <a:cs typeface="Courier"/>
-              </a:rPr>
-              <a:t>’</a:t>
-            </a:r>
-            <a:r>
-              <a:rPr lang="en-US" sz="1400" dirty="0" err="1">
-                <a:solidFill>
-                  <a:srgbClr val="1A4DB2"/>
-                </a:solidFill>
-                <a:latin typeface="Courier"/>
-                <a:cs typeface="Courier"/>
-              </a:rPr>
-              <a:t>CrowdingDistance</a:t>
-            </a:r>
-            <a:r>
-              <a:rPr lang="en-US" sz="1400" dirty="0">
-                <a:solidFill>
-                  <a:srgbClr val="1A4DB2"/>
-                </a:solidFill>
-                <a:latin typeface="Courier"/>
-                <a:cs typeface="Courier"/>
-              </a:rPr>
-              <a:t>’</a:t>
-            </a:r>
-            <a:r>
-              <a:rPr lang="en-US" sz="1400" dirty="0">
-                <a:solidFill>
-                  <a:srgbClr val="008000"/>
-                </a:solidFill>
-                <a:latin typeface="Courier"/>
-                <a:cs typeface="Courier"/>
-              </a:rPr>
-              <a:t>&gt;</a:t>
-            </a:r>
-            <a:endParaRPr lang="en-US" sz="1400" dirty="0">
-              <a:solidFill>
-                <a:srgbClr val="000000"/>
-              </a:solidFill>
-              <a:latin typeface="Courier"/>
-              <a:cs typeface="Courier"/>
-            </a:endParaRPr>
-          </a:p>
-          <a:p>
-            <a:r>
-              <a:rPr lang="en-US" sz="1400" dirty="0">
-                <a:solidFill>
-                  <a:srgbClr val="000000"/>
-                </a:solidFill>
-                <a:latin typeface="Courier"/>
-                <a:cs typeface="Courier"/>
-              </a:rPr>
-              <a:t>    </a:t>
-            </a:r>
-            <a:r>
-              <a:rPr lang="en-US" sz="1400" dirty="0">
-                <a:solidFill>
-                  <a:srgbClr val="008000"/>
-                </a:solidFill>
-                <a:latin typeface="Courier"/>
-                <a:cs typeface="Courier"/>
-              </a:rPr>
-              <a:t>&lt;threshold&gt;</a:t>
-            </a:r>
-            <a:r>
-              <a:rPr lang="en-US" sz="1400" dirty="0">
-                <a:solidFill>
-                  <a:srgbClr val="000000"/>
-                </a:solidFill>
-                <a:latin typeface="Courier"/>
-                <a:cs typeface="Courier"/>
-              </a:rPr>
-              <a:t>0.2</a:t>
-            </a:r>
-            <a:r>
-              <a:rPr lang="en-US" sz="1400" dirty="0">
-                <a:solidFill>
-                  <a:srgbClr val="008000"/>
-                </a:solidFill>
-                <a:latin typeface="Courier"/>
-                <a:cs typeface="Courier"/>
-              </a:rPr>
-              <a:t>&lt;/threshold&gt;</a:t>
-            </a:r>
-          </a:p>
-          <a:p>
-            <a:r>
-              <a:rPr lang="en-US" sz="1400" dirty="0">
-                <a:solidFill>
-                  <a:srgbClr val="008000"/>
-                </a:solidFill>
-                <a:latin typeface="Courier"/>
-                <a:cs typeface="Courier"/>
-              </a:rPr>
-              <a:t>  &lt;/</a:t>
-            </a:r>
-            <a:r>
-              <a:rPr lang="en-US" sz="1400" dirty="0" err="1">
-                <a:solidFill>
-                  <a:srgbClr val="008000"/>
-                </a:solidFill>
-                <a:latin typeface="Courier"/>
-                <a:cs typeface="Courier"/>
-              </a:rPr>
-              <a:t>validationMethod</a:t>
-            </a:r>
-            <a:r>
-              <a:rPr lang="en-US" sz="1400" dirty="0">
-                <a:solidFill>
-                  <a:srgbClr val="008000"/>
-                </a:solidFill>
-                <a:latin typeface="Courier"/>
-                <a:cs typeface="Courier"/>
-              </a:rPr>
-              <a:t>&gt;</a:t>
-            </a:r>
-          </a:p>
-          <a:p>
-            <a:r>
-              <a:rPr lang="en-US" sz="1400" dirty="0">
-                <a:solidFill>
-                  <a:srgbClr val="008000"/>
-                </a:solidFill>
-                <a:latin typeface="Courier"/>
-                <a:cs typeface="Courier"/>
-              </a:rPr>
-              <a:t>&lt;/</a:t>
-            </a:r>
-            <a:r>
-              <a:rPr lang="en-US" sz="1400" dirty="0" err="1">
-                <a:solidFill>
-                  <a:srgbClr val="008000"/>
-                </a:solidFill>
-                <a:latin typeface="Courier"/>
-                <a:cs typeface="Courier"/>
-              </a:rPr>
-              <a:t>HybridModel</a:t>
+              <a:t>DataObjects</a:t>
             </a:r>
             <a:r>
               <a:rPr lang="en-US" sz="1400" dirty="0">
@@ -20493,12 +22544,121 @@
           </a:p>
         </p:txBody>
       </p:sp>
+      <p:cxnSp>
+        <p:nvCxnSpPr>
+          <p:cNvPr id="12" name="Straight Connector 11">
+            <a:extLst>
+              <a:ext uri="{FF2B5EF4-FFF2-40B4-BE49-F238E27FC236}">
+                <a16:creationId xmlns:a16="http://schemas.microsoft.com/office/drawing/2014/main" id="{3F086848-B6E1-3FD0-037E-B51D043E4F49}"/>
+              </a:ext>
+            </a:extLst>
+          </p:cNvPr>
+          <p:cNvCxnSpPr>
+            <a:cxnSpLocks/>
+          </p:cNvCxnSpPr>
+          <p:nvPr/>
+        </p:nvCxnSpPr>
+        <p:spPr bwMode="auto">
+          <a:xfrm>
+            <a:off x="3025111" y="4053045"/>
+            <a:ext cx="585622" cy="0"/>
+          </a:xfrm>
+          <a:prstGeom prst="line">
+            <a:avLst/>
+          </a:prstGeom>
+          <a:solidFill>
+            <a:schemeClr val="accent1"/>
+          </a:solidFill>
+          <a:ln w="9525" cap="flat" cmpd="sng" algn="ctr">
+            <a:solidFill>
+              <a:schemeClr val="tx1"/>
+            </a:solidFill>
+            <a:prstDash val="solid"/>
+            <a:round/>
+            <a:headEnd type="none" w="med" len="med"/>
+            <a:tailEnd type="none" w="med" len="med"/>
+          </a:ln>
+          <a:effectLst/>
+        </p:spPr>
+      </p:cxnSp>
+      <p:cxnSp>
+        <p:nvCxnSpPr>
+          <p:cNvPr id="13" name="Straight Connector 12">
+            <a:extLst>
+              <a:ext uri="{FF2B5EF4-FFF2-40B4-BE49-F238E27FC236}">
+                <a16:creationId xmlns:a16="http://schemas.microsoft.com/office/drawing/2014/main" id="{5DF287A1-06C2-CF2F-16AD-E21215F56D57}"/>
+              </a:ext>
+            </a:extLst>
+          </p:cNvPr>
+          <p:cNvCxnSpPr/>
+          <p:nvPr/>
+        </p:nvCxnSpPr>
+        <p:spPr bwMode="auto">
+          <a:xfrm flipV="1">
+            <a:off x="3601431" y="3510153"/>
+            <a:ext cx="0" cy="1063167"/>
+          </a:xfrm>
+          <a:prstGeom prst="line">
+            <a:avLst/>
+          </a:prstGeom>
+          <a:solidFill>
+            <a:schemeClr val="accent1"/>
+          </a:solidFill>
+          <a:ln w="9525" cap="flat" cmpd="sng" algn="ctr">
+            <a:solidFill>
+              <a:schemeClr val="tx1"/>
+            </a:solidFill>
+            <a:prstDash val="solid"/>
+            <a:round/>
+            <a:headEnd type="none" w="med" len="med"/>
+            <a:tailEnd type="none" w="med" len="med"/>
+          </a:ln>
+          <a:effectLst/>
+        </p:spPr>
+      </p:cxnSp>
+      <p:cxnSp>
+        <p:nvCxnSpPr>
+          <p:cNvPr id="15" name="Straight Arrow Connector 14">
+            <a:extLst>
+              <a:ext uri="{FF2B5EF4-FFF2-40B4-BE49-F238E27FC236}">
+                <a16:creationId xmlns:a16="http://schemas.microsoft.com/office/drawing/2014/main" id="{04EDB4B9-55D5-5025-CC4F-B25A38352949}"/>
+              </a:ext>
+            </a:extLst>
+          </p:cNvPr>
+          <p:cNvCxnSpPr>
+            <a:cxnSpLocks/>
+          </p:cNvCxnSpPr>
+          <p:nvPr/>
+        </p:nvCxnSpPr>
+        <p:spPr bwMode="auto">
+          <a:xfrm>
+            <a:off x="3601431" y="3510152"/>
+            <a:ext cx="960168" cy="0"/>
+          </a:xfrm>
+          <a:prstGeom prst="straightConnector1">
+            <a:avLst/>
+          </a:prstGeom>
+          <a:solidFill>
+            <a:schemeClr val="accent1"/>
+          </a:solidFill>
+          <a:ln w="9525" cap="flat" cmpd="sng" algn="ctr">
+            <a:solidFill>
+              <a:schemeClr val="tx1"/>
+            </a:solidFill>
+            <a:prstDash val="solid"/>
+            <a:round/>
+            <a:headEnd type="none" w="med" len="med"/>
+            <a:tailEnd type="arrow"/>
+          </a:ln>
+          <a:effectLst/>
+        </p:spPr>
+      </p:cxnSp>
       <p:sp>
         <p:nvSpPr>
-          <p:cNvPr id="13" name="Rectangle 12">
-            <a:extLst>
-              <a:ext uri="{FF2B5EF4-FFF2-40B4-BE49-F238E27FC236}">
-                <a16:creationId xmlns:a16="http://schemas.microsoft.com/office/drawing/2014/main" id="{ABF40831-5CEB-C269-CDBD-EA09E943FF88}"/>
+          <p:cNvPr id="16" name="Rectangle 15">
+            <a:extLst>
+              <a:ext uri="{FF2B5EF4-FFF2-40B4-BE49-F238E27FC236}">
+                <a16:creationId xmlns:a16="http://schemas.microsoft.com/office/drawing/2014/main" id="{CEE2967C-51BF-C05D-AC67-CB589AEEE12D}"/>
               </a:ext>
             </a:extLst>
           </p:cNvPr>
@@ -20507,8 +22667,8 @@
         </p:nvSpPr>
         <p:spPr bwMode="auto">
           <a:xfrm>
-            <a:off x="8823536" y="2435322"/>
-            <a:ext cx="2597124" cy="586581"/>
+            <a:off x="1590589" y="3895833"/>
+            <a:ext cx="1447124" cy="314427"/>
           </a:xfrm>
           <a:prstGeom prst="rect">
             <a:avLst/>
@@ -20549,145 +22709,58 @@
               <a:rPr lang="en-US" sz="1600" dirty="0">
                 <a:latin typeface="+mj-lt"/>
               </a:rPr>
-              <a:t>The coupled models (high fidelity model and ROM)</a:t>
+              <a:t>Link</a:t>
             </a:r>
           </a:p>
         </p:txBody>
       </p:sp>
       <p:sp>
         <p:nvSpPr>
-          <p:cNvPr id="14" name="Right Brace 13">
-            <a:extLst>
-              <a:ext uri="{FF2B5EF4-FFF2-40B4-BE49-F238E27FC236}">
-                <a16:creationId xmlns:a16="http://schemas.microsoft.com/office/drawing/2014/main" id="{CCE7C779-3348-05AF-C108-67936504AD00}"/>
-              </a:ext>
-            </a:extLst>
-          </p:cNvPr>
-          <p:cNvSpPr/>
-          <p:nvPr/>
+          <p:cNvPr id="3" name="Slide Number Placeholder 2">
+            <a:extLst>
+              <a:ext uri="{FF2B5EF4-FFF2-40B4-BE49-F238E27FC236}">
+                <a16:creationId xmlns:a16="http://schemas.microsoft.com/office/drawing/2014/main" id="{239FB520-E1EE-F740-D3C1-EBC17B9B521B}"/>
+              </a:ext>
+            </a:extLst>
+          </p:cNvPr>
+          <p:cNvSpPr>
+            <a:spLocks noGrp="1"/>
+          </p:cNvSpPr>
+          <p:nvPr>
+            <p:ph type="sldNum" sz="quarter" idx="12"/>
+          </p:nvPr>
         </p:nvSpPr>
-        <p:spPr bwMode="auto">
-          <a:xfrm>
-            <a:off x="8477884" y="2532220"/>
-            <a:ext cx="259773" cy="457701"/>
-          </a:xfrm>
-          <a:prstGeom prst="rightBrace">
-            <a:avLst/>
-          </a:prstGeom>
-          <a:noFill/>
-          <a:ln w="9525" cap="flat" cmpd="sng" algn="ctr">
-            <a:solidFill>
-              <a:schemeClr val="tx1"/>
-            </a:solidFill>
-            <a:prstDash val="solid"/>
-            <a:round/>
-            <a:headEnd type="none" w="med" len="med"/>
-            <a:tailEnd type="none" w="med" len="med"/>
-          </a:ln>
-          <a:effectLst/>
-        </p:spPr>
+        <p:spPr/>
         <p:txBody>
-          <a:bodyPr vert="horz" wrap="square" lIns="91440" tIns="45720" rIns="91440" bIns="45720" numCol="1" rtlCol="0" anchor="t" anchorCtr="0" compatLnSpc="1">
-            <a:prstTxWarp prst="textNoShape">
-              <a:avLst/>
-            </a:prstTxWarp>
-          </a:bodyPr>
+          <a:bodyPr/>
           <a:lstStyle/>
           <a:p>
-            <a:pPr eaLnBrk="0" fontAlgn="base" hangingPunct="0">
-              <a:spcBef>
-                <a:spcPct val="0"/>
-              </a:spcBef>
-              <a:spcAft>
-                <a:spcPct val="0"/>
-              </a:spcAft>
-            </a:pPr>
-            <a:endParaRPr lang="en-US" sz="2400">
-              <a:latin typeface="Times New Roman" pitchFamily="18" charset="0"/>
-            </a:endParaRPr>
-          </a:p>
-        </p:txBody>
-      </p:sp>
-      <p:sp>
-        <p:nvSpPr>
-          <p:cNvPr id="15" name="Rectangle 14">
-            <a:extLst>
-              <a:ext uri="{FF2B5EF4-FFF2-40B4-BE49-F238E27FC236}">
-                <a16:creationId xmlns:a16="http://schemas.microsoft.com/office/drawing/2014/main" id="{6BB837F0-DEBD-7441-677C-4F3F46F43926}"/>
-              </a:ext>
-            </a:extLst>
-          </p:cNvPr>
-          <p:cNvSpPr/>
-          <p:nvPr/>
-        </p:nvSpPr>
-        <p:spPr bwMode="auto">
-          <a:xfrm>
-            <a:off x="8163256" y="3573517"/>
-            <a:ext cx="1946515" cy="586581"/>
-          </a:xfrm>
-          <a:prstGeom prst="rect">
-            <a:avLst/>
-          </a:prstGeom>
-          <a:solidFill>
-            <a:schemeClr val="bg1">
-              <a:lumMod val="65000"/>
-            </a:schemeClr>
-          </a:solidFill>
-          <a:ln w="9525" cap="flat" cmpd="sng" algn="ctr">
-            <a:solidFill>
-              <a:schemeClr val="tx1"/>
-            </a:solidFill>
-            <a:prstDash val="solid"/>
-            <a:round/>
-            <a:headEnd type="none" w="med" len="med"/>
-            <a:tailEnd type="none" w="med" len="med"/>
-          </a:ln>
-          <a:effectLst/>
-        </p:spPr>
-        <p:txBody>
-          <a:bodyPr vert="horz" wrap="square" lIns="91440" tIns="45720" rIns="91440" bIns="45720" numCol="1" rtlCol="0" anchor="t" anchorCtr="0" compatLnSpc="1">
-            <a:prstTxWarp prst="textNoShape">
-              <a:avLst/>
-            </a:prstTxWarp>
-          </a:bodyPr>
-          <a:lstStyle/>
-          <a:p>
-            <a:pPr algn="ctr" eaLnBrk="0" fontAlgn="base" hangingPunct="0">
-              <a:spcBef>
-                <a:spcPct val="0"/>
-              </a:spcBef>
-              <a:spcAft>
-                <a:spcPct val="0"/>
-              </a:spcAft>
-            </a:pPr>
-            <a:r>
-              <a:rPr lang="en-US" sz="1600" dirty="0">
-                <a:latin typeface="+mj-lt"/>
-              </a:rPr>
-              <a:t>Cross validation processor</a:t>
-            </a:r>
+            <a:fld id="{82B577FA-F7D9-2C48-919F-F962E3BF952F}" type="slidenum">
+              <a:rPr lang="en-US" smtClean="0"/>
+              <a:t>27</a:t>
+            </a:fld>
+            <a:endParaRPr lang="en-US"/>
           </a:p>
         </p:txBody>
       </p:sp>
       <p:cxnSp>
         <p:nvCxnSpPr>
-          <p:cNvPr id="16" name="Straight Arrow Connector 15">
-            <a:extLst>
-              <a:ext uri="{FF2B5EF4-FFF2-40B4-BE49-F238E27FC236}">
-                <a16:creationId xmlns:a16="http://schemas.microsoft.com/office/drawing/2014/main" id="{74AA577C-29E8-0E41-FE5D-9084116E7EAB}"/>
+          <p:cNvPr id="19" name="Straight Arrow Connector 18">
+            <a:extLst>
+              <a:ext uri="{FF2B5EF4-FFF2-40B4-BE49-F238E27FC236}">
+                <a16:creationId xmlns:a16="http://schemas.microsoft.com/office/drawing/2014/main" id="{733D1C4F-6253-7A03-1DF4-6444299F471C}"/>
               </a:ext>
             </a:extLst>
           </p:cNvPr>
           <p:cNvCxnSpPr>
             <a:cxnSpLocks/>
-            <a:stCxn id="15" idx="1"/>
           </p:cNvCxnSpPr>
           <p:nvPr/>
         </p:nvCxnSpPr>
         <p:spPr bwMode="auto">
-          <a:xfrm flipH="1">
-            <a:off x="7166670" y="3866808"/>
-            <a:ext cx="996586" cy="107239"/>
+          <a:xfrm>
+            <a:off x="3601431" y="4573320"/>
+            <a:ext cx="960168" cy="0"/>
           </a:xfrm>
           <a:prstGeom prst="straightConnector1">
             <a:avLst/>
@@ -20709,289 +22782,10 @@
       </p:cxnSp>
       <p:sp>
         <p:nvSpPr>
-          <p:cNvPr id="17" name="Rectangle 16">
-            <a:extLst>
-              <a:ext uri="{FF2B5EF4-FFF2-40B4-BE49-F238E27FC236}">
-                <a16:creationId xmlns:a16="http://schemas.microsoft.com/office/drawing/2014/main" id="{4814BA9D-DBAB-05F0-9000-9AEE42696D82}"/>
-              </a:ext>
-            </a:extLst>
-          </p:cNvPr>
-          <p:cNvSpPr/>
-          <p:nvPr/>
-        </p:nvSpPr>
-        <p:spPr bwMode="auto">
-          <a:xfrm>
-            <a:off x="6659045" y="6145821"/>
-            <a:ext cx="1870744" cy="539807"/>
-          </a:xfrm>
-          <a:prstGeom prst="rect">
-            <a:avLst/>
-          </a:prstGeom>
-          <a:solidFill>
-            <a:schemeClr val="bg1">
-              <a:lumMod val="65000"/>
-            </a:schemeClr>
-          </a:solidFill>
-          <a:ln w="9525" cap="flat" cmpd="sng" algn="ctr">
-            <a:solidFill>
-              <a:schemeClr val="tx1"/>
-            </a:solidFill>
-            <a:prstDash val="solid"/>
-            <a:round/>
-            <a:headEnd type="none" w="med" len="med"/>
-            <a:tailEnd type="none" w="med" len="med"/>
-          </a:ln>
-          <a:effectLst/>
-        </p:spPr>
-        <p:txBody>
-          <a:bodyPr vert="horz" wrap="square" lIns="91440" tIns="45720" rIns="91440" bIns="45720" numCol="1" rtlCol="0" anchor="t" anchorCtr="0" compatLnSpc="1">
-            <a:prstTxWarp prst="textNoShape">
-              <a:avLst/>
-            </a:prstTxWarp>
-          </a:bodyPr>
-          <a:lstStyle/>
-          <a:p>
-            <a:pPr algn="ctr" eaLnBrk="0" fontAlgn="base" hangingPunct="0">
-              <a:spcBef>
-                <a:spcPct val="0"/>
-              </a:spcBef>
-              <a:spcAft>
-                <a:spcPct val="0"/>
-              </a:spcAft>
-            </a:pPr>
-            <a:r>
-              <a:rPr lang="en-US" sz="1600" dirty="0">
-                <a:latin typeface="+mj-lt"/>
-              </a:rPr>
-              <a:t>Local validation metric</a:t>
-            </a:r>
-          </a:p>
-        </p:txBody>
-      </p:sp>
-      <p:cxnSp>
-        <p:nvCxnSpPr>
-          <p:cNvPr id="18" name="Straight Arrow Connector 17">
-            <a:extLst>
-              <a:ext uri="{FF2B5EF4-FFF2-40B4-BE49-F238E27FC236}">
-                <a16:creationId xmlns:a16="http://schemas.microsoft.com/office/drawing/2014/main" id="{298C8FE9-854C-3BD7-90F4-DF9A6D5AF56E}"/>
-              </a:ext>
-            </a:extLst>
-          </p:cNvPr>
-          <p:cNvCxnSpPr>
-            <a:cxnSpLocks/>
-          </p:cNvCxnSpPr>
-          <p:nvPr/>
-        </p:nvCxnSpPr>
-        <p:spPr bwMode="auto">
-          <a:xfrm flipH="1" flipV="1">
-            <a:off x="5722706" y="5859444"/>
-            <a:ext cx="936339" cy="579177"/>
-          </a:xfrm>
-          <a:prstGeom prst="straightConnector1">
-            <a:avLst/>
-          </a:prstGeom>
-          <a:solidFill>
-            <a:schemeClr val="accent1"/>
-          </a:solidFill>
-          <a:ln w="9525" cap="flat" cmpd="sng" algn="ctr">
-            <a:solidFill>
-              <a:schemeClr val="tx1"/>
-            </a:solidFill>
-            <a:prstDash val="solid"/>
-            <a:round/>
-            <a:headEnd type="none" w="med" len="med"/>
-            <a:tailEnd type="arrow"/>
-          </a:ln>
-          <a:effectLst/>
-        </p:spPr>
-      </p:cxnSp>
-      <p:sp>
-        <p:nvSpPr>
-          <p:cNvPr id="19" name="Rectangle 18">
-            <a:extLst>
-              <a:ext uri="{FF2B5EF4-FFF2-40B4-BE49-F238E27FC236}">
-                <a16:creationId xmlns:a16="http://schemas.microsoft.com/office/drawing/2014/main" id="{5A0BCA6F-5D11-2354-22AF-D7A30DFDBB34}"/>
-              </a:ext>
-            </a:extLst>
-          </p:cNvPr>
-          <p:cNvSpPr/>
-          <p:nvPr/>
-        </p:nvSpPr>
-        <p:spPr bwMode="auto">
-          <a:xfrm>
-            <a:off x="7987030" y="4782020"/>
-            <a:ext cx="1249430" cy="368896"/>
-          </a:xfrm>
-          <a:prstGeom prst="rect">
-            <a:avLst/>
-          </a:prstGeom>
-          <a:solidFill>
-            <a:schemeClr val="bg1">
-              <a:lumMod val="65000"/>
-            </a:schemeClr>
-          </a:solidFill>
-          <a:ln w="9525" cap="flat" cmpd="sng" algn="ctr">
-            <a:solidFill>
-              <a:schemeClr val="tx1"/>
-            </a:solidFill>
-            <a:prstDash val="solid"/>
-            <a:round/>
-            <a:headEnd type="none" w="med" len="med"/>
-            <a:tailEnd type="none" w="med" len="med"/>
-          </a:ln>
-          <a:effectLst/>
-        </p:spPr>
-        <p:txBody>
-          <a:bodyPr vert="horz" wrap="square" lIns="91440" tIns="45720" rIns="91440" bIns="45720" numCol="1" rtlCol="0" anchor="t" anchorCtr="0" compatLnSpc="1">
-            <a:prstTxWarp prst="textNoShape">
-              <a:avLst/>
-            </a:prstTxWarp>
-          </a:bodyPr>
-          <a:lstStyle/>
-          <a:p>
-            <a:pPr algn="ctr" eaLnBrk="0" fontAlgn="base" hangingPunct="0">
-              <a:spcBef>
-                <a:spcPct val="0"/>
-              </a:spcBef>
-              <a:spcAft>
-                <a:spcPct val="0"/>
-              </a:spcAft>
-            </a:pPr>
-            <a:r>
-              <a:rPr lang="en-US" sz="1600" dirty="0">
-                <a:latin typeface="+mj-lt"/>
-              </a:rPr>
-              <a:t>Settings</a:t>
-            </a:r>
-          </a:p>
-        </p:txBody>
-      </p:sp>
-      <p:cxnSp>
-        <p:nvCxnSpPr>
-          <p:cNvPr id="20" name="Straight Arrow Connector 19">
-            <a:extLst>
-              <a:ext uri="{FF2B5EF4-FFF2-40B4-BE49-F238E27FC236}">
-                <a16:creationId xmlns:a16="http://schemas.microsoft.com/office/drawing/2014/main" id="{7D5916CA-B4C7-4873-5001-9F10243DE394}"/>
-              </a:ext>
-            </a:extLst>
-          </p:cNvPr>
-          <p:cNvCxnSpPr>
-            <a:cxnSpLocks/>
-          </p:cNvCxnSpPr>
-          <p:nvPr/>
-        </p:nvCxnSpPr>
-        <p:spPr bwMode="auto">
-          <a:xfrm flipH="1" flipV="1">
-            <a:off x="7485722" y="4788980"/>
-            <a:ext cx="501308" cy="177489"/>
-          </a:xfrm>
-          <a:prstGeom prst="straightConnector1">
-            <a:avLst/>
-          </a:prstGeom>
-          <a:solidFill>
-            <a:schemeClr val="accent1"/>
-          </a:solidFill>
-          <a:ln w="9525" cap="flat" cmpd="sng" algn="ctr">
-            <a:solidFill>
-              <a:schemeClr val="tx1"/>
-            </a:solidFill>
-            <a:prstDash val="solid"/>
-            <a:round/>
-            <a:headEnd type="none" w="med" len="med"/>
-            <a:tailEnd type="arrow"/>
-          </a:ln>
-          <a:effectLst/>
-        </p:spPr>
-      </p:cxnSp>
-      <p:sp>
-        <p:nvSpPr>
-          <p:cNvPr id="21" name="Right Brace 20">
-            <a:extLst>
-              <a:ext uri="{FF2B5EF4-FFF2-40B4-BE49-F238E27FC236}">
-                <a16:creationId xmlns:a16="http://schemas.microsoft.com/office/drawing/2014/main" id="{09F544D9-31D2-EAAC-BEAC-D9FAD186367D}"/>
-              </a:ext>
-            </a:extLst>
-          </p:cNvPr>
-          <p:cNvSpPr/>
-          <p:nvPr/>
-        </p:nvSpPr>
-        <p:spPr bwMode="auto">
-          <a:xfrm>
-            <a:off x="7166670" y="4331958"/>
-            <a:ext cx="259773" cy="936976"/>
-          </a:xfrm>
-          <a:prstGeom prst="rightBrace">
-            <a:avLst/>
-          </a:prstGeom>
-          <a:noFill/>
-          <a:ln w="9525" cap="flat" cmpd="sng" algn="ctr">
-            <a:solidFill>
-              <a:schemeClr val="tx1"/>
-            </a:solidFill>
-            <a:prstDash val="solid"/>
-            <a:round/>
-            <a:headEnd type="none" w="med" len="med"/>
-            <a:tailEnd type="none" w="med" len="med"/>
-          </a:ln>
-          <a:effectLst/>
-        </p:spPr>
-        <p:txBody>
-          <a:bodyPr vert="horz" wrap="square" lIns="91440" tIns="45720" rIns="91440" bIns="45720" numCol="1" rtlCol="0" anchor="t" anchorCtr="0" compatLnSpc="1">
-            <a:prstTxWarp prst="textNoShape">
-              <a:avLst/>
-            </a:prstTxWarp>
-          </a:bodyPr>
-          <a:lstStyle/>
-          <a:p>
-            <a:pPr eaLnBrk="0" fontAlgn="base" hangingPunct="0">
-              <a:spcBef>
-                <a:spcPct val="0"/>
-              </a:spcBef>
-              <a:spcAft>
-                <a:spcPct val="0"/>
-              </a:spcAft>
-            </a:pPr>
-            <a:endParaRPr lang="en-US" sz="2400">
-              <a:latin typeface="Times New Roman" pitchFamily="18" charset="0"/>
-            </a:endParaRPr>
-          </a:p>
-        </p:txBody>
-      </p:sp>
-      <p:sp>
-        <p:nvSpPr>
-          <p:cNvPr id="3" name="Slide Number Placeholder 2">
-            <a:extLst>
-              <a:ext uri="{FF2B5EF4-FFF2-40B4-BE49-F238E27FC236}">
-                <a16:creationId xmlns:a16="http://schemas.microsoft.com/office/drawing/2014/main" id="{EB8112E9-3051-3D39-2BFA-51D18C08647F}"/>
-              </a:ext>
-            </a:extLst>
-          </p:cNvPr>
-          <p:cNvSpPr>
-            <a:spLocks noGrp="1"/>
-          </p:cNvSpPr>
-          <p:nvPr>
-            <p:ph type="sldNum" sz="quarter" idx="12"/>
-          </p:nvPr>
-        </p:nvSpPr>
-        <p:spPr/>
-        <p:txBody>
-          <a:bodyPr/>
-          <a:lstStyle/>
-          <a:p>
-            <a:fld id="{82B577FA-F7D9-2C48-919F-F962E3BF952F}" type="slidenum">
-              <a:rPr lang="en-US" smtClean="0"/>
-              <a:t>27</a:t>
-            </a:fld>
-            <a:endParaRPr lang="en-US"/>
-          </a:p>
-        </p:txBody>
-      </p:sp>
-      <p:sp>
-        <p:nvSpPr>
-          <p:cNvPr id="25" name="Rectangle 24">
-            <a:extLst>
-              <a:ext uri="{FF2B5EF4-FFF2-40B4-BE49-F238E27FC236}">
-                <a16:creationId xmlns:a16="http://schemas.microsoft.com/office/drawing/2014/main" id="{782CE247-AEF3-19CF-739C-A0A5F791A592}"/>
+          <p:cNvPr id="20" name="Rectangle 19">
+            <a:extLst>
+              <a:ext uri="{FF2B5EF4-FFF2-40B4-BE49-F238E27FC236}">
+                <a16:creationId xmlns:a16="http://schemas.microsoft.com/office/drawing/2014/main" id="{0106EE1A-6568-E992-5165-F15DC16EA7F3}"/>
               </a:ext>
             </a:extLst>
           </p:cNvPr>
@@ -21008,7 +22802,7 @@
           </a:prstGeom>
           <a:solidFill>
             <a:schemeClr val="bg1">
-              <a:lumMod val="65000"/>
+              <a:lumMod val="85000"/>
             </a:schemeClr>
           </a:solidFill>
           <a:ln>
@@ -21060,10 +22854,10 @@
       </p:sp>
       <p:sp>
         <p:nvSpPr>
-          <p:cNvPr id="26" name="Rectangle 25">
-            <a:extLst>
-              <a:ext uri="{FF2B5EF4-FFF2-40B4-BE49-F238E27FC236}">
-                <a16:creationId xmlns:a16="http://schemas.microsoft.com/office/drawing/2014/main" id="{2FAB243B-C7A9-0229-6EEA-416E83DAA302}"/>
+          <p:cNvPr id="21" name="Rectangle 20">
+            <a:extLst>
+              <a:ext uri="{FF2B5EF4-FFF2-40B4-BE49-F238E27FC236}">
+                <a16:creationId xmlns:a16="http://schemas.microsoft.com/office/drawing/2014/main" id="{93997864-6C48-1B08-E3A5-D3A97D03DBCF}"/>
               </a:ext>
             </a:extLst>
           </p:cNvPr>
@@ -21133,10 +22927,10 @@
       </p:sp>
       <p:sp>
         <p:nvSpPr>
-          <p:cNvPr id="27" name="Rectangle 26">
-            <a:extLst>
-              <a:ext uri="{FF2B5EF4-FFF2-40B4-BE49-F238E27FC236}">
-                <a16:creationId xmlns:a16="http://schemas.microsoft.com/office/drawing/2014/main" id="{BACDBB76-C078-72F5-F42A-8336C3F4C680}"/>
+          <p:cNvPr id="22" name="Rectangle 21">
+            <a:extLst>
+              <a:ext uri="{FF2B5EF4-FFF2-40B4-BE49-F238E27FC236}">
+                <a16:creationId xmlns:a16="http://schemas.microsoft.com/office/drawing/2014/main" id="{CB92D069-F7F4-F293-74E5-6406BDC92E33}"/>
               </a:ext>
             </a:extLst>
           </p:cNvPr>
@@ -21203,10 +22997,10 @@
       </p:sp>
       <p:sp>
         <p:nvSpPr>
-          <p:cNvPr id="28" name="Rectangle 27">
-            <a:extLst>
-              <a:ext uri="{FF2B5EF4-FFF2-40B4-BE49-F238E27FC236}">
-                <a16:creationId xmlns:a16="http://schemas.microsoft.com/office/drawing/2014/main" id="{B100BCEC-CB68-2732-2F82-3FAEDD06711C}"/>
+          <p:cNvPr id="23" name="Rectangle 22">
+            <a:extLst>
+              <a:ext uri="{FF2B5EF4-FFF2-40B4-BE49-F238E27FC236}">
+                <a16:creationId xmlns:a16="http://schemas.microsoft.com/office/drawing/2014/main" id="{8C3A6BEE-AFED-ED81-DB67-F0964BC14E5A}"/>
               </a:ext>
             </a:extLst>
           </p:cNvPr>
@@ -21273,10 +23067,10 @@
       </p:sp>
       <p:sp>
         <p:nvSpPr>
-          <p:cNvPr id="29" name="Rectangle 28">
-            <a:extLst>
-              <a:ext uri="{FF2B5EF4-FFF2-40B4-BE49-F238E27FC236}">
-                <a16:creationId xmlns:a16="http://schemas.microsoft.com/office/drawing/2014/main" id="{D403A0F2-8AE3-04A8-B15E-4F9C2E94B35D}"/>
+          <p:cNvPr id="24" name="Rectangle 23">
+            <a:extLst>
+              <a:ext uri="{FF2B5EF4-FFF2-40B4-BE49-F238E27FC236}">
+                <a16:creationId xmlns:a16="http://schemas.microsoft.com/office/drawing/2014/main" id="{39825FAA-8BC1-1D40-F6A2-59C30F61054B}"/>
               </a:ext>
             </a:extLst>
           </p:cNvPr>
@@ -21343,10 +23137,10 @@
       </p:sp>
       <p:sp>
         <p:nvSpPr>
-          <p:cNvPr id="30" name="Rectangle 29">
-            <a:extLst>
-              <a:ext uri="{FF2B5EF4-FFF2-40B4-BE49-F238E27FC236}">
-                <a16:creationId xmlns:a16="http://schemas.microsoft.com/office/drawing/2014/main" id="{C1F4ADD3-9BB8-9F18-6699-7FB6B852676F}"/>
+          <p:cNvPr id="25" name="Rectangle 24">
+            <a:extLst>
+              <a:ext uri="{FF2B5EF4-FFF2-40B4-BE49-F238E27FC236}">
+                <a16:creationId xmlns:a16="http://schemas.microsoft.com/office/drawing/2014/main" id="{C60F80A2-7973-6A7B-621D-DE5B08941CE6}"/>
               </a:ext>
             </a:extLst>
           </p:cNvPr>
@@ -21362,7 +23156,9 @@
             <a:avLst/>
           </a:prstGeom>
           <a:solidFill>
-            <a:srgbClr val="D9D9D9"/>
+            <a:schemeClr val="bg1">
+              <a:lumMod val="65000"/>
+            </a:schemeClr>
           </a:solidFill>
           <a:ln>
             <a:headEnd type="none" w="med" len="med"/>
@@ -21419,10 +23215,10 @@
       </p:sp>
       <p:sp>
         <p:nvSpPr>
-          <p:cNvPr id="31" name="Rectangle 30">
-            <a:extLst>
-              <a:ext uri="{FF2B5EF4-FFF2-40B4-BE49-F238E27FC236}">
-                <a16:creationId xmlns:a16="http://schemas.microsoft.com/office/drawing/2014/main" id="{F95143AB-FF44-A2BF-7BC6-BF4D0E69B570}"/>
+          <p:cNvPr id="26" name="Rectangle 25">
+            <a:extLst>
+              <a:ext uri="{FF2B5EF4-FFF2-40B4-BE49-F238E27FC236}">
+                <a16:creationId xmlns:a16="http://schemas.microsoft.com/office/drawing/2014/main" id="{09E144AC-F467-9303-084B-BE00199F42D8}"/>
               </a:ext>
             </a:extLst>
           </p:cNvPr>
@@ -21495,10 +23291,10 @@
       </p:sp>
       <p:sp>
         <p:nvSpPr>
-          <p:cNvPr id="32" name="Rectangle 31">
-            <a:extLst>
-              <a:ext uri="{FF2B5EF4-FFF2-40B4-BE49-F238E27FC236}">
-                <a16:creationId xmlns:a16="http://schemas.microsoft.com/office/drawing/2014/main" id="{B71C982E-DE9F-8DB3-EE57-34E4AB93748A}"/>
+          <p:cNvPr id="27" name="Rectangle 26">
+            <a:extLst>
+              <a:ext uri="{FF2B5EF4-FFF2-40B4-BE49-F238E27FC236}">
+                <a16:creationId xmlns:a16="http://schemas.microsoft.com/office/drawing/2014/main" id="{3C53675C-ED55-C25F-6490-179E65927B5F}"/>
               </a:ext>
             </a:extLst>
           </p:cNvPr>
@@ -21568,7 +23364,7 @@
     </p:spTree>
     <p:extLst>
       <p:ext uri="{BB962C8B-B14F-4D97-AF65-F5344CB8AC3E}">
-        <p14:creationId xmlns:p14="http://schemas.microsoft.com/office/powerpoint/2010/main" val="1188995753"/>
+        <p14:creationId xmlns:p14="http://schemas.microsoft.com/office/powerpoint/2010/main" val="4190943412"/>
       </p:ext>
     </p:extLst>
   </p:cSld>
@@ -21600,7 +23396,7 @@
           <p:cNvPr id="2" name="Title 1">
             <a:extLst>
               <a:ext uri="{FF2B5EF4-FFF2-40B4-BE49-F238E27FC236}">
-                <a16:creationId xmlns:a16="http://schemas.microsoft.com/office/drawing/2014/main" id="{AF623C7F-3708-86A7-D278-F0E30873DF38}"/>
+                <a16:creationId xmlns:a16="http://schemas.microsoft.com/office/drawing/2014/main" id="{19150399-2DDC-E5BB-0801-3DDD17BB18CE}"/>
               </a:ext>
             </a:extLst>
           </p:cNvPr>
@@ -21618,375 +23414,53 @@
           <a:p>
             <a:r>
               <a:rPr lang="en-US" dirty="0"/>
-              <a:t>Create a Hybrid model</a:t>
+              <a:t>Hybrid Model Application</a:t>
             </a:r>
           </a:p>
         </p:txBody>
       </p:sp>
       <p:sp>
         <p:nvSpPr>
-          <p:cNvPr id="12" name="TextBox 11">
-            <a:extLst>
-              <a:ext uri="{FF2B5EF4-FFF2-40B4-BE49-F238E27FC236}">
-                <a16:creationId xmlns:a16="http://schemas.microsoft.com/office/drawing/2014/main" id="{E8993F7E-AEA0-6BEE-7F91-3ADDDCFDB427}"/>
-              </a:ext>
-            </a:extLst>
-          </p:cNvPr>
-          <p:cNvSpPr txBox="1"/>
-          <p:nvPr/>
+          <p:cNvPr id="3" name="Content Placeholder 2">
+            <a:extLst>
+              <a:ext uri="{FF2B5EF4-FFF2-40B4-BE49-F238E27FC236}">
+                <a16:creationId xmlns:a16="http://schemas.microsoft.com/office/drawing/2014/main" id="{3AC6EAC5-B77F-36D2-414F-4FC5B705A1CA}"/>
+              </a:ext>
+            </a:extLst>
+          </p:cNvPr>
+          <p:cNvSpPr>
+            <a:spLocks noGrp="1"/>
+          </p:cNvSpPr>
+          <p:nvPr>
+            <p:ph idx="1"/>
+          </p:nvPr>
         </p:nvSpPr>
         <p:spPr>
           <a:xfrm>
-            <a:off x="2328502" y="3281165"/>
-            <a:ext cx="7533409" cy="1169551"/>
+            <a:off x="938150" y="1290321"/>
+            <a:ext cx="10415649" cy="842026"/>
           </a:xfrm>
-          <a:prstGeom prst="rect">
-            <a:avLst/>
-          </a:prstGeom>
-          <a:solidFill>
-            <a:schemeClr val="bg1">
-              <a:lumMod val="85000"/>
-            </a:schemeClr>
-          </a:solidFill>
-          <a:ln>
-            <a:noFill/>
-          </a:ln>
         </p:spPr>
         <p:txBody>
-          <a:bodyPr wrap="square" rtlCol="0">
-            <a:spAutoFit/>
-          </a:bodyPr>
+          <a:bodyPr/>
           <a:lstStyle/>
           <a:p>
             <a:r>
-              <a:rPr lang="en-US" sz="1400" dirty="0">
-                <a:solidFill>
-                  <a:srgbClr val="008000"/>
-                </a:solidFill>
-                <a:latin typeface="Courier"/>
-                <a:cs typeface="Courier"/>
-              </a:rPr>
-              <a:t>&lt;Metrics&gt;</a:t>
-            </a:r>
-          </a:p>
-          <a:p>
-            <a:r>
-              <a:rPr lang="en-US" sz="1400" dirty="0">
-                <a:solidFill>
-                  <a:srgbClr val="008000"/>
-                </a:solidFill>
-                <a:latin typeface="Courier"/>
-                <a:cs typeface="Courier"/>
-              </a:rPr>
-              <a:t>  &lt;SKL </a:t>
-            </a:r>
-            <a:r>
-              <a:rPr lang="en-US" sz="1400" dirty="0">
-                <a:solidFill>
-                  <a:srgbClr val="660066"/>
-                </a:solidFill>
-                <a:latin typeface="Courier"/>
-                <a:cs typeface="Courier"/>
-              </a:rPr>
-              <a:t>name</a:t>
-            </a:r>
-            <a:r>
-              <a:rPr lang="en-US" sz="1400" dirty="0">
-                <a:solidFill>
-                  <a:srgbClr val="008000"/>
-                </a:solidFill>
-                <a:latin typeface="Courier"/>
-                <a:cs typeface="Courier"/>
-              </a:rPr>
-              <a:t>=</a:t>
-            </a:r>
-            <a:r>
-              <a:rPr lang="en-US" sz="1400" dirty="0">
-                <a:solidFill>
-                  <a:srgbClr val="1A4DB2"/>
-                </a:solidFill>
-                <a:latin typeface="Courier"/>
-                <a:cs typeface="Courier"/>
-              </a:rPr>
-              <a:t>’m1’ </a:t>
-            </a:r>
-            <a:r>
-              <a:rPr lang="en-US" sz="1400" dirty="0">
-                <a:solidFill>
-                  <a:srgbClr val="660066"/>
-                </a:solidFill>
-                <a:latin typeface="Courier"/>
-                <a:cs typeface="Courier"/>
-              </a:rPr>
-              <a:t>subtype</a:t>
-            </a:r>
-            <a:r>
-              <a:rPr lang="en-US" sz="1400" dirty="0">
-                <a:solidFill>
-                  <a:srgbClr val="008000"/>
-                </a:solidFill>
-                <a:latin typeface="Courier"/>
-                <a:cs typeface="Courier"/>
-              </a:rPr>
-              <a:t>=</a:t>
-            </a:r>
-            <a:r>
-              <a:rPr lang="en-US" sz="1400" dirty="0">
-                <a:solidFill>
-                  <a:srgbClr val="1A4DB2"/>
-                </a:solidFill>
-                <a:latin typeface="Courier"/>
-                <a:cs typeface="Courier"/>
-              </a:rPr>
-              <a:t>’SKL’ </a:t>
-            </a:r>
-            <a:r>
-              <a:rPr lang="en-US" sz="1400" dirty="0">
-                <a:solidFill>
-                  <a:srgbClr val="008000"/>
-                </a:solidFill>
-                <a:latin typeface="Courier"/>
-                <a:cs typeface="Courier"/>
-              </a:rPr>
-              <a:t>&gt;</a:t>
-            </a:r>
-            <a:endParaRPr lang="en-US" sz="1400" dirty="0">
-              <a:solidFill>
-                <a:srgbClr val="000000"/>
-              </a:solidFill>
-              <a:latin typeface="Courier"/>
-              <a:cs typeface="Courier"/>
-            </a:endParaRPr>
-          </a:p>
-          <a:p>
-            <a:r>
-              <a:rPr lang="en-US" sz="1400" dirty="0">
-                <a:solidFill>
-                  <a:srgbClr val="000000"/>
-                </a:solidFill>
-                <a:latin typeface="Courier"/>
-                <a:cs typeface="Courier"/>
-              </a:rPr>
-              <a:t>   </a:t>
-            </a:r>
-            <a:r>
-              <a:rPr lang="en-US" sz="1400" dirty="0">
-                <a:solidFill>
-                  <a:srgbClr val="008000"/>
-                </a:solidFill>
-                <a:latin typeface="Courier"/>
-                <a:cs typeface="Courier"/>
-              </a:rPr>
-              <a:t> &lt;</a:t>
-            </a:r>
-            <a:r>
-              <a:rPr lang="en-US" sz="1400" dirty="0" err="1">
-                <a:solidFill>
-                  <a:srgbClr val="008000"/>
-                </a:solidFill>
-                <a:latin typeface="Courier"/>
-                <a:cs typeface="Courier"/>
-              </a:rPr>
-              <a:t>metricType</a:t>
-            </a:r>
-            <a:r>
-              <a:rPr lang="en-US" sz="1400" dirty="0">
-                <a:solidFill>
-                  <a:srgbClr val="008000"/>
-                </a:solidFill>
-                <a:latin typeface="Courier"/>
-                <a:cs typeface="Courier"/>
-              </a:rPr>
-              <a:t>&gt;</a:t>
-            </a:r>
-            <a:r>
-              <a:rPr lang="en-US" sz="1400" dirty="0" err="1">
-                <a:solidFill>
-                  <a:srgbClr val="000000"/>
-                </a:solidFill>
-                <a:latin typeface="Courier"/>
-                <a:cs typeface="Courier"/>
-              </a:rPr>
-              <a:t>regression|mean_absolute_error</a:t>
-            </a:r>
-            <a:r>
-              <a:rPr lang="en-US" sz="1400" dirty="0">
-                <a:solidFill>
-                  <a:srgbClr val="008000"/>
-                </a:solidFill>
-                <a:latin typeface="Courier"/>
-                <a:cs typeface="Courier"/>
-              </a:rPr>
-              <a:t>&lt;/</a:t>
-            </a:r>
-            <a:r>
-              <a:rPr lang="en-US" sz="1400" dirty="0" err="1">
-                <a:solidFill>
-                  <a:srgbClr val="008000"/>
-                </a:solidFill>
-                <a:latin typeface="Courier"/>
-                <a:cs typeface="Courier"/>
-              </a:rPr>
-              <a:t>metricType</a:t>
-            </a:r>
-            <a:r>
-              <a:rPr lang="en-US" sz="1400" dirty="0">
-                <a:solidFill>
-                  <a:srgbClr val="008000"/>
-                </a:solidFill>
-                <a:latin typeface="Courier"/>
-                <a:cs typeface="Courier"/>
-              </a:rPr>
-              <a:t>&gt;</a:t>
-            </a:r>
-            <a:endParaRPr lang="en-US" sz="1400" dirty="0">
-              <a:solidFill>
-                <a:srgbClr val="000000"/>
-              </a:solidFill>
-              <a:latin typeface="Courier"/>
-              <a:cs typeface="Courier"/>
-            </a:endParaRPr>
-          </a:p>
-          <a:p>
-            <a:r>
-              <a:rPr lang="en-US" sz="1400" dirty="0">
-                <a:solidFill>
-                  <a:srgbClr val="000000"/>
-                </a:solidFill>
-                <a:latin typeface="Courier"/>
-                <a:cs typeface="Courier"/>
-              </a:rPr>
-              <a:t>  </a:t>
-            </a:r>
-            <a:r>
-              <a:rPr lang="en-US" sz="1400" dirty="0">
-                <a:solidFill>
-                  <a:srgbClr val="008000"/>
-                </a:solidFill>
-                <a:latin typeface="Courier"/>
-                <a:cs typeface="Courier"/>
-              </a:rPr>
-              <a:t>&lt;/SKL&gt;</a:t>
-            </a:r>
-          </a:p>
-          <a:p>
-            <a:r>
-              <a:rPr lang="en-US" sz="1400" dirty="0">
-                <a:solidFill>
-                  <a:srgbClr val="008000"/>
-                </a:solidFill>
-                <a:latin typeface="Courier"/>
-                <a:cs typeface="Courier"/>
-              </a:rPr>
-              <a:t>&lt;/Metrics&gt;</a:t>
-            </a:r>
+              <a:rPr lang="en-US" sz="2000" dirty="0"/>
+              <a:t>Example: automatic model selection for a PWR SBO sequence, using RELAP5-3D and a SVM surrogate model</a:t>
+            </a:r>
+          </a:p>
+          <a:p>
+            <a:endParaRPr lang="en-US" dirty="0"/>
           </a:p>
         </p:txBody>
       </p:sp>
       <p:sp>
         <p:nvSpPr>
-          <p:cNvPr id="13" name="Rectangle 12">
-            <a:extLst>
-              <a:ext uri="{FF2B5EF4-FFF2-40B4-BE49-F238E27FC236}">
-                <a16:creationId xmlns:a16="http://schemas.microsoft.com/office/drawing/2014/main" id="{3CC84DAA-1CCC-3F30-7892-CB518124B1A7}"/>
-              </a:ext>
-            </a:extLst>
-          </p:cNvPr>
-          <p:cNvSpPr/>
-          <p:nvPr/>
-        </p:nvSpPr>
-        <p:spPr bwMode="auto">
-          <a:xfrm>
-            <a:off x="5276180" y="4627407"/>
-            <a:ext cx="2068074" cy="869384"/>
-          </a:xfrm>
-          <a:prstGeom prst="rect">
-            <a:avLst/>
-          </a:prstGeom>
-          <a:solidFill>
-            <a:schemeClr val="bg1">
-              <a:lumMod val="65000"/>
-            </a:schemeClr>
-          </a:solidFill>
-          <a:ln w="9525" cap="flat" cmpd="sng" algn="ctr">
-            <a:solidFill>
-              <a:schemeClr val="tx1"/>
-            </a:solidFill>
-            <a:prstDash val="solid"/>
-            <a:round/>
-            <a:headEnd type="none" w="med" len="med"/>
-            <a:tailEnd type="none" w="med" len="med"/>
-          </a:ln>
-          <a:effectLst/>
-        </p:spPr>
-        <p:txBody>
-          <a:bodyPr vert="horz" wrap="square" lIns="91440" tIns="45720" rIns="91440" bIns="45720" numCol="1" rtlCol="0" anchor="t" anchorCtr="0" compatLnSpc="1">
-            <a:prstTxWarp prst="textNoShape">
-              <a:avLst/>
-            </a:prstTxWarp>
-          </a:bodyPr>
-          <a:lstStyle/>
-          <a:p>
-            <a:pPr algn="ctr" eaLnBrk="0" fontAlgn="base" hangingPunct="0">
-              <a:spcBef>
-                <a:spcPct val="0"/>
-              </a:spcBef>
-              <a:spcAft>
-                <a:spcPct val="0"/>
-              </a:spcAft>
-            </a:pPr>
-            <a:r>
-              <a:rPr lang="en-US" sz="1600" dirty="0">
-                <a:latin typeface="+mj-lt"/>
-              </a:rPr>
-              <a:t>Validation metric based on the mean absolute error</a:t>
-            </a:r>
-          </a:p>
-        </p:txBody>
-      </p:sp>
-      <p:cxnSp>
-        <p:nvCxnSpPr>
-          <p:cNvPr id="14" name="Straight Arrow Connector 13">
-            <a:extLst>
-              <a:ext uri="{FF2B5EF4-FFF2-40B4-BE49-F238E27FC236}">
-                <a16:creationId xmlns:a16="http://schemas.microsoft.com/office/drawing/2014/main" id="{952030E7-7683-8637-F8D7-B10066587AA5}"/>
-              </a:ext>
-            </a:extLst>
-          </p:cNvPr>
-          <p:cNvCxnSpPr>
-            <a:cxnSpLocks/>
-          </p:cNvCxnSpPr>
-          <p:nvPr/>
-        </p:nvCxnSpPr>
-        <p:spPr bwMode="auto">
-          <a:xfrm flipH="1" flipV="1">
-            <a:off x="5366506" y="4059513"/>
-            <a:ext cx="497702" cy="559338"/>
-          </a:xfrm>
-          <a:prstGeom prst="straightConnector1">
-            <a:avLst/>
-          </a:prstGeom>
-          <a:solidFill>
-            <a:schemeClr val="accent1"/>
-          </a:solidFill>
-          <a:ln w="9525" cap="flat" cmpd="sng" algn="ctr">
-            <a:solidFill>
-              <a:schemeClr val="tx1"/>
-            </a:solidFill>
-            <a:prstDash val="solid"/>
-            <a:round/>
-            <a:headEnd type="none" w="med" len="med"/>
-            <a:tailEnd type="arrow"/>
-          </a:ln>
-          <a:effectLst/>
-        </p:spPr>
-      </p:cxnSp>
-      <p:sp>
-        <p:nvSpPr>
-          <p:cNvPr id="3" name="Slide Number Placeholder 2">
-            <a:extLst>
-              <a:ext uri="{FF2B5EF4-FFF2-40B4-BE49-F238E27FC236}">
-                <a16:creationId xmlns:a16="http://schemas.microsoft.com/office/drawing/2014/main" id="{D9A79A88-3CD4-9628-B632-7B8E823AE02A}"/>
+          <p:cNvPr id="4" name="Slide Number Placeholder 3">
+            <a:extLst>
+              <a:ext uri="{FF2B5EF4-FFF2-40B4-BE49-F238E27FC236}">
+                <a16:creationId xmlns:a16="http://schemas.microsoft.com/office/drawing/2014/main" id="{7D352D5A-E0E6-32B4-0563-45847C54259D}"/>
               </a:ext>
             </a:extLst>
           </p:cNvPr>
@@ -22010,589 +23484,276 @@
           </a:p>
         </p:txBody>
       </p:sp>
-      <p:sp>
-        <p:nvSpPr>
-          <p:cNvPr id="23" name="Rectangle 22">
-            <a:extLst>
-              <a:ext uri="{FF2B5EF4-FFF2-40B4-BE49-F238E27FC236}">
-                <a16:creationId xmlns:a16="http://schemas.microsoft.com/office/drawing/2014/main" id="{5B05E567-395D-1057-09BF-9F246B206BB7}"/>
-              </a:ext>
-            </a:extLst>
-          </p:cNvPr>
-          <p:cNvSpPr/>
+      <p:pic>
+        <p:nvPicPr>
+          <p:cNvPr id="5" name="Picture 4">
+            <a:extLst>
+              <a:ext uri="{FF2B5EF4-FFF2-40B4-BE49-F238E27FC236}">
+                <a16:creationId xmlns:a16="http://schemas.microsoft.com/office/drawing/2014/main" id="{B1F79F4C-28AC-6C51-05D6-8E1554318B8A}"/>
+              </a:ext>
+            </a:extLst>
+          </p:cNvPr>
+          <p:cNvPicPr>
+            <a:picLocks noChangeAspect="1"/>
+          </p:cNvPicPr>
           <p:nvPr/>
-        </p:nvSpPr>
-        <p:spPr bwMode="auto">
+        </p:nvPicPr>
+        <p:blipFill>
+          <a:blip r:embed="rId2">
+            <a:extLst>
+              <a:ext uri="{28A0092B-C50C-407E-A947-70E740481C1C}">
+                <a14:useLocalDpi xmlns:a14="http://schemas.microsoft.com/office/drawing/2010/main" val="0"/>
+              </a:ext>
+            </a:extLst>
+          </a:blip>
+          <a:stretch>
+            <a:fillRect/>
+          </a:stretch>
+        </p:blipFill>
+        <p:spPr>
           <a:xfrm>
-            <a:off x="2512241" y="1422974"/>
-            <a:ext cx="1389721" cy="311335"/>
+            <a:off x="6458493" y="2168013"/>
+            <a:ext cx="5468772" cy="4054262"/>
           </a:xfrm>
           <a:prstGeom prst="rect">
             <a:avLst/>
           </a:prstGeom>
-          <a:solidFill>
-            <a:schemeClr val="bg1">
-              <a:lumMod val="85000"/>
-            </a:schemeClr>
-          </a:solidFill>
-          <a:ln>
-            <a:headEnd type="none" w="med" len="med"/>
-            <a:tailEnd type="none" w="med" len="med"/>
-          </a:ln>
         </p:spPr>
-        <p:style>
-          <a:lnRef idx="2">
-            <a:schemeClr val="accent4"/>
-          </a:lnRef>
-          <a:fillRef idx="1">
-            <a:schemeClr val="lt1"/>
-          </a:fillRef>
-          <a:effectRef idx="0">
-            <a:schemeClr val="accent4"/>
-          </a:effectRef>
-          <a:fontRef idx="minor">
-            <a:schemeClr val="dk1"/>
-          </a:fontRef>
-        </p:style>
-        <p:txBody>
-          <a:bodyPr vert="horz" wrap="square" lIns="91440" tIns="45720" rIns="91440" bIns="45720" numCol="1" rtlCol="0" anchor="ctr" anchorCtr="0" compatLnSpc="1">
-            <a:prstTxWarp prst="textNoShape">
-              <a:avLst/>
-            </a:prstTxWarp>
-          </a:bodyPr>
-          <a:lstStyle/>
-          <a:p>
-            <a:pPr algn="ctr" eaLnBrk="0" fontAlgn="base" hangingPunct="0">
-              <a:spcBef>
-                <a:spcPct val="0"/>
-              </a:spcBef>
-              <a:spcAft>
-                <a:spcPct val="0"/>
-              </a:spcAft>
-            </a:pPr>
-            <a:r>
-              <a:rPr lang="en-US" sz="1600" dirty="0">
-                <a:solidFill>
-                  <a:schemeClr val="tx1"/>
-                </a:solidFill>
-                <a:latin typeface="+mj-lt"/>
-              </a:rPr>
-              <a:t>Models</a:t>
-            </a:r>
-          </a:p>
-        </p:txBody>
-      </p:sp>
+      </p:pic>
       <p:sp>
         <p:nvSpPr>
-          <p:cNvPr id="24" name="Rectangle 23">
-            <a:extLst>
-              <a:ext uri="{FF2B5EF4-FFF2-40B4-BE49-F238E27FC236}">
-                <a16:creationId xmlns:a16="http://schemas.microsoft.com/office/drawing/2014/main" id="{F51C6659-1788-275E-6EC7-C5B65B57BEA5}"/>
-              </a:ext>
-            </a:extLst>
-          </p:cNvPr>
-          <p:cNvSpPr/>
+          <p:cNvPr id="6" name="Content Placeholder 2">
+            <a:extLst>
+              <a:ext uri="{FF2B5EF4-FFF2-40B4-BE49-F238E27FC236}">
+                <a16:creationId xmlns:a16="http://schemas.microsoft.com/office/drawing/2014/main" id="{F952C322-C2D4-A506-8A5C-9E6ED0C43D15}"/>
+              </a:ext>
+            </a:extLst>
+          </p:cNvPr>
+          <p:cNvSpPr txBox="1">
+            <a:spLocks/>
+          </p:cNvSpPr>
           <p:nvPr/>
         </p:nvSpPr>
-        <p:spPr bwMode="auto">
+        <p:spPr>
           <a:xfrm>
-            <a:off x="1122520" y="1422974"/>
-            <a:ext cx="1389721" cy="311335"/>
+            <a:off x="938151" y="2002972"/>
+            <a:ext cx="5468772" cy="1940560"/>
           </a:xfrm>
           <a:prstGeom prst="rect">
             <a:avLst/>
           </a:prstGeom>
-          <a:solidFill>
-            <a:srgbClr val="D9D9D9"/>
-          </a:solidFill>
-          <a:ln>
-            <a:headEnd type="none" w="med" len="med"/>
-            <a:tailEnd type="none" w="med" len="med"/>
-          </a:ln>
         </p:spPr>
-        <p:style>
-          <a:lnRef idx="2">
-            <a:schemeClr val="accent4"/>
-          </a:lnRef>
-          <a:fillRef idx="1">
-            <a:schemeClr val="lt1"/>
-          </a:fillRef>
-          <a:effectRef idx="0">
-            <a:schemeClr val="accent4"/>
-          </a:effectRef>
-          <a:fontRef idx="minor">
-            <a:schemeClr val="dk1"/>
-          </a:fontRef>
-        </p:style>
         <p:txBody>
-          <a:bodyPr vert="horz" wrap="square" lIns="91440" tIns="45720" rIns="91440" bIns="45720" numCol="1" rtlCol="0" anchor="ctr" anchorCtr="0" compatLnSpc="1">
-            <a:prstTxWarp prst="textNoShape">
-              <a:avLst/>
-            </a:prstTxWarp>
+          <a:bodyPr vert="horz" lIns="0" tIns="0" rIns="91440" bIns="45720" rtlCol="0">
+            <a:noAutofit/>
           </a:bodyPr>
-          <a:lstStyle/>
-          <a:p>
-            <a:pPr algn="ctr" eaLnBrk="0" fontAlgn="base" hangingPunct="0">
+          <a:lstStyle>
+            <a:lvl1pPr marL="228600" indent="-228600" algn="l" defTabSz="914400" rtl="0" eaLnBrk="1" latinLnBrk="0" hangingPunct="1">
+              <a:lnSpc>
+                <a:spcPct val="90000"/>
+              </a:lnSpc>
               <a:spcBef>
-                <a:spcPct val="0"/>
+                <a:spcPts val="1000"/>
               </a:spcBef>
-              <a:spcAft>
-                <a:spcPct val="0"/>
-              </a:spcAft>
-            </a:pPr>
-            <a:r>
-              <a:rPr lang="en-US" sz="1600" dirty="0">
-                <a:latin typeface="+mj-lt"/>
-              </a:rPr>
-              <a:t>Distributions</a:t>
-            </a:r>
-            <a:endParaRPr lang="en-US" sz="1600" dirty="0">
-              <a:solidFill>
-                <a:schemeClr val="tx1"/>
-              </a:solidFill>
-              <a:latin typeface="+mj-lt"/>
-            </a:endParaRPr>
-          </a:p>
-        </p:txBody>
-      </p:sp>
-      <p:sp>
-        <p:nvSpPr>
-          <p:cNvPr id="25" name="Rectangle 24">
-            <a:extLst>
-              <a:ext uri="{FF2B5EF4-FFF2-40B4-BE49-F238E27FC236}">
-                <a16:creationId xmlns:a16="http://schemas.microsoft.com/office/drawing/2014/main" id="{9A15B9EE-6092-3CEE-AEA1-DCD8C5FEC2CA}"/>
-              </a:ext>
-            </a:extLst>
-          </p:cNvPr>
-          <p:cNvSpPr/>
-          <p:nvPr/>
-        </p:nvSpPr>
-        <p:spPr bwMode="auto">
-          <a:xfrm>
-            <a:off x="3901962" y="1422974"/>
-            <a:ext cx="1389721" cy="311335"/>
-          </a:xfrm>
-          <a:prstGeom prst="rect">
-            <a:avLst/>
-          </a:prstGeom>
-          <a:solidFill>
-            <a:srgbClr val="D9D9D9"/>
-          </a:solidFill>
-          <a:ln>
-            <a:headEnd type="none" w="med" len="med"/>
-            <a:tailEnd type="none" w="med" len="med"/>
-          </a:ln>
-        </p:spPr>
-        <p:style>
-          <a:lnRef idx="2">
-            <a:schemeClr val="accent4"/>
-          </a:lnRef>
-          <a:fillRef idx="1">
-            <a:schemeClr val="lt1"/>
-          </a:fillRef>
-          <a:effectRef idx="0">
-            <a:schemeClr val="accent4"/>
-          </a:effectRef>
-          <a:fontRef idx="minor">
-            <a:schemeClr val="dk1"/>
-          </a:fontRef>
-        </p:style>
-        <p:txBody>
-          <a:bodyPr vert="horz" wrap="square" lIns="91440" tIns="45720" rIns="91440" bIns="45720" numCol="1" rtlCol="0" anchor="ctr" anchorCtr="0" compatLnSpc="1">
-            <a:prstTxWarp prst="textNoShape">
-              <a:avLst/>
-            </a:prstTxWarp>
-          </a:bodyPr>
-          <a:lstStyle/>
-          <a:p>
-            <a:pPr algn="ctr" eaLnBrk="0" fontAlgn="base" hangingPunct="0">
+              <a:buClr>
+                <a:schemeClr val="bg2"/>
+              </a:buClr>
+              <a:buFont typeface="Arial" panose="020B0604020202020204" pitchFamily="34" charset="0"/>
+              <a:buChar char="•"/>
+              <a:defRPr sz="2200" b="0" i="0" kern="1200">
+                <a:solidFill>
+                  <a:schemeClr val="tx2"/>
+                </a:solidFill>
+                <a:latin typeface="Arial" panose="020B0604020202020204" pitchFamily="34" charset="0"/>
+                <a:ea typeface="+mn-ea"/>
+                <a:cs typeface="Arial" panose="020B0604020202020204" pitchFamily="34" charset="0"/>
+              </a:defRPr>
+            </a:lvl1pPr>
+            <a:lvl2pPr marL="685800" indent="-228600" algn="l" defTabSz="914400" rtl="0" eaLnBrk="1" latinLnBrk="0" hangingPunct="1">
+              <a:lnSpc>
+                <a:spcPct val="90000"/>
+              </a:lnSpc>
               <a:spcBef>
-                <a:spcPct val="0"/>
+                <a:spcPts val="500"/>
               </a:spcBef>
-              <a:spcAft>
-                <a:spcPct val="0"/>
-              </a:spcAft>
-            </a:pPr>
-            <a:r>
-              <a:rPr lang="en-US" sz="1600" dirty="0">
+              <a:buClr>
+                <a:schemeClr val="bg2"/>
+              </a:buClr>
+              <a:buFont typeface="Arial" panose="020B0604020202020204" pitchFamily="34" charset="0"/>
+              <a:buChar char="−"/>
+              <a:defRPr sz="2200" b="0" i="0" kern="1200">
+                <a:solidFill>
+                  <a:schemeClr val="tx2"/>
+                </a:solidFill>
+                <a:latin typeface="Arial" panose="020B0604020202020204" pitchFamily="34" charset="0"/>
+                <a:ea typeface="+mn-ea"/>
+                <a:cs typeface="Arial" panose="020B0604020202020204" pitchFamily="34" charset="0"/>
+              </a:defRPr>
+            </a:lvl2pPr>
+            <a:lvl3pPr marL="1143000" indent="-228600" algn="l" defTabSz="914400" rtl="0" eaLnBrk="1" latinLnBrk="0" hangingPunct="1">
+              <a:lnSpc>
+                <a:spcPct val="90000"/>
+              </a:lnSpc>
+              <a:spcBef>
+                <a:spcPts val="500"/>
+              </a:spcBef>
+              <a:buClr>
+                <a:schemeClr val="bg2"/>
+              </a:buClr>
+              <a:buFont typeface="Arial" panose="020B0604020202020204" pitchFamily="34" charset="0"/>
+              <a:buChar char="•"/>
+              <a:defRPr sz="2200" b="0" i="0" kern="1200">
+                <a:solidFill>
+                  <a:schemeClr val="tx2"/>
+                </a:solidFill>
+                <a:latin typeface="Arial" panose="020B0604020202020204" pitchFamily="34" charset="0"/>
+                <a:ea typeface="+mn-ea"/>
+                <a:cs typeface="Arial" panose="020B0604020202020204" pitchFamily="34" charset="0"/>
+              </a:defRPr>
+            </a:lvl3pPr>
+            <a:lvl4pPr marL="1600200" indent="-228600" algn="l" defTabSz="914400" rtl="0" eaLnBrk="1" latinLnBrk="0" hangingPunct="1">
+              <a:lnSpc>
+                <a:spcPct val="90000"/>
+              </a:lnSpc>
+              <a:spcBef>
+                <a:spcPts val="500"/>
+              </a:spcBef>
+              <a:buClr>
+                <a:schemeClr val="bg2"/>
+              </a:buClr>
+              <a:buFont typeface="Arial" panose="020B0604020202020204" pitchFamily="34" charset="0"/>
+              <a:buChar char="−"/>
+              <a:defRPr sz="2200" b="0" i="0" kern="1200">
+                <a:solidFill>
+                  <a:schemeClr val="tx2"/>
+                </a:solidFill>
+                <a:latin typeface="Arial" panose="020B0604020202020204" pitchFamily="34" charset="0"/>
+                <a:ea typeface="+mn-ea"/>
+                <a:cs typeface="Arial" panose="020B0604020202020204" pitchFamily="34" charset="0"/>
+              </a:defRPr>
+            </a:lvl4pPr>
+            <a:lvl5pPr marL="2057400" indent="-228600" algn="l" defTabSz="914400" rtl="0" eaLnBrk="1" latinLnBrk="0" hangingPunct="1">
+              <a:lnSpc>
+                <a:spcPct val="90000"/>
+              </a:lnSpc>
+              <a:spcBef>
+                <a:spcPts val="500"/>
+              </a:spcBef>
+              <a:buClr>
+                <a:schemeClr val="bg2"/>
+              </a:buClr>
+              <a:buFont typeface="Arial" panose="020B0604020202020204" pitchFamily="34" charset="0"/>
+              <a:buChar char="•"/>
+              <a:defRPr sz="2200" b="0" i="0" kern="1200">
+                <a:solidFill>
+                  <a:schemeClr val="tx2"/>
+                </a:solidFill>
+                <a:latin typeface="Arial" panose="020B0604020202020204" pitchFamily="34" charset="0"/>
+                <a:ea typeface="+mn-ea"/>
+                <a:cs typeface="Arial" panose="020B0604020202020204" pitchFamily="34" charset="0"/>
+              </a:defRPr>
+            </a:lvl5pPr>
+            <a:lvl6pPr marL="2514600" indent="-228600" algn="l" defTabSz="914400" rtl="0" eaLnBrk="1" latinLnBrk="0" hangingPunct="1">
+              <a:lnSpc>
+                <a:spcPct val="90000"/>
+              </a:lnSpc>
+              <a:spcBef>
+                <a:spcPts val="500"/>
+              </a:spcBef>
+              <a:buFont typeface="Arial" panose="020B0604020202020204" pitchFamily="34" charset="0"/>
+              <a:buChar char="•"/>
+              <a:defRPr sz="1800" kern="1200">
                 <a:solidFill>
                   <a:schemeClr val="tx1"/>
                 </a:solidFill>
-                <a:latin typeface="+mj-lt"/>
-              </a:rPr>
-              <a:t>Samplers</a:t>
-            </a:r>
-          </a:p>
-        </p:txBody>
-      </p:sp>
-      <p:sp>
-        <p:nvSpPr>
-          <p:cNvPr id="26" name="Rectangle 25">
-            <a:extLst>
-              <a:ext uri="{FF2B5EF4-FFF2-40B4-BE49-F238E27FC236}">
-                <a16:creationId xmlns:a16="http://schemas.microsoft.com/office/drawing/2014/main" id="{23C179E5-81AF-2001-285A-6F67353051F4}"/>
-              </a:ext>
-            </a:extLst>
-          </p:cNvPr>
-          <p:cNvSpPr/>
-          <p:nvPr/>
-        </p:nvSpPr>
-        <p:spPr bwMode="auto">
-          <a:xfrm>
-            <a:off x="4596822" y="1736105"/>
-            <a:ext cx="1389721" cy="311335"/>
-          </a:xfrm>
-          <a:prstGeom prst="rect">
-            <a:avLst/>
-          </a:prstGeom>
-          <a:solidFill>
-            <a:srgbClr val="D9D9D9"/>
-          </a:solidFill>
-          <a:ln>
-            <a:headEnd type="none" w="med" len="med"/>
-            <a:tailEnd type="none" w="med" len="med"/>
-          </a:ln>
-        </p:spPr>
-        <p:style>
-          <a:lnRef idx="2">
-            <a:schemeClr val="accent4"/>
-          </a:lnRef>
-          <a:fillRef idx="1">
-            <a:schemeClr val="lt1"/>
-          </a:fillRef>
-          <a:effectRef idx="0">
-            <a:schemeClr val="accent4"/>
-          </a:effectRef>
-          <a:fontRef idx="minor">
-            <a:schemeClr val="dk1"/>
-          </a:fontRef>
-        </p:style>
-        <p:txBody>
-          <a:bodyPr vert="horz" wrap="square" lIns="91440" tIns="45720" rIns="91440" bIns="45720" numCol="1" rtlCol="0" anchor="ctr" anchorCtr="0" compatLnSpc="1">
-            <a:prstTxWarp prst="textNoShape">
-              <a:avLst/>
-            </a:prstTxWarp>
-          </a:bodyPr>
-          <a:lstStyle/>
-          <a:p>
-            <a:pPr algn="ctr" eaLnBrk="0" fontAlgn="base" hangingPunct="0">
+                <a:latin typeface="+mn-lt"/>
+                <a:ea typeface="+mn-ea"/>
+                <a:cs typeface="+mn-cs"/>
+              </a:defRPr>
+            </a:lvl6pPr>
+            <a:lvl7pPr marL="2971800" indent="-228600" algn="l" defTabSz="914400" rtl="0" eaLnBrk="1" latinLnBrk="0" hangingPunct="1">
+              <a:lnSpc>
+                <a:spcPct val="90000"/>
+              </a:lnSpc>
               <a:spcBef>
-                <a:spcPct val="0"/>
+                <a:spcPts val="500"/>
               </a:spcBef>
-              <a:spcAft>
-                <a:spcPct val="0"/>
-              </a:spcAft>
-            </a:pPr>
-            <a:r>
-              <a:rPr lang="en-US" sz="1600" dirty="0">
+              <a:buFont typeface="Arial" panose="020B0604020202020204" pitchFamily="34" charset="0"/>
+              <a:buChar char="•"/>
+              <a:defRPr sz="1800" kern="1200">
                 <a:solidFill>
                   <a:schemeClr val="tx1"/>
                 </a:solidFill>
-                <a:latin typeface="+mj-lt"/>
-              </a:rPr>
-              <a:t>Steps</a:t>
-            </a:r>
-          </a:p>
-        </p:txBody>
-      </p:sp>
-      <p:sp>
-        <p:nvSpPr>
-          <p:cNvPr id="27" name="Rectangle 26">
-            <a:extLst>
-              <a:ext uri="{FF2B5EF4-FFF2-40B4-BE49-F238E27FC236}">
-                <a16:creationId xmlns:a16="http://schemas.microsoft.com/office/drawing/2014/main" id="{C4F7D23F-3C3C-7632-01CC-862476BE5BAE}"/>
-              </a:ext>
-            </a:extLst>
-          </p:cNvPr>
-          <p:cNvSpPr/>
-          <p:nvPr/>
-        </p:nvSpPr>
-        <p:spPr bwMode="auto">
-          <a:xfrm>
-            <a:off x="5291683" y="1422974"/>
-            <a:ext cx="1389721" cy="311335"/>
-          </a:xfrm>
-          <a:prstGeom prst="rect">
-            <a:avLst/>
-          </a:prstGeom>
-          <a:solidFill>
-            <a:srgbClr val="D9D9D9"/>
-          </a:solidFill>
-          <a:ln>
-            <a:headEnd type="none" w="med" len="med"/>
-            <a:tailEnd type="none" w="med" len="med"/>
-          </a:ln>
-        </p:spPr>
-        <p:style>
-          <a:lnRef idx="2">
-            <a:schemeClr val="accent4"/>
-          </a:lnRef>
-          <a:fillRef idx="1">
-            <a:schemeClr val="lt1"/>
-          </a:fillRef>
-          <a:effectRef idx="0">
-            <a:schemeClr val="accent4"/>
-          </a:effectRef>
-          <a:fontRef idx="minor">
-            <a:schemeClr val="dk1"/>
-          </a:fontRef>
-        </p:style>
-        <p:txBody>
-          <a:bodyPr vert="horz" wrap="square" lIns="91440" tIns="45720" rIns="91440" bIns="45720" numCol="1" rtlCol="0" anchor="ctr" anchorCtr="0" compatLnSpc="1">
-            <a:prstTxWarp prst="textNoShape">
-              <a:avLst/>
-            </a:prstTxWarp>
-          </a:bodyPr>
-          <a:lstStyle/>
-          <a:p>
-            <a:pPr algn="ctr" eaLnBrk="0" fontAlgn="base" hangingPunct="0">
+                <a:latin typeface="+mn-lt"/>
+                <a:ea typeface="+mn-ea"/>
+                <a:cs typeface="+mn-cs"/>
+              </a:defRPr>
+            </a:lvl7pPr>
+            <a:lvl8pPr marL="3429000" indent="-228600" algn="l" defTabSz="914400" rtl="0" eaLnBrk="1" latinLnBrk="0" hangingPunct="1">
+              <a:lnSpc>
+                <a:spcPct val="90000"/>
+              </a:lnSpc>
               <a:spcBef>
-                <a:spcPct val="0"/>
+                <a:spcPts val="500"/>
               </a:spcBef>
-              <a:spcAft>
-                <a:spcPct val="0"/>
-              </a:spcAft>
-            </a:pPr>
-            <a:r>
-              <a:rPr lang="en-US" sz="1600" dirty="0">
+              <a:buFont typeface="Arial" panose="020B0604020202020204" pitchFamily="34" charset="0"/>
+              <a:buChar char="•"/>
+              <a:defRPr sz="1800" kern="1200">
                 <a:solidFill>
                   <a:schemeClr val="tx1"/>
                 </a:solidFill>
-                <a:latin typeface="+mj-lt"/>
-              </a:rPr>
-              <a:t>Databases</a:t>
-            </a:r>
-          </a:p>
-        </p:txBody>
-      </p:sp>
-      <p:sp>
-        <p:nvSpPr>
-          <p:cNvPr id="28" name="Rectangle 27">
-            <a:extLst>
-              <a:ext uri="{FF2B5EF4-FFF2-40B4-BE49-F238E27FC236}">
-                <a16:creationId xmlns:a16="http://schemas.microsoft.com/office/drawing/2014/main" id="{748C83D3-0275-CC28-EE1D-96D5F4450A63}"/>
-              </a:ext>
-            </a:extLst>
-          </p:cNvPr>
-          <p:cNvSpPr/>
-          <p:nvPr/>
-        </p:nvSpPr>
-        <p:spPr bwMode="auto">
-          <a:xfrm>
-            <a:off x="6681404" y="1422974"/>
-            <a:ext cx="1389721" cy="311335"/>
-          </a:xfrm>
-          <a:prstGeom prst="rect">
-            <a:avLst/>
-          </a:prstGeom>
-          <a:solidFill>
-            <a:srgbClr val="D9D9D9"/>
-          </a:solidFill>
-          <a:ln>
-            <a:headEnd type="none" w="med" len="med"/>
-            <a:tailEnd type="none" w="med" len="med"/>
-          </a:ln>
-        </p:spPr>
-        <p:style>
-          <a:lnRef idx="2">
-            <a:schemeClr val="accent4"/>
-          </a:lnRef>
-          <a:fillRef idx="1">
-            <a:schemeClr val="lt1"/>
-          </a:fillRef>
-          <a:effectRef idx="0">
-            <a:schemeClr val="accent4"/>
-          </a:effectRef>
-          <a:fontRef idx="minor">
-            <a:schemeClr val="dk1"/>
-          </a:fontRef>
-        </p:style>
-        <p:txBody>
-          <a:bodyPr vert="horz" wrap="square" lIns="91440" tIns="45720" rIns="91440" bIns="45720" numCol="1" rtlCol="0" anchor="ctr" anchorCtr="0" compatLnSpc="1">
-            <a:prstTxWarp prst="textNoShape">
-              <a:avLst/>
-            </a:prstTxWarp>
-          </a:bodyPr>
-          <a:lstStyle/>
-          <a:p>
-            <a:pPr algn="ctr" eaLnBrk="0" fontAlgn="base" hangingPunct="0">
+                <a:latin typeface="+mn-lt"/>
+                <a:ea typeface="+mn-ea"/>
+                <a:cs typeface="+mn-cs"/>
+              </a:defRPr>
+            </a:lvl8pPr>
+            <a:lvl9pPr marL="3886200" indent="-228600" algn="l" defTabSz="914400" rtl="0" eaLnBrk="1" latinLnBrk="0" hangingPunct="1">
+              <a:lnSpc>
+                <a:spcPct val="90000"/>
+              </a:lnSpc>
               <a:spcBef>
-                <a:spcPct val="0"/>
+                <a:spcPts val="500"/>
               </a:spcBef>
-              <a:spcAft>
-                <a:spcPct val="0"/>
-              </a:spcAft>
-            </a:pPr>
-            <a:r>
-              <a:rPr lang="en-US" sz="1600" dirty="0" err="1">
+              <a:buFont typeface="Arial" panose="020B0604020202020204" pitchFamily="34" charset="0"/>
+              <a:buChar char="•"/>
+              <a:defRPr sz="1800" kern="1200">
                 <a:solidFill>
                   <a:schemeClr val="tx1"/>
                 </a:solidFill>
-                <a:latin typeface="+mj-lt"/>
-              </a:rPr>
-              <a:t>DataObjects</a:t>
-            </a:r>
-            <a:endParaRPr lang="en-US" sz="1600" dirty="0">
-              <a:solidFill>
-                <a:schemeClr val="tx1"/>
-              </a:solidFill>
-              <a:latin typeface="+mj-lt"/>
-            </a:endParaRPr>
-          </a:p>
-        </p:txBody>
-      </p:sp>
-      <p:sp>
-        <p:nvSpPr>
-          <p:cNvPr id="29" name="Rectangle 28">
-            <a:extLst>
-              <a:ext uri="{FF2B5EF4-FFF2-40B4-BE49-F238E27FC236}">
-                <a16:creationId xmlns:a16="http://schemas.microsoft.com/office/drawing/2014/main" id="{C44F14FF-A205-1F61-696A-A28CE424B496}"/>
-              </a:ext>
-            </a:extLst>
-          </p:cNvPr>
-          <p:cNvSpPr/>
-          <p:nvPr/>
-        </p:nvSpPr>
-        <p:spPr bwMode="auto">
-          <a:xfrm>
-            <a:off x="8071125" y="1424770"/>
-            <a:ext cx="1389721" cy="311335"/>
-          </a:xfrm>
-          <a:prstGeom prst="rect">
-            <a:avLst/>
-          </a:prstGeom>
-          <a:solidFill>
-            <a:srgbClr val="D9D9D9"/>
-          </a:solidFill>
-          <a:ln>
-            <a:headEnd type="none" w="med" len="med"/>
-            <a:tailEnd type="none" w="med" len="med"/>
-          </a:ln>
-        </p:spPr>
-        <p:style>
-          <a:lnRef idx="2">
-            <a:schemeClr val="accent4"/>
-          </a:lnRef>
-          <a:fillRef idx="1">
-            <a:schemeClr val="lt1"/>
-          </a:fillRef>
-          <a:effectRef idx="0">
-            <a:schemeClr val="accent4"/>
-          </a:effectRef>
-          <a:fontRef idx="minor">
-            <a:schemeClr val="dk1"/>
-          </a:fontRef>
-        </p:style>
-        <p:txBody>
-          <a:bodyPr vert="horz" wrap="square" lIns="91440" tIns="45720" rIns="91440" bIns="45720" numCol="1" rtlCol="0" anchor="ctr" anchorCtr="0" compatLnSpc="1">
-            <a:prstTxWarp prst="textNoShape">
-              <a:avLst/>
-            </a:prstTxWarp>
-          </a:bodyPr>
-          <a:lstStyle/>
-          <a:p>
-            <a:pPr algn="ctr" eaLnBrk="0" fontAlgn="base" hangingPunct="0">
-              <a:spcBef>
-                <a:spcPct val="0"/>
-              </a:spcBef>
-              <a:spcAft>
-                <a:spcPct val="0"/>
-              </a:spcAft>
-            </a:pPr>
-            <a:r>
-              <a:rPr lang="en-US" sz="1600" dirty="0" err="1">
-                <a:solidFill>
-                  <a:schemeClr val="tx1"/>
-                </a:solidFill>
-                <a:latin typeface="+mj-lt"/>
-              </a:rPr>
-              <a:t>OutStreams</a:t>
-            </a:r>
-            <a:endParaRPr lang="en-US" sz="1600" dirty="0">
-              <a:solidFill>
-                <a:schemeClr val="tx1"/>
-              </a:solidFill>
-              <a:latin typeface="+mj-lt"/>
-            </a:endParaRPr>
-          </a:p>
-        </p:txBody>
-      </p:sp>
-      <p:sp>
-        <p:nvSpPr>
-          <p:cNvPr id="30" name="Rectangle 29">
-            <a:extLst>
-              <a:ext uri="{FF2B5EF4-FFF2-40B4-BE49-F238E27FC236}">
-                <a16:creationId xmlns:a16="http://schemas.microsoft.com/office/drawing/2014/main" id="{60610952-C2FE-DF3C-DFF0-4BA7F3E832C7}"/>
-              </a:ext>
-            </a:extLst>
-          </p:cNvPr>
-          <p:cNvSpPr/>
-          <p:nvPr/>
-        </p:nvSpPr>
-        <p:spPr bwMode="auto">
-          <a:xfrm>
-            <a:off x="9460845" y="1424770"/>
-            <a:ext cx="1389721" cy="311335"/>
-          </a:xfrm>
-          <a:prstGeom prst="rect">
-            <a:avLst/>
-          </a:prstGeom>
-          <a:solidFill>
-            <a:schemeClr val="bg1">
-              <a:lumMod val="65000"/>
-            </a:schemeClr>
-          </a:solidFill>
-          <a:ln>
-            <a:headEnd type="none" w="med" len="med"/>
-            <a:tailEnd type="none" w="med" len="med"/>
-          </a:ln>
-        </p:spPr>
-        <p:style>
-          <a:lnRef idx="2">
-            <a:schemeClr val="accent4"/>
-          </a:lnRef>
-          <a:fillRef idx="1">
-            <a:schemeClr val="lt1"/>
-          </a:fillRef>
-          <a:effectRef idx="0">
-            <a:schemeClr val="accent4"/>
-          </a:effectRef>
-          <a:fontRef idx="minor">
-            <a:schemeClr val="dk1"/>
-          </a:fontRef>
-        </p:style>
-        <p:txBody>
-          <a:bodyPr vert="horz" wrap="square" lIns="91440" tIns="45720" rIns="91440" bIns="45720" numCol="1" rtlCol="0" anchor="ctr" anchorCtr="0" compatLnSpc="1">
-            <a:prstTxWarp prst="textNoShape">
-              <a:avLst/>
-            </a:prstTxWarp>
-          </a:bodyPr>
-          <a:lstStyle/>
-          <a:p>
-            <a:pPr algn="ctr" eaLnBrk="0" fontAlgn="base" hangingPunct="0">
-              <a:spcBef>
-                <a:spcPct val="0"/>
-              </a:spcBef>
-              <a:spcAft>
-                <a:spcPct val="0"/>
-              </a:spcAft>
-            </a:pPr>
-            <a:r>
-              <a:rPr lang="en-US" sz="1600" dirty="0">
-                <a:solidFill>
-                  <a:schemeClr val="tx1"/>
-                </a:solidFill>
-                <a:latin typeface="+mj-lt"/>
-              </a:rPr>
-              <a:t>Metrics</a:t>
-            </a:r>
+                <a:latin typeface="+mn-lt"/>
+                <a:ea typeface="+mn-ea"/>
+                <a:cs typeface="+mn-cs"/>
+              </a:defRPr>
+            </a:lvl9pPr>
+          </a:lstStyle>
+          <a:p>
+            <a:r>
+              <a:rPr lang="en-US" sz="2000" dirty="0"/>
+              <a:t>Analysis: 1000 Monte Carlo samples</a:t>
+            </a:r>
+          </a:p>
+          <a:p>
+            <a:pPr lvl="1"/>
+            <a:r>
+              <a:rPr lang="en-US" sz="2000" dirty="0"/>
+              <a:t>200 were run using the RELAP5-3D model</a:t>
+            </a:r>
+          </a:p>
+          <a:p>
+            <a:r>
+              <a:rPr lang="en-US" sz="2000" dirty="0"/>
+              <a:t>Computational time reduction: 800*4 = 3200 CPU hours </a:t>
+            </a:r>
+          </a:p>
+          <a:p>
+            <a:endParaRPr lang="en-US" dirty="0"/>
           </a:p>
         </p:txBody>
       </p:sp>
     </p:spTree>
     <p:extLst>
       <p:ext uri="{BB962C8B-B14F-4D97-AF65-F5344CB8AC3E}">
-        <p14:creationId xmlns:p14="http://schemas.microsoft.com/office/powerpoint/2010/main" val="11059259"/>
+        <p14:creationId xmlns:p14="http://schemas.microsoft.com/office/powerpoint/2010/main" val="261107202"/>
       </p:ext>
     </p:extLst>
   </p:cSld>
@@ -22624,7 +23785,7 @@
           <p:cNvPr id="2" name="Title 1">
             <a:extLst>
               <a:ext uri="{FF2B5EF4-FFF2-40B4-BE49-F238E27FC236}">
-                <a16:creationId xmlns:a16="http://schemas.microsoft.com/office/drawing/2014/main" id="{CE8E0ADF-F83F-A52A-7F1B-A847C3919125}"/>
+                <a16:creationId xmlns:a16="http://schemas.microsoft.com/office/drawing/2014/main" id="{5BA4EE74-8D29-150C-40ED-7DEA2304FEE5}"/>
               </a:ext>
             </a:extLst>
           </p:cNvPr>
@@ -22642,666 +23803,87 @@
           <a:p>
             <a:r>
               <a:rPr lang="en-US" dirty="0"/>
-              <a:t>Create a Hybrid model</a:t>
+              <a:t>RAVEN Logical Model</a:t>
             </a:r>
           </a:p>
         </p:txBody>
       </p:sp>
       <p:sp>
         <p:nvSpPr>
-          <p:cNvPr id="11" name="TextBox 10">
-            <a:extLst>
-              <a:ext uri="{FF2B5EF4-FFF2-40B4-BE49-F238E27FC236}">
-                <a16:creationId xmlns:a16="http://schemas.microsoft.com/office/drawing/2014/main" id="{4FB15588-1581-46DE-6D22-81DBEE78444F}"/>
-              </a:ext>
-            </a:extLst>
-          </p:cNvPr>
-          <p:cNvSpPr txBox="1"/>
-          <p:nvPr/>
+          <p:cNvPr id="3" name="Content Placeholder 2">
+            <a:extLst>
+              <a:ext uri="{FF2B5EF4-FFF2-40B4-BE49-F238E27FC236}">
+                <a16:creationId xmlns:a16="http://schemas.microsoft.com/office/drawing/2014/main" id="{94E3173B-F598-DC13-03C5-CA466BA7A407}"/>
+              </a:ext>
+            </a:extLst>
+          </p:cNvPr>
+          <p:cNvSpPr>
+            <a:spLocks noGrp="1"/>
+          </p:cNvSpPr>
+          <p:nvPr>
+            <p:ph idx="1"/>
+          </p:nvPr>
         </p:nvSpPr>
         <p:spPr>
           <a:xfrm>
-            <a:off x="3974363" y="2810631"/>
-            <a:ext cx="6270647" cy="2462213"/>
+            <a:off x="938150" y="1290321"/>
+            <a:ext cx="10975176" cy="2138680"/>
           </a:xfrm>
-          <a:prstGeom prst="rect">
-            <a:avLst/>
-          </a:prstGeom>
-          <a:solidFill>
-            <a:schemeClr val="bg1">
-              <a:lumMod val="85000"/>
-            </a:schemeClr>
-          </a:solidFill>
-          <a:ln>
-            <a:noFill/>
-          </a:ln>
         </p:spPr>
         <p:txBody>
-          <a:bodyPr wrap="square" rtlCol="0">
-            <a:spAutoFit/>
-          </a:bodyPr>
+          <a:bodyPr/>
           <a:lstStyle/>
           <a:p>
             <a:r>
-              <a:rPr lang="en-US" sz="1400" dirty="0">
-                <a:solidFill>
-                  <a:srgbClr val="008000"/>
-                </a:solidFill>
-                <a:latin typeface="Courier"/>
-                <a:cs typeface="Courier"/>
-              </a:rPr>
-              <a:t>&lt;</a:t>
-            </a:r>
-            <a:r>
-              <a:rPr lang="en-US" sz="1400" dirty="0" err="1">
-                <a:solidFill>
-                  <a:srgbClr val="008000"/>
-                </a:solidFill>
-                <a:latin typeface="Courier"/>
-                <a:cs typeface="Courier"/>
-              </a:rPr>
-              <a:t>DataObjects</a:t>
-            </a:r>
-            <a:r>
-              <a:rPr lang="en-US" sz="1400" dirty="0">
-                <a:solidFill>
-                  <a:srgbClr val="008000"/>
-                </a:solidFill>
-                <a:latin typeface="Courier"/>
-                <a:cs typeface="Courier"/>
-              </a:rPr>
-              <a:t>&gt;</a:t>
-            </a:r>
-          </a:p>
-          <a:p>
-            <a:r>
-              <a:rPr lang="en-US" sz="1400" dirty="0">
-                <a:solidFill>
-                  <a:srgbClr val="008000"/>
-                </a:solidFill>
-                <a:latin typeface="Courier"/>
-                <a:cs typeface="Courier"/>
-              </a:rPr>
-              <a:t>   &lt;</a:t>
-            </a:r>
-            <a:r>
-              <a:rPr lang="en-US" sz="1400" dirty="0" err="1">
-                <a:solidFill>
-                  <a:srgbClr val="008000"/>
-                </a:solidFill>
-                <a:latin typeface="Courier"/>
-                <a:cs typeface="Courier"/>
-              </a:rPr>
-              <a:t>PointSet</a:t>
-            </a:r>
-            <a:r>
-              <a:rPr lang="en-US" sz="1400" dirty="0">
-                <a:solidFill>
-                  <a:srgbClr val="008000"/>
-                </a:solidFill>
-                <a:latin typeface="Courier"/>
-                <a:cs typeface="Courier"/>
-              </a:rPr>
-              <a:t> </a:t>
-            </a:r>
-            <a:r>
-              <a:rPr lang="en-US" sz="1400" dirty="0">
-                <a:solidFill>
-                  <a:srgbClr val="660066"/>
-                </a:solidFill>
-                <a:latin typeface="Courier"/>
-                <a:cs typeface="Courier"/>
-              </a:rPr>
-              <a:t>name</a:t>
-            </a:r>
-            <a:r>
-              <a:rPr lang="en-US" sz="1400" dirty="0">
-                <a:solidFill>
-                  <a:srgbClr val="008000"/>
-                </a:solidFill>
-                <a:latin typeface="Courier"/>
-                <a:cs typeface="Courier"/>
-              </a:rPr>
-              <a:t>=</a:t>
-            </a:r>
-            <a:r>
-              <a:rPr lang="en-US" sz="1400" dirty="0">
-                <a:solidFill>
-                  <a:srgbClr val="1A4DB2"/>
-                </a:solidFill>
-                <a:latin typeface="Courier"/>
-                <a:cs typeface="Courier"/>
-              </a:rPr>
-              <a:t>’</a:t>
-            </a:r>
-            <a:r>
-              <a:rPr lang="en-US" sz="1400" dirty="0" err="1">
-                <a:solidFill>
-                  <a:srgbClr val="1A4DB2"/>
-                </a:solidFill>
-                <a:latin typeface="Courier"/>
-                <a:cs typeface="Courier"/>
-              </a:rPr>
-              <a:t>outMC</a:t>
-            </a:r>
-            <a:r>
-              <a:rPr lang="en-US" sz="1400" dirty="0">
-                <a:solidFill>
-                  <a:srgbClr val="1A4DB2"/>
-                </a:solidFill>
-                <a:latin typeface="Courier"/>
-                <a:cs typeface="Courier"/>
-              </a:rPr>
-              <a:t>’</a:t>
-            </a:r>
-            <a:r>
-              <a:rPr lang="en-US" sz="1400" dirty="0">
-                <a:solidFill>
-                  <a:srgbClr val="008000"/>
-                </a:solidFill>
-                <a:latin typeface="Courier"/>
-                <a:cs typeface="Courier"/>
-              </a:rPr>
-              <a:t>&gt;</a:t>
-            </a:r>
-          </a:p>
-          <a:p>
-            <a:r>
-              <a:rPr lang="en-US" sz="1400" dirty="0">
-                <a:solidFill>
-                  <a:srgbClr val="008000"/>
-                </a:solidFill>
-                <a:latin typeface="Courier"/>
-                <a:cs typeface="Courier"/>
-              </a:rPr>
-              <a:t>      &lt;Input&gt;</a:t>
-            </a:r>
-            <a:r>
-              <a:rPr lang="en-US" sz="1400" dirty="0">
-                <a:solidFill>
-                  <a:srgbClr val="000000"/>
-                </a:solidFill>
-                <a:latin typeface="Courier"/>
-                <a:cs typeface="Courier"/>
-              </a:rPr>
-              <a:t>angle</a:t>
-            </a:r>
-            <a:r>
-              <a:rPr lang="en-US" sz="1400" dirty="0">
-                <a:solidFill>
-                  <a:srgbClr val="008000"/>
-                </a:solidFill>
-                <a:latin typeface="Courier"/>
-                <a:cs typeface="Courier"/>
-              </a:rPr>
-              <a:t>&lt;/Input&gt;</a:t>
-            </a:r>
-          </a:p>
-          <a:p>
-            <a:r>
-              <a:rPr lang="en-US" sz="1400" dirty="0">
-                <a:solidFill>
-                  <a:srgbClr val="008000"/>
-                </a:solidFill>
-                <a:latin typeface="Courier"/>
-                <a:cs typeface="Courier"/>
-              </a:rPr>
-              <a:t>      &lt;Output&gt;</a:t>
-            </a:r>
-            <a:r>
-              <a:rPr lang="en-US" sz="1400" dirty="0">
-                <a:latin typeface="Courier"/>
-                <a:cs typeface="Courier"/>
-              </a:rPr>
-              <a:t>r</a:t>
-            </a:r>
-            <a:r>
-              <a:rPr lang="en-US" sz="1400" dirty="0">
-                <a:solidFill>
-                  <a:srgbClr val="008000"/>
-                </a:solidFill>
-                <a:latin typeface="Courier"/>
-                <a:cs typeface="Courier"/>
-              </a:rPr>
-              <a:t>&lt;/Output&gt;</a:t>
-            </a:r>
-          </a:p>
-          <a:p>
-            <a:r>
-              <a:rPr lang="en-US" sz="1400" dirty="0">
-                <a:solidFill>
-                  <a:srgbClr val="008000"/>
-                </a:solidFill>
-                <a:latin typeface="Courier"/>
-                <a:cs typeface="Courier"/>
-              </a:rPr>
-              <a:t>    &lt;/</a:t>
-            </a:r>
-            <a:r>
-              <a:rPr lang="en-US" sz="1400" dirty="0" err="1">
-                <a:solidFill>
-                  <a:srgbClr val="008000"/>
-                </a:solidFill>
-                <a:latin typeface="Courier"/>
-                <a:cs typeface="Courier"/>
-              </a:rPr>
-              <a:t>PointSet</a:t>
-            </a:r>
-            <a:r>
-              <a:rPr lang="en-US" sz="1400" dirty="0">
-                <a:solidFill>
-                  <a:srgbClr val="008000"/>
-                </a:solidFill>
-                <a:latin typeface="Courier"/>
-                <a:cs typeface="Courier"/>
-              </a:rPr>
-              <a:t>&gt;</a:t>
-            </a:r>
-          </a:p>
-          <a:p>
-            <a:endParaRPr lang="en-US" sz="1400" dirty="0">
-              <a:solidFill>
-                <a:srgbClr val="008000"/>
-              </a:solidFill>
-              <a:latin typeface="Courier"/>
-              <a:cs typeface="Courier"/>
-            </a:endParaRPr>
-          </a:p>
-          <a:p>
-            <a:r>
-              <a:rPr lang="en-US" sz="1400" dirty="0">
-                <a:solidFill>
-                  <a:srgbClr val="008000"/>
-                </a:solidFill>
-                <a:latin typeface="Courier"/>
-                <a:cs typeface="Courier"/>
-              </a:rPr>
-              <a:t>   &lt;</a:t>
-            </a:r>
-            <a:r>
-              <a:rPr lang="en-US" sz="1400" dirty="0" err="1">
-                <a:solidFill>
-                  <a:srgbClr val="008000"/>
-                </a:solidFill>
-                <a:latin typeface="Courier"/>
-                <a:cs typeface="Courier"/>
-              </a:rPr>
-              <a:t>PointSet</a:t>
-            </a:r>
-            <a:r>
-              <a:rPr lang="en-US" sz="1400" dirty="0">
-                <a:solidFill>
-                  <a:srgbClr val="008000"/>
-                </a:solidFill>
-                <a:latin typeface="Courier"/>
-                <a:cs typeface="Courier"/>
-              </a:rPr>
-              <a:t>  </a:t>
-            </a:r>
-            <a:r>
-              <a:rPr lang="en-US" sz="1400" dirty="0">
-                <a:solidFill>
-                  <a:srgbClr val="660066"/>
-                </a:solidFill>
-                <a:latin typeface="Courier"/>
-                <a:cs typeface="Courier"/>
-              </a:rPr>
-              <a:t>name</a:t>
-            </a:r>
-            <a:r>
-              <a:rPr lang="en-US" sz="1400" dirty="0">
-                <a:solidFill>
-                  <a:srgbClr val="008000"/>
-                </a:solidFill>
-                <a:latin typeface="Courier"/>
-                <a:cs typeface="Courier"/>
-              </a:rPr>
-              <a:t>=</a:t>
-            </a:r>
-            <a:r>
-              <a:rPr lang="en-US" sz="1400" dirty="0">
-                <a:solidFill>
-                  <a:srgbClr val="1A4DB2"/>
-                </a:solidFill>
-                <a:latin typeface="Courier"/>
-                <a:cs typeface="Courier"/>
-              </a:rPr>
-              <a:t>’</a:t>
-            </a:r>
-            <a:r>
-              <a:rPr lang="en-US" sz="1400" dirty="0" err="1">
-                <a:solidFill>
-                  <a:srgbClr val="1A4DB2"/>
-                </a:solidFill>
-                <a:latin typeface="Courier"/>
-                <a:cs typeface="Courier"/>
-              </a:rPr>
-              <a:t>projectileContainer</a:t>
-            </a:r>
-            <a:r>
-              <a:rPr lang="en-US" sz="1400" dirty="0">
-                <a:solidFill>
-                  <a:srgbClr val="1A4DB2"/>
-                </a:solidFill>
-                <a:latin typeface="Courier"/>
-                <a:cs typeface="Courier"/>
-              </a:rPr>
-              <a:t>’</a:t>
-            </a:r>
-            <a:r>
-              <a:rPr lang="en-US" sz="1400" dirty="0">
-                <a:solidFill>
-                  <a:srgbClr val="008000"/>
-                </a:solidFill>
-                <a:latin typeface="Courier"/>
-                <a:cs typeface="Courier"/>
-              </a:rPr>
-              <a:t>&gt;</a:t>
-            </a:r>
-          </a:p>
-          <a:p>
-            <a:r>
-              <a:rPr lang="en-US" sz="1400" dirty="0">
-                <a:solidFill>
-                  <a:srgbClr val="008000"/>
-                </a:solidFill>
-                <a:latin typeface="Courier"/>
-                <a:cs typeface="Courier"/>
-              </a:rPr>
-              <a:t>      &lt;Input&gt;</a:t>
-            </a:r>
-            <a:r>
-              <a:rPr lang="en-US" sz="1400" dirty="0">
-                <a:solidFill>
-                  <a:srgbClr val="000000"/>
-                </a:solidFill>
-                <a:latin typeface="Courier"/>
-                <a:cs typeface="Courier"/>
-              </a:rPr>
-              <a:t>angle</a:t>
-            </a:r>
-            <a:r>
-              <a:rPr lang="en-US" sz="1400" dirty="0">
-                <a:solidFill>
-                  <a:srgbClr val="008000"/>
-                </a:solidFill>
-                <a:latin typeface="Courier"/>
-                <a:cs typeface="Courier"/>
-              </a:rPr>
-              <a:t>&lt;/Input&gt;</a:t>
-            </a:r>
-          </a:p>
-          <a:p>
-            <a:r>
-              <a:rPr lang="en-US" sz="1400" dirty="0">
-                <a:solidFill>
-                  <a:srgbClr val="008000"/>
-                </a:solidFill>
-                <a:latin typeface="Courier"/>
-                <a:cs typeface="Courier"/>
-              </a:rPr>
-              <a:t>      &lt;Output&gt;</a:t>
-            </a:r>
-            <a:r>
-              <a:rPr lang="en-US" sz="1400" dirty="0">
-                <a:latin typeface="Courier"/>
-                <a:cs typeface="Courier"/>
-              </a:rPr>
-              <a:t>r</a:t>
-            </a:r>
-            <a:r>
-              <a:rPr lang="en-US" sz="1400" dirty="0">
-                <a:solidFill>
-                  <a:srgbClr val="008000"/>
-                </a:solidFill>
-                <a:latin typeface="Courier"/>
-                <a:cs typeface="Courier"/>
-              </a:rPr>
-              <a:t>&lt;/Output&gt;</a:t>
-            </a:r>
-          </a:p>
-          <a:p>
-            <a:r>
-              <a:rPr lang="en-US" sz="1400" dirty="0">
-                <a:solidFill>
-                  <a:srgbClr val="008000"/>
-                </a:solidFill>
-                <a:latin typeface="Courier"/>
-                <a:cs typeface="Courier"/>
-              </a:rPr>
-              <a:t>   &lt;/</a:t>
-            </a:r>
-            <a:r>
-              <a:rPr lang="en-US" sz="1400" dirty="0" err="1">
-                <a:solidFill>
-                  <a:srgbClr val="008000"/>
-                </a:solidFill>
-                <a:latin typeface="Courier"/>
-                <a:cs typeface="Courier"/>
-              </a:rPr>
-              <a:t>PointSet</a:t>
-            </a:r>
-            <a:r>
-              <a:rPr lang="en-US" sz="1400" dirty="0">
-                <a:solidFill>
-                  <a:srgbClr val="008000"/>
-                </a:solidFill>
-                <a:latin typeface="Courier"/>
-                <a:cs typeface="Courier"/>
-              </a:rPr>
-              <a:t>&gt;</a:t>
-            </a:r>
-          </a:p>
-          <a:p>
-            <a:r>
-              <a:rPr lang="en-US" sz="1400" dirty="0">
-                <a:solidFill>
-                  <a:srgbClr val="008000"/>
-                </a:solidFill>
-                <a:latin typeface="Courier"/>
-                <a:cs typeface="Courier"/>
-              </a:rPr>
-              <a:t>&lt;/</a:t>
-            </a:r>
-            <a:r>
-              <a:rPr lang="en-US" sz="1400" dirty="0" err="1">
-                <a:solidFill>
-                  <a:srgbClr val="008000"/>
-                </a:solidFill>
-                <a:latin typeface="Courier"/>
-                <a:cs typeface="Courier"/>
-              </a:rPr>
-              <a:t>DataObjects</a:t>
-            </a:r>
-            <a:r>
-              <a:rPr lang="en-US" sz="1400" dirty="0">
-                <a:solidFill>
-                  <a:srgbClr val="008000"/>
-                </a:solidFill>
-                <a:latin typeface="Courier"/>
-                <a:cs typeface="Courier"/>
-              </a:rPr>
-              <a:t>&gt;</a:t>
-            </a:r>
-          </a:p>
-        </p:txBody>
-      </p:sp>
-      <p:cxnSp>
-        <p:nvCxnSpPr>
-          <p:cNvPr id="12" name="Straight Connector 11">
-            <a:extLst>
-              <a:ext uri="{FF2B5EF4-FFF2-40B4-BE49-F238E27FC236}">
-                <a16:creationId xmlns:a16="http://schemas.microsoft.com/office/drawing/2014/main" id="{3F086848-B6E1-3FD0-037E-B51D043E4F49}"/>
-              </a:ext>
-            </a:extLst>
-          </p:cNvPr>
-          <p:cNvCxnSpPr>
-            <a:cxnSpLocks/>
-          </p:cNvCxnSpPr>
-          <p:nvPr/>
-        </p:nvCxnSpPr>
-        <p:spPr bwMode="auto">
-          <a:xfrm>
-            <a:off x="3025111" y="4053045"/>
-            <a:ext cx="585622" cy="0"/>
-          </a:xfrm>
-          <a:prstGeom prst="line">
-            <a:avLst/>
-          </a:prstGeom>
-          <a:solidFill>
-            <a:schemeClr val="accent1"/>
-          </a:solidFill>
-          <a:ln w="9525" cap="flat" cmpd="sng" algn="ctr">
-            <a:solidFill>
-              <a:schemeClr val="tx1"/>
-            </a:solidFill>
-            <a:prstDash val="solid"/>
-            <a:round/>
-            <a:headEnd type="none" w="med" len="med"/>
-            <a:tailEnd type="none" w="med" len="med"/>
-          </a:ln>
-          <a:effectLst/>
-        </p:spPr>
-      </p:cxnSp>
-      <p:cxnSp>
-        <p:nvCxnSpPr>
-          <p:cNvPr id="13" name="Straight Connector 12">
-            <a:extLst>
-              <a:ext uri="{FF2B5EF4-FFF2-40B4-BE49-F238E27FC236}">
-                <a16:creationId xmlns:a16="http://schemas.microsoft.com/office/drawing/2014/main" id="{5DF287A1-06C2-CF2F-16AD-E21215F56D57}"/>
-              </a:ext>
-            </a:extLst>
-          </p:cNvPr>
-          <p:cNvCxnSpPr/>
-          <p:nvPr/>
-        </p:nvCxnSpPr>
-        <p:spPr bwMode="auto">
-          <a:xfrm flipV="1">
-            <a:off x="3601431" y="3510153"/>
-            <a:ext cx="0" cy="1063167"/>
-          </a:xfrm>
-          <a:prstGeom prst="line">
-            <a:avLst/>
-          </a:prstGeom>
-          <a:solidFill>
-            <a:schemeClr val="accent1"/>
-          </a:solidFill>
-          <a:ln w="9525" cap="flat" cmpd="sng" algn="ctr">
-            <a:solidFill>
-              <a:schemeClr val="tx1"/>
-            </a:solidFill>
-            <a:prstDash val="solid"/>
-            <a:round/>
-            <a:headEnd type="none" w="med" len="med"/>
-            <a:tailEnd type="none" w="med" len="med"/>
-          </a:ln>
-          <a:effectLst/>
-        </p:spPr>
-      </p:cxnSp>
-      <p:cxnSp>
-        <p:nvCxnSpPr>
-          <p:cNvPr id="15" name="Straight Arrow Connector 14">
-            <a:extLst>
-              <a:ext uri="{FF2B5EF4-FFF2-40B4-BE49-F238E27FC236}">
-                <a16:creationId xmlns:a16="http://schemas.microsoft.com/office/drawing/2014/main" id="{04EDB4B9-55D5-5025-CC4F-B25A38352949}"/>
-              </a:ext>
-            </a:extLst>
-          </p:cNvPr>
-          <p:cNvCxnSpPr>
-            <a:cxnSpLocks/>
-          </p:cNvCxnSpPr>
-          <p:nvPr/>
-        </p:nvCxnSpPr>
-        <p:spPr bwMode="auto">
-          <a:xfrm>
-            <a:off x="3601431" y="3510152"/>
-            <a:ext cx="960168" cy="0"/>
-          </a:xfrm>
-          <a:prstGeom prst="straightConnector1">
-            <a:avLst/>
-          </a:prstGeom>
-          <a:solidFill>
-            <a:schemeClr val="accent1"/>
-          </a:solidFill>
-          <a:ln w="9525" cap="flat" cmpd="sng" algn="ctr">
-            <a:solidFill>
-              <a:schemeClr val="tx1"/>
-            </a:solidFill>
-            <a:prstDash val="solid"/>
-            <a:round/>
-            <a:headEnd type="none" w="med" len="med"/>
-            <a:tailEnd type="arrow"/>
-          </a:ln>
-          <a:effectLst/>
-        </p:spPr>
-      </p:cxnSp>
-      <p:sp>
-        <p:nvSpPr>
-          <p:cNvPr id="16" name="Rectangle 15">
-            <a:extLst>
-              <a:ext uri="{FF2B5EF4-FFF2-40B4-BE49-F238E27FC236}">
-                <a16:creationId xmlns:a16="http://schemas.microsoft.com/office/drawing/2014/main" id="{CEE2967C-51BF-C05D-AC67-CB589AEEE12D}"/>
-              </a:ext>
-            </a:extLst>
-          </p:cNvPr>
-          <p:cNvSpPr/>
-          <p:nvPr/>
-        </p:nvSpPr>
-        <p:spPr bwMode="auto">
-          <a:xfrm>
-            <a:off x="1590589" y="3895833"/>
-            <a:ext cx="1447124" cy="314427"/>
-          </a:xfrm>
-          <a:prstGeom prst="rect">
-            <a:avLst/>
-          </a:prstGeom>
-          <a:solidFill>
-            <a:schemeClr val="bg1">
-              <a:lumMod val="65000"/>
-            </a:schemeClr>
-          </a:solidFill>
-          <a:ln w="9525" cap="flat" cmpd="sng" algn="ctr">
-            <a:solidFill>
-              <a:schemeClr val="tx1"/>
-            </a:solidFill>
-            <a:prstDash val="solid"/>
-            <a:round/>
-            <a:headEnd type="none" w="med" len="med"/>
-            <a:tailEnd type="none" w="med" len="med"/>
-          </a:ln>
-          <a:effectLst/>
-        </p:spPr>
-        <p:txBody>
-          <a:bodyPr vert="horz" wrap="square" lIns="91440" tIns="45720" rIns="91440" bIns="45720" numCol="1" rtlCol="0" anchor="t" anchorCtr="0" compatLnSpc="1">
-            <a:prstTxWarp prst="textNoShape">
-              <a:avLst/>
-            </a:prstTxWarp>
-          </a:bodyPr>
-          <a:lstStyle/>
-          <a:p>
-            <a:pPr algn="ctr" eaLnBrk="0" fontAlgn="base" hangingPunct="0">
-              <a:spcBef>
-                <a:spcPct val="0"/>
-              </a:spcBef>
-              <a:spcAft>
-                <a:spcPct val="0"/>
-              </a:spcAft>
-            </a:pPr>
-            <a:r>
-              <a:rPr lang="en-US" sz="1600" dirty="0">
-                <a:latin typeface="+mj-lt"/>
-              </a:rPr>
-              <a:t>Link</a:t>
+              <a:rPr lang="en-US" sz="2000" dirty="0"/>
+              <a:t>The </a:t>
+            </a:r>
+            <a:r>
+              <a:rPr lang="en-US" sz="2000" i="1" dirty="0" err="1"/>
+              <a:t>LogicalModel</a:t>
+            </a:r>
+            <a:r>
+              <a:rPr lang="en-US" sz="2000" dirty="0"/>
+              <a:t> is a model that execute a RAVEN model via a user provided control function</a:t>
+            </a:r>
+          </a:p>
+          <a:p>
+            <a:pPr lvl="1"/>
+            <a:r>
+              <a:rPr lang="en-US" sz="2000" dirty="0"/>
+              <a:t>Control function utilizes the inputs generated by RAVEN</a:t>
+            </a:r>
+          </a:p>
+          <a:p>
+            <a:pPr lvl="1"/>
+            <a:r>
+              <a:rPr lang="en-US" sz="2000" dirty="0"/>
+              <a:t>Control function determines which model to execute </a:t>
+            </a:r>
+          </a:p>
+          <a:p>
+            <a:pPr lvl="1"/>
+            <a:r>
+              <a:rPr lang="en-US" sz="2000" dirty="0"/>
+              <a:t>All models listed under </a:t>
+            </a:r>
+            <a:r>
+              <a:rPr lang="en-US" sz="2000" i="1" dirty="0" err="1"/>
+              <a:t>LogicalModel</a:t>
+            </a:r>
+            <a:r>
+              <a:rPr lang="en-US" sz="2000" dirty="0"/>
+              <a:t> should have the same inputs and outputs</a:t>
             </a:r>
           </a:p>
         </p:txBody>
       </p:sp>
       <p:sp>
         <p:nvSpPr>
-          <p:cNvPr id="3" name="Slide Number Placeholder 2">
-            <a:extLst>
-              <a:ext uri="{FF2B5EF4-FFF2-40B4-BE49-F238E27FC236}">
-                <a16:creationId xmlns:a16="http://schemas.microsoft.com/office/drawing/2014/main" id="{239FB520-E1EE-F740-D3C1-EBC17B9B521B}"/>
+          <p:cNvPr id="4" name="Slide Number Placeholder 3">
+            <a:extLst>
+              <a:ext uri="{FF2B5EF4-FFF2-40B4-BE49-F238E27FC236}">
+                <a16:creationId xmlns:a16="http://schemas.microsoft.com/office/drawing/2014/main" id="{B5DA4A1F-0EE7-989D-613F-FD79DEBBDA65}"/>
               </a:ext>
             </a:extLst>
           </p:cNvPr>
@@ -23325,628 +23907,130 @@
           </a:p>
         </p:txBody>
       </p:sp>
-      <p:cxnSp>
-        <p:nvCxnSpPr>
-          <p:cNvPr id="19" name="Straight Arrow Connector 18">
-            <a:extLst>
-              <a:ext uri="{FF2B5EF4-FFF2-40B4-BE49-F238E27FC236}">
-                <a16:creationId xmlns:a16="http://schemas.microsoft.com/office/drawing/2014/main" id="{733D1C4F-6253-7A03-1DF4-6444299F471C}"/>
-              </a:ext>
-            </a:extLst>
-          </p:cNvPr>
-          <p:cNvCxnSpPr>
-            <a:cxnSpLocks/>
-          </p:cNvCxnSpPr>
+      <p:pic>
+        <p:nvPicPr>
+          <p:cNvPr id="5" name="Picture 4">
+            <a:extLst>
+              <a:ext uri="{FF2B5EF4-FFF2-40B4-BE49-F238E27FC236}">
+                <a16:creationId xmlns:a16="http://schemas.microsoft.com/office/drawing/2014/main" id="{724018A4-CEDD-575B-CBDE-ED4E80BB10C7}"/>
+              </a:ext>
+            </a:extLst>
+          </p:cNvPr>
+          <p:cNvPicPr>
+            <a:picLocks noChangeAspect="1"/>
+          </p:cNvPicPr>
           <p:nvPr/>
-        </p:nvCxnSpPr>
-        <p:spPr bwMode="auto">
+        </p:nvPicPr>
+        <p:blipFill>
+          <a:blip r:embed="rId2"/>
+          <a:stretch>
+            <a:fillRect/>
+          </a:stretch>
+        </p:blipFill>
+        <p:spPr>
           <a:xfrm>
-            <a:off x="3601431" y="4573320"/>
-            <a:ext cx="960168" cy="0"/>
-          </a:xfrm>
-          <a:prstGeom prst="straightConnector1">
-            <a:avLst/>
-          </a:prstGeom>
-          <a:solidFill>
-            <a:schemeClr val="accent1"/>
-          </a:solidFill>
-          <a:ln w="9525" cap="flat" cmpd="sng" algn="ctr">
-            <a:solidFill>
-              <a:schemeClr val="tx1"/>
-            </a:solidFill>
-            <a:prstDash val="solid"/>
-            <a:round/>
-            <a:headEnd type="none" w="med" len="med"/>
-            <a:tailEnd type="arrow"/>
-          </a:ln>
-          <a:effectLst/>
-        </p:spPr>
-      </p:cxnSp>
-      <p:sp>
-        <p:nvSpPr>
-          <p:cNvPr id="20" name="Rectangle 19">
-            <a:extLst>
-              <a:ext uri="{FF2B5EF4-FFF2-40B4-BE49-F238E27FC236}">
-                <a16:creationId xmlns:a16="http://schemas.microsoft.com/office/drawing/2014/main" id="{0106EE1A-6568-E992-5165-F15DC16EA7F3}"/>
-              </a:ext>
-            </a:extLst>
-          </p:cNvPr>
-          <p:cNvSpPr/>
-          <p:nvPr/>
-        </p:nvSpPr>
-        <p:spPr bwMode="auto">
-          <a:xfrm>
-            <a:off x="2512241" y="1422974"/>
-            <a:ext cx="1389721" cy="311335"/>
+            <a:off x="2116183" y="3717736"/>
+            <a:ext cx="5943600" cy="1924996"/>
           </a:xfrm>
           <a:prstGeom prst="rect">
             <a:avLst/>
           </a:prstGeom>
-          <a:solidFill>
-            <a:schemeClr val="bg1">
-              <a:lumMod val="85000"/>
-            </a:schemeClr>
-          </a:solidFill>
-          <a:ln>
-            <a:headEnd type="none" w="med" len="med"/>
-            <a:tailEnd type="none" w="med" len="med"/>
-          </a:ln>
         </p:spPr>
-        <p:style>
-          <a:lnRef idx="2">
-            <a:schemeClr val="accent4"/>
-          </a:lnRef>
-          <a:fillRef idx="1">
-            <a:schemeClr val="lt1"/>
-          </a:fillRef>
-          <a:effectRef idx="0">
-            <a:schemeClr val="accent4"/>
-          </a:effectRef>
-          <a:fontRef idx="minor">
-            <a:schemeClr val="dk1"/>
-          </a:fontRef>
-        </p:style>
-        <p:txBody>
-          <a:bodyPr vert="horz" wrap="square" lIns="91440" tIns="45720" rIns="91440" bIns="45720" numCol="1" rtlCol="0" anchor="ctr" anchorCtr="0" compatLnSpc="1">
-            <a:prstTxWarp prst="textNoShape">
-              <a:avLst/>
-            </a:prstTxWarp>
-          </a:bodyPr>
-          <a:lstStyle/>
-          <a:p>
-            <a:pPr algn="ctr" eaLnBrk="0" fontAlgn="base" hangingPunct="0">
-              <a:spcBef>
-                <a:spcPct val="0"/>
-              </a:spcBef>
-              <a:spcAft>
-                <a:spcPct val="0"/>
-              </a:spcAft>
-            </a:pPr>
-            <a:r>
-              <a:rPr lang="en-US" sz="1600" dirty="0">
-                <a:solidFill>
-                  <a:schemeClr val="tx1"/>
-                </a:solidFill>
-                <a:latin typeface="+mj-lt"/>
-              </a:rPr>
-              <a:t>Models</a:t>
-            </a:r>
-          </a:p>
-        </p:txBody>
-      </p:sp>
+      </p:pic>
       <p:sp>
         <p:nvSpPr>
-          <p:cNvPr id="21" name="Rectangle 20">
-            <a:extLst>
-              <a:ext uri="{FF2B5EF4-FFF2-40B4-BE49-F238E27FC236}">
-                <a16:creationId xmlns:a16="http://schemas.microsoft.com/office/drawing/2014/main" id="{93997864-6C48-1B08-E3A5-D3A97D03DBCF}"/>
-              </a:ext>
-            </a:extLst>
-          </p:cNvPr>
-          <p:cNvSpPr/>
+          <p:cNvPr id="7" name="TextBox 6">
+            <a:extLst>
+              <a:ext uri="{FF2B5EF4-FFF2-40B4-BE49-F238E27FC236}">
+                <a16:creationId xmlns:a16="http://schemas.microsoft.com/office/drawing/2014/main" id="{11D1515E-48B5-2322-3C6F-D1C6CD4401B8}"/>
+              </a:ext>
+            </a:extLst>
+          </p:cNvPr>
+          <p:cNvSpPr txBox="1"/>
           <p:nvPr/>
         </p:nvSpPr>
-        <p:spPr bwMode="auto">
+        <p:spPr>
           <a:xfrm>
-            <a:off x="1122520" y="1422974"/>
-            <a:ext cx="1389721" cy="311335"/>
+            <a:off x="3287490" y="5954545"/>
+            <a:ext cx="1800493" cy="369332"/>
           </a:xfrm>
           <a:prstGeom prst="rect">
             <a:avLst/>
           </a:prstGeom>
-          <a:solidFill>
-            <a:srgbClr val="D9D9D9"/>
-          </a:solidFill>
-          <a:ln>
-            <a:headEnd type="none" w="med" len="med"/>
-            <a:tailEnd type="none" w="med" len="med"/>
-          </a:ln>
+          <a:noFill/>
         </p:spPr>
-        <p:style>
-          <a:lnRef idx="2">
-            <a:schemeClr val="accent4"/>
-          </a:lnRef>
-          <a:fillRef idx="1">
-            <a:schemeClr val="lt1"/>
-          </a:fillRef>
-          <a:effectRef idx="0">
-            <a:schemeClr val="accent4"/>
-          </a:effectRef>
-          <a:fontRef idx="minor">
-            <a:schemeClr val="dk1"/>
-          </a:fontRef>
-        </p:style>
         <p:txBody>
-          <a:bodyPr vert="horz" wrap="square" lIns="91440" tIns="45720" rIns="91440" bIns="45720" numCol="1" rtlCol="0" anchor="ctr" anchorCtr="0" compatLnSpc="1">
-            <a:prstTxWarp prst="textNoShape">
-              <a:avLst/>
-            </a:prstTxWarp>
+          <a:bodyPr wrap="none" rtlCol="0">
+            <a:spAutoFit/>
           </a:bodyPr>
           <a:lstStyle/>
           <a:p>
-            <a:pPr algn="ctr" eaLnBrk="0" fontAlgn="base" hangingPunct="0">
-              <a:spcBef>
-                <a:spcPct val="0"/>
-              </a:spcBef>
-              <a:spcAft>
-                <a:spcPct val="0"/>
-              </a:spcAft>
-            </a:pPr>
-            <a:r>
-              <a:rPr lang="en-US" sz="1600" dirty="0">
-                <a:latin typeface="+mj-lt"/>
-              </a:rPr>
-              <a:t>Distributions</a:t>
-            </a:r>
-            <a:endParaRPr lang="en-US" sz="1600" dirty="0">
-              <a:solidFill>
-                <a:schemeClr val="tx1"/>
-              </a:solidFill>
-              <a:latin typeface="+mj-lt"/>
-            </a:endParaRPr>
+            <a:r>
+              <a:rPr lang="en-US" dirty="0"/>
+              <a:t>Control function</a:t>
+            </a:r>
           </a:p>
         </p:txBody>
       </p:sp>
-      <p:sp>
-        <p:nvSpPr>
-          <p:cNvPr id="22" name="Rectangle 21">
-            <a:extLst>
-              <a:ext uri="{FF2B5EF4-FFF2-40B4-BE49-F238E27FC236}">
-                <a16:creationId xmlns:a16="http://schemas.microsoft.com/office/drawing/2014/main" id="{CB92D069-F7F4-F293-74E5-6406BDC92E33}"/>
-              </a:ext>
-            </a:extLst>
-          </p:cNvPr>
-          <p:cNvSpPr/>
+      <p:pic>
+        <p:nvPicPr>
+          <p:cNvPr id="1028" name="Picture 4" descr="Wavy Arrow Icon Element Different Kinds Stock Illustration 1022333833 |  Shutterstock">
+            <a:extLst>
+              <a:ext uri="{FF2B5EF4-FFF2-40B4-BE49-F238E27FC236}">
+                <a16:creationId xmlns:a16="http://schemas.microsoft.com/office/drawing/2014/main" id="{010E47D1-B586-2634-6EBE-FF86F866CB8C}"/>
+              </a:ext>
+            </a:extLst>
+          </p:cNvPr>
+          <p:cNvPicPr>
+            <a:picLocks noChangeAspect="1" noChangeArrowheads="1"/>
+          </p:cNvPicPr>
           <p:nvPr/>
-        </p:nvSpPr>
+        </p:nvPicPr>
+        <p:blipFill rotWithShape="1">
+          <a:blip r:embed="rId3">
+            <a:clrChange>
+              <a:clrFrom>
+                <a:srgbClr val="FFFFFF"/>
+              </a:clrFrom>
+              <a:clrTo>
+                <a:srgbClr val="FFFFFF">
+                  <a:alpha val="0"/>
+                </a:srgbClr>
+              </a:clrTo>
+            </a:clrChange>
+            <a:extLst>
+              <a:ext uri="{28A0092B-C50C-407E-A947-70E740481C1C}">
+                <a14:useLocalDpi xmlns:a14="http://schemas.microsoft.com/office/drawing/2010/main" val="0"/>
+              </a:ext>
+            </a:extLst>
+          </a:blip>
+          <a:srcRect l="22846" t="38385" r="22626" b="44962"/>
+          <a:stretch/>
+        </p:blipFill>
         <p:spPr bwMode="auto">
-          <a:xfrm>
-            <a:off x="3901962" y="1422974"/>
-            <a:ext cx="1389721" cy="311335"/>
+          <a:xfrm rot="16200000">
+            <a:off x="3493430" y="5166620"/>
+            <a:ext cx="1274311" cy="301537"/>
           </a:xfrm>
           <a:prstGeom prst="rect">
             <a:avLst/>
           </a:prstGeom>
-          <a:solidFill>
-            <a:srgbClr val="D9D9D9"/>
-          </a:solidFill>
-          <a:ln>
-            <a:headEnd type="none" w="med" len="med"/>
-            <a:tailEnd type="none" w="med" len="med"/>
-          </a:ln>
+          <a:noFill/>
+          <a:extLst>
+            <a:ext uri="{909E8E84-426E-40DD-AFC4-6F175D3DCCD1}">
+              <a14:hiddenFill xmlns:a14="http://schemas.microsoft.com/office/drawing/2010/main">
+                <a:solidFill>
+                  <a:srgbClr val="FFFFFF"/>
+                </a:solidFill>
+              </a14:hiddenFill>
+            </a:ext>
+          </a:extLst>
         </p:spPr>
-        <p:style>
-          <a:lnRef idx="2">
-            <a:schemeClr val="accent4"/>
-          </a:lnRef>
-          <a:fillRef idx="1">
-            <a:schemeClr val="lt1"/>
-          </a:fillRef>
-          <a:effectRef idx="0">
-            <a:schemeClr val="accent4"/>
-          </a:effectRef>
-          <a:fontRef idx="minor">
-            <a:schemeClr val="dk1"/>
-          </a:fontRef>
-        </p:style>
-        <p:txBody>
-          <a:bodyPr vert="horz" wrap="square" lIns="91440" tIns="45720" rIns="91440" bIns="45720" numCol="1" rtlCol="0" anchor="ctr" anchorCtr="0" compatLnSpc="1">
-            <a:prstTxWarp prst="textNoShape">
-              <a:avLst/>
-            </a:prstTxWarp>
-          </a:bodyPr>
-          <a:lstStyle/>
-          <a:p>
-            <a:pPr algn="ctr" eaLnBrk="0" fontAlgn="base" hangingPunct="0">
-              <a:spcBef>
-                <a:spcPct val="0"/>
-              </a:spcBef>
-              <a:spcAft>
-                <a:spcPct val="0"/>
-              </a:spcAft>
-            </a:pPr>
-            <a:r>
-              <a:rPr lang="en-US" sz="1600" dirty="0">
-                <a:solidFill>
-                  <a:schemeClr val="tx1"/>
-                </a:solidFill>
-                <a:latin typeface="+mj-lt"/>
-              </a:rPr>
-              <a:t>Samplers</a:t>
-            </a:r>
-          </a:p>
-        </p:txBody>
-      </p:sp>
-      <p:sp>
-        <p:nvSpPr>
-          <p:cNvPr id="23" name="Rectangle 22">
-            <a:extLst>
-              <a:ext uri="{FF2B5EF4-FFF2-40B4-BE49-F238E27FC236}">
-                <a16:creationId xmlns:a16="http://schemas.microsoft.com/office/drawing/2014/main" id="{8C3A6BEE-AFED-ED81-DB67-F0964BC14E5A}"/>
-              </a:ext>
-            </a:extLst>
-          </p:cNvPr>
-          <p:cNvSpPr/>
-          <p:nvPr/>
-        </p:nvSpPr>
-        <p:spPr bwMode="auto">
-          <a:xfrm>
-            <a:off x="4596822" y="1736105"/>
-            <a:ext cx="1389721" cy="311335"/>
-          </a:xfrm>
-          <a:prstGeom prst="rect">
-            <a:avLst/>
-          </a:prstGeom>
-          <a:solidFill>
-            <a:srgbClr val="D9D9D9"/>
-          </a:solidFill>
-          <a:ln>
-            <a:headEnd type="none" w="med" len="med"/>
-            <a:tailEnd type="none" w="med" len="med"/>
-          </a:ln>
-        </p:spPr>
-        <p:style>
-          <a:lnRef idx="2">
-            <a:schemeClr val="accent4"/>
-          </a:lnRef>
-          <a:fillRef idx="1">
-            <a:schemeClr val="lt1"/>
-          </a:fillRef>
-          <a:effectRef idx="0">
-            <a:schemeClr val="accent4"/>
-          </a:effectRef>
-          <a:fontRef idx="minor">
-            <a:schemeClr val="dk1"/>
-          </a:fontRef>
-        </p:style>
-        <p:txBody>
-          <a:bodyPr vert="horz" wrap="square" lIns="91440" tIns="45720" rIns="91440" bIns="45720" numCol="1" rtlCol="0" anchor="ctr" anchorCtr="0" compatLnSpc="1">
-            <a:prstTxWarp prst="textNoShape">
-              <a:avLst/>
-            </a:prstTxWarp>
-          </a:bodyPr>
-          <a:lstStyle/>
-          <a:p>
-            <a:pPr algn="ctr" eaLnBrk="0" fontAlgn="base" hangingPunct="0">
-              <a:spcBef>
-                <a:spcPct val="0"/>
-              </a:spcBef>
-              <a:spcAft>
-                <a:spcPct val="0"/>
-              </a:spcAft>
-            </a:pPr>
-            <a:r>
-              <a:rPr lang="en-US" sz="1600" dirty="0">
-                <a:solidFill>
-                  <a:schemeClr val="tx1"/>
-                </a:solidFill>
-                <a:latin typeface="+mj-lt"/>
-              </a:rPr>
-              <a:t>Steps</a:t>
-            </a:r>
-          </a:p>
-        </p:txBody>
-      </p:sp>
-      <p:sp>
-        <p:nvSpPr>
-          <p:cNvPr id="24" name="Rectangle 23">
-            <a:extLst>
-              <a:ext uri="{FF2B5EF4-FFF2-40B4-BE49-F238E27FC236}">
-                <a16:creationId xmlns:a16="http://schemas.microsoft.com/office/drawing/2014/main" id="{39825FAA-8BC1-1D40-F6A2-59C30F61054B}"/>
-              </a:ext>
-            </a:extLst>
-          </p:cNvPr>
-          <p:cNvSpPr/>
-          <p:nvPr/>
-        </p:nvSpPr>
-        <p:spPr bwMode="auto">
-          <a:xfrm>
-            <a:off x="5291683" y="1422974"/>
-            <a:ext cx="1389721" cy="311335"/>
-          </a:xfrm>
-          <a:prstGeom prst="rect">
-            <a:avLst/>
-          </a:prstGeom>
-          <a:solidFill>
-            <a:srgbClr val="D9D9D9"/>
-          </a:solidFill>
-          <a:ln>
-            <a:headEnd type="none" w="med" len="med"/>
-            <a:tailEnd type="none" w="med" len="med"/>
-          </a:ln>
-        </p:spPr>
-        <p:style>
-          <a:lnRef idx="2">
-            <a:schemeClr val="accent4"/>
-          </a:lnRef>
-          <a:fillRef idx="1">
-            <a:schemeClr val="lt1"/>
-          </a:fillRef>
-          <a:effectRef idx="0">
-            <a:schemeClr val="accent4"/>
-          </a:effectRef>
-          <a:fontRef idx="minor">
-            <a:schemeClr val="dk1"/>
-          </a:fontRef>
-        </p:style>
-        <p:txBody>
-          <a:bodyPr vert="horz" wrap="square" lIns="91440" tIns="45720" rIns="91440" bIns="45720" numCol="1" rtlCol="0" anchor="ctr" anchorCtr="0" compatLnSpc="1">
-            <a:prstTxWarp prst="textNoShape">
-              <a:avLst/>
-            </a:prstTxWarp>
-          </a:bodyPr>
-          <a:lstStyle/>
-          <a:p>
-            <a:pPr algn="ctr" eaLnBrk="0" fontAlgn="base" hangingPunct="0">
-              <a:spcBef>
-                <a:spcPct val="0"/>
-              </a:spcBef>
-              <a:spcAft>
-                <a:spcPct val="0"/>
-              </a:spcAft>
-            </a:pPr>
-            <a:r>
-              <a:rPr lang="en-US" sz="1600" dirty="0">
-                <a:solidFill>
-                  <a:schemeClr val="tx1"/>
-                </a:solidFill>
-                <a:latin typeface="+mj-lt"/>
-              </a:rPr>
-              <a:t>Databases</a:t>
-            </a:r>
-          </a:p>
-        </p:txBody>
-      </p:sp>
-      <p:sp>
-        <p:nvSpPr>
-          <p:cNvPr id="25" name="Rectangle 24">
-            <a:extLst>
-              <a:ext uri="{FF2B5EF4-FFF2-40B4-BE49-F238E27FC236}">
-                <a16:creationId xmlns:a16="http://schemas.microsoft.com/office/drawing/2014/main" id="{C60F80A2-7973-6A7B-621D-DE5B08941CE6}"/>
-              </a:ext>
-            </a:extLst>
-          </p:cNvPr>
-          <p:cNvSpPr/>
-          <p:nvPr/>
-        </p:nvSpPr>
-        <p:spPr bwMode="auto">
-          <a:xfrm>
-            <a:off x="6681404" y="1422974"/>
-            <a:ext cx="1389721" cy="311335"/>
-          </a:xfrm>
-          <a:prstGeom prst="rect">
-            <a:avLst/>
-          </a:prstGeom>
-          <a:solidFill>
-            <a:schemeClr val="bg1">
-              <a:lumMod val="65000"/>
-            </a:schemeClr>
-          </a:solidFill>
-          <a:ln>
-            <a:headEnd type="none" w="med" len="med"/>
-            <a:tailEnd type="none" w="med" len="med"/>
-          </a:ln>
-        </p:spPr>
-        <p:style>
-          <a:lnRef idx="2">
-            <a:schemeClr val="accent4"/>
-          </a:lnRef>
-          <a:fillRef idx="1">
-            <a:schemeClr val="lt1"/>
-          </a:fillRef>
-          <a:effectRef idx="0">
-            <a:schemeClr val="accent4"/>
-          </a:effectRef>
-          <a:fontRef idx="minor">
-            <a:schemeClr val="dk1"/>
-          </a:fontRef>
-        </p:style>
-        <p:txBody>
-          <a:bodyPr vert="horz" wrap="square" lIns="91440" tIns="45720" rIns="91440" bIns="45720" numCol="1" rtlCol="0" anchor="ctr" anchorCtr="0" compatLnSpc="1">
-            <a:prstTxWarp prst="textNoShape">
-              <a:avLst/>
-            </a:prstTxWarp>
-          </a:bodyPr>
-          <a:lstStyle/>
-          <a:p>
-            <a:pPr algn="ctr" eaLnBrk="0" fontAlgn="base" hangingPunct="0">
-              <a:spcBef>
-                <a:spcPct val="0"/>
-              </a:spcBef>
-              <a:spcAft>
-                <a:spcPct val="0"/>
-              </a:spcAft>
-            </a:pPr>
-            <a:r>
-              <a:rPr lang="en-US" sz="1600" dirty="0" err="1">
-                <a:solidFill>
-                  <a:schemeClr val="tx1"/>
-                </a:solidFill>
-                <a:latin typeface="+mj-lt"/>
-              </a:rPr>
-              <a:t>DataObjects</a:t>
-            </a:r>
-            <a:endParaRPr lang="en-US" sz="1600" dirty="0">
-              <a:solidFill>
-                <a:schemeClr val="tx1"/>
-              </a:solidFill>
-              <a:latin typeface="+mj-lt"/>
-            </a:endParaRPr>
-          </a:p>
-        </p:txBody>
-      </p:sp>
-      <p:sp>
-        <p:nvSpPr>
-          <p:cNvPr id="26" name="Rectangle 25">
-            <a:extLst>
-              <a:ext uri="{FF2B5EF4-FFF2-40B4-BE49-F238E27FC236}">
-                <a16:creationId xmlns:a16="http://schemas.microsoft.com/office/drawing/2014/main" id="{09E144AC-F467-9303-084B-BE00199F42D8}"/>
-              </a:ext>
-            </a:extLst>
-          </p:cNvPr>
-          <p:cNvSpPr/>
-          <p:nvPr/>
-        </p:nvSpPr>
-        <p:spPr bwMode="auto">
-          <a:xfrm>
-            <a:off x="8071125" y="1424770"/>
-            <a:ext cx="1389721" cy="311335"/>
-          </a:xfrm>
-          <a:prstGeom prst="rect">
-            <a:avLst/>
-          </a:prstGeom>
-          <a:solidFill>
-            <a:srgbClr val="D9D9D9"/>
-          </a:solidFill>
-          <a:ln>
-            <a:headEnd type="none" w="med" len="med"/>
-            <a:tailEnd type="none" w="med" len="med"/>
-          </a:ln>
-        </p:spPr>
-        <p:style>
-          <a:lnRef idx="2">
-            <a:schemeClr val="accent4"/>
-          </a:lnRef>
-          <a:fillRef idx="1">
-            <a:schemeClr val="lt1"/>
-          </a:fillRef>
-          <a:effectRef idx="0">
-            <a:schemeClr val="accent4"/>
-          </a:effectRef>
-          <a:fontRef idx="minor">
-            <a:schemeClr val="dk1"/>
-          </a:fontRef>
-        </p:style>
-        <p:txBody>
-          <a:bodyPr vert="horz" wrap="square" lIns="91440" tIns="45720" rIns="91440" bIns="45720" numCol="1" rtlCol="0" anchor="ctr" anchorCtr="0" compatLnSpc="1">
-            <a:prstTxWarp prst="textNoShape">
-              <a:avLst/>
-            </a:prstTxWarp>
-          </a:bodyPr>
-          <a:lstStyle/>
-          <a:p>
-            <a:pPr algn="ctr" eaLnBrk="0" fontAlgn="base" hangingPunct="0">
-              <a:spcBef>
-                <a:spcPct val="0"/>
-              </a:spcBef>
-              <a:spcAft>
-                <a:spcPct val="0"/>
-              </a:spcAft>
-            </a:pPr>
-            <a:r>
-              <a:rPr lang="en-US" sz="1600" dirty="0" err="1">
-                <a:solidFill>
-                  <a:schemeClr val="tx1"/>
-                </a:solidFill>
-                <a:latin typeface="+mj-lt"/>
-              </a:rPr>
-              <a:t>OutStreams</a:t>
-            </a:r>
-            <a:endParaRPr lang="en-US" sz="1600" dirty="0">
-              <a:solidFill>
-                <a:schemeClr val="tx1"/>
-              </a:solidFill>
-              <a:latin typeface="+mj-lt"/>
-            </a:endParaRPr>
-          </a:p>
-        </p:txBody>
-      </p:sp>
-      <p:sp>
-        <p:nvSpPr>
-          <p:cNvPr id="27" name="Rectangle 26">
-            <a:extLst>
-              <a:ext uri="{FF2B5EF4-FFF2-40B4-BE49-F238E27FC236}">
-                <a16:creationId xmlns:a16="http://schemas.microsoft.com/office/drawing/2014/main" id="{3C53675C-ED55-C25F-6490-179E65927B5F}"/>
-              </a:ext>
-            </a:extLst>
-          </p:cNvPr>
-          <p:cNvSpPr/>
-          <p:nvPr/>
-        </p:nvSpPr>
-        <p:spPr bwMode="auto">
-          <a:xfrm>
-            <a:off x="9460845" y="1424770"/>
-            <a:ext cx="1389721" cy="311335"/>
-          </a:xfrm>
-          <a:prstGeom prst="rect">
-            <a:avLst/>
-          </a:prstGeom>
-          <a:solidFill>
-            <a:schemeClr val="bg1">
-              <a:lumMod val="85000"/>
-            </a:schemeClr>
-          </a:solidFill>
-          <a:ln>
-            <a:headEnd type="none" w="med" len="med"/>
-            <a:tailEnd type="none" w="med" len="med"/>
-          </a:ln>
-        </p:spPr>
-        <p:style>
-          <a:lnRef idx="2">
-            <a:schemeClr val="accent4"/>
-          </a:lnRef>
-          <a:fillRef idx="1">
-            <a:schemeClr val="lt1"/>
-          </a:fillRef>
-          <a:effectRef idx="0">
-            <a:schemeClr val="accent4"/>
-          </a:effectRef>
-          <a:fontRef idx="minor">
-            <a:schemeClr val="dk1"/>
-          </a:fontRef>
-        </p:style>
-        <p:txBody>
-          <a:bodyPr vert="horz" wrap="square" lIns="91440" tIns="45720" rIns="91440" bIns="45720" numCol="1" rtlCol="0" anchor="ctr" anchorCtr="0" compatLnSpc="1">
-            <a:prstTxWarp prst="textNoShape">
-              <a:avLst/>
-            </a:prstTxWarp>
-          </a:bodyPr>
-          <a:lstStyle/>
-          <a:p>
-            <a:pPr algn="ctr" eaLnBrk="0" fontAlgn="base" hangingPunct="0">
-              <a:spcBef>
-                <a:spcPct val="0"/>
-              </a:spcBef>
-              <a:spcAft>
-                <a:spcPct val="0"/>
-              </a:spcAft>
-            </a:pPr>
-            <a:r>
-              <a:rPr lang="en-US" sz="1600" dirty="0">
-                <a:solidFill>
-                  <a:schemeClr val="tx1"/>
-                </a:solidFill>
-                <a:latin typeface="+mj-lt"/>
-              </a:rPr>
-              <a:t>Metrics</a:t>
-            </a:r>
-          </a:p>
-        </p:txBody>
-      </p:sp>
+      </p:pic>
     </p:spTree>
     <p:extLst>
       <p:ext uri="{BB962C8B-B14F-4D97-AF65-F5344CB8AC3E}">
-        <p14:creationId xmlns:p14="http://schemas.microsoft.com/office/powerpoint/2010/main" val="4190943412"/>
+        <p14:creationId xmlns:p14="http://schemas.microsoft.com/office/powerpoint/2010/main" val="742772454"/>
       </p:ext>
     </p:extLst>
   </p:cSld>
@@ -24070,7 +24154,7 @@
           <p:cNvPr id="2" name="Title 1">
             <a:extLst>
               <a:ext uri="{FF2B5EF4-FFF2-40B4-BE49-F238E27FC236}">
-                <a16:creationId xmlns:a16="http://schemas.microsoft.com/office/drawing/2014/main" id="{19150399-2DDC-E5BB-0801-3DDD17BB18CE}"/>
+                <a16:creationId xmlns:a16="http://schemas.microsoft.com/office/drawing/2014/main" id="{F5C6C006-3115-6810-2FCD-9E22A580ADE1}"/>
               </a:ext>
             </a:extLst>
           </p:cNvPr>
@@ -24088,44 +24172,8 @@
           <a:p>
             <a:r>
               <a:rPr lang="en-US" dirty="0"/>
-              <a:t>Hybrid Model Application</a:t>
-            </a:r>
-          </a:p>
-        </p:txBody>
-      </p:sp>
-      <p:sp>
-        <p:nvSpPr>
-          <p:cNvPr id="3" name="Content Placeholder 2">
-            <a:extLst>
-              <a:ext uri="{FF2B5EF4-FFF2-40B4-BE49-F238E27FC236}">
-                <a16:creationId xmlns:a16="http://schemas.microsoft.com/office/drawing/2014/main" id="{3AC6EAC5-B77F-36D2-414F-4FC5B705A1CA}"/>
-              </a:ext>
-            </a:extLst>
-          </p:cNvPr>
-          <p:cNvSpPr>
-            <a:spLocks noGrp="1"/>
-          </p:cNvSpPr>
-          <p:nvPr>
-            <p:ph idx="1"/>
-          </p:nvPr>
-        </p:nvSpPr>
-        <p:spPr>
-          <a:xfrm>
-            <a:off x="938150" y="1290321"/>
-            <a:ext cx="10415649" cy="842026"/>
-          </a:xfrm>
-        </p:spPr>
-        <p:txBody>
-          <a:bodyPr/>
-          <a:lstStyle/>
-          <a:p>
-            <a:r>
-              <a:rPr lang="en-US" sz="2000" dirty="0"/>
-              <a:t>Example: automatic model selection for a PWR SBO sequence, using RELAP5-3D and a SVM surrogate model</a:t>
-            </a:r>
-          </a:p>
-          <a:p>
-            <a:endParaRPr lang="en-US" dirty="0"/>
+              <a:t>RAVEN Logical Model</a:t>
+            </a:r>
           </a:p>
         </p:txBody>
       </p:sp>
@@ -24134,7 +24182,7 @@
           <p:cNvPr id="4" name="Slide Number Placeholder 3">
             <a:extLst>
               <a:ext uri="{FF2B5EF4-FFF2-40B4-BE49-F238E27FC236}">
-                <a16:creationId xmlns:a16="http://schemas.microsoft.com/office/drawing/2014/main" id="{7D352D5A-E0E6-32B4-0563-45847C54259D}"/>
+                <a16:creationId xmlns:a16="http://schemas.microsoft.com/office/drawing/2014/main" id="{F1ECC1AD-4513-DBE0-4E00-2719F96C3B7C}"/>
               </a:ext>
             </a:extLst>
           </p:cNvPr>
@@ -24153,636 +24201,6 @@
             <a:fld id="{82B577FA-F7D9-2C48-919F-F962E3BF952F}" type="slidenum">
               <a:rPr lang="en-US" smtClean="0"/>
               <a:t>30</a:t>
-            </a:fld>
-            <a:endParaRPr lang="en-US"/>
-          </a:p>
-        </p:txBody>
-      </p:sp>
-      <p:pic>
-        <p:nvPicPr>
-          <p:cNvPr id="5" name="Picture 4">
-            <a:extLst>
-              <a:ext uri="{FF2B5EF4-FFF2-40B4-BE49-F238E27FC236}">
-                <a16:creationId xmlns:a16="http://schemas.microsoft.com/office/drawing/2014/main" id="{B1F79F4C-28AC-6C51-05D6-8E1554318B8A}"/>
-              </a:ext>
-            </a:extLst>
-          </p:cNvPr>
-          <p:cNvPicPr>
-            <a:picLocks noChangeAspect="1"/>
-          </p:cNvPicPr>
-          <p:nvPr/>
-        </p:nvPicPr>
-        <p:blipFill>
-          <a:blip r:embed="rId2">
-            <a:extLst>
-              <a:ext uri="{28A0092B-C50C-407E-A947-70E740481C1C}">
-                <a14:useLocalDpi xmlns:a14="http://schemas.microsoft.com/office/drawing/2010/main" val="0"/>
-              </a:ext>
-            </a:extLst>
-          </a:blip>
-          <a:stretch>
-            <a:fillRect/>
-          </a:stretch>
-        </p:blipFill>
-        <p:spPr>
-          <a:xfrm>
-            <a:off x="6458493" y="2168013"/>
-            <a:ext cx="5468772" cy="4054262"/>
-          </a:xfrm>
-          <a:prstGeom prst="rect">
-            <a:avLst/>
-          </a:prstGeom>
-        </p:spPr>
-      </p:pic>
-      <p:sp>
-        <p:nvSpPr>
-          <p:cNvPr id="6" name="Content Placeholder 2">
-            <a:extLst>
-              <a:ext uri="{FF2B5EF4-FFF2-40B4-BE49-F238E27FC236}">
-                <a16:creationId xmlns:a16="http://schemas.microsoft.com/office/drawing/2014/main" id="{F952C322-C2D4-A506-8A5C-9E6ED0C43D15}"/>
-              </a:ext>
-            </a:extLst>
-          </p:cNvPr>
-          <p:cNvSpPr txBox="1">
-            <a:spLocks/>
-          </p:cNvSpPr>
-          <p:nvPr/>
-        </p:nvSpPr>
-        <p:spPr>
-          <a:xfrm>
-            <a:off x="938151" y="2002972"/>
-            <a:ext cx="5468772" cy="1940560"/>
-          </a:xfrm>
-          <a:prstGeom prst="rect">
-            <a:avLst/>
-          </a:prstGeom>
-        </p:spPr>
-        <p:txBody>
-          <a:bodyPr vert="horz" lIns="0" tIns="0" rIns="91440" bIns="45720" rtlCol="0">
-            <a:noAutofit/>
-          </a:bodyPr>
-          <a:lstStyle>
-            <a:lvl1pPr marL="228600" indent="-228600" algn="l" defTabSz="914400" rtl="0" eaLnBrk="1" latinLnBrk="0" hangingPunct="1">
-              <a:lnSpc>
-                <a:spcPct val="90000"/>
-              </a:lnSpc>
-              <a:spcBef>
-                <a:spcPts val="1000"/>
-              </a:spcBef>
-              <a:buClr>
-                <a:schemeClr val="bg2"/>
-              </a:buClr>
-              <a:buFont typeface="Arial" panose="020B0604020202020204" pitchFamily="34" charset="0"/>
-              <a:buChar char="•"/>
-              <a:defRPr sz="2200" b="0" i="0" kern="1200">
-                <a:solidFill>
-                  <a:schemeClr val="tx2"/>
-                </a:solidFill>
-                <a:latin typeface="Arial" panose="020B0604020202020204" pitchFamily="34" charset="0"/>
-                <a:ea typeface="+mn-ea"/>
-                <a:cs typeface="Arial" panose="020B0604020202020204" pitchFamily="34" charset="0"/>
-              </a:defRPr>
-            </a:lvl1pPr>
-            <a:lvl2pPr marL="685800" indent="-228600" algn="l" defTabSz="914400" rtl="0" eaLnBrk="1" latinLnBrk="0" hangingPunct="1">
-              <a:lnSpc>
-                <a:spcPct val="90000"/>
-              </a:lnSpc>
-              <a:spcBef>
-                <a:spcPts val="500"/>
-              </a:spcBef>
-              <a:buClr>
-                <a:schemeClr val="bg2"/>
-              </a:buClr>
-              <a:buFont typeface="Arial" panose="020B0604020202020204" pitchFamily="34" charset="0"/>
-              <a:buChar char="−"/>
-              <a:defRPr sz="2200" b="0" i="0" kern="1200">
-                <a:solidFill>
-                  <a:schemeClr val="tx2"/>
-                </a:solidFill>
-                <a:latin typeface="Arial" panose="020B0604020202020204" pitchFamily="34" charset="0"/>
-                <a:ea typeface="+mn-ea"/>
-                <a:cs typeface="Arial" panose="020B0604020202020204" pitchFamily="34" charset="0"/>
-              </a:defRPr>
-            </a:lvl2pPr>
-            <a:lvl3pPr marL="1143000" indent="-228600" algn="l" defTabSz="914400" rtl="0" eaLnBrk="1" latinLnBrk="0" hangingPunct="1">
-              <a:lnSpc>
-                <a:spcPct val="90000"/>
-              </a:lnSpc>
-              <a:spcBef>
-                <a:spcPts val="500"/>
-              </a:spcBef>
-              <a:buClr>
-                <a:schemeClr val="bg2"/>
-              </a:buClr>
-              <a:buFont typeface="Arial" panose="020B0604020202020204" pitchFamily="34" charset="0"/>
-              <a:buChar char="•"/>
-              <a:defRPr sz="2200" b="0" i="0" kern="1200">
-                <a:solidFill>
-                  <a:schemeClr val="tx2"/>
-                </a:solidFill>
-                <a:latin typeface="Arial" panose="020B0604020202020204" pitchFamily="34" charset="0"/>
-                <a:ea typeface="+mn-ea"/>
-                <a:cs typeface="Arial" panose="020B0604020202020204" pitchFamily="34" charset="0"/>
-              </a:defRPr>
-            </a:lvl3pPr>
-            <a:lvl4pPr marL="1600200" indent="-228600" algn="l" defTabSz="914400" rtl="0" eaLnBrk="1" latinLnBrk="0" hangingPunct="1">
-              <a:lnSpc>
-                <a:spcPct val="90000"/>
-              </a:lnSpc>
-              <a:spcBef>
-                <a:spcPts val="500"/>
-              </a:spcBef>
-              <a:buClr>
-                <a:schemeClr val="bg2"/>
-              </a:buClr>
-              <a:buFont typeface="Arial" panose="020B0604020202020204" pitchFamily="34" charset="0"/>
-              <a:buChar char="−"/>
-              <a:defRPr sz="2200" b="0" i="0" kern="1200">
-                <a:solidFill>
-                  <a:schemeClr val="tx2"/>
-                </a:solidFill>
-                <a:latin typeface="Arial" panose="020B0604020202020204" pitchFamily="34" charset="0"/>
-                <a:ea typeface="+mn-ea"/>
-                <a:cs typeface="Arial" panose="020B0604020202020204" pitchFamily="34" charset="0"/>
-              </a:defRPr>
-            </a:lvl4pPr>
-            <a:lvl5pPr marL="2057400" indent="-228600" algn="l" defTabSz="914400" rtl="0" eaLnBrk="1" latinLnBrk="0" hangingPunct="1">
-              <a:lnSpc>
-                <a:spcPct val="90000"/>
-              </a:lnSpc>
-              <a:spcBef>
-                <a:spcPts val="500"/>
-              </a:spcBef>
-              <a:buClr>
-                <a:schemeClr val="bg2"/>
-              </a:buClr>
-              <a:buFont typeface="Arial" panose="020B0604020202020204" pitchFamily="34" charset="0"/>
-              <a:buChar char="•"/>
-              <a:defRPr sz="2200" b="0" i="0" kern="1200">
-                <a:solidFill>
-                  <a:schemeClr val="tx2"/>
-                </a:solidFill>
-                <a:latin typeface="Arial" panose="020B0604020202020204" pitchFamily="34" charset="0"/>
-                <a:ea typeface="+mn-ea"/>
-                <a:cs typeface="Arial" panose="020B0604020202020204" pitchFamily="34" charset="0"/>
-              </a:defRPr>
-            </a:lvl5pPr>
-            <a:lvl6pPr marL="2514600" indent="-228600" algn="l" defTabSz="914400" rtl="0" eaLnBrk="1" latinLnBrk="0" hangingPunct="1">
-              <a:lnSpc>
-                <a:spcPct val="90000"/>
-              </a:lnSpc>
-              <a:spcBef>
-                <a:spcPts val="500"/>
-              </a:spcBef>
-              <a:buFont typeface="Arial" panose="020B0604020202020204" pitchFamily="34" charset="0"/>
-              <a:buChar char="•"/>
-              <a:defRPr sz="1800" kern="1200">
-                <a:solidFill>
-                  <a:schemeClr val="tx1"/>
-                </a:solidFill>
-                <a:latin typeface="+mn-lt"/>
-                <a:ea typeface="+mn-ea"/>
-                <a:cs typeface="+mn-cs"/>
-              </a:defRPr>
-            </a:lvl6pPr>
-            <a:lvl7pPr marL="2971800" indent="-228600" algn="l" defTabSz="914400" rtl="0" eaLnBrk="1" latinLnBrk="0" hangingPunct="1">
-              <a:lnSpc>
-                <a:spcPct val="90000"/>
-              </a:lnSpc>
-              <a:spcBef>
-                <a:spcPts val="500"/>
-              </a:spcBef>
-              <a:buFont typeface="Arial" panose="020B0604020202020204" pitchFamily="34" charset="0"/>
-              <a:buChar char="•"/>
-              <a:defRPr sz="1800" kern="1200">
-                <a:solidFill>
-                  <a:schemeClr val="tx1"/>
-                </a:solidFill>
-                <a:latin typeface="+mn-lt"/>
-                <a:ea typeface="+mn-ea"/>
-                <a:cs typeface="+mn-cs"/>
-              </a:defRPr>
-            </a:lvl7pPr>
-            <a:lvl8pPr marL="3429000" indent="-228600" algn="l" defTabSz="914400" rtl="0" eaLnBrk="1" latinLnBrk="0" hangingPunct="1">
-              <a:lnSpc>
-                <a:spcPct val="90000"/>
-              </a:lnSpc>
-              <a:spcBef>
-                <a:spcPts val="500"/>
-              </a:spcBef>
-              <a:buFont typeface="Arial" panose="020B0604020202020204" pitchFamily="34" charset="0"/>
-              <a:buChar char="•"/>
-              <a:defRPr sz="1800" kern="1200">
-                <a:solidFill>
-                  <a:schemeClr val="tx1"/>
-                </a:solidFill>
-                <a:latin typeface="+mn-lt"/>
-                <a:ea typeface="+mn-ea"/>
-                <a:cs typeface="+mn-cs"/>
-              </a:defRPr>
-            </a:lvl8pPr>
-            <a:lvl9pPr marL="3886200" indent="-228600" algn="l" defTabSz="914400" rtl="0" eaLnBrk="1" latinLnBrk="0" hangingPunct="1">
-              <a:lnSpc>
-                <a:spcPct val="90000"/>
-              </a:lnSpc>
-              <a:spcBef>
-                <a:spcPts val="500"/>
-              </a:spcBef>
-              <a:buFont typeface="Arial" panose="020B0604020202020204" pitchFamily="34" charset="0"/>
-              <a:buChar char="•"/>
-              <a:defRPr sz="1800" kern="1200">
-                <a:solidFill>
-                  <a:schemeClr val="tx1"/>
-                </a:solidFill>
-                <a:latin typeface="+mn-lt"/>
-                <a:ea typeface="+mn-ea"/>
-                <a:cs typeface="+mn-cs"/>
-              </a:defRPr>
-            </a:lvl9pPr>
-          </a:lstStyle>
-          <a:p>
-            <a:r>
-              <a:rPr lang="en-US" sz="2000" dirty="0"/>
-              <a:t>Analysis: 1000 Monte Carlo samples</a:t>
-            </a:r>
-          </a:p>
-          <a:p>
-            <a:pPr lvl="1"/>
-            <a:r>
-              <a:rPr lang="en-US" sz="2000" dirty="0"/>
-              <a:t>200 were run using the RELAP5-3D model</a:t>
-            </a:r>
-          </a:p>
-          <a:p>
-            <a:r>
-              <a:rPr lang="en-US" sz="2000" dirty="0"/>
-              <a:t>Computational time reduction: 800*4 = 3200 CPU hours </a:t>
-            </a:r>
-          </a:p>
-          <a:p>
-            <a:endParaRPr lang="en-US" dirty="0"/>
-          </a:p>
-        </p:txBody>
-      </p:sp>
-    </p:spTree>
-    <p:extLst>
-      <p:ext uri="{BB962C8B-B14F-4D97-AF65-F5344CB8AC3E}">
-        <p14:creationId xmlns:p14="http://schemas.microsoft.com/office/powerpoint/2010/main" val="261107202"/>
-      </p:ext>
-    </p:extLst>
-  </p:cSld>
-  <p:clrMapOvr>
-    <a:masterClrMapping/>
-  </p:clrMapOvr>
-</p:sld>
-</file>
-
-<file path=ppt/slides/slide31.xml><?xml version="1.0" encoding="utf-8"?>
-<p:sld xmlns:a="http://schemas.openxmlformats.org/drawingml/2006/main" xmlns:r="http://schemas.openxmlformats.org/officeDocument/2006/relationships" xmlns:p="http://schemas.openxmlformats.org/presentationml/2006/main">
-  <p:cSld>
-    <p:spTree>
-      <p:nvGrpSpPr>
-        <p:cNvPr id="1" name=""/>
-        <p:cNvGrpSpPr/>
-        <p:nvPr/>
-      </p:nvGrpSpPr>
-      <p:grpSpPr>
-        <a:xfrm>
-          <a:off x="0" y="0"/>
-          <a:ext cx="0" cy="0"/>
-          <a:chOff x="0" y="0"/>
-          <a:chExt cx="0" cy="0"/>
-        </a:xfrm>
-      </p:grpSpPr>
-      <p:sp>
-        <p:nvSpPr>
-          <p:cNvPr id="2" name="Title 1">
-            <a:extLst>
-              <a:ext uri="{FF2B5EF4-FFF2-40B4-BE49-F238E27FC236}">
-                <a16:creationId xmlns:a16="http://schemas.microsoft.com/office/drawing/2014/main" id="{5BA4EE74-8D29-150C-40ED-7DEA2304FEE5}"/>
-              </a:ext>
-            </a:extLst>
-          </p:cNvPr>
-          <p:cNvSpPr>
-            <a:spLocks noGrp="1"/>
-          </p:cNvSpPr>
-          <p:nvPr>
-            <p:ph type="title"/>
-          </p:nvPr>
-        </p:nvSpPr>
-        <p:spPr/>
-        <p:txBody>
-          <a:bodyPr/>
-          <a:lstStyle/>
-          <a:p>
-            <a:r>
-              <a:rPr lang="en-US" dirty="0"/>
-              <a:t>RAVEN Logical Model</a:t>
-            </a:r>
-          </a:p>
-        </p:txBody>
-      </p:sp>
-      <p:sp>
-        <p:nvSpPr>
-          <p:cNvPr id="3" name="Content Placeholder 2">
-            <a:extLst>
-              <a:ext uri="{FF2B5EF4-FFF2-40B4-BE49-F238E27FC236}">
-                <a16:creationId xmlns:a16="http://schemas.microsoft.com/office/drawing/2014/main" id="{94E3173B-F598-DC13-03C5-CA466BA7A407}"/>
-              </a:ext>
-            </a:extLst>
-          </p:cNvPr>
-          <p:cNvSpPr>
-            <a:spLocks noGrp="1"/>
-          </p:cNvSpPr>
-          <p:nvPr>
-            <p:ph idx="1"/>
-          </p:nvPr>
-        </p:nvSpPr>
-        <p:spPr>
-          <a:xfrm>
-            <a:off x="938150" y="1290321"/>
-            <a:ext cx="10975176" cy="2138680"/>
-          </a:xfrm>
-        </p:spPr>
-        <p:txBody>
-          <a:bodyPr/>
-          <a:lstStyle/>
-          <a:p>
-            <a:r>
-              <a:rPr lang="en-US" dirty="0"/>
-              <a:t>The </a:t>
-            </a:r>
-            <a:r>
-              <a:rPr lang="en-US" dirty="0" err="1"/>
-              <a:t>LogicalModel</a:t>
-            </a:r>
-            <a:r>
-              <a:rPr lang="en-US" dirty="0"/>
-              <a:t> is a model that execute a RAVEN model via a user provided control function</a:t>
-            </a:r>
-          </a:p>
-          <a:p>
-            <a:pPr lvl="1"/>
-            <a:r>
-              <a:rPr lang="en-US" dirty="0"/>
-              <a:t>Control function utilizes the inputs generated by RAVEN</a:t>
-            </a:r>
-          </a:p>
-          <a:p>
-            <a:pPr lvl="1"/>
-            <a:r>
-              <a:rPr lang="en-US" dirty="0"/>
-              <a:t>Control function determines which model to execute </a:t>
-            </a:r>
-          </a:p>
-          <a:p>
-            <a:pPr lvl="1"/>
-            <a:r>
-              <a:rPr lang="en-US" dirty="0"/>
-              <a:t>All models listed under </a:t>
-            </a:r>
-            <a:r>
-              <a:rPr lang="en-US" dirty="0" err="1"/>
-              <a:t>LogicalModel</a:t>
-            </a:r>
-            <a:r>
-              <a:rPr lang="en-US" dirty="0"/>
-              <a:t> should have the same inputs and outputs</a:t>
-            </a:r>
-          </a:p>
-        </p:txBody>
-      </p:sp>
-      <p:sp>
-        <p:nvSpPr>
-          <p:cNvPr id="4" name="Slide Number Placeholder 3">
-            <a:extLst>
-              <a:ext uri="{FF2B5EF4-FFF2-40B4-BE49-F238E27FC236}">
-                <a16:creationId xmlns:a16="http://schemas.microsoft.com/office/drawing/2014/main" id="{B5DA4A1F-0EE7-989D-613F-FD79DEBBDA65}"/>
-              </a:ext>
-            </a:extLst>
-          </p:cNvPr>
-          <p:cNvSpPr>
-            <a:spLocks noGrp="1"/>
-          </p:cNvSpPr>
-          <p:nvPr>
-            <p:ph type="sldNum" sz="quarter" idx="12"/>
-          </p:nvPr>
-        </p:nvSpPr>
-        <p:spPr/>
-        <p:txBody>
-          <a:bodyPr/>
-          <a:lstStyle/>
-          <a:p>
-            <a:fld id="{82B577FA-F7D9-2C48-919F-F962E3BF952F}" type="slidenum">
-              <a:rPr lang="en-US" smtClean="0"/>
-              <a:t>31</a:t>
-            </a:fld>
-            <a:endParaRPr lang="en-US"/>
-          </a:p>
-        </p:txBody>
-      </p:sp>
-      <p:pic>
-        <p:nvPicPr>
-          <p:cNvPr id="5" name="Picture 4">
-            <a:extLst>
-              <a:ext uri="{FF2B5EF4-FFF2-40B4-BE49-F238E27FC236}">
-                <a16:creationId xmlns:a16="http://schemas.microsoft.com/office/drawing/2014/main" id="{724018A4-CEDD-575B-CBDE-ED4E80BB10C7}"/>
-              </a:ext>
-            </a:extLst>
-          </p:cNvPr>
-          <p:cNvPicPr>
-            <a:picLocks noChangeAspect="1"/>
-          </p:cNvPicPr>
-          <p:nvPr/>
-        </p:nvPicPr>
-        <p:blipFill>
-          <a:blip r:embed="rId2"/>
-          <a:stretch>
-            <a:fillRect/>
-          </a:stretch>
-        </p:blipFill>
-        <p:spPr>
-          <a:xfrm>
-            <a:off x="2116183" y="3717736"/>
-            <a:ext cx="5943600" cy="1924996"/>
-          </a:xfrm>
-          <a:prstGeom prst="rect">
-            <a:avLst/>
-          </a:prstGeom>
-        </p:spPr>
-      </p:pic>
-      <p:sp>
-        <p:nvSpPr>
-          <p:cNvPr id="7" name="TextBox 6">
-            <a:extLst>
-              <a:ext uri="{FF2B5EF4-FFF2-40B4-BE49-F238E27FC236}">
-                <a16:creationId xmlns:a16="http://schemas.microsoft.com/office/drawing/2014/main" id="{11D1515E-48B5-2322-3C6F-D1C6CD4401B8}"/>
-              </a:ext>
-            </a:extLst>
-          </p:cNvPr>
-          <p:cNvSpPr txBox="1"/>
-          <p:nvPr/>
-        </p:nvSpPr>
-        <p:spPr>
-          <a:xfrm>
-            <a:off x="3287490" y="5954545"/>
-            <a:ext cx="1800493" cy="369332"/>
-          </a:xfrm>
-          <a:prstGeom prst="rect">
-            <a:avLst/>
-          </a:prstGeom>
-          <a:noFill/>
-        </p:spPr>
-        <p:txBody>
-          <a:bodyPr wrap="none" rtlCol="0">
-            <a:spAutoFit/>
-          </a:bodyPr>
-          <a:lstStyle/>
-          <a:p>
-            <a:r>
-              <a:rPr lang="en-US" dirty="0"/>
-              <a:t>Control function</a:t>
-            </a:r>
-          </a:p>
-        </p:txBody>
-      </p:sp>
-      <p:pic>
-        <p:nvPicPr>
-          <p:cNvPr id="1028" name="Picture 4" descr="Wavy Arrow Icon Element Different Kinds Stock Illustration 1022333833 |  Shutterstock">
-            <a:extLst>
-              <a:ext uri="{FF2B5EF4-FFF2-40B4-BE49-F238E27FC236}">
-                <a16:creationId xmlns:a16="http://schemas.microsoft.com/office/drawing/2014/main" id="{010E47D1-B586-2634-6EBE-FF86F866CB8C}"/>
-              </a:ext>
-            </a:extLst>
-          </p:cNvPr>
-          <p:cNvPicPr>
-            <a:picLocks noChangeAspect="1" noChangeArrowheads="1"/>
-          </p:cNvPicPr>
-          <p:nvPr/>
-        </p:nvPicPr>
-        <p:blipFill rotWithShape="1">
-          <a:blip r:embed="rId3">
-            <a:clrChange>
-              <a:clrFrom>
-                <a:srgbClr val="FFFFFF"/>
-              </a:clrFrom>
-              <a:clrTo>
-                <a:srgbClr val="FFFFFF">
-                  <a:alpha val="0"/>
-                </a:srgbClr>
-              </a:clrTo>
-            </a:clrChange>
-            <a:extLst>
-              <a:ext uri="{28A0092B-C50C-407E-A947-70E740481C1C}">
-                <a14:useLocalDpi xmlns:a14="http://schemas.microsoft.com/office/drawing/2010/main" val="0"/>
-              </a:ext>
-            </a:extLst>
-          </a:blip>
-          <a:srcRect l="22846" t="38385" r="22626" b="44962"/>
-          <a:stretch/>
-        </p:blipFill>
-        <p:spPr bwMode="auto">
-          <a:xfrm rot="16200000">
-            <a:off x="3493430" y="5166620"/>
-            <a:ext cx="1274311" cy="301537"/>
-          </a:xfrm>
-          <a:prstGeom prst="rect">
-            <a:avLst/>
-          </a:prstGeom>
-          <a:noFill/>
-          <a:extLst>
-            <a:ext uri="{909E8E84-426E-40DD-AFC4-6F175D3DCCD1}">
-              <a14:hiddenFill xmlns:a14="http://schemas.microsoft.com/office/drawing/2010/main">
-                <a:solidFill>
-                  <a:srgbClr val="FFFFFF"/>
-                </a:solidFill>
-              </a14:hiddenFill>
-            </a:ext>
-          </a:extLst>
-        </p:spPr>
-      </p:pic>
-    </p:spTree>
-    <p:extLst>
-      <p:ext uri="{BB962C8B-B14F-4D97-AF65-F5344CB8AC3E}">
-        <p14:creationId xmlns:p14="http://schemas.microsoft.com/office/powerpoint/2010/main" val="742772454"/>
-      </p:ext>
-    </p:extLst>
-  </p:cSld>
-  <p:clrMapOvr>
-    <a:masterClrMapping/>
-  </p:clrMapOvr>
-</p:sld>
-</file>
-
-<file path=ppt/slides/slide32.xml><?xml version="1.0" encoding="utf-8"?>
-<p:sld xmlns:a="http://schemas.openxmlformats.org/drawingml/2006/main" xmlns:r="http://schemas.openxmlformats.org/officeDocument/2006/relationships" xmlns:p="http://schemas.openxmlformats.org/presentationml/2006/main">
-  <p:cSld>
-    <p:spTree>
-      <p:nvGrpSpPr>
-        <p:cNvPr id="1" name=""/>
-        <p:cNvGrpSpPr/>
-        <p:nvPr/>
-      </p:nvGrpSpPr>
-      <p:grpSpPr>
-        <a:xfrm>
-          <a:off x="0" y="0"/>
-          <a:ext cx="0" cy="0"/>
-          <a:chOff x="0" y="0"/>
-          <a:chExt cx="0" cy="0"/>
-        </a:xfrm>
-      </p:grpSpPr>
-      <p:sp>
-        <p:nvSpPr>
-          <p:cNvPr id="2" name="Title 1">
-            <a:extLst>
-              <a:ext uri="{FF2B5EF4-FFF2-40B4-BE49-F238E27FC236}">
-                <a16:creationId xmlns:a16="http://schemas.microsoft.com/office/drawing/2014/main" id="{F5C6C006-3115-6810-2FCD-9E22A580ADE1}"/>
-              </a:ext>
-            </a:extLst>
-          </p:cNvPr>
-          <p:cNvSpPr>
-            <a:spLocks noGrp="1"/>
-          </p:cNvSpPr>
-          <p:nvPr>
-            <p:ph type="title"/>
-          </p:nvPr>
-        </p:nvSpPr>
-        <p:spPr/>
-        <p:txBody>
-          <a:bodyPr/>
-          <a:lstStyle/>
-          <a:p>
-            <a:r>
-              <a:rPr lang="en-US" dirty="0"/>
-              <a:t>RAVEN Logical Model</a:t>
-            </a:r>
-          </a:p>
-        </p:txBody>
-      </p:sp>
-      <p:sp>
-        <p:nvSpPr>
-          <p:cNvPr id="4" name="Slide Number Placeholder 3">
-            <a:extLst>
-              <a:ext uri="{FF2B5EF4-FFF2-40B4-BE49-F238E27FC236}">
-                <a16:creationId xmlns:a16="http://schemas.microsoft.com/office/drawing/2014/main" id="{F1ECC1AD-4513-DBE0-4E00-2719F96C3B7C}"/>
-              </a:ext>
-            </a:extLst>
-          </p:cNvPr>
-          <p:cNvSpPr>
-            <a:spLocks noGrp="1"/>
-          </p:cNvSpPr>
-          <p:nvPr>
-            <p:ph type="sldNum" sz="quarter" idx="12"/>
-          </p:nvPr>
-        </p:nvSpPr>
-        <p:spPr/>
-        <p:txBody>
-          <a:bodyPr/>
-          <a:lstStyle/>
-          <a:p>
-            <a:fld id="{82B577FA-F7D9-2C48-919F-F962E3BF952F}" type="slidenum">
-              <a:rPr lang="en-US" smtClean="0"/>
-              <a:t>32</a:t>
             </a:fld>
             <a:endParaRPr lang="en-US"/>
           </a:p>
@@ -25977,7 +25395,7 @@
 </p:sld>
 </file>
 
-<file path=ppt/slides/slide33.xml><?xml version="1.0" encoding="utf-8"?>
+<file path=ppt/slides/slide31.xml><?xml version="1.0" encoding="utf-8"?>
 <p:sld xmlns:a="http://schemas.openxmlformats.org/drawingml/2006/main" xmlns:r="http://schemas.openxmlformats.org/officeDocument/2006/relationships" xmlns:p="http://schemas.openxmlformats.org/presentationml/2006/main" show="0">
   <p:cSld>
     <p:spTree>
@@ -26133,7 +25551,7 @@
           <a:p>
             <a:fld id="{82B577FA-F7D9-2C48-919F-F962E3BF952F}" type="slidenum">
               <a:rPr lang="en-US" smtClean="0"/>
-              <a:t>33</a:t>
+              <a:t>31</a:t>
             </a:fld>
             <a:endParaRPr lang="en-US"/>
           </a:p>
@@ -26152,7 +25570,7 @@
 </p:sld>
 </file>
 
-<file path=ppt/slides/slide34.xml><?xml version="1.0" encoding="utf-8"?>
+<file path=ppt/slides/slide32.xml><?xml version="1.0" encoding="utf-8"?>
 <p:sld xmlns:a="http://schemas.openxmlformats.org/drawingml/2006/main" xmlns:r="http://schemas.openxmlformats.org/officeDocument/2006/relationships" xmlns:p="http://schemas.openxmlformats.org/presentationml/2006/main">
   <p:cSld>
     <p:spTree>
@@ -26296,7 +25714,7 @@
             </a:pPr>
             <a:r>
               <a:rPr lang="en-US" sz="2000" dirty="0"/>
-              <a:t>This class assembles multiple models (i.e., Code, External Model, ROM) by identifying:</a:t>
+              <a:t>This class assembles multiple RAVEN models by identifying</a:t>
             </a:r>
           </a:p>
           <a:p>
